--- a/slide/evfs_talk.pptx
+++ b/slide/evfs_talk.pptx
@@ -11,12 +11,12 @@
     <p:sldId id="256" r:id="rId2"/>
     <p:sldId id="288" r:id="rId3"/>
     <p:sldId id="290" r:id="rId4"/>
-    <p:sldId id="360" r:id="rId5"/>
+    <p:sldId id="385" r:id="rId5"/>
     <p:sldId id="383" r:id="rId6"/>
     <p:sldId id="340" r:id="rId7"/>
     <p:sldId id="341" r:id="rId8"/>
     <p:sldId id="369" r:id="rId9"/>
-    <p:sldId id="371" r:id="rId10"/>
+    <p:sldId id="386" r:id="rId10"/>
     <p:sldId id="344" r:id="rId11"/>
     <p:sldId id="372" r:id="rId12"/>
     <p:sldId id="352" r:id="rId13"/>
@@ -147,12 +147,12 @@
             <p14:sldId id="256"/>
             <p14:sldId id="288"/>
             <p14:sldId id="290"/>
-            <p14:sldId id="360"/>
+            <p14:sldId id="385"/>
             <p14:sldId id="383"/>
             <p14:sldId id="340"/>
             <p14:sldId id="341"/>
             <p14:sldId id="369"/>
-            <p14:sldId id="371"/>
+            <p14:sldId id="386"/>
             <p14:sldId id="344"/>
             <p14:sldId id="372"/>
             <p14:sldId id="352"/>
@@ -189,7 +189,7 @@
 </file>
 
 <file path=ppt/charts/chart1.xml><?xml version="1.0" encoding="utf-8"?>
-<c:chartSpace xmlns:c="http://schemas.openxmlformats.org/drawingml/2006/chart" xmlns:a="http://schemas.openxmlformats.org/drawingml/2006/main" xmlns:r="http://schemas.openxmlformats.org/officeDocument/2006/relationships" xmlns:c16r2="http://schemas.microsoft.com/office/drawing/2015/06/chart">
+<c:chartSpace xmlns:c="http://schemas.openxmlformats.org/drawingml/2006/chart" xmlns:a="http://schemas.openxmlformats.org/drawingml/2006/main" xmlns:r="http://schemas.openxmlformats.org/officeDocument/2006/relationships">
   <c:date1904 val="0"/>
   <c:lang val="en-US"/>
   <c:roundedCorners val="0"/>
@@ -300,7 +300,7 @@
             </c:numRef>
           </c:val>
           <c:smooth val="0"/>
-          <c:extLst>
+          <c:extLst xmlns:c16r2="http://schemas.microsoft.com/office/drawing/2015/06/chart">
             <c:ext xmlns:c16="http://schemas.microsoft.com/office/drawing/2014/chart" uri="{C3380CC4-5D6E-409C-BE32-E72D297353CC}">
               <c16:uniqueId val="{00000000-9CC1-4262-BF0E-2ECA5CEA12BB}"/>
             </c:ext>
@@ -388,7 +388,7 @@
             </c:numRef>
           </c:val>
           <c:smooth val="0"/>
-          <c:extLst>
+          <c:extLst xmlns:c16r2="http://schemas.microsoft.com/office/drawing/2015/06/chart">
             <c:ext xmlns:c16="http://schemas.microsoft.com/office/drawing/2014/chart" uri="{C3380CC4-5D6E-409C-BE32-E72D297353CC}">
               <c16:uniqueId val="{00000002-9CC1-4262-BF0E-2ECA5CEA12BB}"/>
             </c:ext>
@@ -404,11 +404,11 @@
         </c:dLbls>
         <c:marker val="1"/>
         <c:smooth val="0"/>
-        <c:axId val="-1835777216"/>
-        <c:axId val="-1835778848"/>
+        <c:axId val="-542709312"/>
+        <c:axId val="-542708224"/>
       </c:lineChart>
       <c:catAx>
-        <c:axId val="-1835777216"/>
+        <c:axId val="-542709312"/>
         <c:scaling>
           <c:orientation val="minMax"/>
         </c:scaling>
@@ -509,7 +509,7 @@
             <a:endParaRPr lang="en-US"/>
           </a:p>
         </c:txPr>
-        <c:crossAx val="-1835778848"/>
+        <c:crossAx val="-542708224"/>
         <c:crosses val="autoZero"/>
         <c:auto val="0"/>
         <c:lblAlgn val="ctr"/>
@@ -517,7 +517,7 @@
         <c:noMultiLvlLbl val="0"/>
       </c:catAx>
       <c:valAx>
-        <c:axId val="-1835778848"/>
+        <c:axId val="-542708224"/>
         <c:scaling>
           <c:logBase val="4"/>
           <c:orientation val="minMax"/>
@@ -614,7 +614,7 @@
             <a:endParaRPr lang="en-US"/>
           </a:p>
         </c:txPr>
-        <c:crossAx val="-1835777216"/>
+        <c:crossAx val="-542709312"/>
         <c:crosses val="autoZero"/>
         <c:crossBetween val="between"/>
       </c:valAx>
@@ -1735,25 +1735,68 @@
           <a:bodyPr/>
           <a:lstStyle/>
           <a:p>
+            <a:pPr marL="0" marR="0" lvl="0" indent="0" algn="l" defTabSz="914400" rtl="0" eaLnBrk="1" fontAlgn="auto" latinLnBrk="0" hangingPunct="1">
+              <a:lnSpc>
+                <a:spcPct val="100000"/>
+              </a:lnSpc>
+              <a:spcBef>
+                <a:spcPts val="0"/>
+              </a:spcBef>
+              <a:spcAft>
+                <a:spcPts val="0"/>
+              </a:spcAft>
+              <a:buClrTx/>
+              <a:buSzTx/>
+              <a:buFontTx/>
+              <a:buNone/>
+              <a:tabLst/>
+              <a:defRPr/>
+            </a:pPr>
+            <a:r>
+              <a:rPr lang="en-CA" dirty="0" smtClean="0"/>
+              <a:t>Similarly, </a:t>
+            </a:r>
+            <a:r>
+              <a:rPr lang="en-CA" baseline="0" dirty="0" err="1" smtClean="0"/>
+              <a:t>evfs</a:t>
+            </a:r>
+            <a:r>
+              <a:rPr lang="en-CA" baseline="0" smtClean="0"/>
+              <a:t> supports </a:t>
+            </a:r>
+            <a:r>
+              <a:rPr lang="en-CA" baseline="0" dirty="0" smtClean="0"/>
+              <a:t>adding and removing directory entries for a directory </a:t>
+            </a:r>
+            <a:r>
+              <a:rPr lang="en-CA" baseline="0" dirty="0" err="1" smtClean="0"/>
+              <a:t>inode</a:t>
+            </a:r>
+            <a:r>
+              <a:rPr lang="en-CA" baseline="0" dirty="0" smtClean="0"/>
+              <a:t>, as well as iterating through directory entries inside a directory.</a:t>
+            </a:r>
+            <a:endParaRPr lang="en-CA" dirty="0" smtClean="0"/>
+          </a:p>
+          <a:p>
+            <a:endParaRPr lang="en-CA" dirty="0" smtClean="0"/>
+          </a:p>
+          <a:p>
             <a:r>
               <a:rPr lang="en-CA" dirty="0" err="1" smtClean="0"/>
               <a:t>eVFS</a:t>
             </a:r>
             <a:r>
               <a:rPr lang="en-CA" dirty="0" smtClean="0"/>
-              <a:t> also</a:t>
+              <a:t> </a:t>
+            </a:r>
+            <a:r>
+              <a:rPr lang="en-CA" dirty="0" smtClean="0"/>
+              <a:t>also</a:t>
             </a:r>
             <a:r>
               <a:rPr lang="en-CA" baseline="0" dirty="0" smtClean="0"/>
-              <a:t> provides </a:t>
-            </a:r>
-            <a:r>
-              <a:rPr lang="en-CA" baseline="0" dirty="0" smtClean="0"/>
-              <a:t>support for crash consistency via the transaction begin/commit interface. This protects </a:t>
-            </a:r>
-            <a:r>
-              <a:rPr lang="en-CA" baseline="0" dirty="0" smtClean="0"/>
-              <a:t>the file system from corruption and data loss and makes </a:t>
+              <a:t> provides support for crash consistency via the transaction begin/commit interface. This protects the file system from corruption and data loss and makes </a:t>
             </a:r>
             <a:r>
               <a:rPr lang="en-CA" baseline="0" dirty="0" err="1" smtClean="0"/>
@@ -2746,11 +2789,7 @@
             </a:r>
             <a:r>
               <a:rPr lang="en-CA" dirty="0" smtClean="0"/>
-              <a:t>lass of applications that work with file system metadata that we call file-system management </a:t>
-            </a:r>
-            <a:r>
-              <a:rPr lang="en-CA" dirty="0" smtClean="0"/>
-              <a:t>applications. These</a:t>
+              <a:t>lass of applications that work with file system metadata that we call file-system management applications. These</a:t>
             </a:r>
             <a:r>
               <a:rPr lang="en-CA" baseline="0" dirty="0" smtClean="0"/>
@@ -4038,6 +4077,23 @@
           <a:bodyPr/>
           <a:lstStyle/>
           <a:p>
+            <a:pPr marL="0" marR="0" lvl="0" indent="0" algn="l" defTabSz="914400" rtl="0" eaLnBrk="1" fontAlgn="auto" latinLnBrk="0" hangingPunct="1">
+              <a:lnSpc>
+                <a:spcPct val="100000"/>
+              </a:lnSpc>
+              <a:spcBef>
+                <a:spcPts val="0"/>
+              </a:spcBef>
+              <a:spcAft>
+                <a:spcPts val="0"/>
+              </a:spcAft>
+              <a:buClrTx/>
+              <a:buSzTx/>
+              <a:buFontTx/>
+              <a:buNone/>
+              <a:tabLst/>
+              <a:defRPr/>
+            </a:pPr>
             <a:r>
               <a:rPr lang="en-CA" baseline="0" dirty="0" smtClean="0"/>
               <a:t>file system management applications operate </a:t>
@@ -4048,10 +4104,24 @@
             </a:r>
             <a:r>
               <a:rPr lang="en-CA" baseline="0" dirty="0" smtClean="0"/>
-              <a:t> on disk. For example, …… … file into larger, contiguous extents.</a:t>
-            </a:r>
-          </a:p>
-          <a:p>
+              <a:t> on disk. For example, </a:t>
+            </a:r>
+            <a:r>
+              <a:rPr lang="en-CA" dirty="0" smtClean="0"/>
+              <a:t>a defragmentation tool moves extents of a fragmented </a:t>
+            </a:r>
+            <a:r>
+              <a:rPr lang="en-CA" baseline="0" dirty="0" smtClean="0"/>
+              <a:t>file </a:t>
+            </a:r>
+            <a:r>
+              <a:rPr lang="en-CA" baseline="0" dirty="0" smtClean="0"/>
+              <a:t>into larger, contiguous extents</a:t>
+            </a:r>
+            <a:r>
+              <a:rPr lang="en-CA" baseline="0" dirty="0" smtClean="0"/>
+              <a:t>.</a:t>
+            </a:r>
             <a:endParaRPr lang="en-CA" baseline="0" dirty="0" smtClean="0"/>
           </a:p>
           <a:p>
@@ -4214,19 +4284,7 @@
             </a:r>
             <a:r>
               <a:rPr lang="en-CA" baseline="0" dirty="0" smtClean="0"/>
-              <a:t> file system uses </a:t>
-            </a:r>
-            <a:r>
-              <a:rPr lang="en-CA" baseline="0" dirty="0" smtClean="0"/>
-              <a:t>B-tree-based </a:t>
-            </a:r>
-            <a:r>
-              <a:rPr lang="en-CA" baseline="0" dirty="0" smtClean="0"/>
-              <a:t>structures to store its </a:t>
-            </a:r>
-            <a:r>
-              <a:rPr lang="en-CA" baseline="0" dirty="0" smtClean="0"/>
-              <a:t>metadata. For example, to defragment a file, we need to traverse and modify totally different data structures in these file systems.</a:t>
+              <a:t> file system uses B-tree-based structures to store its metadata. In order to defragment a file, for example, we need to traverse and modify totally different data structures in these file systems.</a:t>
             </a:r>
           </a:p>
           <a:p>
@@ -4260,7 +4318,7 @@
     </p:spTree>
     <p:extLst>
       <p:ext uri="{BB962C8B-B14F-4D97-AF65-F5344CB8AC3E}">
-        <p14:creationId xmlns:p14="http://schemas.microsoft.com/office/powerpoint/2010/main" val="1652926081"/>
+        <p14:creationId xmlns:p14="http://schemas.microsoft.com/office/powerpoint/2010/main" val="2717652319"/>
       </p:ext>
     </p:extLst>
   </p:cSld>
@@ -4331,11 +4389,7 @@
             </a:r>
             <a:r>
               <a:rPr lang="en-CA" baseline="0" dirty="0" smtClean="0"/>
-              <a:t>developed </a:t>
-            </a:r>
-            <a:r>
-              <a:rPr lang="en-CA" baseline="0" dirty="0" smtClean="0"/>
-              <a:t>by </a:t>
+              <a:t>developed by </a:t>
             </a:r>
             <a:r>
               <a:rPr lang="en-CA" dirty="0" smtClean="0"/>
@@ -4443,60 +4497,16 @@
             </a:r>
             <a:r>
               <a:rPr lang="en-CA" baseline="0" dirty="0" smtClean="0"/>
-              <a:t> </a:t>
-            </a:r>
+              <a:t> work is to design an interface that enables building generic file system management applications. For example, we would like to build a single defragmentation tool that works for all file systems that support this generic interface.</a:t>
+            </a:r>
+          </a:p>
+          <a:p>
+            <a:endParaRPr lang="en-CA" baseline="0" dirty="0" smtClean="0"/>
+          </a:p>
+          <a:p>
             <a:r>
               <a:rPr lang="en-CA" baseline="0" dirty="0" smtClean="0"/>
-              <a:t>work is </a:t>
-            </a:r>
-            <a:r>
-              <a:rPr lang="en-CA" baseline="0" dirty="0" smtClean="0"/>
-              <a:t>to design an interface that enables </a:t>
-            </a:r>
-            <a:r>
-              <a:rPr lang="en-CA" baseline="0" dirty="0" smtClean="0"/>
-              <a:t>building generic </a:t>
-            </a:r>
-            <a:r>
-              <a:rPr lang="en-CA" baseline="0" dirty="0" smtClean="0"/>
-              <a:t>file system management applications. </a:t>
-            </a:r>
-            <a:r>
-              <a:rPr lang="en-CA" baseline="0" dirty="0" smtClean="0"/>
-              <a:t>For example, we would like to build a single defragmentation tool that works </a:t>
-            </a:r>
-            <a:r>
-              <a:rPr lang="en-CA" baseline="0" dirty="0" smtClean="0"/>
-              <a:t>for all file systems that support this </a:t>
-            </a:r>
-            <a:r>
-              <a:rPr lang="en-CA" baseline="0" dirty="0" smtClean="0"/>
-              <a:t>generic interface.</a:t>
-            </a:r>
-          </a:p>
-          <a:p>
-            <a:endParaRPr lang="en-CA" baseline="0" dirty="0" smtClean="0"/>
-          </a:p>
-          <a:p>
-            <a:r>
-              <a:rPr lang="en-CA" baseline="0" dirty="0" smtClean="0"/>
-              <a:t>The challenge is that these </a:t>
-            </a:r>
-            <a:r>
-              <a:rPr lang="en-CA" baseline="0" dirty="0" smtClean="0"/>
-              <a:t>applications require fine-grained control over file system metadata and data, such as the ability to migrate data blocks to another physical </a:t>
-            </a:r>
-            <a:r>
-              <a:rPr lang="en-CA" baseline="0" dirty="0" smtClean="0"/>
-              <a:t>location, which appears to be a file system specific operation, and yet our API needs to provide such control while being able to work </a:t>
-            </a:r>
-            <a:r>
-              <a:rPr lang="en-CA" baseline="0" dirty="0" smtClean="0"/>
-              <a:t>across diverse file systems</a:t>
-            </a:r>
-            <a:r>
-              <a:rPr lang="en-CA" baseline="0" dirty="0" smtClean="0"/>
-              <a:t>.</a:t>
+              <a:t>The challenge is that these applications require fine-grained control over file system metadata and data, such as the ability to migrate data blocks to another physical location, which appears to be a file system specific operation, and yet our API needs to provide such control while being able to work across diverse file systems.</a:t>
             </a:r>
           </a:p>
         </p:txBody>
@@ -4581,9 +4591,6 @@
           <a:bodyPr/>
           <a:lstStyle/>
           <a:p>
-            <a:endParaRPr lang="en-CA" dirty="0" smtClean="0"/>
-          </a:p>
-          <a:p>
             <a:pPr marL="0" marR="0" indent="0" algn="l" defTabSz="914400" rtl="0" eaLnBrk="1" fontAlgn="auto" latinLnBrk="0" hangingPunct="1">
               <a:lnSpc>
                 <a:spcPct val="100000"/>
@@ -4603,7 +4610,11 @@
             </a:pPr>
             <a:r>
               <a:rPr lang="en-CA" baseline="0" dirty="0" smtClean="0"/>
-              <a:t>As we have seen, it is hard to define a generic API based on individual file system structures. Instead, we design an API based on low-level file system abstractions. Our insight is that file system management applications operate on common file system objects, for example, blocks, </a:t>
+              <a:t>As </a:t>
+            </a:r>
+            <a:r>
+              <a:rPr lang="en-CA" baseline="0" dirty="0" smtClean="0"/>
+              <a:t>we have seen, it is hard to define a generic API based on individual file system structures. Instead, we design an API based on low-level file system abstractions. Our insight is that file system management applications operate on common file system objects, for example, blocks, </a:t>
             </a:r>
             <a:r>
               <a:rPr lang="en-CA" baseline="0" dirty="0" err="1" smtClean="0"/>
@@ -4628,71 +4639,7 @@
           <a:p>
             <a:r>
               <a:rPr lang="en-CA" baseline="0" dirty="0" smtClean="0"/>
-              <a:t>For </a:t>
-            </a:r>
-            <a:r>
-              <a:rPr lang="en-CA" baseline="0" dirty="0" smtClean="0"/>
-              <a:t>example, a defragmentation </a:t>
-            </a:r>
-            <a:r>
-              <a:rPr lang="en-CA" baseline="0" dirty="0" smtClean="0"/>
-              <a:t>tool can find the </a:t>
-            </a:r>
-            <a:r>
-              <a:rPr lang="en-CA" baseline="0" dirty="0" smtClean="0"/>
-              <a:t>fragmented blocks of a </a:t>
-            </a:r>
-            <a:r>
-              <a:rPr lang="en-CA" baseline="0" dirty="0" smtClean="0"/>
-              <a:t>file by iterating </a:t>
-            </a:r>
-            <a:r>
-              <a:rPr lang="en-CA" baseline="0" dirty="0" smtClean="0"/>
-              <a:t>through </a:t>
-            </a:r>
-            <a:r>
-              <a:rPr lang="en-CA" baseline="0" dirty="0" smtClean="0"/>
-              <a:t>the file’s logical </a:t>
-            </a:r>
-            <a:r>
-              <a:rPr lang="en-CA" baseline="0" dirty="0" smtClean="0"/>
-              <a:t>to physical block mappings. Then, it </a:t>
-            </a:r>
-            <a:r>
-              <a:rPr lang="en-CA" baseline="0" dirty="0" smtClean="0"/>
-              <a:t>can relocate </a:t>
-            </a:r>
-            <a:r>
-              <a:rPr lang="en-CA" baseline="0" dirty="0" smtClean="0"/>
-              <a:t>the </a:t>
-            </a:r>
-            <a:r>
-              <a:rPr lang="en-CA" baseline="0" dirty="0" smtClean="0"/>
-              <a:t>fragmented blocks </a:t>
-            </a:r>
-            <a:r>
-              <a:rPr lang="en-CA" baseline="0" dirty="0" smtClean="0"/>
-              <a:t>to a contiguous extent, which requires </a:t>
-            </a:r>
-            <a:r>
-              <a:rPr lang="en-CA" baseline="0" dirty="0" smtClean="0"/>
-              <a:t>allocating an extent, copying the blocks, </a:t>
-            </a:r>
-            <a:r>
-              <a:rPr lang="en-CA" baseline="0" dirty="0" smtClean="0"/>
-              <a:t>and remapping the </a:t>
-            </a:r>
-            <a:r>
-              <a:rPr lang="en-CA" baseline="0" dirty="0" smtClean="0"/>
-              <a:t>file’s logical blocks </a:t>
-            </a:r>
-            <a:r>
-              <a:rPr lang="en-CA" baseline="0" dirty="0" smtClean="0"/>
-              <a:t>to the new </a:t>
-            </a:r>
-            <a:r>
-              <a:rPr lang="en-CA" baseline="0" dirty="0" smtClean="0"/>
-              <a:t>extent.</a:t>
+              <a:t>For example, a defragmentation tool can find the fragmented blocks of a file by iterating through the file’s logical to physical block mappings. Then, it can relocate the fragmented blocks to a contiguous extent, which requires allocating an extent, copying the blocks, and remapping the file’s logical blocks to the new extent.</a:t>
             </a:r>
           </a:p>
           <a:p>
@@ -5058,11 +5005,7 @@
             </a:pPr>
             <a:r>
               <a:rPr lang="en-CA" dirty="0" smtClean="0"/>
-              <a:t>Many </a:t>
-            </a:r>
-            <a:r>
-              <a:rPr lang="en-CA" dirty="0" smtClean="0"/>
-              <a:t>file system</a:t>
+              <a:t>Many file system</a:t>
             </a:r>
             <a:r>
               <a:rPr lang="en-CA" baseline="0" dirty="0" smtClean="0"/>
@@ -5225,46 +5168,6 @@
             <a:endParaRPr lang="en-CA" dirty="0" smtClean="0"/>
           </a:p>
           <a:p>
-            <a:pPr marL="0" marR="0" lvl="0" indent="0" algn="l" defTabSz="914400" rtl="0" eaLnBrk="1" fontAlgn="auto" latinLnBrk="0" hangingPunct="1">
-              <a:lnSpc>
-                <a:spcPct val="100000"/>
-              </a:lnSpc>
-              <a:spcBef>
-                <a:spcPts val="0"/>
-              </a:spcBef>
-              <a:spcAft>
-                <a:spcPts val="0"/>
-              </a:spcAft>
-              <a:buClrTx/>
-              <a:buSzTx/>
-              <a:buFontTx/>
-              <a:buNone/>
-              <a:tabLst/>
-              <a:defRPr/>
-            </a:pPr>
-            <a:r>
-              <a:rPr lang="en-CA" dirty="0" smtClean="0"/>
-              <a:t>Lastly, </a:t>
-            </a:r>
-            <a:r>
-              <a:rPr lang="en-CA" baseline="0" dirty="0" err="1" smtClean="0"/>
-              <a:t>evfs</a:t>
-            </a:r>
-            <a:r>
-              <a:rPr lang="en-CA" baseline="0" dirty="0" smtClean="0"/>
-              <a:t> also supports adding and removing directory entries for a directory </a:t>
-            </a:r>
-            <a:r>
-              <a:rPr lang="en-CA" baseline="0" dirty="0" err="1" smtClean="0"/>
-              <a:t>inode</a:t>
-            </a:r>
-            <a:r>
-              <a:rPr lang="en-CA" baseline="0" dirty="0" smtClean="0"/>
-              <a:t>, as well as iterating through directory entries inside a directory.</a:t>
-            </a:r>
-            <a:endParaRPr lang="en-CA" dirty="0" smtClean="0"/>
-          </a:p>
-          <a:p>
             <a:endParaRPr lang="en-CA" dirty="0" smtClean="0"/>
           </a:p>
         </p:txBody>
@@ -5295,7 +5198,7 @@
     </p:spTree>
     <p:extLst>
       <p:ext uri="{BB962C8B-B14F-4D97-AF65-F5344CB8AC3E}">
-        <p14:creationId xmlns:p14="http://schemas.microsoft.com/office/powerpoint/2010/main" val="2444843569"/>
+        <p14:creationId xmlns:p14="http://schemas.microsoft.com/office/powerpoint/2010/main" val="576149495"/>
       </p:ext>
     </p:extLst>
   </p:cSld>
@@ -11029,8 +10932,12 @@
           <a:lstStyle/>
           <a:p>
             <a:r>
-              <a:rPr lang="en-CA" dirty="0" smtClean="0"/>
-              <a:t>Transactional Support</a:t>
+              <a:rPr lang="en-CA" dirty="0" err="1"/>
+              <a:t>eVFS</a:t>
+            </a:r>
+            <a:r>
+              <a:rPr lang="en-CA" dirty="0"/>
+              <a:t> Operations</a:t>
             </a:r>
             <a:endParaRPr lang="en-CA" dirty="0"/>
           </a:p>
@@ -11046,21 +10953,30 @@
             <p:ph idx="1"/>
           </p:nvPr>
         </p:nvSpPr>
-        <p:spPr/>
+        <p:spPr>
+          <a:xfrm>
+            <a:off x="684211" y="4547286"/>
+            <a:ext cx="10285797" cy="1624913"/>
+          </a:xfrm>
+        </p:spPr>
         <p:txBody>
           <a:bodyPr/>
           <a:lstStyle/>
           <a:p>
             <a:r>
               <a:rPr lang="en-CA" dirty="0" smtClean="0"/>
-              <a:t>Provides crash consistency</a:t>
+              <a:t>Crash consistency</a:t>
             </a:r>
           </a:p>
           <a:p>
             <a:pPr lvl="1"/>
             <a:r>
               <a:rPr lang="en-CA" dirty="0" smtClean="0"/>
-              <a:t>Protects file system from corruption and data loss</a:t>
+              <a:t>Protects </a:t>
+            </a:r>
+            <a:r>
+              <a:rPr lang="en-CA" dirty="0" smtClean="0"/>
+              <a:t>file system from corruption and data loss</a:t>
             </a:r>
           </a:p>
           <a:p>
@@ -11073,47 +10989,6 @@
               <a:rPr lang="en-CA" dirty="0" smtClean="0"/>
               <a:t>applications</a:t>
             </a:r>
-          </a:p>
-          <a:p>
-            <a:pPr marL="457200" lvl="1" indent="0">
-              <a:buNone/>
-            </a:pPr>
-            <a:endParaRPr lang="en-CA" dirty="0" smtClean="0"/>
-          </a:p>
-          <a:p>
-            <a:r>
-              <a:rPr lang="en-CA" dirty="0" err="1" smtClean="0"/>
-              <a:t>tx_begin</a:t>
-            </a:r>
-            <a:r>
-              <a:rPr lang="en-CA" dirty="0" smtClean="0"/>
-              <a:t> / </a:t>
-            </a:r>
-            <a:r>
-              <a:rPr lang="en-CA" dirty="0" err="1" smtClean="0"/>
-              <a:t>tx_abort</a:t>
-            </a:r>
-            <a:r>
-              <a:rPr lang="en-CA" dirty="0" smtClean="0"/>
-              <a:t> / </a:t>
-            </a:r>
-            <a:r>
-              <a:rPr lang="en-CA" dirty="0" err="1" smtClean="0"/>
-              <a:t>tx_commit</a:t>
-            </a:r>
-            <a:endParaRPr lang="en-CA" dirty="0" smtClean="0"/>
-          </a:p>
-          <a:p>
-            <a:pPr lvl="1"/>
-            <a:r>
-              <a:rPr lang="en-CA" dirty="0" smtClean="0"/>
-              <a:t>Starts, aborts, or commits a transaction</a:t>
-            </a:r>
-          </a:p>
-          <a:p>
-            <a:pPr marL="457200" lvl="1" indent="0">
-              <a:buNone/>
-            </a:pPr>
             <a:endParaRPr lang="en-CA" dirty="0" smtClean="0"/>
           </a:p>
         </p:txBody>
@@ -11142,6 +11017,1300 @@
           </a:p>
         </p:txBody>
       </p:sp>
+      <p:graphicFrame>
+        <p:nvGraphicFramePr>
+          <p:cNvPr id="5" name="Content Placeholder 4"/>
+          <p:cNvGraphicFramePr>
+            <a:graphicFrameLocks/>
+          </p:cNvGraphicFramePr>
+          <p:nvPr>
+            <p:extLst>
+              <p:ext uri="{D42A27DB-BD31-4B8C-83A1-F6EECF244321}">
+                <p14:modId xmlns:p14="http://schemas.microsoft.com/office/powerpoint/2010/main" val="3555022945"/>
+              </p:ext>
+            </p:extLst>
+          </p:nvPr>
+        </p:nvGraphicFramePr>
+        <p:xfrm>
+          <a:off x="684213" y="1516063"/>
+          <a:ext cx="9633679" cy="2773680"/>
+        </p:xfrm>
+        <a:graphic>
+          <a:graphicData uri="http://schemas.openxmlformats.org/drawingml/2006/table">
+            <a:tbl>
+              <a:tblPr firstRow="1" bandRow="1">
+                <a:tableStyleId>{5940675A-B579-460E-94D1-54222C63F5DA}</a:tableStyleId>
+              </a:tblPr>
+              <a:tblGrid>
+                <a:gridCol w="1651214">
+                  <a:extLst>
+                    <a:ext uri="{9D8B030D-6E8A-4147-A177-3AD203B41FA5}">
+                      <a16:colId xmlns:a16="http://schemas.microsoft.com/office/drawing/2014/main" xmlns="" val="20000"/>
+                    </a:ext>
+                  </a:extLst>
+                </a:gridCol>
+                <a:gridCol w="2545492">
+                  <a:extLst>
+                    <a:ext uri="{9D8B030D-6E8A-4147-A177-3AD203B41FA5}">
+                      <a16:colId xmlns:a16="http://schemas.microsoft.com/office/drawing/2014/main" xmlns="" val="20001"/>
+                    </a:ext>
+                  </a:extLst>
+                </a:gridCol>
+                <a:gridCol w="5436973">
+                  <a:extLst>
+                    <a:ext uri="{9D8B030D-6E8A-4147-A177-3AD203B41FA5}">
+                      <a16:colId xmlns:a16="http://schemas.microsoft.com/office/drawing/2014/main" xmlns="" val="20002"/>
+                    </a:ext>
+                  </a:extLst>
+                </a:gridCol>
+              </a:tblGrid>
+              <a:tr h="370840">
+                <a:tc>
+                  <a:txBody>
+                    <a:bodyPr/>
+                    <a:lstStyle/>
+                    <a:p>
+                      <a:r>
+                        <a:rPr lang="en-CA" sz="2000" b="1" dirty="0" smtClean="0">
+                          <a:solidFill>
+                            <a:sysClr val="windowText" lastClr="000000"/>
+                          </a:solidFill>
+                        </a:rPr>
+                        <a:t>FS Object</a:t>
+                      </a:r>
+                      <a:endParaRPr lang="en-CA" sz="2000" b="1" dirty="0">
+                        <a:solidFill>
+                          <a:sysClr val="windowText" lastClr="000000"/>
+                        </a:solidFill>
+                      </a:endParaRPr>
+                    </a:p>
+                  </a:txBody>
+                  <a:tcPr>
+                    <a:lnL w="12700" cap="flat" cmpd="sng" algn="ctr">
+                      <a:solidFill>
+                        <a:schemeClr val="bg1"/>
+                      </a:solidFill>
+                      <a:prstDash val="solid"/>
+                      <a:round/>
+                      <a:headEnd type="none" w="med" len="med"/>
+                      <a:tailEnd type="none" w="med" len="med"/>
+                    </a:lnL>
+                    <a:lnR w="12700" cap="flat" cmpd="sng" algn="ctr">
+                      <a:solidFill>
+                        <a:schemeClr val="bg1"/>
+                      </a:solidFill>
+                      <a:prstDash val="solid"/>
+                      <a:round/>
+                      <a:headEnd type="none" w="med" len="med"/>
+                      <a:tailEnd type="none" w="med" len="med"/>
+                    </a:lnR>
+                    <a:lnT w="12700" cap="flat" cmpd="sng" algn="ctr">
+                      <a:solidFill>
+                        <a:schemeClr val="bg1"/>
+                      </a:solidFill>
+                      <a:prstDash val="solid"/>
+                      <a:round/>
+                      <a:headEnd type="none" w="med" len="med"/>
+                      <a:tailEnd type="none" w="med" len="med"/>
+                    </a:lnT>
+                    <a:lnB w="12700" cap="flat" cmpd="sng" algn="ctr">
+                      <a:solidFill>
+                        <a:schemeClr val="bg1"/>
+                      </a:solidFill>
+                      <a:prstDash val="solid"/>
+                      <a:round/>
+                      <a:headEnd type="none" w="med" len="med"/>
+                      <a:tailEnd type="none" w="med" len="med"/>
+                    </a:lnB>
+                  </a:tcPr>
+                </a:tc>
+                <a:tc>
+                  <a:txBody>
+                    <a:bodyPr/>
+                    <a:lstStyle/>
+                    <a:p>
+                      <a:r>
+                        <a:rPr lang="en-CA" sz="2000" b="1" dirty="0" smtClean="0">
+                          <a:solidFill>
+                            <a:sysClr val="windowText" lastClr="000000"/>
+                          </a:solidFill>
+                        </a:rPr>
+                        <a:t>Operations</a:t>
+                      </a:r>
+                      <a:endParaRPr lang="en-CA" sz="2000" b="1" dirty="0">
+                        <a:solidFill>
+                          <a:sysClr val="windowText" lastClr="000000"/>
+                        </a:solidFill>
+                      </a:endParaRPr>
+                    </a:p>
+                  </a:txBody>
+                  <a:tcPr>
+                    <a:lnL w="12700" cap="flat" cmpd="sng" algn="ctr">
+                      <a:solidFill>
+                        <a:schemeClr val="bg1"/>
+                      </a:solidFill>
+                      <a:prstDash val="solid"/>
+                      <a:round/>
+                      <a:headEnd type="none" w="med" len="med"/>
+                      <a:tailEnd type="none" w="med" len="med"/>
+                    </a:lnL>
+                    <a:lnR w="12700" cap="flat" cmpd="sng" algn="ctr">
+                      <a:solidFill>
+                        <a:schemeClr val="bg1"/>
+                      </a:solidFill>
+                      <a:prstDash val="solid"/>
+                      <a:round/>
+                      <a:headEnd type="none" w="med" len="med"/>
+                      <a:tailEnd type="none" w="med" len="med"/>
+                    </a:lnR>
+                    <a:lnT w="12700" cap="flat" cmpd="sng" algn="ctr">
+                      <a:solidFill>
+                        <a:schemeClr val="bg1"/>
+                      </a:solidFill>
+                      <a:prstDash val="solid"/>
+                      <a:round/>
+                      <a:headEnd type="none" w="med" len="med"/>
+                      <a:tailEnd type="none" w="med" len="med"/>
+                    </a:lnT>
+                    <a:lnB w="12700" cap="flat" cmpd="sng" algn="ctr">
+                      <a:solidFill>
+                        <a:schemeClr val="bg1"/>
+                      </a:solidFill>
+                      <a:prstDash val="solid"/>
+                      <a:round/>
+                      <a:headEnd type="none" w="med" len="med"/>
+                      <a:tailEnd type="none" w="med" len="med"/>
+                    </a:lnB>
+                  </a:tcPr>
+                </a:tc>
+                <a:tc>
+                  <a:txBody>
+                    <a:bodyPr/>
+                    <a:lstStyle/>
+                    <a:p>
+                      <a:r>
+                        <a:rPr lang="en-CA" sz="2000" b="1" dirty="0" smtClean="0">
+                          <a:solidFill>
+                            <a:sysClr val="windowText" lastClr="000000"/>
+                          </a:solidFill>
+                        </a:rPr>
+                        <a:t>Description</a:t>
+                      </a:r>
+                      <a:endParaRPr lang="en-CA" sz="2000" b="1" dirty="0">
+                        <a:solidFill>
+                          <a:sysClr val="windowText" lastClr="000000"/>
+                        </a:solidFill>
+                      </a:endParaRPr>
+                    </a:p>
+                  </a:txBody>
+                  <a:tcPr>
+                    <a:lnL w="12700" cap="flat" cmpd="sng" algn="ctr">
+                      <a:solidFill>
+                        <a:schemeClr val="bg1"/>
+                      </a:solidFill>
+                      <a:prstDash val="solid"/>
+                      <a:round/>
+                      <a:headEnd type="none" w="med" len="med"/>
+                      <a:tailEnd type="none" w="med" len="med"/>
+                    </a:lnL>
+                    <a:lnR w="12700" cap="flat" cmpd="sng" algn="ctr">
+                      <a:solidFill>
+                        <a:schemeClr val="bg1"/>
+                      </a:solidFill>
+                      <a:prstDash val="solid"/>
+                      <a:round/>
+                      <a:headEnd type="none" w="med" len="med"/>
+                      <a:tailEnd type="none" w="med" len="med"/>
+                    </a:lnR>
+                    <a:lnT w="12700" cap="flat" cmpd="sng" algn="ctr">
+                      <a:solidFill>
+                        <a:schemeClr val="bg1"/>
+                      </a:solidFill>
+                      <a:prstDash val="solid"/>
+                      <a:round/>
+                      <a:headEnd type="none" w="med" len="med"/>
+                      <a:tailEnd type="none" w="med" len="med"/>
+                    </a:lnT>
+                    <a:lnB w="12700" cap="flat" cmpd="sng" algn="ctr">
+                      <a:solidFill>
+                        <a:schemeClr val="bg1"/>
+                      </a:solidFill>
+                      <a:prstDash val="solid"/>
+                      <a:round/>
+                      <a:headEnd type="none" w="med" len="med"/>
+                      <a:tailEnd type="none" w="med" len="med"/>
+                    </a:lnB>
+                  </a:tcPr>
+                </a:tc>
+                <a:extLst>
+                  <a:ext uri="{0D108BD9-81ED-4DB2-BD59-A6C34878D82A}">
+                    <a16:rowId xmlns:a16="http://schemas.microsoft.com/office/drawing/2014/main" xmlns="" val="10000"/>
+                  </a:ext>
+                </a:extLst>
+              </a:tr>
+              <a:tr h="350520">
+                <a:tc rowSpan="3">
+                  <a:txBody>
+                    <a:bodyPr/>
+                    <a:lstStyle/>
+                    <a:p>
+                      <a:r>
+                        <a:rPr lang="en-CA" sz="2000" dirty="0" smtClean="0">
+                          <a:solidFill>
+                            <a:sysClr val="windowText" lastClr="000000"/>
+                          </a:solidFill>
+                        </a:rPr>
+                        <a:t>Directory Entries</a:t>
+                      </a:r>
+                      <a:endParaRPr lang="en-CA" sz="2000" dirty="0">
+                        <a:solidFill>
+                          <a:sysClr val="windowText" lastClr="000000"/>
+                        </a:solidFill>
+                      </a:endParaRPr>
+                    </a:p>
+                  </a:txBody>
+                  <a:tcPr>
+                    <a:lnL w="12700" cap="flat" cmpd="sng" algn="ctr">
+                      <a:solidFill>
+                        <a:schemeClr val="bg1"/>
+                      </a:solidFill>
+                      <a:prstDash val="solid"/>
+                      <a:round/>
+                      <a:headEnd type="none" w="med" len="med"/>
+                      <a:tailEnd type="none" w="med" len="med"/>
+                    </a:lnL>
+                    <a:lnR w="12700" cap="flat" cmpd="sng" algn="ctr">
+                      <a:solidFill>
+                        <a:schemeClr val="bg1"/>
+                      </a:solidFill>
+                      <a:prstDash val="solid"/>
+                      <a:round/>
+                      <a:headEnd type="none" w="med" len="med"/>
+                      <a:tailEnd type="none" w="med" len="med"/>
+                    </a:lnR>
+                    <a:lnT w="12700" cap="flat" cmpd="sng" algn="ctr">
+                      <a:solidFill>
+                        <a:schemeClr val="bg1"/>
+                      </a:solidFill>
+                      <a:prstDash val="solid"/>
+                      <a:round/>
+                      <a:headEnd type="none" w="med" len="med"/>
+                      <a:tailEnd type="none" w="med" len="med"/>
+                    </a:lnT>
+                    <a:lnB w="12700" cap="flat" cmpd="sng" algn="ctr">
+                      <a:solidFill>
+                        <a:schemeClr val="bg1"/>
+                      </a:solidFill>
+                      <a:prstDash val="solid"/>
+                      <a:round/>
+                      <a:headEnd type="none" w="med" len="med"/>
+                      <a:tailEnd type="none" w="med" len="med"/>
+                    </a:lnB>
+                  </a:tcPr>
+                </a:tc>
+                <a:tc>
+                  <a:txBody>
+                    <a:bodyPr/>
+                    <a:lstStyle/>
+                    <a:p>
+                      <a:r>
+                        <a:rPr lang="en-CA" sz="2000" dirty="0" err="1" smtClean="0">
+                          <a:solidFill>
+                            <a:sysClr val="windowText" lastClr="000000"/>
+                          </a:solidFill>
+                        </a:rPr>
+                        <a:t>dirent_add</a:t>
+                      </a:r>
+                      <a:endParaRPr lang="en-CA" sz="2000" dirty="0">
+                        <a:solidFill>
+                          <a:sysClr val="windowText" lastClr="000000"/>
+                        </a:solidFill>
+                      </a:endParaRPr>
+                    </a:p>
+                  </a:txBody>
+                  <a:tcPr>
+                    <a:lnL w="12700" cap="flat" cmpd="sng" algn="ctr">
+                      <a:solidFill>
+                        <a:schemeClr val="bg1"/>
+                      </a:solidFill>
+                      <a:prstDash val="solid"/>
+                      <a:round/>
+                      <a:headEnd type="none" w="med" len="med"/>
+                      <a:tailEnd type="none" w="med" len="med"/>
+                    </a:lnL>
+                    <a:lnR w="12700" cap="flat" cmpd="sng" algn="ctr">
+                      <a:solidFill>
+                        <a:schemeClr val="bg1"/>
+                      </a:solidFill>
+                      <a:prstDash val="solid"/>
+                      <a:round/>
+                      <a:headEnd type="none" w="med" len="med"/>
+                      <a:tailEnd type="none" w="med" len="med"/>
+                    </a:lnR>
+                    <a:lnT w="12700" cap="flat" cmpd="sng" algn="ctr">
+                      <a:solidFill>
+                        <a:schemeClr val="bg1"/>
+                      </a:solidFill>
+                      <a:prstDash val="solid"/>
+                      <a:round/>
+                      <a:headEnd type="none" w="med" len="med"/>
+                      <a:tailEnd type="none" w="med" len="med"/>
+                    </a:lnT>
+                    <a:lnB w="12700" cap="flat" cmpd="sng" algn="ctr">
+                      <a:solidFill>
+                        <a:schemeClr val="bg1"/>
+                      </a:solidFill>
+                      <a:prstDash val="solid"/>
+                      <a:round/>
+                      <a:headEnd type="none" w="med" len="med"/>
+                      <a:tailEnd type="none" w="med" len="med"/>
+                    </a:lnB>
+                  </a:tcPr>
+                </a:tc>
+                <a:tc>
+                  <a:txBody>
+                    <a:bodyPr/>
+                    <a:lstStyle/>
+                    <a:p>
+                      <a:r>
+                        <a:rPr lang="en-CA" sz="2000" dirty="0" smtClean="0">
+                          <a:solidFill>
+                            <a:sysClr val="windowText" lastClr="000000"/>
+                          </a:solidFill>
+                        </a:rPr>
+                        <a:t>Add </a:t>
+                      </a:r>
+                      <a:r>
+                        <a:rPr lang="en-CA" sz="2000" dirty="0" smtClean="0">
+                          <a:solidFill>
+                            <a:sysClr val="windowText" lastClr="000000"/>
+                          </a:solidFill>
+                        </a:rPr>
+                        <a:t>an</a:t>
+                      </a:r>
+                      <a:r>
+                        <a:rPr lang="en-CA" sz="2000" baseline="0" dirty="0" smtClean="0">
+                          <a:solidFill>
+                            <a:sysClr val="windowText" lastClr="000000"/>
+                          </a:solidFill>
+                        </a:rPr>
+                        <a:t> </a:t>
+                      </a:r>
+                      <a:r>
+                        <a:rPr lang="en-CA" sz="2000" dirty="0" smtClean="0">
+                          <a:solidFill>
+                            <a:sysClr val="windowText" lastClr="000000"/>
+                          </a:solidFill>
+                        </a:rPr>
+                        <a:t>entry</a:t>
+                      </a:r>
+                      <a:r>
+                        <a:rPr lang="en-CA" sz="2000" baseline="0" dirty="0" smtClean="0">
+                          <a:solidFill>
+                            <a:sysClr val="windowText" lastClr="000000"/>
+                          </a:solidFill>
+                        </a:rPr>
+                        <a:t> </a:t>
+                      </a:r>
+                      <a:r>
+                        <a:rPr lang="en-CA" sz="2000" baseline="0" dirty="0" smtClean="0">
+                          <a:solidFill>
+                            <a:sysClr val="windowText" lastClr="000000"/>
+                          </a:solidFill>
+                        </a:rPr>
+                        <a:t>to a directory </a:t>
+                      </a:r>
+                      <a:r>
+                        <a:rPr lang="en-CA" sz="2000" baseline="0" dirty="0" err="1" smtClean="0">
+                          <a:solidFill>
+                            <a:sysClr val="windowText" lastClr="000000"/>
+                          </a:solidFill>
+                        </a:rPr>
+                        <a:t>inode</a:t>
+                      </a:r>
+                      <a:endParaRPr lang="en-CA" sz="2000" dirty="0">
+                        <a:solidFill>
+                          <a:sysClr val="windowText" lastClr="000000"/>
+                        </a:solidFill>
+                      </a:endParaRPr>
+                    </a:p>
+                  </a:txBody>
+                  <a:tcPr>
+                    <a:lnL w="12700" cap="flat" cmpd="sng" algn="ctr">
+                      <a:solidFill>
+                        <a:schemeClr val="bg1"/>
+                      </a:solidFill>
+                      <a:prstDash val="solid"/>
+                      <a:round/>
+                      <a:headEnd type="none" w="med" len="med"/>
+                      <a:tailEnd type="none" w="med" len="med"/>
+                    </a:lnL>
+                    <a:lnR w="12700" cap="flat" cmpd="sng" algn="ctr">
+                      <a:solidFill>
+                        <a:schemeClr val="bg1"/>
+                      </a:solidFill>
+                      <a:prstDash val="solid"/>
+                      <a:round/>
+                      <a:headEnd type="none" w="med" len="med"/>
+                      <a:tailEnd type="none" w="med" len="med"/>
+                    </a:lnR>
+                    <a:lnT w="12700" cap="flat" cmpd="sng" algn="ctr">
+                      <a:solidFill>
+                        <a:schemeClr val="bg1"/>
+                      </a:solidFill>
+                      <a:prstDash val="solid"/>
+                      <a:round/>
+                      <a:headEnd type="none" w="med" len="med"/>
+                      <a:tailEnd type="none" w="med" len="med"/>
+                    </a:lnT>
+                    <a:lnB w="12700" cap="flat" cmpd="sng" algn="ctr">
+                      <a:solidFill>
+                        <a:schemeClr val="bg1"/>
+                      </a:solidFill>
+                      <a:prstDash val="solid"/>
+                      <a:round/>
+                      <a:headEnd type="none" w="med" len="med"/>
+                      <a:tailEnd type="none" w="med" len="med"/>
+                    </a:lnB>
+                  </a:tcPr>
+                </a:tc>
+                <a:extLst>
+                  <a:ext uri="{0D108BD9-81ED-4DB2-BD59-A6C34878D82A}">
+                    <a16:rowId xmlns:a16="http://schemas.microsoft.com/office/drawing/2014/main" xmlns="" val="10009"/>
+                  </a:ext>
+                </a:extLst>
+              </a:tr>
+              <a:tr h="315810">
+                <a:tc vMerge="1">
+                  <a:txBody>
+                    <a:bodyPr/>
+                    <a:lstStyle/>
+                    <a:p>
+                      <a:endParaRPr lang="en-CA"/>
+                    </a:p>
+                  </a:txBody>
+                  <a:tcPr/>
+                </a:tc>
+                <a:tc>
+                  <a:txBody>
+                    <a:bodyPr/>
+                    <a:lstStyle/>
+                    <a:p>
+                      <a:r>
+                        <a:rPr lang="en-CA" sz="2000" baseline="0" dirty="0" err="1" smtClean="0">
+                          <a:solidFill>
+                            <a:sysClr val="windowText" lastClr="000000"/>
+                          </a:solidFill>
+                        </a:rPr>
+                        <a:t>dirent_remove</a:t>
+                      </a:r>
+                      <a:endParaRPr lang="en-CA" sz="2000" dirty="0">
+                        <a:solidFill>
+                          <a:sysClr val="windowText" lastClr="000000"/>
+                        </a:solidFill>
+                      </a:endParaRPr>
+                    </a:p>
+                  </a:txBody>
+                  <a:tcPr>
+                    <a:lnL w="12700" cap="flat" cmpd="sng" algn="ctr">
+                      <a:solidFill>
+                        <a:schemeClr val="bg1"/>
+                      </a:solidFill>
+                      <a:prstDash val="solid"/>
+                      <a:round/>
+                      <a:headEnd type="none" w="med" len="med"/>
+                      <a:tailEnd type="none" w="med" len="med"/>
+                    </a:lnL>
+                    <a:lnR w="12700" cap="flat" cmpd="sng" algn="ctr">
+                      <a:solidFill>
+                        <a:schemeClr val="bg1"/>
+                      </a:solidFill>
+                      <a:prstDash val="solid"/>
+                      <a:round/>
+                      <a:headEnd type="none" w="med" len="med"/>
+                      <a:tailEnd type="none" w="med" len="med"/>
+                    </a:lnR>
+                    <a:lnT w="12700" cap="flat" cmpd="sng" algn="ctr">
+                      <a:solidFill>
+                        <a:schemeClr val="bg1"/>
+                      </a:solidFill>
+                      <a:prstDash val="solid"/>
+                      <a:round/>
+                      <a:headEnd type="none" w="med" len="med"/>
+                      <a:tailEnd type="none" w="med" len="med"/>
+                    </a:lnT>
+                    <a:lnB w="12700" cap="flat" cmpd="sng" algn="ctr">
+                      <a:solidFill>
+                        <a:schemeClr val="bg1"/>
+                      </a:solidFill>
+                      <a:prstDash val="solid"/>
+                      <a:round/>
+                      <a:headEnd type="none" w="med" len="med"/>
+                      <a:tailEnd type="none" w="med" len="med"/>
+                    </a:lnB>
+                  </a:tcPr>
+                </a:tc>
+                <a:tc>
+                  <a:txBody>
+                    <a:bodyPr/>
+                    <a:lstStyle/>
+                    <a:p>
+                      <a:pPr marL="0" marR="0" lvl="0" indent="0" algn="l" defTabSz="457200" rtl="0" eaLnBrk="1" fontAlgn="auto" latinLnBrk="0" hangingPunct="1">
+                        <a:lnSpc>
+                          <a:spcPct val="100000"/>
+                        </a:lnSpc>
+                        <a:spcBef>
+                          <a:spcPts val="0"/>
+                        </a:spcBef>
+                        <a:spcAft>
+                          <a:spcPts val="0"/>
+                        </a:spcAft>
+                        <a:buClrTx/>
+                        <a:buSzTx/>
+                        <a:buFontTx/>
+                        <a:buNone/>
+                        <a:tabLst/>
+                        <a:defRPr/>
+                      </a:pPr>
+                      <a:r>
+                        <a:rPr lang="en-CA" sz="2000" dirty="0" smtClean="0">
+                          <a:solidFill>
+                            <a:sysClr val="windowText" lastClr="000000"/>
+                          </a:solidFill>
+                        </a:rPr>
+                        <a:t>Remove an</a:t>
+                      </a:r>
+                      <a:r>
+                        <a:rPr lang="en-CA" sz="2000" baseline="0" dirty="0" smtClean="0">
+                          <a:solidFill>
+                            <a:sysClr val="windowText" lastClr="000000"/>
+                          </a:solidFill>
+                        </a:rPr>
+                        <a:t> </a:t>
+                      </a:r>
+                      <a:r>
+                        <a:rPr lang="en-CA" sz="2000" dirty="0" smtClean="0">
+                          <a:solidFill>
+                            <a:sysClr val="windowText" lastClr="000000"/>
+                          </a:solidFill>
+                        </a:rPr>
+                        <a:t>entry</a:t>
+                      </a:r>
+                      <a:r>
+                        <a:rPr lang="en-CA" sz="2000" baseline="0" dirty="0" smtClean="0">
+                          <a:solidFill>
+                            <a:sysClr val="windowText" lastClr="000000"/>
+                          </a:solidFill>
+                        </a:rPr>
+                        <a:t> from directory </a:t>
+                      </a:r>
+                      <a:r>
+                        <a:rPr lang="en-CA" sz="2000" baseline="0" dirty="0" err="1" smtClean="0">
+                          <a:solidFill>
+                            <a:sysClr val="windowText" lastClr="000000"/>
+                          </a:solidFill>
+                        </a:rPr>
+                        <a:t>inode</a:t>
+                      </a:r>
+                      <a:endParaRPr lang="en-CA" sz="2000" dirty="0" smtClean="0">
+                        <a:solidFill>
+                          <a:sysClr val="windowText" lastClr="000000"/>
+                        </a:solidFill>
+                      </a:endParaRPr>
+                    </a:p>
+                  </a:txBody>
+                  <a:tcPr>
+                    <a:lnL w="12700" cap="flat" cmpd="sng" algn="ctr">
+                      <a:solidFill>
+                        <a:schemeClr val="bg1"/>
+                      </a:solidFill>
+                      <a:prstDash val="solid"/>
+                      <a:round/>
+                      <a:headEnd type="none" w="med" len="med"/>
+                      <a:tailEnd type="none" w="med" len="med"/>
+                    </a:lnL>
+                    <a:lnR w="12700" cap="flat" cmpd="sng" algn="ctr">
+                      <a:solidFill>
+                        <a:schemeClr val="bg1"/>
+                      </a:solidFill>
+                      <a:prstDash val="solid"/>
+                      <a:round/>
+                      <a:headEnd type="none" w="med" len="med"/>
+                      <a:tailEnd type="none" w="med" len="med"/>
+                    </a:lnR>
+                    <a:lnT w="12700" cap="flat" cmpd="sng" algn="ctr">
+                      <a:solidFill>
+                        <a:schemeClr val="bg1"/>
+                      </a:solidFill>
+                      <a:prstDash val="solid"/>
+                      <a:round/>
+                      <a:headEnd type="none" w="med" len="med"/>
+                      <a:tailEnd type="none" w="med" len="med"/>
+                    </a:lnT>
+                    <a:lnB w="12700" cap="flat" cmpd="sng" algn="ctr">
+                      <a:solidFill>
+                        <a:schemeClr val="bg1"/>
+                      </a:solidFill>
+                      <a:prstDash val="solid"/>
+                      <a:round/>
+                      <a:headEnd type="none" w="med" len="med"/>
+                      <a:tailEnd type="none" w="med" len="med"/>
+                    </a:lnB>
+                  </a:tcPr>
+                </a:tc>
+              </a:tr>
+              <a:tr h="267242">
+                <a:tc vMerge="1">
+                  <a:txBody>
+                    <a:bodyPr/>
+                    <a:lstStyle/>
+                    <a:p>
+                      <a:endParaRPr lang="en-CA"/>
+                    </a:p>
+                  </a:txBody>
+                  <a:tcPr/>
+                </a:tc>
+                <a:tc>
+                  <a:txBody>
+                    <a:bodyPr/>
+                    <a:lstStyle/>
+                    <a:p>
+                      <a:r>
+                        <a:rPr lang="en-CA" sz="2000" dirty="0" err="1" smtClean="0">
+                          <a:solidFill>
+                            <a:sysClr val="windowText" lastClr="000000"/>
+                          </a:solidFill>
+                        </a:rPr>
+                        <a:t>dirent_iterate</a:t>
+                      </a:r>
+                      <a:endParaRPr lang="en-CA" sz="2000" dirty="0">
+                        <a:solidFill>
+                          <a:sysClr val="windowText" lastClr="000000"/>
+                        </a:solidFill>
+                      </a:endParaRPr>
+                    </a:p>
+                  </a:txBody>
+                  <a:tcPr>
+                    <a:lnL w="12700" cap="flat" cmpd="sng" algn="ctr">
+                      <a:solidFill>
+                        <a:schemeClr val="bg1"/>
+                      </a:solidFill>
+                      <a:prstDash val="solid"/>
+                      <a:round/>
+                      <a:headEnd type="none" w="med" len="med"/>
+                      <a:tailEnd type="none" w="med" len="med"/>
+                    </a:lnL>
+                    <a:lnR w="12700" cap="flat" cmpd="sng" algn="ctr">
+                      <a:solidFill>
+                        <a:schemeClr val="bg1"/>
+                      </a:solidFill>
+                      <a:prstDash val="solid"/>
+                      <a:round/>
+                      <a:headEnd type="none" w="med" len="med"/>
+                      <a:tailEnd type="none" w="med" len="med"/>
+                    </a:lnR>
+                    <a:lnT w="12700" cap="flat" cmpd="sng" algn="ctr">
+                      <a:solidFill>
+                        <a:schemeClr val="bg1"/>
+                      </a:solidFill>
+                      <a:prstDash val="solid"/>
+                      <a:round/>
+                      <a:headEnd type="none" w="med" len="med"/>
+                      <a:tailEnd type="none" w="med" len="med"/>
+                    </a:lnT>
+                    <a:lnB w="12700" cap="flat" cmpd="sng" algn="ctr">
+                      <a:solidFill>
+                        <a:schemeClr val="bg1"/>
+                      </a:solidFill>
+                      <a:prstDash val="solid"/>
+                      <a:round/>
+                      <a:headEnd type="none" w="med" len="med"/>
+                      <a:tailEnd type="none" w="med" len="med"/>
+                    </a:lnB>
+                  </a:tcPr>
+                </a:tc>
+                <a:tc>
+                  <a:txBody>
+                    <a:bodyPr/>
+                    <a:lstStyle/>
+                    <a:p>
+                      <a:r>
+                        <a:rPr lang="en-CA" sz="2000" dirty="0" smtClean="0">
+                          <a:solidFill>
+                            <a:sysClr val="windowText" lastClr="000000"/>
+                          </a:solidFill>
+                        </a:rPr>
+                        <a:t>Iterate through all entries</a:t>
+                      </a:r>
+                      <a:r>
+                        <a:rPr lang="en-CA" sz="2000" baseline="0" dirty="0" smtClean="0">
+                          <a:solidFill>
+                            <a:sysClr val="windowText" lastClr="000000"/>
+                          </a:solidFill>
+                        </a:rPr>
+                        <a:t> in directory</a:t>
+                      </a:r>
+                      <a:endParaRPr lang="en-CA" sz="2000" dirty="0">
+                        <a:solidFill>
+                          <a:sysClr val="windowText" lastClr="000000"/>
+                        </a:solidFill>
+                      </a:endParaRPr>
+                    </a:p>
+                  </a:txBody>
+                  <a:tcPr>
+                    <a:lnL w="12700" cap="flat" cmpd="sng" algn="ctr">
+                      <a:solidFill>
+                        <a:schemeClr val="bg1"/>
+                      </a:solidFill>
+                      <a:prstDash val="solid"/>
+                      <a:round/>
+                      <a:headEnd type="none" w="med" len="med"/>
+                      <a:tailEnd type="none" w="med" len="med"/>
+                    </a:lnL>
+                    <a:lnR w="12700" cap="flat" cmpd="sng" algn="ctr">
+                      <a:solidFill>
+                        <a:schemeClr val="bg1"/>
+                      </a:solidFill>
+                      <a:prstDash val="solid"/>
+                      <a:round/>
+                      <a:headEnd type="none" w="med" len="med"/>
+                      <a:tailEnd type="none" w="med" len="med"/>
+                    </a:lnR>
+                    <a:lnT w="12700" cap="flat" cmpd="sng" algn="ctr">
+                      <a:solidFill>
+                        <a:schemeClr val="bg1"/>
+                      </a:solidFill>
+                      <a:prstDash val="solid"/>
+                      <a:round/>
+                      <a:headEnd type="none" w="med" len="med"/>
+                      <a:tailEnd type="none" w="med" len="med"/>
+                    </a:lnT>
+                    <a:lnB w="12700" cap="flat" cmpd="sng" algn="ctr">
+                      <a:solidFill>
+                        <a:schemeClr val="bg1"/>
+                      </a:solidFill>
+                      <a:prstDash val="solid"/>
+                      <a:round/>
+                      <a:headEnd type="none" w="med" len="med"/>
+                      <a:tailEnd type="none" w="med" len="med"/>
+                    </a:lnB>
+                  </a:tcPr>
+                </a:tc>
+                <a:extLst>
+                  <a:ext uri="{0D108BD9-81ED-4DB2-BD59-A6C34878D82A}">
+                    <a16:rowId xmlns:a16="http://schemas.microsoft.com/office/drawing/2014/main" xmlns="" val="10010"/>
+                  </a:ext>
+                </a:extLst>
+              </a:tr>
+              <a:tr h="267242">
+                <a:tc rowSpan="3">
+                  <a:txBody>
+                    <a:bodyPr/>
+                    <a:lstStyle/>
+                    <a:p>
+                      <a:r>
+                        <a:rPr lang="en-CA" sz="2000" dirty="0" smtClean="0">
+                          <a:solidFill>
+                            <a:sysClr val="windowText" lastClr="000000"/>
+                          </a:solidFill>
+                        </a:rPr>
+                        <a:t>Transaction</a:t>
+                      </a:r>
+                      <a:endParaRPr lang="en-CA" sz="2000" dirty="0">
+                        <a:solidFill>
+                          <a:sysClr val="windowText" lastClr="000000"/>
+                        </a:solidFill>
+                      </a:endParaRPr>
+                    </a:p>
+                  </a:txBody>
+                  <a:tcPr>
+                    <a:lnL w="12700" cap="flat" cmpd="sng" algn="ctr">
+                      <a:solidFill>
+                        <a:schemeClr val="bg1"/>
+                      </a:solidFill>
+                      <a:prstDash val="solid"/>
+                      <a:round/>
+                      <a:headEnd type="none" w="med" len="med"/>
+                      <a:tailEnd type="none" w="med" len="med"/>
+                    </a:lnL>
+                    <a:lnR w="12700" cap="flat" cmpd="sng" algn="ctr">
+                      <a:solidFill>
+                        <a:schemeClr val="bg1"/>
+                      </a:solidFill>
+                      <a:prstDash val="solid"/>
+                      <a:round/>
+                      <a:headEnd type="none" w="med" len="med"/>
+                      <a:tailEnd type="none" w="med" len="med"/>
+                    </a:lnR>
+                    <a:lnT w="12700" cap="flat" cmpd="sng" algn="ctr">
+                      <a:solidFill>
+                        <a:schemeClr val="bg1"/>
+                      </a:solidFill>
+                      <a:prstDash val="solid"/>
+                      <a:round/>
+                      <a:headEnd type="none" w="med" len="med"/>
+                      <a:tailEnd type="none" w="med" len="med"/>
+                    </a:lnT>
+                    <a:lnB w="12700" cap="flat" cmpd="sng" algn="ctr">
+                      <a:solidFill>
+                        <a:schemeClr val="bg1"/>
+                      </a:solidFill>
+                      <a:prstDash val="solid"/>
+                      <a:round/>
+                      <a:headEnd type="none" w="med" len="med"/>
+                      <a:tailEnd type="none" w="med" len="med"/>
+                    </a:lnB>
+                  </a:tcPr>
+                </a:tc>
+                <a:tc>
+                  <a:txBody>
+                    <a:bodyPr/>
+                    <a:lstStyle/>
+                    <a:p>
+                      <a:r>
+                        <a:rPr lang="en-CA" sz="2000" dirty="0" err="1" smtClean="0">
+                          <a:solidFill>
+                            <a:sysClr val="windowText" lastClr="000000"/>
+                          </a:solidFill>
+                        </a:rPr>
+                        <a:t>tx_begin</a:t>
+                      </a:r>
+                      <a:endParaRPr lang="en-CA" sz="2000" dirty="0">
+                        <a:solidFill>
+                          <a:sysClr val="windowText" lastClr="000000"/>
+                        </a:solidFill>
+                      </a:endParaRPr>
+                    </a:p>
+                  </a:txBody>
+                  <a:tcPr>
+                    <a:lnL w="12700" cap="flat" cmpd="sng" algn="ctr">
+                      <a:solidFill>
+                        <a:schemeClr val="bg1"/>
+                      </a:solidFill>
+                      <a:prstDash val="solid"/>
+                      <a:round/>
+                      <a:headEnd type="none" w="med" len="med"/>
+                      <a:tailEnd type="none" w="med" len="med"/>
+                    </a:lnL>
+                    <a:lnR w="12700" cap="flat" cmpd="sng" algn="ctr">
+                      <a:solidFill>
+                        <a:schemeClr val="bg1"/>
+                      </a:solidFill>
+                      <a:prstDash val="solid"/>
+                      <a:round/>
+                      <a:headEnd type="none" w="med" len="med"/>
+                      <a:tailEnd type="none" w="med" len="med"/>
+                    </a:lnR>
+                    <a:lnT w="12700" cap="flat" cmpd="sng" algn="ctr">
+                      <a:solidFill>
+                        <a:schemeClr val="bg1"/>
+                      </a:solidFill>
+                      <a:prstDash val="solid"/>
+                      <a:round/>
+                      <a:headEnd type="none" w="med" len="med"/>
+                      <a:tailEnd type="none" w="med" len="med"/>
+                    </a:lnT>
+                    <a:lnB w="12700" cap="flat" cmpd="sng" algn="ctr">
+                      <a:solidFill>
+                        <a:schemeClr val="bg1"/>
+                      </a:solidFill>
+                      <a:prstDash val="solid"/>
+                      <a:round/>
+                      <a:headEnd type="none" w="med" len="med"/>
+                      <a:tailEnd type="none" w="med" len="med"/>
+                    </a:lnB>
+                  </a:tcPr>
+                </a:tc>
+                <a:tc rowSpan="3">
+                  <a:txBody>
+                    <a:bodyPr/>
+                    <a:lstStyle/>
+                    <a:p>
+                      <a:r>
+                        <a:rPr lang="en-CA" sz="2000" baseline="0" dirty="0" smtClean="0">
+                          <a:solidFill>
+                            <a:sysClr val="windowText" lastClr="000000"/>
+                          </a:solidFill>
+                        </a:rPr>
+                        <a:t>Provide support for crash consistency </a:t>
+                      </a:r>
+                      <a:endParaRPr lang="en-CA" sz="2000" dirty="0">
+                        <a:solidFill>
+                          <a:sysClr val="windowText" lastClr="000000"/>
+                        </a:solidFill>
+                      </a:endParaRPr>
+                    </a:p>
+                  </a:txBody>
+                  <a:tcPr anchor="ctr">
+                    <a:lnL w="12700" cap="flat" cmpd="sng" algn="ctr">
+                      <a:solidFill>
+                        <a:schemeClr val="bg1"/>
+                      </a:solidFill>
+                      <a:prstDash val="solid"/>
+                      <a:round/>
+                      <a:headEnd type="none" w="med" len="med"/>
+                      <a:tailEnd type="none" w="med" len="med"/>
+                    </a:lnL>
+                    <a:lnR w="12700" cap="flat" cmpd="sng" algn="ctr">
+                      <a:solidFill>
+                        <a:schemeClr val="bg1"/>
+                      </a:solidFill>
+                      <a:prstDash val="solid"/>
+                      <a:round/>
+                      <a:headEnd type="none" w="med" len="med"/>
+                      <a:tailEnd type="none" w="med" len="med"/>
+                    </a:lnR>
+                    <a:lnT w="12700" cap="flat" cmpd="sng" algn="ctr">
+                      <a:solidFill>
+                        <a:schemeClr val="bg1"/>
+                      </a:solidFill>
+                      <a:prstDash val="solid"/>
+                      <a:round/>
+                      <a:headEnd type="none" w="med" len="med"/>
+                      <a:tailEnd type="none" w="med" len="med"/>
+                    </a:lnT>
+                    <a:lnB w="12700" cap="flat" cmpd="sng" algn="ctr">
+                      <a:solidFill>
+                        <a:schemeClr val="bg1"/>
+                      </a:solidFill>
+                      <a:prstDash val="solid"/>
+                      <a:round/>
+                      <a:headEnd type="none" w="med" len="med"/>
+                      <a:tailEnd type="none" w="med" len="med"/>
+                    </a:lnB>
+                  </a:tcPr>
+                </a:tc>
+              </a:tr>
+              <a:tr h="267242">
+                <a:tc vMerge="1">
+                  <a:txBody>
+                    <a:bodyPr/>
+                    <a:lstStyle/>
+                    <a:p>
+                      <a:endParaRPr lang="en-CA" sz="2000" dirty="0">
+                        <a:solidFill>
+                          <a:sysClr val="windowText" lastClr="000000"/>
+                        </a:solidFill>
+                      </a:endParaRPr>
+                    </a:p>
+                  </a:txBody>
+                  <a:tcPr>
+                    <a:lnL w="12700" cap="flat" cmpd="sng" algn="ctr">
+                      <a:solidFill>
+                        <a:schemeClr val="bg1"/>
+                      </a:solidFill>
+                      <a:prstDash val="solid"/>
+                      <a:round/>
+                      <a:headEnd type="none" w="med" len="med"/>
+                      <a:tailEnd type="none" w="med" len="med"/>
+                    </a:lnL>
+                    <a:lnR w="12700" cap="flat" cmpd="sng" algn="ctr">
+                      <a:solidFill>
+                        <a:schemeClr val="bg1"/>
+                      </a:solidFill>
+                      <a:prstDash val="solid"/>
+                      <a:round/>
+                      <a:headEnd type="none" w="med" len="med"/>
+                      <a:tailEnd type="none" w="med" len="med"/>
+                    </a:lnR>
+                    <a:lnT w="12700" cap="flat" cmpd="sng" algn="ctr">
+                      <a:solidFill>
+                        <a:schemeClr val="bg1"/>
+                      </a:solidFill>
+                      <a:prstDash val="solid"/>
+                      <a:round/>
+                      <a:headEnd type="none" w="med" len="med"/>
+                      <a:tailEnd type="none" w="med" len="med"/>
+                    </a:lnT>
+                    <a:lnB w="12700" cap="flat" cmpd="sng" algn="ctr">
+                      <a:solidFill>
+                        <a:schemeClr val="bg1"/>
+                      </a:solidFill>
+                      <a:prstDash val="solid"/>
+                      <a:round/>
+                      <a:headEnd type="none" w="med" len="med"/>
+                      <a:tailEnd type="none" w="med" len="med"/>
+                    </a:lnB>
+                  </a:tcPr>
+                </a:tc>
+                <a:tc>
+                  <a:txBody>
+                    <a:bodyPr/>
+                    <a:lstStyle/>
+                    <a:p>
+                      <a:r>
+                        <a:rPr lang="en-CA" sz="2000" dirty="0" err="1" smtClean="0">
+                          <a:solidFill>
+                            <a:sysClr val="windowText" lastClr="000000"/>
+                          </a:solidFill>
+                        </a:rPr>
+                        <a:t>tx_abort</a:t>
+                      </a:r>
+                      <a:endParaRPr lang="en-CA" sz="2000" dirty="0">
+                        <a:solidFill>
+                          <a:sysClr val="windowText" lastClr="000000"/>
+                        </a:solidFill>
+                      </a:endParaRPr>
+                    </a:p>
+                  </a:txBody>
+                  <a:tcPr>
+                    <a:lnL w="12700" cap="flat" cmpd="sng" algn="ctr">
+                      <a:solidFill>
+                        <a:schemeClr val="bg1"/>
+                      </a:solidFill>
+                      <a:prstDash val="solid"/>
+                      <a:round/>
+                      <a:headEnd type="none" w="med" len="med"/>
+                      <a:tailEnd type="none" w="med" len="med"/>
+                    </a:lnL>
+                    <a:lnR w="12700" cap="flat" cmpd="sng" algn="ctr">
+                      <a:solidFill>
+                        <a:schemeClr val="bg1"/>
+                      </a:solidFill>
+                      <a:prstDash val="solid"/>
+                      <a:round/>
+                      <a:headEnd type="none" w="med" len="med"/>
+                      <a:tailEnd type="none" w="med" len="med"/>
+                    </a:lnR>
+                    <a:lnT w="12700" cap="flat" cmpd="sng" algn="ctr">
+                      <a:solidFill>
+                        <a:schemeClr val="bg1"/>
+                      </a:solidFill>
+                      <a:prstDash val="solid"/>
+                      <a:round/>
+                      <a:headEnd type="none" w="med" len="med"/>
+                      <a:tailEnd type="none" w="med" len="med"/>
+                    </a:lnT>
+                    <a:lnB w="12700" cap="flat" cmpd="sng" algn="ctr">
+                      <a:solidFill>
+                        <a:schemeClr val="bg1"/>
+                      </a:solidFill>
+                      <a:prstDash val="solid"/>
+                      <a:round/>
+                      <a:headEnd type="none" w="med" len="med"/>
+                      <a:tailEnd type="none" w="med" len="med"/>
+                    </a:lnB>
+                  </a:tcPr>
+                </a:tc>
+                <a:tc vMerge="1">
+                  <a:txBody>
+                    <a:bodyPr/>
+                    <a:lstStyle/>
+                    <a:p>
+                      <a:endParaRPr lang="en-CA" sz="2000" dirty="0">
+                        <a:solidFill>
+                          <a:sysClr val="windowText" lastClr="000000"/>
+                        </a:solidFill>
+                      </a:endParaRPr>
+                    </a:p>
+                  </a:txBody>
+                  <a:tcPr>
+                    <a:lnL w="12700" cap="flat" cmpd="sng" algn="ctr">
+                      <a:solidFill>
+                        <a:schemeClr val="bg1"/>
+                      </a:solidFill>
+                      <a:prstDash val="solid"/>
+                      <a:round/>
+                      <a:headEnd type="none" w="med" len="med"/>
+                      <a:tailEnd type="none" w="med" len="med"/>
+                    </a:lnL>
+                    <a:lnR w="12700" cap="flat" cmpd="sng" algn="ctr">
+                      <a:solidFill>
+                        <a:schemeClr val="bg1"/>
+                      </a:solidFill>
+                      <a:prstDash val="solid"/>
+                      <a:round/>
+                      <a:headEnd type="none" w="med" len="med"/>
+                      <a:tailEnd type="none" w="med" len="med"/>
+                    </a:lnR>
+                    <a:lnT w="12700" cap="flat" cmpd="sng" algn="ctr">
+                      <a:solidFill>
+                        <a:schemeClr val="bg1"/>
+                      </a:solidFill>
+                      <a:prstDash val="solid"/>
+                      <a:round/>
+                      <a:headEnd type="none" w="med" len="med"/>
+                      <a:tailEnd type="none" w="med" len="med"/>
+                    </a:lnT>
+                    <a:lnB w="12700" cap="flat" cmpd="sng" algn="ctr">
+                      <a:solidFill>
+                        <a:schemeClr val="bg1"/>
+                      </a:solidFill>
+                      <a:prstDash val="solid"/>
+                      <a:round/>
+                      <a:headEnd type="none" w="med" len="med"/>
+                      <a:tailEnd type="none" w="med" len="med"/>
+                    </a:lnB>
+                  </a:tcPr>
+                </a:tc>
+              </a:tr>
+              <a:tr h="267242">
+                <a:tc vMerge="1">
+                  <a:txBody>
+                    <a:bodyPr/>
+                    <a:lstStyle/>
+                    <a:p>
+                      <a:endParaRPr lang="en-CA" sz="2000" dirty="0">
+                        <a:solidFill>
+                          <a:sysClr val="windowText" lastClr="000000"/>
+                        </a:solidFill>
+                      </a:endParaRPr>
+                    </a:p>
+                  </a:txBody>
+                  <a:tcPr>
+                    <a:lnL w="12700" cap="flat" cmpd="sng" algn="ctr">
+                      <a:solidFill>
+                        <a:schemeClr val="bg1"/>
+                      </a:solidFill>
+                      <a:prstDash val="solid"/>
+                      <a:round/>
+                      <a:headEnd type="none" w="med" len="med"/>
+                      <a:tailEnd type="none" w="med" len="med"/>
+                    </a:lnL>
+                    <a:lnR w="12700" cap="flat" cmpd="sng" algn="ctr">
+                      <a:solidFill>
+                        <a:schemeClr val="bg1"/>
+                      </a:solidFill>
+                      <a:prstDash val="solid"/>
+                      <a:round/>
+                      <a:headEnd type="none" w="med" len="med"/>
+                      <a:tailEnd type="none" w="med" len="med"/>
+                    </a:lnR>
+                    <a:lnT w="12700" cap="flat" cmpd="sng" algn="ctr">
+                      <a:solidFill>
+                        <a:schemeClr val="bg1"/>
+                      </a:solidFill>
+                      <a:prstDash val="solid"/>
+                      <a:round/>
+                      <a:headEnd type="none" w="med" len="med"/>
+                      <a:tailEnd type="none" w="med" len="med"/>
+                    </a:lnT>
+                    <a:lnB w="12700" cap="flat" cmpd="sng" algn="ctr">
+                      <a:solidFill>
+                        <a:schemeClr val="bg1"/>
+                      </a:solidFill>
+                      <a:prstDash val="solid"/>
+                      <a:round/>
+                      <a:headEnd type="none" w="med" len="med"/>
+                      <a:tailEnd type="none" w="med" len="med"/>
+                    </a:lnB>
+                  </a:tcPr>
+                </a:tc>
+                <a:tc>
+                  <a:txBody>
+                    <a:bodyPr/>
+                    <a:lstStyle/>
+                    <a:p>
+                      <a:r>
+                        <a:rPr lang="en-CA" sz="2000" dirty="0" err="1" smtClean="0">
+                          <a:solidFill>
+                            <a:sysClr val="windowText" lastClr="000000"/>
+                          </a:solidFill>
+                        </a:rPr>
+                        <a:t>tx_commit</a:t>
+                      </a:r>
+                      <a:endParaRPr lang="en-CA" sz="2000" dirty="0">
+                        <a:solidFill>
+                          <a:sysClr val="windowText" lastClr="000000"/>
+                        </a:solidFill>
+                      </a:endParaRPr>
+                    </a:p>
+                  </a:txBody>
+                  <a:tcPr>
+                    <a:lnL w="12700" cap="flat" cmpd="sng" algn="ctr">
+                      <a:solidFill>
+                        <a:schemeClr val="bg1"/>
+                      </a:solidFill>
+                      <a:prstDash val="solid"/>
+                      <a:round/>
+                      <a:headEnd type="none" w="med" len="med"/>
+                      <a:tailEnd type="none" w="med" len="med"/>
+                    </a:lnL>
+                    <a:lnR w="12700" cap="flat" cmpd="sng" algn="ctr">
+                      <a:solidFill>
+                        <a:schemeClr val="bg1"/>
+                      </a:solidFill>
+                      <a:prstDash val="solid"/>
+                      <a:round/>
+                      <a:headEnd type="none" w="med" len="med"/>
+                      <a:tailEnd type="none" w="med" len="med"/>
+                    </a:lnR>
+                    <a:lnT w="12700" cap="flat" cmpd="sng" algn="ctr">
+                      <a:solidFill>
+                        <a:schemeClr val="bg1"/>
+                      </a:solidFill>
+                      <a:prstDash val="solid"/>
+                      <a:round/>
+                      <a:headEnd type="none" w="med" len="med"/>
+                      <a:tailEnd type="none" w="med" len="med"/>
+                    </a:lnT>
+                    <a:lnB w="12700" cap="flat" cmpd="sng" algn="ctr">
+                      <a:solidFill>
+                        <a:schemeClr val="bg1"/>
+                      </a:solidFill>
+                      <a:prstDash val="solid"/>
+                      <a:round/>
+                      <a:headEnd type="none" w="med" len="med"/>
+                      <a:tailEnd type="none" w="med" len="med"/>
+                    </a:lnB>
+                  </a:tcPr>
+                </a:tc>
+                <a:tc vMerge="1">
+                  <a:txBody>
+                    <a:bodyPr/>
+                    <a:lstStyle/>
+                    <a:p>
+                      <a:endParaRPr lang="en-CA" sz="2000" dirty="0">
+                        <a:solidFill>
+                          <a:sysClr val="windowText" lastClr="000000"/>
+                        </a:solidFill>
+                      </a:endParaRPr>
+                    </a:p>
+                  </a:txBody>
+                  <a:tcPr>
+                    <a:lnL w="12700" cap="flat" cmpd="sng" algn="ctr">
+                      <a:solidFill>
+                        <a:schemeClr val="bg1"/>
+                      </a:solidFill>
+                      <a:prstDash val="solid"/>
+                      <a:round/>
+                      <a:headEnd type="none" w="med" len="med"/>
+                      <a:tailEnd type="none" w="med" len="med"/>
+                    </a:lnL>
+                    <a:lnR w="12700" cap="flat" cmpd="sng" algn="ctr">
+                      <a:solidFill>
+                        <a:schemeClr val="bg1"/>
+                      </a:solidFill>
+                      <a:prstDash val="solid"/>
+                      <a:round/>
+                      <a:headEnd type="none" w="med" len="med"/>
+                      <a:tailEnd type="none" w="med" len="med"/>
+                    </a:lnR>
+                    <a:lnT w="12700" cap="flat" cmpd="sng" algn="ctr">
+                      <a:solidFill>
+                        <a:schemeClr val="bg1"/>
+                      </a:solidFill>
+                      <a:prstDash val="solid"/>
+                      <a:round/>
+                      <a:headEnd type="none" w="med" len="med"/>
+                      <a:tailEnd type="none" w="med" len="med"/>
+                    </a:lnT>
+                    <a:lnB w="12700" cap="flat" cmpd="sng" algn="ctr">
+                      <a:solidFill>
+                        <a:schemeClr val="bg1"/>
+                      </a:solidFill>
+                      <a:prstDash val="solid"/>
+                      <a:round/>
+                      <a:headEnd type="none" w="med" len="med"/>
+                      <a:tailEnd type="none" w="med" len="med"/>
+                    </a:lnB>
+                  </a:tcPr>
+                </a:tc>
+              </a:tr>
+            </a:tbl>
+          </a:graphicData>
+        </a:graphic>
+      </p:graphicFrame>
     </p:spTree>
     <p:extLst>
       <p:ext uri="{BB962C8B-B14F-4D97-AF65-F5344CB8AC3E}">
@@ -11294,21 +12463,21 @@
                 <a:gridCol w="1521004">
                   <a:extLst>
                     <a:ext uri="{9D8B030D-6E8A-4147-A177-3AD203B41FA5}">
-                      <a16:colId xmlns:a16="http://schemas.microsoft.com/office/drawing/2014/main" val="20000"/>
+                      <a16:colId xmlns:a16="http://schemas.microsoft.com/office/drawing/2014/main" xmlns="" val="20000"/>
                     </a:ext>
                   </a:extLst>
                 </a:gridCol>
                 <a:gridCol w="2807594">
                   <a:extLst>
                     <a:ext uri="{9D8B030D-6E8A-4147-A177-3AD203B41FA5}">
-                      <a16:colId xmlns:a16="http://schemas.microsoft.com/office/drawing/2014/main" val="20001"/>
+                      <a16:colId xmlns:a16="http://schemas.microsoft.com/office/drawing/2014/main" xmlns="" val="20001"/>
                     </a:ext>
                   </a:extLst>
                 </a:gridCol>
                 <a:gridCol w="2640169">
                   <a:extLst>
                     <a:ext uri="{9D8B030D-6E8A-4147-A177-3AD203B41FA5}">
-                      <a16:colId xmlns:a16="http://schemas.microsoft.com/office/drawing/2014/main" val="20002"/>
+                      <a16:colId xmlns:a16="http://schemas.microsoft.com/office/drawing/2014/main" xmlns="" val="20002"/>
                     </a:ext>
                   </a:extLst>
                 </a:gridCol>
@@ -11433,7 +12602,7 @@
                 </a:tc>
                 <a:extLst>
                   <a:ext uri="{0D108BD9-81ED-4DB2-BD59-A6C34878D82A}">
-                    <a16:rowId xmlns:a16="http://schemas.microsoft.com/office/drawing/2014/main" val="10000"/>
+                    <a16:rowId xmlns:a16="http://schemas.microsoft.com/office/drawing/2014/main" xmlns="" val="10000"/>
                   </a:ext>
                 </a:extLst>
               </a:tr>
@@ -11628,7 +12797,7 @@
                 </a:tc>
                 <a:extLst>
                   <a:ext uri="{0D108BD9-81ED-4DB2-BD59-A6C34878D82A}">
-                    <a16:rowId xmlns:a16="http://schemas.microsoft.com/office/drawing/2014/main" val="10001"/>
+                    <a16:rowId xmlns:a16="http://schemas.microsoft.com/office/drawing/2014/main" xmlns="" val="10001"/>
                   </a:ext>
                 </a:extLst>
               </a:tr>
@@ -11815,7 +12984,7 @@
                 </a:tc>
                 <a:extLst>
                   <a:ext uri="{0D108BD9-81ED-4DB2-BD59-A6C34878D82A}">
-                    <a16:rowId xmlns:a16="http://schemas.microsoft.com/office/drawing/2014/main" val="10002"/>
+                    <a16:rowId xmlns:a16="http://schemas.microsoft.com/office/drawing/2014/main" xmlns="" val="10002"/>
                   </a:ext>
                 </a:extLst>
               </a:tr>
@@ -12002,7 +13171,7 @@
                 </a:tc>
                 <a:extLst>
                   <a:ext uri="{0D108BD9-81ED-4DB2-BD59-A6C34878D82A}">
-                    <a16:rowId xmlns:a16="http://schemas.microsoft.com/office/drawing/2014/main" val="10003"/>
+                    <a16:rowId xmlns:a16="http://schemas.microsoft.com/office/drawing/2014/main" xmlns="" val="10003"/>
                   </a:ext>
                 </a:extLst>
               </a:tr>
@@ -12189,7 +13358,7 @@
                 </a:tc>
                 <a:extLst>
                   <a:ext uri="{0D108BD9-81ED-4DB2-BD59-A6C34878D82A}">
-                    <a16:rowId xmlns:a16="http://schemas.microsoft.com/office/drawing/2014/main" val="10004"/>
+                    <a16:rowId xmlns:a16="http://schemas.microsoft.com/office/drawing/2014/main" xmlns="" val="10004"/>
                   </a:ext>
                 </a:extLst>
               </a:tr>
@@ -18816,6 +19985,52 @@
       </p:grpSpPr>
       <p:sp>
         <p:nvSpPr>
+          <p:cNvPr id="11" name="Rectangle 10"/>
+          <p:cNvSpPr/>
+          <p:nvPr/>
+        </p:nvSpPr>
+        <p:spPr>
+          <a:xfrm>
+            <a:off x="8798011" y="0"/>
+            <a:ext cx="3393989" cy="3138616"/>
+          </a:xfrm>
+          <a:prstGeom prst="rect">
+            <a:avLst/>
+          </a:prstGeom>
+          <a:solidFill>
+            <a:schemeClr val="tx1"/>
+          </a:solidFill>
+          <a:ln>
+            <a:noFill/>
+          </a:ln>
+        </p:spPr>
+        <p:style>
+          <a:lnRef idx="2">
+            <a:schemeClr val="accent1">
+              <a:shade val="50000"/>
+            </a:schemeClr>
+          </a:lnRef>
+          <a:fillRef idx="1">
+            <a:schemeClr val="accent1"/>
+          </a:fillRef>
+          <a:effectRef idx="0">
+            <a:schemeClr val="accent1"/>
+          </a:effectRef>
+          <a:fontRef idx="minor">
+            <a:schemeClr val="lt1"/>
+          </a:fontRef>
+        </p:style>
+        <p:txBody>
+          <a:bodyPr rtlCol="0" anchor="ctr"/>
+          <a:lstStyle/>
+          <a:p>
+            <a:pPr algn="ctr"/>
+            <a:endParaRPr lang="en-CA"/>
+          </a:p>
+        </p:txBody>
+      </p:sp>
+      <p:sp>
+        <p:nvSpPr>
           <p:cNvPr id="2" name="Title 1"/>
           <p:cNvSpPr>
             <a:spLocks noGrp="1"/>
@@ -18859,8 +20074,34 @@
           <a:p>
             <a:r>
               <a:rPr lang="en-CA" dirty="0" smtClean="0"/>
-              <a:t>System administrators use various file-system management applications to maintain and optimize their file systems</a:t>
-            </a:r>
+              <a:t>Used by system administrators</a:t>
+            </a:r>
+          </a:p>
+          <a:p>
+            <a:pPr lvl="1"/>
+            <a:r>
+              <a:rPr lang="en-CA" dirty="0" smtClean="0"/>
+              <a:t>To </a:t>
+            </a:r>
+            <a:r>
+              <a:rPr lang="en-CA" dirty="0" smtClean="0"/>
+              <a:t>maintain </a:t>
+            </a:r>
+            <a:r>
+              <a:rPr lang="en-CA" dirty="0" smtClean="0"/>
+              <a:t>and optimize their file </a:t>
+            </a:r>
+            <a:r>
+              <a:rPr lang="en-CA" dirty="0" smtClean="0"/>
+              <a:t>systems</a:t>
+            </a:r>
+          </a:p>
+          <a:p>
+            <a:r>
+              <a:rPr lang="en-CA" dirty="0" smtClean="0"/>
+              <a:t>Examples</a:t>
+            </a:r>
+            <a:endParaRPr lang="en-CA" dirty="0" smtClean="0"/>
           </a:p>
           <a:p>
             <a:pPr lvl="1"/>
@@ -18917,9 +20158,6 @@
               <a:rPr lang="en-CA" dirty="0" smtClean="0"/>
               <a:t>Tool</a:t>
             </a:r>
-          </a:p>
-          <a:p>
-            <a:pPr lvl="1"/>
             <a:endParaRPr lang="en-CA" dirty="0" smtClean="0"/>
           </a:p>
           <a:p>
@@ -18958,6 +20196,198 @@
           </a:p>
         </p:txBody>
       </p:sp>
+      <p:grpSp>
+        <p:nvGrpSpPr>
+          <p:cNvPr id="5" name="Group 4"/>
+          <p:cNvGrpSpPr>
+            <a:grpSpLocks noChangeAspect="1"/>
+          </p:cNvGrpSpPr>
+          <p:nvPr/>
+        </p:nvGrpSpPr>
+        <p:grpSpPr>
+          <a:xfrm rot="16200000">
+            <a:off x="9761138" y="-89138"/>
+            <a:ext cx="2341724" cy="2520000"/>
+            <a:chOff x="9206969" y="2963333"/>
+            <a:chExt cx="2981858" cy="3208867"/>
+          </a:xfrm>
+        </p:grpSpPr>
+        <p:cxnSp>
+          <p:nvCxnSpPr>
+            <p:cNvPr id="6" name="Straight Connector 5"/>
+            <p:cNvCxnSpPr/>
+            <p:nvPr/>
+          </p:nvCxnSpPr>
+          <p:spPr>
+            <a:xfrm flipH="1">
+              <a:off x="11276012" y="2963333"/>
+              <a:ext cx="912814" cy="912812"/>
+            </a:xfrm>
+            <a:prstGeom prst="line">
+              <a:avLst/>
+            </a:prstGeom>
+            <a:ln w="9525">
+              <a:solidFill>
+                <a:schemeClr val="tx2"/>
+              </a:solidFill>
+            </a:ln>
+          </p:spPr>
+          <p:style>
+            <a:lnRef idx="2">
+              <a:schemeClr val="accent1"/>
+            </a:lnRef>
+            <a:fillRef idx="0">
+              <a:schemeClr val="accent1"/>
+            </a:fillRef>
+            <a:effectRef idx="1">
+              <a:schemeClr val="accent1"/>
+            </a:effectRef>
+            <a:fontRef idx="minor">
+              <a:schemeClr val="tx1"/>
+            </a:fontRef>
+          </p:style>
+        </p:cxnSp>
+        <p:cxnSp>
+          <p:nvCxnSpPr>
+            <p:cNvPr id="7" name="Straight Connector 6"/>
+            <p:cNvCxnSpPr/>
+            <p:nvPr/>
+          </p:nvCxnSpPr>
+          <p:spPr>
+            <a:xfrm flipH="1">
+              <a:off x="9206969" y="3190344"/>
+              <a:ext cx="2981857" cy="2981856"/>
+            </a:xfrm>
+            <a:prstGeom prst="line">
+              <a:avLst/>
+            </a:prstGeom>
+            <a:ln w="9525">
+              <a:solidFill>
+                <a:schemeClr val="tx2"/>
+              </a:solidFill>
+            </a:ln>
+          </p:spPr>
+          <p:style>
+            <a:lnRef idx="2">
+              <a:schemeClr val="accent1"/>
+            </a:lnRef>
+            <a:fillRef idx="0">
+              <a:schemeClr val="accent1"/>
+            </a:fillRef>
+            <a:effectRef idx="1">
+              <a:schemeClr val="accent1"/>
+            </a:effectRef>
+            <a:fontRef idx="minor">
+              <a:schemeClr val="tx1"/>
+            </a:fontRef>
+          </p:style>
+        </p:cxnSp>
+        <p:cxnSp>
+          <p:nvCxnSpPr>
+            <p:cNvPr id="8" name="Straight Connector 7"/>
+            <p:cNvCxnSpPr/>
+            <p:nvPr/>
+          </p:nvCxnSpPr>
+          <p:spPr>
+            <a:xfrm flipH="1">
+              <a:off x="10292292" y="3285067"/>
+              <a:ext cx="1896534" cy="1896533"/>
+            </a:xfrm>
+            <a:prstGeom prst="line">
+              <a:avLst/>
+            </a:prstGeom>
+            <a:ln w="9525">
+              <a:solidFill>
+                <a:schemeClr val="tx2"/>
+              </a:solidFill>
+            </a:ln>
+          </p:spPr>
+          <p:style>
+            <a:lnRef idx="2">
+              <a:schemeClr val="accent1"/>
+            </a:lnRef>
+            <a:fillRef idx="0">
+              <a:schemeClr val="accent1"/>
+            </a:fillRef>
+            <a:effectRef idx="1">
+              <a:schemeClr val="accent1"/>
+            </a:effectRef>
+            <a:fontRef idx="minor">
+              <a:schemeClr val="tx1"/>
+            </a:fontRef>
+          </p:style>
+        </p:cxnSp>
+        <p:cxnSp>
+          <p:nvCxnSpPr>
+            <p:cNvPr id="9" name="Straight Connector 8"/>
+            <p:cNvCxnSpPr/>
+            <p:nvPr/>
+          </p:nvCxnSpPr>
+          <p:spPr>
+            <a:xfrm flipH="1">
+              <a:off x="10443103" y="3131080"/>
+              <a:ext cx="1745722" cy="1745720"/>
+            </a:xfrm>
+            <a:prstGeom prst="line">
+              <a:avLst/>
+            </a:prstGeom>
+            <a:ln w="28575">
+              <a:solidFill>
+                <a:schemeClr val="tx2"/>
+              </a:solidFill>
+            </a:ln>
+          </p:spPr>
+          <p:style>
+            <a:lnRef idx="2">
+              <a:schemeClr val="accent1"/>
+            </a:lnRef>
+            <a:fillRef idx="0">
+              <a:schemeClr val="accent1"/>
+            </a:fillRef>
+            <a:effectRef idx="1">
+              <a:schemeClr val="accent1"/>
+            </a:effectRef>
+            <a:fontRef idx="minor">
+              <a:schemeClr val="tx1"/>
+            </a:fontRef>
+          </p:style>
+        </p:cxnSp>
+        <p:cxnSp>
+          <p:nvCxnSpPr>
+            <p:cNvPr id="10" name="Straight Connector 9"/>
+            <p:cNvCxnSpPr/>
+            <p:nvPr/>
+          </p:nvCxnSpPr>
+          <p:spPr>
+            <a:xfrm flipH="1">
+              <a:off x="10918826" y="3683001"/>
+              <a:ext cx="1270001" cy="1269999"/>
+            </a:xfrm>
+            <a:prstGeom prst="line">
+              <a:avLst/>
+            </a:prstGeom>
+            <a:ln w="28575">
+              <a:solidFill>
+                <a:schemeClr val="tx2"/>
+              </a:solidFill>
+            </a:ln>
+          </p:spPr>
+          <p:style>
+            <a:lnRef idx="2">
+              <a:schemeClr val="accent1"/>
+            </a:lnRef>
+            <a:fillRef idx="0">
+              <a:schemeClr val="accent1"/>
+            </a:fillRef>
+            <a:effectRef idx="1">
+              <a:schemeClr val="accent1"/>
+            </a:effectRef>
+            <a:fontRef idx="minor">
+              <a:schemeClr val="tx1"/>
+            </a:fontRef>
+          </p:style>
+        </p:cxnSp>
+      </p:grpSp>
     </p:spTree>
     <p:extLst>
       <p:ext uri="{BB962C8B-B14F-4D97-AF65-F5344CB8AC3E}">
@@ -21090,15 +22520,7 @@
                   <a:schemeClr val="bg1"/>
                 </a:solidFill>
               </a:rPr>
-              <a:t>Supports all file </a:t>
-            </a:r>
-            <a:r>
-              <a:rPr lang="en-CA" sz="2400" dirty="0" smtClean="0">
-                <a:solidFill>
-                  <a:schemeClr val="bg1"/>
-                </a:solidFill>
-              </a:rPr>
-              <a:t>systems</a:t>
+              <a:t>Supports all file systems</a:t>
             </a:r>
             <a:endParaRPr lang="en-CA" sz="2400" dirty="0">
               <a:solidFill>
@@ -21296,15 +22718,7 @@
                   <a:schemeClr val="bg1"/>
                 </a:solidFill>
               </a:rPr>
-              <a:t>Supports most file </a:t>
-            </a:r>
-            <a:r>
-              <a:rPr lang="en-CA" sz="2400" dirty="0" smtClean="0">
-                <a:solidFill>
-                  <a:schemeClr val="bg1"/>
-                </a:solidFill>
-              </a:rPr>
-              <a:t>systems</a:t>
+              <a:t>Supports most file systems</a:t>
             </a:r>
             <a:endParaRPr lang="en-CA" sz="2400" dirty="0">
               <a:solidFill>
@@ -22338,13 +23752,12 @@
             <a:pPr lvl="1"/>
             <a:r>
               <a:rPr lang="en-CA" dirty="0" smtClean="0"/>
-              <a:t>E.g., a defragmentation tool moves extents of a fragmented file</a:t>
-            </a:r>
-          </a:p>
-          <a:p>
-            <a:pPr marL="457200" lvl="1" indent="0">
-              <a:buNone/>
-            </a:pPr>
+              <a:t>E.g., a defragmentation tool moves extents of a fragmented </a:t>
+            </a:r>
+            <a:r>
+              <a:rPr lang="en-CA" dirty="0" smtClean="0"/>
+              <a:t>file</a:t>
+            </a:r>
             <a:endParaRPr lang="en-CA" dirty="0"/>
           </a:p>
           <a:p>
@@ -23125,7 +24538,7 @@
           <a:p>
             <a:r>
               <a:rPr lang="en-CA" dirty="0" smtClean="0"/>
-              <a:t>File System Formats</a:t>
+              <a:t>Problem</a:t>
             </a:r>
             <a:endParaRPr lang="en-CA" dirty="0"/>
           </a:p>
@@ -23133,7 +24546,91 @@
       </p:sp>
       <p:sp>
         <p:nvSpPr>
-          <p:cNvPr id="4" name="Slide Number Placeholder 3"/>
+          <p:cNvPr id="3" name="Content Placeholder 2"/>
+          <p:cNvSpPr>
+            <a:spLocks noGrp="1"/>
+          </p:cNvSpPr>
+          <p:nvPr>
+            <p:ph idx="1"/>
+          </p:nvPr>
+        </p:nvSpPr>
+        <p:spPr>
+          <a:xfrm>
+            <a:off x="684211" y="1515358"/>
+            <a:ext cx="10285797" cy="2299035"/>
+          </a:xfrm>
+        </p:spPr>
+        <p:txBody>
+          <a:bodyPr/>
+          <a:lstStyle/>
+          <a:p>
+            <a:r>
+              <a:rPr lang="en-CA" dirty="0"/>
+              <a:t>These applications operate </a:t>
+            </a:r>
+            <a:r>
+              <a:rPr lang="en-CA" dirty="0" smtClean="0"/>
+              <a:t>directly on </a:t>
+            </a:r>
+            <a:r>
+              <a:rPr lang="en-CA" dirty="0"/>
+              <a:t>file system </a:t>
+            </a:r>
+            <a:r>
+              <a:rPr lang="en-CA" dirty="0" smtClean="0"/>
+              <a:t>structures</a:t>
+            </a:r>
+          </a:p>
+          <a:p>
+            <a:pPr lvl="1"/>
+            <a:r>
+              <a:rPr lang="en-CA" dirty="0" smtClean="0"/>
+              <a:t>E.g., a defragmentation tool moves extents of a fragmented </a:t>
+            </a:r>
+            <a:r>
+              <a:rPr lang="en-CA" dirty="0" smtClean="0"/>
+              <a:t>file</a:t>
+            </a:r>
+            <a:endParaRPr lang="en-CA" dirty="0"/>
+          </a:p>
+          <a:p>
+            <a:r>
+              <a:rPr lang="en-CA" dirty="0"/>
+              <a:t>Development requires significant engineering </a:t>
+            </a:r>
+            <a:r>
+              <a:rPr lang="en-CA" dirty="0" smtClean="0"/>
+              <a:t>effort</a:t>
+            </a:r>
+          </a:p>
+          <a:p>
+            <a:pPr lvl="1"/>
+            <a:r>
+              <a:rPr lang="en-CA" dirty="0"/>
+              <a:t>Applications have to be developed from scratch for each file system</a:t>
+            </a:r>
+          </a:p>
+          <a:p>
+            <a:pPr lvl="2"/>
+            <a:r>
+              <a:rPr lang="en-CA" dirty="0" smtClean="0"/>
+              <a:t>Each </a:t>
+            </a:r>
+            <a:r>
+              <a:rPr lang="en-CA" dirty="0"/>
+              <a:t>file system has its own set of data </a:t>
+            </a:r>
+            <a:r>
+              <a:rPr lang="en-CA" dirty="0" smtClean="0"/>
+              <a:t>structures</a:t>
+            </a:r>
+            <a:endParaRPr lang="en-CA" dirty="0"/>
+          </a:p>
+        </p:txBody>
+      </p:sp>
+      <p:sp>
+        <p:nvSpPr>
+          <p:cNvPr id="6" name="Slide Number Placeholder 5"/>
           <p:cNvSpPr>
             <a:spLocks noGrp="1"/>
           </p:cNvSpPr>
@@ -23155,47 +24652,9 @@
           </a:p>
         </p:txBody>
       </p:sp>
-      <p:sp>
-        <p:nvSpPr>
-          <p:cNvPr id="5" name="TextBox 4"/>
-          <p:cNvSpPr txBox="1"/>
-          <p:nvPr/>
-        </p:nvSpPr>
-        <p:spPr>
-          <a:xfrm>
-            <a:off x="687922" y="1314485"/>
-            <a:ext cx="2485621" cy="461665"/>
-          </a:xfrm>
-          <a:prstGeom prst="rect">
-            <a:avLst/>
-          </a:prstGeom>
-          <a:noFill/>
-        </p:spPr>
-        <p:txBody>
-          <a:bodyPr wrap="square" rtlCol="0">
-            <a:spAutoFit/>
-          </a:bodyPr>
-          <a:lstStyle/>
-          <a:p>
-            <a:r>
-              <a:rPr lang="en-CA" sz="2400" dirty="0" smtClean="0">
-                <a:solidFill>
-                  <a:schemeClr val="bg1"/>
-                </a:solidFill>
-              </a:rPr>
-              <a:t>Ext4 File System</a:t>
-            </a:r>
-            <a:endParaRPr lang="en-CA" sz="2400" dirty="0">
-              <a:solidFill>
-                <a:schemeClr val="bg1"/>
-              </a:solidFill>
-            </a:endParaRPr>
-          </a:p>
-        </p:txBody>
-      </p:sp>
       <p:grpSp>
         <p:nvGrpSpPr>
-          <p:cNvPr id="46" name="Group 45"/>
+          <p:cNvPr id="5" name="Group 4"/>
           <p:cNvGrpSpPr>
             <a:grpSpLocks noChangeAspect="1"/>
           </p:cNvGrpSpPr>
@@ -23203,15 +24662,15 @@
         </p:nvGrpSpPr>
         <p:grpSpPr>
           <a:xfrm>
-            <a:off x="763446" y="1856754"/>
-            <a:ext cx="5675992" cy="4697052"/>
+            <a:off x="1570116" y="4188799"/>
+            <a:ext cx="2905067" cy="2348526"/>
             <a:chOff x="763445" y="1207568"/>
-            <a:chExt cx="6480957" cy="5346238"/>
+            <a:chExt cx="6634123" cy="5346238"/>
           </a:xfrm>
         </p:grpSpPr>
         <p:sp>
           <p:nvSpPr>
-            <p:cNvPr id="10" name="Rectangle 9"/>
+            <p:cNvPr id="7" name="Rectangle 6"/>
             <p:cNvSpPr/>
             <p:nvPr/>
           </p:nvSpPr>
@@ -23258,7 +24717,7 @@
             <a:p>
               <a:pPr algn="ctr"/>
               <a:r>
-                <a:rPr lang="en-CA" altLang="zh-TW" sz="1400" dirty="0" smtClean="0">
+                <a:rPr lang="en-CA" altLang="zh-TW" sz="600" dirty="0" smtClean="0">
                   <a:solidFill>
                     <a:schemeClr val="bg1"/>
                   </a:solidFill>
@@ -23269,14 +24728,14 @@
             <a:p>
               <a:pPr algn="ctr"/>
               <a:r>
-                <a:rPr lang="en-CA" altLang="zh-TW" sz="1400" dirty="0" smtClean="0">
+                <a:rPr lang="en-CA" altLang="zh-TW" sz="600" dirty="0" smtClean="0">
                   <a:solidFill>
                     <a:schemeClr val="bg1"/>
                   </a:solidFill>
                 </a:rPr>
                 <a:t>bitmap</a:t>
               </a:r>
-              <a:endParaRPr lang="zh-TW" altLang="en-US" sz="1400" dirty="0">
+              <a:endParaRPr lang="zh-TW" altLang="en-US" sz="600" dirty="0">
                 <a:solidFill>
                   <a:schemeClr val="bg1"/>
                 </a:solidFill>
@@ -23286,7 +24745,7 @@
         </p:sp>
         <p:cxnSp>
           <p:nvCxnSpPr>
-            <p:cNvPr id="11" name="Straight Arrow Connector 10"/>
+            <p:cNvPr id="8" name="Straight Arrow Connector 7"/>
             <p:cNvCxnSpPr/>
             <p:nvPr/>
           </p:nvCxnSpPr>
@@ -23298,7 +24757,7 @@
             <a:prstGeom prst="straightConnector1">
               <a:avLst/>
             </a:prstGeom>
-            <a:ln w="63500">
+            <a:ln w="25400">
               <a:solidFill>
                 <a:schemeClr val="accent6">
                   <a:alpha val="60000"/>
@@ -23325,7 +24784,7 @@
         </p:cxnSp>
         <p:sp>
           <p:nvSpPr>
-            <p:cNvPr id="12" name="Rectangle 11"/>
+            <p:cNvPr id="9" name="Rectangle 8"/>
             <p:cNvSpPr/>
             <p:nvPr/>
           </p:nvSpPr>
@@ -23372,7 +24831,7 @@
             <a:p>
               <a:pPr algn="ctr"/>
               <a:r>
-                <a:rPr lang="en-CA" altLang="zh-TW" sz="1400" dirty="0" smtClean="0">
+                <a:rPr lang="en-CA" altLang="zh-TW" sz="600" dirty="0" smtClean="0">
                   <a:solidFill>
                     <a:schemeClr val="bg1"/>
                   </a:solidFill>
@@ -23383,14 +24842,14 @@
             <a:p>
               <a:pPr algn="ctr"/>
               <a:r>
-                <a:rPr lang="en-CA" altLang="zh-TW" sz="1400" dirty="0" smtClean="0">
+                <a:rPr lang="en-CA" altLang="zh-TW" sz="600" dirty="0" smtClean="0">
                   <a:solidFill>
                     <a:schemeClr val="bg1"/>
                   </a:solidFill>
                 </a:rPr>
                 <a:t>block</a:t>
               </a:r>
-              <a:endParaRPr lang="zh-TW" altLang="en-US" sz="1400" dirty="0">
+              <a:endParaRPr lang="zh-TW" altLang="en-US" sz="600" dirty="0">
                 <a:solidFill>
                   <a:schemeClr val="bg1"/>
                 </a:solidFill>
@@ -23400,7 +24859,7 @@
         </p:sp>
         <p:sp>
           <p:nvSpPr>
-            <p:cNvPr id="13" name="Rectangle 12"/>
+            <p:cNvPr id="10" name="Rectangle 9"/>
             <p:cNvSpPr/>
             <p:nvPr/>
           </p:nvSpPr>
@@ -23447,14 +24906,14 @@
             <a:p>
               <a:pPr algn="ctr"/>
               <a:r>
-                <a:rPr lang="en-CA" altLang="zh-TW" sz="1400" dirty="0" smtClean="0">
+                <a:rPr lang="en-CA" altLang="zh-TW" sz="600" dirty="0" smtClean="0">
                   <a:solidFill>
                     <a:schemeClr val="bg1"/>
                   </a:solidFill>
                 </a:rPr>
                 <a:t>ext4 journal</a:t>
               </a:r>
-              <a:endParaRPr lang="zh-TW" altLang="en-US" sz="1400" dirty="0">
+              <a:endParaRPr lang="zh-TW" altLang="en-US" sz="600" dirty="0">
                 <a:solidFill>
                   <a:schemeClr val="bg1"/>
                 </a:solidFill>
@@ -23464,10 +24923,10 @@
         </p:sp>
         <p:cxnSp>
           <p:nvCxnSpPr>
-            <p:cNvPr id="14" name="Straight Arrow Connector 13"/>
+            <p:cNvPr id="11" name="Straight Arrow Connector 10"/>
             <p:cNvCxnSpPr>
-              <a:stCxn id="12" idx="3"/>
-              <a:endCxn id="13" idx="1"/>
+              <a:stCxn id="9" idx="3"/>
+              <a:endCxn id="10" idx="1"/>
             </p:cNvCxnSpPr>
             <p:nvPr/>
           </p:nvCxnSpPr>
@@ -23479,7 +24938,7 @@
             <a:prstGeom prst="straightConnector1">
               <a:avLst/>
             </a:prstGeom>
-            <a:ln w="63500">
+            <a:ln w="25400">
               <a:solidFill>
                 <a:schemeClr val="accent6">
                   <a:alpha val="60000"/>
@@ -23506,7 +24965,7 @@
         </p:cxnSp>
         <p:sp>
           <p:nvSpPr>
-            <p:cNvPr id="15" name="Rectangle 14"/>
+            <p:cNvPr id="12" name="Rectangle 11"/>
             <p:cNvSpPr/>
             <p:nvPr/>
           </p:nvSpPr>
@@ -23552,13 +25011,13 @@
             <a:lstStyle/>
             <a:p>
               <a:pPr algn="ctr"/>
-              <a:endParaRPr lang="zh-TW" altLang="en-US" sz="1400" dirty="0"/>
+              <a:endParaRPr lang="zh-TW" altLang="en-US" sz="600" dirty="0"/>
             </a:p>
           </p:txBody>
         </p:sp>
         <p:sp>
           <p:nvSpPr>
-            <p:cNvPr id="16" name="Rectangle 15"/>
+            <p:cNvPr id="13" name="Rectangle 12"/>
             <p:cNvSpPr/>
             <p:nvPr/>
           </p:nvSpPr>
@@ -23597,14 +25056,14 @@
             <a:p>
               <a:pPr algn="ctr"/>
               <a:r>
-                <a:rPr lang="en-US" sz="1400" dirty="0" smtClean="0">
+                <a:rPr lang="en-US" sz="600" dirty="0" smtClean="0">
                   <a:solidFill>
                     <a:schemeClr val="bg1"/>
                   </a:solidFill>
                 </a:rPr>
                 <a:t>block group descriptor table</a:t>
               </a:r>
-              <a:endParaRPr lang="en-US" sz="1400" dirty="0">
+              <a:endParaRPr lang="en-US" sz="600" dirty="0">
                 <a:solidFill>
                   <a:schemeClr val="bg1"/>
                 </a:solidFill>
@@ -23614,10 +25073,10 @@
         </p:sp>
         <p:cxnSp>
           <p:nvCxnSpPr>
-            <p:cNvPr id="17" name="Straight Arrow Connector 96"/>
+            <p:cNvPr id="14" name="Straight Arrow Connector 96"/>
             <p:cNvCxnSpPr>
-              <a:stCxn id="44" idx="2"/>
-              <a:endCxn id="10" idx="0"/>
+              <a:stCxn id="32" idx="2"/>
+              <a:endCxn id="7" idx="0"/>
             </p:cNvCxnSpPr>
             <p:nvPr/>
           </p:nvCxnSpPr>
@@ -23631,7 +25090,7 @@
                 <a:gd name="adj1" fmla="val 27846"/>
               </a:avLst>
             </a:prstGeom>
-            <a:ln w="63500">
+            <a:ln w="25400">
               <a:solidFill>
                 <a:schemeClr val="accent6">
                   <a:alpha val="60000"/>
@@ -23658,7 +25117,7 @@
         </p:cxnSp>
         <p:sp>
           <p:nvSpPr>
-            <p:cNvPr id="18" name="Rectangle 17"/>
+            <p:cNvPr id="15" name="Rectangle 14"/>
             <p:cNvSpPr/>
             <p:nvPr/>
           </p:nvSpPr>
@@ -23704,20 +25163,20 @@
             <a:lstStyle/>
             <a:p>
               <a:pPr algn="ctr"/>
-              <a:endParaRPr lang="zh-TW" altLang="en-US" sz="1400" dirty="0"/>
+              <a:endParaRPr lang="zh-TW" altLang="en-US" sz="600" dirty="0"/>
             </a:p>
           </p:txBody>
         </p:sp>
         <p:sp>
           <p:nvSpPr>
-            <p:cNvPr id="19" name="Rectangle 18"/>
+            <p:cNvPr id="16" name="Rectangle 15"/>
             <p:cNvSpPr/>
             <p:nvPr/>
           </p:nvSpPr>
           <p:spPr>
             <a:xfrm>
-              <a:off x="3515340" y="4394402"/>
-              <a:ext cx="843171" cy="594000"/>
+              <a:off x="3515339" y="4394403"/>
+              <a:ext cx="928379" cy="594001"/>
             </a:xfrm>
             <a:prstGeom prst="rect">
               <a:avLst/>
@@ -23749,7 +25208,7 @@
             <a:p>
               <a:pPr algn="ctr"/>
               <a:r>
-                <a:rPr lang="en-US" sz="1400" dirty="0" err="1" smtClean="0">
+                <a:rPr lang="en-US" sz="600" dirty="0" err="1" smtClean="0">
                   <a:solidFill>
                     <a:schemeClr val="bg1"/>
                   </a:solidFill>
@@ -23757,14 +25216,14 @@
                 <a:t>inode</a:t>
               </a:r>
               <a:r>
-                <a:rPr lang="en-US" sz="1400" dirty="0" smtClean="0">
+                <a:rPr lang="en-US" sz="600" dirty="0" smtClean="0">
                   <a:solidFill>
                     <a:schemeClr val="bg1"/>
                   </a:solidFill>
                 </a:rPr>
                 <a:t> table</a:t>
               </a:r>
-              <a:endParaRPr lang="en-US" sz="1400" dirty="0">
+              <a:endParaRPr lang="en-US" sz="600" dirty="0">
                 <a:solidFill>
                   <a:schemeClr val="bg1"/>
                 </a:solidFill>
@@ -23774,10 +25233,10 @@
         </p:sp>
         <p:cxnSp>
           <p:nvCxnSpPr>
-            <p:cNvPr id="20" name="Straight Arrow Connector 96"/>
+            <p:cNvPr id="17" name="Straight Arrow Connector 96"/>
             <p:cNvCxnSpPr>
-              <a:stCxn id="43" idx="2"/>
-              <a:endCxn id="41" idx="0"/>
+              <a:stCxn id="31" idx="2"/>
+              <a:endCxn id="29" idx="0"/>
             </p:cNvCxnSpPr>
             <p:nvPr/>
           </p:nvCxnSpPr>
@@ -23791,7 +25250,7 @@
                 <a:gd name="adj1" fmla="val 50000"/>
               </a:avLst>
             </a:prstGeom>
-            <a:ln w="63500">
+            <a:ln w="25400">
               <a:solidFill>
                 <a:schemeClr val="accent6">
                   <a:alpha val="60000"/>
@@ -23818,7 +25277,7 @@
         </p:cxnSp>
         <p:sp>
           <p:nvSpPr>
-            <p:cNvPr id="21" name="Rounded Rectangle 20"/>
+            <p:cNvPr id="18" name="Rounded Rectangle 17"/>
             <p:cNvSpPr/>
             <p:nvPr/>
           </p:nvSpPr>
@@ -23865,14 +25324,14 @@
             <a:p>
               <a:pPr algn="ctr"/>
               <a:r>
-                <a:rPr lang="en-US" altLang="zh-TW" sz="1400" dirty="0" smtClean="0">
+                <a:rPr lang="en-US" altLang="zh-TW" sz="600" dirty="0" smtClean="0">
                   <a:solidFill>
                     <a:schemeClr val="tx1"/>
                   </a:solidFill>
                 </a:rPr>
                 <a:t>block group descriptor</a:t>
               </a:r>
-              <a:endParaRPr lang="zh-TW" altLang="en-US" sz="1400" dirty="0">
+              <a:endParaRPr lang="zh-TW" altLang="en-US" sz="600" dirty="0">
                 <a:solidFill>
                   <a:schemeClr val="tx1"/>
                 </a:solidFill>
@@ -23882,7 +25341,7 @@
         </p:sp>
         <p:cxnSp>
           <p:nvCxnSpPr>
-            <p:cNvPr id="22" name="Straight Arrow Connector 96"/>
+            <p:cNvPr id="19" name="Straight Arrow Connector 96"/>
             <p:cNvCxnSpPr/>
             <p:nvPr/>
           </p:nvCxnSpPr>
@@ -23894,7 +25353,7 @@
             <a:prstGeom prst="straightConnector1">
               <a:avLst/>
             </a:prstGeom>
-            <a:ln w="63500">
+            <a:ln w="25400">
               <a:solidFill>
                 <a:schemeClr val="accent6">
                   <a:alpha val="60000"/>
@@ -23921,7 +25380,7 @@
         </p:cxnSp>
         <p:sp>
           <p:nvSpPr>
-            <p:cNvPr id="23" name="Rounded Rectangle 22"/>
+            <p:cNvPr id="20" name="Rounded Rectangle 19"/>
             <p:cNvSpPr/>
             <p:nvPr/>
           </p:nvSpPr>
@@ -23968,14 +25427,14 @@
             <a:p>
               <a:pPr algn="ctr"/>
               <a:r>
-                <a:rPr lang="en-US" altLang="zh-TW" sz="1400" dirty="0" err="1" smtClean="0">
+                <a:rPr lang="en-US" altLang="zh-TW" sz="600" dirty="0" err="1" smtClean="0">
                   <a:solidFill>
                     <a:schemeClr val="tx1"/>
                   </a:solidFill>
                 </a:rPr>
                 <a:t>inode</a:t>
               </a:r>
-              <a:endParaRPr lang="en-US" altLang="zh-TW" sz="1400" dirty="0" smtClean="0">
+              <a:endParaRPr lang="en-US" altLang="zh-TW" sz="600" dirty="0" smtClean="0">
                 <a:solidFill>
                   <a:schemeClr val="tx1"/>
                 </a:solidFill>
@@ -23984,7 +25443,7 @@
             <a:p>
               <a:pPr algn="ctr"/>
               <a:r>
-                <a:rPr lang="en-US" altLang="zh-TW" sz="1400" dirty="0" smtClean="0">
+                <a:rPr lang="en-US" altLang="zh-TW" sz="600" dirty="0" smtClean="0">
                   <a:solidFill>
                     <a:schemeClr val="tx1"/>
                   </a:solidFill>
@@ -23992,7 +25451,7 @@
                 <a:t>(</a:t>
               </a:r>
               <a:r>
-                <a:rPr lang="en-US" altLang="zh-TW" sz="1400" dirty="0" err="1" smtClean="0">
+                <a:rPr lang="en-US" altLang="zh-TW" sz="600" dirty="0" err="1" smtClean="0">
                   <a:solidFill>
                     <a:schemeClr val="tx1"/>
                   </a:solidFill>
@@ -24000,14 +25459,14 @@
                 <a:t>reg</a:t>
               </a:r>
               <a:r>
-                <a:rPr lang="en-US" altLang="zh-TW" sz="1400" dirty="0" smtClean="0">
+                <a:rPr lang="en-US" altLang="zh-TW" sz="600" dirty="0" smtClean="0">
                   <a:solidFill>
                     <a:schemeClr val="tx1"/>
                   </a:solidFill>
                 </a:rPr>
                 <a:t> file)</a:t>
               </a:r>
-              <a:endParaRPr lang="zh-TW" altLang="en-US" sz="1400" dirty="0">
+              <a:endParaRPr lang="zh-TW" altLang="en-US" sz="600" dirty="0">
                 <a:solidFill>
                   <a:schemeClr val="tx1"/>
                 </a:solidFill>
@@ -24017,7 +25476,7 @@
         </p:sp>
         <p:sp>
           <p:nvSpPr>
-            <p:cNvPr id="24" name="Rounded Rectangle 23"/>
+            <p:cNvPr id="21" name="Rounded Rectangle 20"/>
             <p:cNvSpPr/>
             <p:nvPr/>
           </p:nvSpPr>
@@ -24064,14 +25523,14 @@
             <a:p>
               <a:pPr algn="ctr"/>
               <a:r>
-                <a:rPr lang="en-US" altLang="zh-TW" sz="1400" dirty="0" err="1" smtClean="0">
+                <a:rPr lang="en-US" altLang="zh-TW" sz="600" dirty="0" err="1" smtClean="0">
                   <a:solidFill>
                     <a:schemeClr val="tx1"/>
                   </a:solidFill>
                 </a:rPr>
                 <a:t>inode</a:t>
               </a:r>
-              <a:endParaRPr lang="en-US" altLang="zh-TW" sz="1400" dirty="0" smtClean="0">
+              <a:endParaRPr lang="en-US" altLang="zh-TW" sz="600" dirty="0" smtClean="0">
                 <a:solidFill>
                   <a:schemeClr val="tx1"/>
                 </a:solidFill>
@@ -24080,14 +25539,14 @@
             <a:p>
               <a:pPr algn="ctr"/>
               <a:r>
-                <a:rPr lang="en-US" altLang="zh-TW" sz="1400" dirty="0" smtClean="0">
+                <a:rPr lang="en-US" altLang="zh-TW" sz="600" dirty="0" smtClean="0">
                   <a:solidFill>
                     <a:schemeClr val="tx1"/>
                   </a:solidFill>
                 </a:rPr>
                 <a:t>(directory)</a:t>
               </a:r>
-              <a:endParaRPr lang="zh-TW" altLang="en-US" sz="1400" dirty="0">
+              <a:endParaRPr lang="zh-TW" altLang="en-US" sz="600" dirty="0">
                 <a:solidFill>
                   <a:schemeClr val="tx1"/>
                 </a:solidFill>
@@ -24097,14 +25556,14 @@
         </p:sp>
         <p:sp>
           <p:nvSpPr>
-            <p:cNvPr id="25" name="TextBox 24"/>
+            <p:cNvPr id="22" name="TextBox 21"/>
             <p:cNvSpPr txBox="1"/>
             <p:nvPr/>
           </p:nvSpPr>
           <p:spPr>
             <a:xfrm>
-              <a:off x="5998270" y="2579740"/>
-              <a:ext cx="415853" cy="307777"/>
+              <a:off x="5998270" y="2579741"/>
+              <a:ext cx="597423" cy="420378"/>
             </a:xfrm>
             <a:prstGeom prst="rect">
               <a:avLst/>
@@ -24118,14 +25577,14 @@
             <a:lstStyle/>
             <a:p>
               <a:r>
-                <a:rPr lang="en-CA" sz="1400" dirty="0" smtClean="0">
+                <a:rPr lang="en-CA" sz="600" dirty="0" smtClean="0">
                   <a:solidFill>
                     <a:schemeClr val="bg1"/>
                   </a:solidFill>
                 </a:rPr>
                 <a:t>…</a:t>
               </a:r>
-              <a:endParaRPr lang="en-CA" sz="1400" dirty="0">
+              <a:endParaRPr lang="en-CA" sz="600" dirty="0">
                 <a:solidFill>
                   <a:schemeClr val="bg1"/>
                 </a:solidFill>
@@ -24135,14 +25594,14 @@
         </p:sp>
         <p:sp>
           <p:nvSpPr>
-            <p:cNvPr id="26" name="TextBox 25"/>
+            <p:cNvPr id="23" name="TextBox 22"/>
             <p:cNvSpPr txBox="1"/>
             <p:nvPr/>
           </p:nvSpPr>
           <p:spPr>
             <a:xfrm>
-              <a:off x="6800145" y="4506736"/>
-              <a:ext cx="415853" cy="307777"/>
+              <a:off x="6800145" y="4506735"/>
+              <a:ext cx="597423" cy="420378"/>
             </a:xfrm>
             <a:prstGeom prst="rect">
               <a:avLst/>
@@ -24156,14 +25615,14 @@
             <a:lstStyle/>
             <a:p>
               <a:r>
-                <a:rPr lang="en-CA" sz="1400" dirty="0" smtClean="0">
+                <a:rPr lang="en-CA" sz="600" dirty="0" smtClean="0">
                   <a:solidFill>
                     <a:schemeClr val="bg1"/>
                   </a:solidFill>
                 </a:rPr>
                 <a:t>…</a:t>
               </a:r>
-              <a:endParaRPr lang="en-CA" sz="1400" dirty="0">
+              <a:endParaRPr lang="en-CA" sz="600" dirty="0">
                 <a:solidFill>
                   <a:schemeClr val="bg1"/>
                 </a:solidFill>
@@ -24173,7 +25632,7 @@
         </p:sp>
         <p:sp>
           <p:nvSpPr>
-            <p:cNvPr id="27" name="Rectangle 26"/>
+            <p:cNvPr id="24" name="Rectangle 23"/>
             <p:cNvSpPr/>
             <p:nvPr/>
           </p:nvSpPr>
@@ -24220,14 +25679,14 @@
             <a:p>
               <a:pPr algn="ctr"/>
               <a:r>
-                <a:rPr lang="en-CA" altLang="zh-TW" sz="1400" dirty="0" err="1" smtClean="0">
+                <a:rPr lang="en-CA" altLang="zh-TW" sz="600" dirty="0" err="1" smtClean="0">
                   <a:solidFill>
                     <a:schemeClr val="bg1"/>
                   </a:solidFill>
                 </a:rPr>
                 <a:t>dir</a:t>
               </a:r>
-              <a:endParaRPr lang="en-CA" altLang="zh-TW" sz="1400" dirty="0" smtClean="0">
+              <a:endParaRPr lang="en-CA" altLang="zh-TW" sz="600" dirty="0" smtClean="0">
                 <a:solidFill>
                   <a:schemeClr val="bg1"/>
                 </a:solidFill>
@@ -24236,14 +25695,14 @@
             <a:p>
               <a:pPr algn="ctr"/>
               <a:r>
-                <a:rPr lang="en-CA" altLang="zh-TW" sz="1400" dirty="0" smtClean="0">
+                <a:rPr lang="en-CA" altLang="zh-TW" sz="600" dirty="0" smtClean="0">
                   <a:solidFill>
                     <a:schemeClr val="bg1"/>
                   </a:solidFill>
                 </a:rPr>
                 <a:t>block</a:t>
               </a:r>
-              <a:endParaRPr lang="zh-TW" altLang="en-US" sz="1400" dirty="0">
+              <a:endParaRPr lang="zh-TW" altLang="en-US" sz="600" dirty="0">
                 <a:solidFill>
                   <a:schemeClr val="bg1"/>
                 </a:solidFill>
@@ -24253,10 +25712,10 @@
         </p:sp>
         <p:cxnSp>
           <p:nvCxnSpPr>
-            <p:cNvPr id="33" name="Straight Arrow Connector 96"/>
+            <p:cNvPr id="25" name="Straight Arrow Connector 96"/>
             <p:cNvCxnSpPr>
-              <a:stCxn id="24" idx="2"/>
-              <a:endCxn id="27" idx="0"/>
+              <a:stCxn id="21" idx="2"/>
+              <a:endCxn id="24" idx="0"/>
             </p:cNvCxnSpPr>
             <p:nvPr/>
           </p:nvCxnSpPr>
@@ -24268,7 +25727,7 @@
             <a:prstGeom prst="straightConnector1">
               <a:avLst/>
             </a:prstGeom>
-            <a:ln w="63500">
+            <a:ln w="25400">
               <a:solidFill>
                 <a:schemeClr val="accent6">
                   <a:alpha val="60000"/>
@@ -24295,7 +25754,7 @@
         </p:cxnSp>
         <p:grpSp>
           <p:nvGrpSpPr>
-            <p:cNvPr id="35" name="Group 34"/>
+            <p:cNvPr id="26" name="Group 25"/>
             <p:cNvGrpSpPr/>
             <p:nvPr/>
           </p:nvGrpSpPr>
@@ -24309,7 +25768,7 @@
           </p:grpSpPr>
           <p:cxnSp>
             <p:nvCxnSpPr>
-              <p:cNvPr id="36" name="Straight Arrow Connector 35"/>
+              <p:cNvPr id="33" name="Straight Arrow Connector 32"/>
               <p:cNvCxnSpPr/>
               <p:nvPr/>
             </p:nvCxnSpPr>
@@ -24321,7 +25780,7 @@
               <a:prstGeom prst="straightConnector1">
                 <a:avLst/>
               </a:prstGeom>
-              <a:ln w="63500">
+              <a:ln w="25400">
                 <a:solidFill>
                   <a:schemeClr val="accent6">
                     <a:alpha val="60000"/>
@@ -24347,7 +25806,7 @@
           </p:cxnSp>
           <p:cxnSp>
             <p:nvCxnSpPr>
-              <p:cNvPr id="37" name="Straight Arrow Connector 36"/>
+              <p:cNvPr id="34" name="Straight Arrow Connector 33"/>
               <p:cNvCxnSpPr/>
               <p:nvPr/>
             </p:nvCxnSpPr>
@@ -24359,7 +25818,7 @@
               <a:prstGeom prst="straightConnector1">
                 <a:avLst/>
               </a:prstGeom>
-              <a:ln w="63500">
+              <a:ln w="25400">
                 <a:solidFill>
                   <a:schemeClr val="accent6">
                     <a:alpha val="60000"/>
@@ -24385,7 +25844,7 @@
           </p:cxnSp>
           <p:cxnSp>
             <p:nvCxnSpPr>
-              <p:cNvPr id="38" name="Straight Arrow Connector 37"/>
+              <p:cNvPr id="35" name="Straight Arrow Connector 34"/>
               <p:cNvCxnSpPr/>
               <p:nvPr/>
             </p:nvCxnSpPr>
@@ -24397,7 +25856,7 @@
               <a:prstGeom prst="straightConnector1">
                 <a:avLst/>
               </a:prstGeom>
-              <a:ln w="63500">
+              <a:ln w="25400">
                 <a:solidFill>
                   <a:schemeClr val="accent6">
                     <a:alpha val="60000"/>
@@ -24424,7 +25883,7 @@
         </p:grpSp>
         <p:sp>
           <p:nvSpPr>
-            <p:cNvPr id="39" name="Rectangle 38"/>
+            <p:cNvPr id="27" name="Rectangle 26"/>
             <p:cNvSpPr/>
             <p:nvPr/>
           </p:nvSpPr>
@@ -24471,7 +25930,7 @@
             <a:p>
               <a:pPr algn="ctr"/>
               <a:r>
-                <a:rPr lang="en-CA" altLang="zh-TW" sz="1400" dirty="0" smtClean="0">
+                <a:rPr lang="en-CA" altLang="zh-TW" sz="600" dirty="0" smtClean="0">
                   <a:solidFill>
                     <a:schemeClr val="bg1"/>
                   </a:solidFill>
@@ -24482,14 +25941,14 @@
             <a:p>
               <a:pPr algn="ctr"/>
               <a:r>
-                <a:rPr lang="en-CA" altLang="zh-TW" sz="1400" dirty="0" smtClean="0">
+                <a:rPr lang="en-CA" altLang="zh-TW" sz="600" dirty="0" smtClean="0">
                   <a:solidFill>
                     <a:schemeClr val="bg1"/>
                   </a:solidFill>
                 </a:rPr>
                 <a:t>block</a:t>
               </a:r>
-              <a:endParaRPr lang="zh-TW" altLang="en-US" sz="1400" dirty="0">
+              <a:endParaRPr lang="zh-TW" altLang="en-US" sz="600" dirty="0">
                 <a:solidFill>
                   <a:schemeClr val="bg1"/>
                 </a:solidFill>
@@ -24499,10 +25958,10 @@
         </p:sp>
         <p:cxnSp>
           <p:nvCxnSpPr>
-            <p:cNvPr id="40" name="Straight Arrow Connector 96"/>
+            <p:cNvPr id="28" name="Straight Arrow Connector 96"/>
             <p:cNvCxnSpPr>
-              <a:stCxn id="23" idx="2"/>
-              <a:endCxn id="39" idx="0"/>
+              <a:stCxn id="20" idx="2"/>
+              <a:endCxn id="27" idx="0"/>
             </p:cNvCxnSpPr>
             <p:nvPr/>
           </p:nvCxnSpPr>
@@ -24514,7 +25973,7 @@
             <a:prstGeom prst="straightConnector1">
               <a:avLst/>
             </a:prstGeom>
-            <a:ln w="63500">
+            <a:ln w="25400">
               <a:solidFill>
                 <a:schemeClr val="accent6">
                   <a:alpha val="60000"/>
@@ -24541,7 +26000,7 @@
         </p:cxnSp>
         <p:sp>
           <p:nvSpPr>
-            <p:cNvPr id="41" name="Rectangle 40"/>
+            <p:cNvPr id="29" name="Rectangle 28"/>
             <p:cNvSpPr/>
             <p:nvPr/>
           </p:nvSpPr>
@@ -24588,14 +26047,14 @@
             <a:p>
               <a:pPr algn="ctr"/>
               <a:r>
-                <a:rPr lang="en-CA" altLang="zh-TW" sz="1400" dirty="0" err="1" smtClean="0">
+                <a:rPr lang="en-CA" altLang="zh-TW" sz="600" dirty="0" err="1" smtClean="0">
                   <a:solidFill>
                     <a:schemeClr val="bg1"/>
                   </a:solidFill>
                 </a:rPr>
                 <a:t>inode</a:t>
               </a:r>
-              <a:endParaRPr lang="en-CA" altLang="zh-TW" sz="1400" dirty="0" smtClean="0">
+              <a:endParaRPr lang="en-CA" altLang="zh-TW" sz="600" dirty="0" smtClean="0">
                 <a:solidFill>
                   <a:schemeClr val="bg1"/>
                 </a:solidFill>
@@ -24604,14 +26063,14 @@
             <a:p>
               <a:pPr algn="ctr"/>
               <a:r>
-                <a:rPr lang="en-CA" altLang="zh-TW" sz="1400" dirty="0" smtClean="0">
+                <a:rPr lang="en-CA" altLang="zh-TW" sz="600" dirty="0" smtClean="0">
                   <a:solidFill>
                     <a:schemeClr val="bg1"/>
                   </a:solidFill>
                 </a:rPr>
                 <a:t>bitmap</a:t>
               </a:r>
-              <a:endParaRPr lang="zh-TW" altLang="en-US" sz="1400" dirty="0">
+              <a:endParaRPr lang="zh-TW" altLang="en-US" sz="600" dirty="0">
                 <a:solidFill>
                   <a:schemeClr val="bg1"/>
                 </a:solidFill>
@@ -24621,7 +26080,7 @@
         </p:sp>
         <p:grpSp>
           <p:nvGrpSpPr>
-            <p:cNvPr id="42" name="Group 41"/>
+            <p:cNvPr id="30" name="Group 29"/>
             <p:cNvGrpSpPr/>
             <p:nvPr/>
           </p:nvGrpSpPr>
@@ -24635,7 +26094,7 @@
           </p:grpSpPr>
           <p:sp>
             <p:nvSpPr>
-              <p:cNvPr id="43" name="Rounded Rectangle 42"/>
+              <p:cNvPr id="31" name="Rounded Rectangle 30"/>
               <p:cNvSpPr/>
               <p:nvPr/>
             </p:nvSpPr>
@@ -24682,14 +26141,14 @@
               <a:p>
                 <a:pPr algn="ctr"/>
                 <a:r>
-                  <a:rPr lang="en-US" altLang="zh-TW" sz="1400" dirty="0" smtClean="0">
+                  <a:rPr lang="en-US" altLang="zh-TW" sz="600" dirty="0" smtClean="0">
                     <a:solidFill>
                       <a:schemeClr val="tx1"/>
                     </a:solidFill>
                   </a:rPr>
                   <a:t>block group descriptor</a:t>
                 </a:r>
-                <a:endParaRPr lang="zh-TW" altLang="en-US" sz="1400" dirty="0">
+                <a:endParaRPr lang="zh-TW" altLang="en-US" sz="600" dirty="0">
                   <a:solidFill>
                     <a:schemeClr val="tx1"/>
                   </a:solidFill>
@@ -24699,7 +26158,7 @@
           </p:sp>
           <p:sp>
             <p:nvSpPr>
-              <p:cNvPr id="44" name="Rectangle 43"/>
+              <p:cNvPr id="32" name="Rectangle 31"/>
               <p:cNvSpPr/>
               <p:nvPr/>
             </p:nvSpPr>
@@ -24737,7 +26196,7 @@
               <a:lstStyle/>
               <a:p>
                 <a:pPr algn="ctr"/>
-                <a:endParaRPr lang="en-CA" sz="1400"/>
+                <a:endParaRPr lang="en-CA" sz="600"/>
               </a:p>
             </p:txBody>
           </p:sp>
@@ -24745,89 +26204,14 @@
       </p:grpSp>
       <p:sp>
         <p:nvSpPr>
-          <p:cNvPr id="47" name="Rectangle 46"/>
-          <p:cNvSpPr/>
+          <p:cNvPr id="36" name="TextBox 35"/>
+          <p:cNvSpPr txBox="1"/>
           <p:nvPr/>
         </p:nvSpPr>
         <p:spPr>
           <a:xfrm>
-            <a:off x="8565898" y="1856754"/>
-            <a:ext cx="966192" cy="590548"/>
-          </a:xfrm>
-          <a:prstGeom prst="rect">
-            <a:avLst/>
-          </a:prstGeom>
-          <a:solidFill>
-            <a:schemeClr val="accent5">
-              <a:lumMod val="40000"/>
-              <a:lumOff val="60000"/>
-            </a:schemeClr>
-          </a:solidFill>
-          <a:ln w="12700">
-            <a:solidFill>
-              <a:schemeClr val="bg1"/>
-            </a:solidFill>
-            <a:prstDash val="solid"/>
-          </a:ln>
-        </p:spPr>
-        <p:style>
-          <a:lnRef idx="2">
-            <a:schemeClr val="accent1">
-              <a:shade val="50000"/>
-            </a:schemeClr>
-          </a:lnRef>
-          <a:fillRef idx="1">
-            <a:schemeClr val="accent1"/>
-          </a:fillRef>
-          <a:effectRef idx="0">
-            <a:schemeClr val="accent1"/>
-          </a:effectRef>
-          <a:fontRef idx="minor">
-            <a:schemeClr val="lt1"/>
-          </a:fontRef>
-        </p:style>
-        <p:txBody>
-          <a:bodyPr rtlCol="0" anchor="ctr"/>
-          <a:lstStyle/>
-          <a:p>
-            <a:pPr algn="ctr"/>
-            <a:r>
-              <a:rPr lang="en-CA" altLang="zh-TW" sz="1400" dirty="0" smtClean="0">
-                <a:solidFill>
-                  <a:schemeClr val="bg1"/>
-                </a:solidFill>
-              </a:rPr>
-              <a:t>super</a:t>
-            </a:r>
-          </a:p>
-          <a:p>
-            <a:pPr algn="ctr"/>
-            <a:r>
-              <a:rPr lang="en-CA" altLang="zh-TW" sz="1400" dirty="0" smtClean="0">
-                <a:solidFill>
-                  <a:schemeClr val="bg1"/>
-                </a:solidFill>
-              </a:rPr>
-              <a:t>block</a:t>
-            </a:r>
-            <a:endParaRPr lang="zh-TW" altLang="en-US" sz="1400" dirty="0">
-              <a:solidFill>
-                <a:schemeClr val="bg1"/>
-              </a:solidFill>
-            </a:endParaRPr>
-          </a:p>
-        </p:txBody>
-      </p:sp>
-      <p:sp>
-        <p:nvSpPr>
-          <p:cNvPr id="48" name="TextBox 47"/>
-          <p:cNvSpPr txBox="1"/>
-          <p:nvPr/>
-        </p:nvSpPr>
-        <p:spPr>
-          <a:xfrm>
-            <a:off x="6696455" y="1314485"/>
-            <a:ext cx="2485621" cy="461665"/>
+            <a:off x="1451372" y="3823674"/>
+            <a:ext cx="2485621" cy="369332"/>
           </a:xfrm>
           <a:prstGeom prst="rect">
             <a:avLst/>
@@ -24841,22 +26225,14 @@
           <a:lstStyle/>
           <a:p>
             <a:r>
-              <a:rPr lang="en-CA" sz="2400" dirty="0" err="1" smtClean="0">
+              <a:rPr lang="en-CA" b="1" dirty="0" smtClean="0">
                 <a:solidFill>
                   <a:schemeClr val="bg1"/>
                 </a:solidFill>
               </a:rPr>
-              <a:t>Btrfs</a:t>
-            </a:r>
-            <a:r>
-              <a:rPr lang="en-CA" sz="2400" dirty="0" smtClean="0">
-                <a:solidFill>
-                  <a:schemeClr val="bg1"/>
-                </a:solidFill>
-              </a:rPr>
-              <a:t> File System</a:t>
-            </a:r>
-            <a:endParaRPr lang="en-CA" sz="2400" dirty="0">
+              <a:t>Ext4 File System</a:t>
+            </a:r>
+            <a:endParaRPr lang="en-CA" b="1" dirty="0">
               <a:solidFill>
                 <a:schemeClr val="bg1"/>
               </a:solidFill>
@@ -24864,574 +26240,45 @@
           </a:p>
         </p:txBody>
       </p:sp>
-      <p:sp>
-        <p:nvSpPr>
-          <p:cNvPr id="49" name="Rectangle 48"/>
-          <p:cNvSpPr/>
-          <p:nvPr/>
-        </p:nvSpPr>
-        <p:spPr>
-          <a:xfrm>
-            <a:off x="8565898" y="2724625"/>
-            <a:ext cx="966192" cy="590548"/>
-          </a:xfrm>
-          <a:prstGeom prst="rect">
-            <a:avLst/>
-          </a:prstGeom>
-          <a:solidFill>
-            <a:schemeClr val="accent5">
-              <a:lumMod val="40000"/>
-              <a:lumOff val="60000"/>
-            </a:schemeClr>
-          </a:solidFill>
-          <a:ln w="12700">
-            <a:solidFill>
-              <a:schemeClr val="bg1"/>
-            </a:solidFill>
-            <a:prstDash val="solid"/>
-          </a:ln>
-        </p:spPr>
-        <p:style>
-          <a:lnRef idx="2">
-            <a:schemeClr val="accent1">
-              <a:shade val="50000"/>
-            </a:schemeClr>
-          </a:lnRef>
-          <a:fillRef idx="1">
-            <a:schemeClr val="accent1"/>
-          </a:fillRef>
-          <a:effectRef idx="0">
-            <a:schemeClr val="accent1"/>
-          </a:effectRef>
-          <a:fontRef idx="minor">
-            <a:schemeClr val="lt1"/>
-          </a:fontRef>
-        </p:style>
-        <p:txBody>
-          <a:bodyPr rtlCol="0" anchor="ctr"/>
-          <a:lstStyle/>
-          <a:p>
-            <a:pPr algn="ctr"/>
-            <a:r>
-              <a:rPr lang="en-CA" altLang="zh-TW" sz="1400" dirty="0" smtClean="0">
-                <a:solidFill>
-                  <a:schemeClr val="bg1"/>
-                </a:solidFill>
-              </a:rPr>
-              <a:t>tree of trees</a:t>
-            </a:r>
-            <a:endParaRPr lang="zh-TW" altLang="en-US" sz="1400" dirty="0">
-              <a:solidFill>
-                <a:schemeClr val="bg1"/>
-              </a:solidFill>
-            </a:endParaRPr>
-          </a:p>
-        </p:txBody>
-      </p:sp>
-      <p:sp>
-        <p:nvSpPr>
-          <p:cNvPr id="50" name="Rectangle 49"/>
-          <p:cNvSpPr/>
-          <p:nvPr/>
-        </p:nvSpPr>
-        <p:spPr>
-          <a:xfrm>
-            <a:off x="7950929" y="3592496"/>
-            <a:ext cx="966192" cy="590548"/>
-          </a:xfrm>
-          <a:prstGeom prst="rect">
-            <a:avLst/>
-          </a:prstGeom>
-          <a:solidFill>
-            <a:schemeClr val="accent5">
-              <a:lumMod val="40000"/>
-              <a:lumOff val="60000"/>
-            </a:schemeClr>
-          </a:solidFill>
-          <a:ln w="12700">
-            <a:solidFill>
-              <a:schemeClr val="bg1"/>
-            </a:solidFill>
-            <a:prstDash val="solid"/>
-          </a:ln>
-        </p:spPr>
-        <p:style>
-          <a:lnRef idx="2">
-            <a:schemeClr val="accent1">
-              <a:shade val="50000"/>
-            </a:schemeClr>
-          </a:lnRef>
-          <a:fillRef idx="1">
-            <a:schemeClr val="accent1"/>
-          </a:fillRef>
-          <a:effectRef idx="0">
-            <a:schemeClr val="accent1"/>
-          </a:effectRef>
-          <a:fontRef idx="minor">
-            <a:schemeClr val="lt1"/>
-          </a:fontRef>
-        </p:style>
-        <p:txBody>
-          <a:bodyPr rtlCol="0" anchor="ctr"/>
-          <a:lstStyle/>
-          <a:p>
-            <a:pPr algn="ctr"/>
-            <a:r>
-              <a:rPr lang="en-CA" altLang="zh-TW" sz="1400" dirty="0" smtClean="0">
-                <a:solidFill>
-                  <a:schemeClr val="bg1"/>
-                </a:solidFill>
-              </a:rPr>
-              <a:t>chunk</a:t>
-            </a:r>
-          </a:p>
-          <a:p>
-            <a:pPr algn="ctr"/>
-            <a:r>
-              <a:rPr lang="en-CA" altLang="zh-TW" sz="1400" dirty="0" smtClean="0">
-                <a:solidFill>
-                  <a:schemeClr val="bg1"/>
-                </a:solidFill>
-              </a:rPr>
-              <a:t>tree</a:t>
-            </a:r>
-            <a:endParaRPr lang="zh-TW" altLang="en-US" sz="1400" dirty="0">
-              <a:solidFill>
-                <a:schemeClr val="bg1"/>
-              </a:solidFill>
-            </a:endParaRPr>
-          </a:p>
-        </p:txBody>
-      </p:sp>
-      <p:sp>
-        <p:nvSpPr>
-          <p:cNvPr id="51" name="Rectangle 50"/>
-          <p:cNvSpPr/>
-          <p:nvPr/>
-        </p:nvSpPr>
-        <p:spPr>
-          <a:xfrm>
-            <a:off x="9194955" y="3592496"/>
-            <a:ext cx="966192" cy="590548"/>
-          </a:xfrm>
-          <a:prstGeom prst="rect">
-            <a:avLst/>
-          </a:prstGeom>
-          <a:solidFill>
-            <a:schemeClr val="accent5">
-              <a:lumMod val="40000"/>
-              <a:lumOff val="60000"/>
-            </a:schemeClr>
-          </a:solidFill>
-          <a:ln w="12700">
-            <a:solidFill>
-              <a:schemeClr val="bg1"/>
-            </a:solidFill>
-            <a:prstDash val="solid"/>
-          </a:ln>
-        </p:spPr>
-        <p:style>
-          <a:lnRef idx="2">
-            <a:schemeClr val="accent1">
-              <a:shade val="50000"/>
-            </a:schemeClr>
-          </a:lnRef>
-          <a:fillRef idx="1">
-            <a:schemeClr val="accent1"/>
-          </a:fillRef>
-          <a:effectRef idx="0">
-            <a:schemeClr val="accent1"/>
-          </a:effectRef>
-          <a:fontRef idx="minor">
-            <a:schemeClr val="lt1"/>
-          </a:fontRef>
-        </p:style>
-        <p:txBody>
-          <a:bodyPr rtlCol="0" anchor="ctr"/>
-          <a:lstStyle/>
-          <a:p>
-            <a:pPr algn="ctr"/>
-            <a:r>
-              <a:rPr lang="en-CA" altLang="zh-TW" sz="1400" dirty="0" smtClean="0">
-                <a:solidFill>
-                  <a:schemeClr val="bg1"/>
-                </a:solidFill>
-              </a:rPr>
-              <a:t>fs</a:t>
-            </a:r>
-          </a:p>
-          <a:p>
-            <a:pPr algn="ctr"/>
-            <a:r>
-              <a:rPr lang="en-CA" altLang="zh-TW" sz="1400" dirty="0" smtClean="0">
-                <a:solidFill>
-                  <a:schemeClr val="bg1"/>
-                </a:solidFill>
-              </a:rPr>
-              <a:t>tree</a:t>
-            </a:r>
-            <a:endParaRPr lang="zh-TW" altLang="en-US" sz="1400" dirty="0">
-              <a:solidFill>
-                <a:schemeClr val="bg1"/>
-              </a:solidFill>
-            </a:endParaRPr>
-          </a:p>
-        </p:txBody>
-      </p:sp>
-      <p:sp>
-        <p:nvSpPr>
-          <p:cNvPr id="52" name="Rectangle 51"/>
-          <p:cNvSpPr/>
-          <p:nvPr/>
-        </p:nvSpPr>
-        <p:spPr>
-          <a:xfrm>
-            <a:off x="6696455" y="3592496"/>
-            <a:ext cx="966192" cy="590548"/>
-          </a:xfrm>
-          <a:prstGeom prst="rect">
-            <a:avLst/>
-          </a:prstGeom>
-          <a:solidFill>
-            <a:schemeClr val="accent5">
-              <a:lumMod val="40000"/>
-              <a:lumOff val="60000"/>
-            </a:schemeClr>
-          </a:solidFill>
-          <a:ln w="12700">
-            <a:solidFill>
-              <a:schemeClr val="bg1"/>
-            </a:solidFill>
-            <a:prstDash val="solid"/>
-          </a:ln>
-        </p:spPr>
-        <p:style>
-          <a:lnRef idx="2">
-            <a:schemeClr val="accent1">
-              <a:shade val="50000"/>
-            </a:schemeClr>
-          </a:lnRef>
-          <a:fillRef idx="1">
-            <a:schemeClr val="accent1"/>
-          </a:fillRef>
-          <a:effectRef idx="0">
-            <a:schemeClr val="accent1"/>
-          </a:effectRef>
-          <a:fontRef idx="minor">
-            <a:schemeClr val="lt1"/>
-          </a:fontRef>
-        </p:style>
-        <p:txBody>
-          <a:bodyPr rtlCol="0" anchor="ctr"/>
-          <a:lstStyle/>
-          <a:p>
-            <a:pPr algn="ctr"/>
-            <a:r>
-              <a:rPr lang="en-CA" altLang="zh-TW" sz="1400" dirty="0" smtClean="0">
-                <a:solidFill>
-                  <a:schemeClr val="bg1"/>
-                </a:solidFill>
-              </a:rPr>
-              <a:t>extent</a:t>
-            </a:r>
-          </a:p>
-          <a:p>
-            <a:pPr algn="ctr"/>
-            <a:r>
-              <a:rPr lang="en-CA" altLang="zh-TW" sz="1400" dirty="0" smtClean="0">
-                <a:solidFill>
-                  <a:schemeClr val="bg1"/>
-                </a:solidFill>
-              </a:rPr>
-              <a:t>tree</a:t>
-            </a:r>
-            <a:endParaRPr lang="zh-TW" altLang="en-US" sz="1400" dirty="0">
-              <a:solidFill>
-                <a:schemeClr val="bg1"/>
-              </a:solidFill>
-            </a:endParaRPr>
-          </a:p>
-        </p:txBody>
-      </p:sp>
-      <p:sp>
-        <p:nvSpPr>
-          <p:cNvPr id="53" name="TextBox 52"/>
-          <p:cNvSpPr txBox="1"/>
-          <p:nvPr/>
-        </p:nvSpPr>
-        <p:spPr>
-          <a:xfrm>
-            <a:off x="10438981" y="3461356"/>
-            <a:ext cx="595035" cy="584775"/>
-          </a:xfrm>
-          <a:prstGeom prst="rect">
-            <a:avLst/>
-          </a:prstGeom>
-          <a:noFill/>
-        </p:spPr>
-        <p:txBody>
-          <a:bodyPr wrap="none" rtlCol="0">
-            <a:spAutoFit/>
-          </a:bodyPr>
-          <a:lstStyle/>
-          <a:p>
-            <a:r>
-              <a:rPr lang="en-CA" sz="3200" dirty="0" smtClean="0">
-                <a:solidFill>
-                  <a:schemeClr val="bg1"/>
-                </a:solidFill>
-              </a:rPr>
-              <a:t>…</a:t>
-            </a:r>
-            <a:endParaRPr lang="en-CA" sz="3200" dirty="0">
-              <a:solidFill>
-                <a:schemeClr val="bg1"/>
-              </a:solidFill>
-            </a:endParaRPr>
-          </a:p>
-        </p:txBody>
-      </p:sp>
-      <p:cxnSp>
-        <p:nvCxnSpPr>
-          <p:cNvPr id="54" name="Straight Arrow Connector 53"/>
-          <p:cNvCxnSpPr>
-            <a:stCxn id="47" idx="2"/>
-            <a:endCxn id="49" idx="0"/>
-          </p:cNvCxnSpPr>
-          <p:nvPr/>
-        </p:nvCxnSpPr>
-        <p:spPr>
-          <a:xfrm>
-            <a:off x="9048994" y="2447302"/>
-            <a:ext cx="0" cy="277323"/>
-          </a:xfrm>
-          <a:prstGeom prst="straightConnector1">
-            <a:avLst/>
-          </a:prstGeom>
-          <a:ln w="38100">
-            <a:solidFill>
-              <a:schemeClr val="accent6">
-                <a:alpha val="60000"/>
-              </a:schemeClr>
-            </a:solidFill>
-            <a:tailEnd type="triangle"/>
-          </a:ln>
-        </p:spPr>
-        <p:style>
-          <a:lnRef idx="1">
-            <a:schemeClr val="accent1"/>
-          </a:lnRef>
-          <a:fillRef idx="0">
-            <a:schemeClr val="accent1"/>
-          </a:fillRef>
-          <a:effectRef idx="0">
-            <a:schemeClr val="accent1"/>
-          </a:effectRef>
-          <a:fontRef idx="minor">
-            <a:schemeClr val="tx1"/>
-          </a:fontRef>
-        </p:style>
-      </p:cxnSp>
-      <p:cxnSp>
-        <p:nvCxnSpPr>
-          <p:cNvPr id="57" name="Straight Arrow Connector 56"/>
-          <p:cNvCxnSpPr>
-            <a:stCxn id="49" idx="2"/>
-            <a:endCxn id="52" idx="0"/>
-          </p:cNvCxnSpPr>
-          <p:nvPr/>
-        </p:nvCxnSpPr>
-        <p:spPr>
-          <a:xfrm flipH="1">
-            <a:off x="7179551" y="3315173"/>
-            <a:ext cx="1869443" cy="277323"/>
-          </a:xfrm>
-          <a:prstGeom prst="straightConnector1">
-            <a:avLst/>
-          </a:prstGeom>
-          <a:ln w="38100">
-            <a:solidFill>
-              <a:schemeClr val="accent6">
-                <a:alpha val="60000"/>
-              </a:schemeClr>
-            </a:solidFill>
-            <a:tailEnd type="triangle"/>
-          </a:ln>
-        </p:spPr>
-        <p:style>
-          <a:lnRef idx="1">
-            <a:schemeClr val="accent1"/>
-          </a:lnRef>
-          <a:fillRef idx="0">
-            <a:schemeClr val="accent1"/>
-          </a:fillRef>
-          <a:effectRef idx="0">
-            <a:schemeClr val="accent1"/>
-          </a:effectRef>
-          <a:fontRef idx="minor">
-            <a:schemeClr val="tx1"/>
-          </a:fontRef>
-        </p:style>
-      </p:cxnSp>
-      <p:cxnSp>
-        <p:nvCxnSpPr>
-          <p:cNvPr id="60" name="Straight Arrow Connector 59"/>
-          <p:cNvCxnSpPr>
-            <a:stCxn id="49" idx="2"/>
-            <a:endCxn id="50" idx="0"/>
-          </p:cNvCxnSpPr>
-          <p:nvPr/>
-        </p:nvCxnSpPr>
-        <p:spPr>
-          <a:xfrm flipH="1">
-            <a:off x="8434025" y="3315173"/>
-            <a:ext cx="614969" cy="277323"/>
-          </a:xfrm>
-          <a:prstGeom prst="straightConnector1">
-            <a:avLst/>
-          </a:prstGeom>
-          <a:ln w="38100">
-            <a:solidFill>
-              <a:schemeClr val="accent6">
-                <a:alpha val="60000"/>
-              </a:schemeClr>
-            </a:solidFill>
-            <a:tailEnd type="triangle"/>
-          </a:ln>
-        </p:spPr>
-        <p:style>
-          <a:lnRef idx="1">
-            <a:schemeClr val="accent1"/>
-          </a:lnRef>
-          <a:fillRef idx="0">
-            <a:schemeClr val="accent1"/>
-          </a:fillRef>
-          <a:effectRef idx="0">
-            <a:schemeClr val="accent1"/>
-          </a:effectRef>
-          <a:fontRef idx="minor">
-            <a:schemeClr val="tx1"/>
-          </a:fontRef>
-        </p:style>
-      </p:cxnSp>
-      <p:cxnSp>
-        <p:nvCxnSpPr>
-          <p:cNvPr id="63" name="Straight Arrow Connector 62"/>
-          <p:cNvCxnSpPr>
-            <a:stCxn id="49" idx="2"/>
-            <a:endCxn id="51" idx="0"/>
-          </p:cNvCxnSpPr>
-          <p:nvPr/>
-        </p:nvCxnSpPr>
-        <p:spPr>
-          <a:xfrm>
-            <a:off x="9048994" y="3315173"/>
-            <a:ext cx="629057" cy="277323"/>
-          </a:xfrm>
-          <a:prstGeom prst="straightConnector1">
-            <a:avLst/>
-          </a:prstGeom>
-          <a:ln w="38100">
-            <a:solidFill>
-              <a:schemeClr val="accent6">
-                <a:alpha val="60000"/>
-              </a:schemeClr>
-            </a:solidFill>
-            <a:tailEnd type="triangle"/>
-          </a:ln>
-        </p:spPr>
-        <p:style>
-          <a:lnRef idx="1">
-            <a:schemeClr val="accent1"/>
-          </a:lnRef>
-          <a:fillRef idx="0">
-            <a:schemeClr val="accent1"/>
-          </a:fillRef>
-          <a:effectRef idx="0">
-            <a:schemeClr val="accent1"/>
-          </a:effectRef>
-          <a:fontRef idx="minor">
-            <a:schemeClr val="tx1"/>
-          </a:fontRef>
-        </p:style>
-      </p:cxnSp>
-      <p:cxnSp>
-        <p:nvCxnSpPr>
-          <p:cNvPr id="67" name="Straight Arrow Connector 66"/>
-          <p:cNvCxnSpPr>
-            <a:stCxn id="49" idx="2"/>
-          </p:cNvCxnSpPr>
-          <p:nvPr/>
-        </p:nvCxnSpPr>
-        <p:spPr>
-          <a:xfrm>
-            <a:off x="9048994" y="3315173"/>
-            <a:ext cx="1679107" cy="276083"/>
-          </a:xfrm>
-          <a:prstGeom prst="straightConnector1">
-            <a:avLst/>
-          </a:prstGeom>
-          <a:ln w="38100">
-            <a:solidFill>
-              <a:schemeClr val="accent6">
-                <a:alpha val="60000"/>
-              </a:schemeClr>
-            </a:solidFill>
-            <a:tailEnd type="triangle"/>
-          </a:ln>
-        </p:spPr>
-        <p:style>
-          <a:lnRef idx="1">
-            <a:schemeClr val="accent1"/>
-          </a:lnRef>
-          <a:fillRef idx="0">
-            <a:schemeClr val="accent1"/>
-          </a:fillRef>
-          <a:effectRef idx="0">
-            <a:schemeClr val="accent1"/>
-          </a:effectRef>
-          <a:fontRef idx="minor">
-            <a:schemeClr val="tx1"/>
-          </a:fontRef>
-        </p:style>
-      </p:cxnSp>
       <p:grpSp>
         <p:nvGrpSpPr>
-          <p:cNvPr id="91" name="Group 90"/>
+          <p:cNvPr id="64" name="Group 63"/>
           <p:cNvGrpSpPr/>
           <p:nvPr/>
         </p:nvGrpSpPr>
         <p:grpSpPr>
           <a:xfrm>
-            <a:off x="6741813" y="4676513"/>
-            <a:ext cx="3778154" cy="1868392"/>
-            <a:chOff x="6585047" y="4502525"/>
-            <a:chExt cx="3778154" cy="1868392"/>
+            <a:off x="6468119" y="4185674"/>
+            <a:ext cx="2212311" cy="2347200"/>
+            <a:chOff x="6501268" y="4025756"/>
+            <a:chExt cx="2212311" cy="2347200"/>
           </a:xfrm>
         </p:grpSpPr>
         <p:grpSp>
           <p:nvGrpSpPr>
-            <p:cNvPr id="90" name="Group 89"/>
-            <p:cNvGrpSpPr/>
+            <p:cNvPr id="37" name="Group 36"/>
+            <p:cNvGrpSpPr>
+              <a:grpSpLocks noChangeAspect="1"/>
+            </p:cNvGrpSpPr>
             <p:nvPr/>
           </p:nvGrpSpPr>
           <p:grpSpPr>
             <a:xfrm>
-              <a:off x="6736342" y="4653552"/>
-              <a:ext cx="3408240" cy="1509934"/>
-              <a:chOff x="6736342" y="4653552"/>
-              <a:chExt cx="3408240" cy="1509934"/>
+              <a:off x="6501268" y="4025756"/>
+              <a:ext cx="2212311" cy="2347200"/>
+              <a:chOff x="6696455" y="1856754"/>
+              <a:chExt cx="4418733" cy="4688151"/>
             </a:xfrm>
           </p:grpSpPr>
           <p:sp>
             <p:nvSpPr>
-              <p:cNvPr id="71" name="Rectangle 70"/>
+              <p:cNvPr id="38" name="Rectangle 37"/>
               <p:cNvSpPr/>
               <p:nvPr/>
             </p:nvSpPr>
             <p:spPr>
               <a:xfrm>
-                <a:off x="7950929" y="4653552"/>
+                <a:off x="8565898" y="1856754"/>
                 <a:ext cx="966192" cy="590548"/>
               </a:xfrm>
               <a:prstGeom prst="rect">
@@ -25472,22 +26319,25 @@
               <a:p>
                 <a:pPr algn="ctr"/>
                 <a:r>
-                  <a:rPr lang="en-CA" altLang="zh-TW" sz="1400" dirty="0" err="1" smtClean="0">
+                  <a:rPr lang="en-CA" altLang="zh-TW" sz="700" dirty="0" smtClean="0">
                     <a:solidFill>
                       <a:schemeClr val="bg1"/>
                     </a:solidFill>
                   </a:rPr>
-                  <a:t>btree</a:t>
+                  <a:t>super</a:t>
                 </a:r>
+              </a:p>
+              <a:p>
+                <a:pPr algn="ctr"/>
                 <a:r>
-                  <a:rPr lang="en-CA" altLang="zh-TW" sz="1400" dirty="0" smtClean="0">
+                  <a:rPr lang="en-CA" altLang="zh-TW" sz="700" dirty="0" smtClean="0">
                     <a:solidFill>
                       <a:schemeClr val="bg1"/>
                     </a:solidFill>
                   </a:rPr>
-                  <a:t> node</a:t>
+                  <a:t>block</a:t>
                 </a:r>
-                <a:endParaRPr lang="zh-TW" altLang="en-US" sz="1400" dirty="0">
+                <a:endParaRPr lang="zh-TW" altLang="en-US" sz="700" dirty="0">
                   <a:solidFill>
                     <a:schemeClr val="bg1"/>
                   </a:solidFill>
@@ -25497,13 +26347,13 @@
           </p:sp>
           <p:sp>
             <p:nvSpPr>
-              <p:cNvPr id="72" name="Rectangle 71"/>
+              <p:cNvPr id="39" name="Rectangle 38"/>
               <p:cNvSpPr/>
               <p:nvPr/>
             </p:nvSpPr>
             <p:spPr>
               <a:xfrm>
-                <a:off x="6736342" y="5572938"/>
+                <a:off x="8565898" y="2724625"/>
                 <a:ext cx="966192" cy="590548"/>
               </a:xfrm>
               <a:prstGeom prst="rect">
@@ -25544,22 +26394,14 @@
               <a:p>
                 <a:pPr algn="ctr"/>
                 <a:r>
-                  <a:rPr lang="en-CA" altLang="zh-TW" sz="1400" dirty="0" err="1" smtClean="0">
+                  <a:rPr lang="en-CA" altLang="zh-TW" sz="700" dirty="0" smtClean="0">
                     <a:solidFill>
                       <a:schemeClr val="bg1"/>
                     </a:solidFill>
                   </a:rPr>
-                  <a:t>btree</a:t>
+                  <a:t>tree of trees</a:t>
                 </a:r>
-                <a:r>
-                  <a:rPr lang="en-CA" altLang="zh-TW" sz="1400" dirty="0" smtClean="0">
-                    <a:solidFill>
-                      <a:schemeClr val="bg1"/>
-                    </a:solidFill>
-                  </a:rPr>
-                  <a:t> leaf</a:t>
-                </a:r>
-                <a:endParaRPr lang="zh-TW" altLang="en-US" sz="1400" dirty="0">
+                <a:endParaRPr lang="zh-TW" altLang="en-US" sz="700" dirty="0">
                   <a:solidFill>
                     <a:schemeClr val="bg1"/>
                   </a:solidFill>
@@ -25569,13 +26411,13 @@
           </p:sp>
           <p:sp>
             <p:nvSpPr>
-              <p:cNvPr id="73" name="Rectangle 72"/>
+              <p:cNvPr id="40" name="Rectangle 39"/>
               <p:cNvSpPr/>
               <p:nvPr/>
             </p:nvSpPr>
             <p:spPr>
               <a:xfrm>
-                <a:off x="7950929" y="5572938"/>
+                <a:off x="7950929" y="3592496"/>
                 <a:ext cx="966192" cy="590548"/>
               </a:xfrm>
               <a:prstGeom prst="rect">
@@ -25616,22 +26458,25 @@
               <a:p>
                 <a:pPr algn="ctr"/>
                 <a:r>
-                  <a:rPr lang="en-CA" altLang="zh-TW" sz="1400" dirty="0" err="1" smtClean="0">
+                  <a:rPr lang="en-CA" altLang="zh-TW" sz="700" dirty="0" smtClean="0">
                     <a:solidFill>
                       <a:schemeClr val="bg1"/>
                     </a:solidFill>
                   </a:rPr>
-                  <a:t>btree</a:t>
+                  <a:t>chunk</a:t>
                 </a:r>
+              </a:p>
+              <a:p>
+                <a:pPr algn="ctr"/>
                 <a:r>
-                  <a:rPr lang="en-CA" altLang="zh-TW" sz="1400" dirty="0" smtClean="0">
+                  <a:rPr lang="en-CA" altLang="zh-TW" sz="700" dirty="0" smtClean="0">
                     <a:solidFill>
                       <a:schemeClr val="bg1"/>
                     </a:solidFill>
                   </a:rPr>
-                  <a:t> leaf</a:t>
+                  <a:t>tree</a:t>
                 </a:r>
-                <a:endParaRPr lang="zh-TW" altLang="en-US" sz="1400" dirty="0">
+                <a:endParaRPr lang="zh-TW" altLang="en-US" sz="700" dirty="0">
                   <a:solidFill>
                     <a:schemeClr val="bg1"/>
                   </a:solidFill>
@@ -25641,13 +26486,13 @@
           </p:sp>
           <p:sp>
             <p:nvSpPr>
-              <p:cNvPr id="76" name="Rectangle 75"/>
+              <p:cNvPr id="41" name="Rectangle 40"/>
               <p:cNvSpPr/>
               <p:nvPr/>
             </p:nvSpPr>
             <p:spPr>
               <a:xfrm>
-                <a:off x="9178390" y="5572938"/>
+                <a:off x="9194955" y="3592496"/>
                 <a:ext cx="966192" cy="590548"/>
               </a:xfrm>
               <a:prstGeom prst="rect">
@@ -25688,22 +26533,138 @@
               <a:p>
                 <a:pPr algn="ctr"/>
                 <a:r>
-                  <a:rPr lang="en-CA" altLang="zh-TW" sz="1400" dirty="0" err="1" smtClean="0">
+                  <a:rPr lang="en-CA" altLang="zh-TW" sz="700" dirty="0" smtClean="0">
                     <a:solidFill>
                       <a:schemeClr val="bg1"/>
                     </a:solidFill>
                   </a:rPr>
-                  <a:t>btree</a:t>
+                  <a:t>fs</a:t>
                 </a:r>
+              </a:p>
+              <a:p>
+                <a:pPr algn="ctr"/>
                 <a:r>
-                  <a:rPr lang="en-CA" altLang="zh-TW" sz="1400" dirty="0" smtClean="0">
+                  <a:rPr lang="en-CA" altLang="zh-TW" sz="700" dirty="0" smtClean="0">
                     <a:solidFill>
                       <a:schemeClr val="bg1"/>
                     </a:solidFill>
                   </a:rPr>
-                  <a:t> leaf</a:t>
+                  <a:t>tree</a:t>
                 </a:r>
-                <a:endParaRPr lang="zh-TW" altLang="en-US" sz="1400" dirty="0">
+                <a:endParaRPr lang="zh-TW" altLang="en-US" sz="700" dirty="0">
+                  <a:solidFill>
+                    <a:schemeClr val="bg1"/>
+                  </a:solidFill>
+                </a:endParaRPr>
+              </a:p>
+            </p:txBody>
+          </p:sp>
+          <p:sp>
+            <p:nvSpPr>
+              <p:cNvPr id="42" name="Rectangle 41"/>
+              <p:cNvSpPr/>
+              <p:nvPr/>
+            </p:nvSpPr>
+            <p:spPr>
+              <a:xfrm>
+                <a:off x="6696455" y="3592496"/>
+                <a:ext cx="966192" cy="590548"/>
+              </a:xfrm>
+              <a:prstGeom prst="rect">
+                <a:avLst/>
+              </a:prstGeom>
+              <a:solidFill>
+                <a:schemeClr val="accent5">
+                  <a:lumMod val="40000"/>
+                  <a:lumOff val="60000"/>
+                </a:schemeClr>
+              </a:solidFill>
+              <a:ln w="12700">
+                <a:solidFill>
+                  <a:schemeClr val="bg1"/>
+                </a:solidFill>
+                <a:prstDash val="solid"/>
+              </a:ln>
+            </p:spPr>
+            <p:style>
+              <a:lnRef idx="2">
+                <a:schemeClr val="accent1">
+                  <a:shade val="50000"/>
+                </a:schemeClr>
+              </a:lnRef>
+              <a:fillRef idx="1">
+                <a:schemeClr val="accent1"/>
+              </a:fillRef>
+              <a:effectRef idx="0">
+                <a:schemeClr val="accent1"/>
+              </a:effectRef>
+              <a:fontRef idx="minor">
+                <a:schemeClr val="lt1"/>
+              </a:fontRef>
+            </p:style>
+            <p:txBody>
+              <a:bodyPr rtlCol="0" anchor="ctr"/>
+              <a:lstStyle/>
+              <a:p>
+                <a:pPr algn="ctr"/>
+                <a:r>
+                  <a:rPr lang="en-CA" altLang="zh-TW" sz="700" dirty="0" smtClean="0">
+                    <a:solidFill>
+                      <a:schemeClr val="bg1"/>
+                    </a:solidFill>
+                  </a:rPr>
+                  <a:t>extent</a:t>
+                </a:r>
+              </a:p>
+              <a:p>
+                <a:pPr algn="ctr"/>
+                <a:r>
+                  <a:rPr lang="en-CA" altLang="zh-TW" sz="700" dirty="0" smtClean="0">
+                    <a:solidFill>
+                      <a:schemeClr val="bg1"/>
+                    </a:solidFill>
+                  </a:rPr>
+                  <a:t>tree</a:t>
+                </a:r>
+                <a:endParaRPr lang="zh-TW" altLang="en-US" sz="700" dirty="0">
+                  <a:solidFill>
+                    <a:schemeClr val="bg1"/>
+                  </a:solidFill>
+                </a:endParaRPr>
+              </a:p>
+            </p:txBody>
+          </p:sp>
+          <p:sp>
+            <p:nvSpPr>
+              <p:cNvPr id="43" name="TextBox 42"/>
+              <p:cNvSpPr txBox="1"/>
+              <p:nvPr/>
+            </p:nvSpPr>
+            <p:spPr>
+              <a:xfrm>
+                <a:off x="10438981" y="3461355"/>
+                <a:ext cx="676207" cy="553261"/>
+              </a:xfrm>
+              <a:prstGeom prst="rect">
+                <a:avLst/>
+              </a:prstGeom>
+              <a:noFill/>
+            </p:spPr>
+            <p:txBody>
+              <a:bodyPr wrap="none" rtlCol="0">
+                <a:spAutoFit/>
+              </a:bodyPr>
+              <a:lstStyle/>
+              <a:p>
+                <a:r>
+                  <a:rPr lang="en-CA" sz="1200" dirty="0" smtClean="0">
+                    <a:solidFill>
+                      <a:schemeClr val="bg1"/>
+                    </a:solidFill>
+                  </a:rPr>
+                  <a:t>…</a:t>
+                </a:r>
+                <a:endParaRPr lang="en-CA" sz="1200" dirty="0">
                   <a:solidFill>
                     <a:schemeClr val="bg1"/>
                   </a:solidFill>
@@ -25713,22 +26674,22 @@
           </p:sp>
           <p:cxnSp>
             <p:nvCxnSpPr>
-              <p:cNvPr id="77" name="Straight Arrow Connector 76"/>
+              <p:cNvPr id="44" name="Straight Arrow Connector 43"/>
               <p:cNvCxnSpPr>
-                <a:stCxn id="71" idx="2"/>
-                <a:endCxn id="72" idx="0"/>
+                <a:stCxn id="38" idx="2"/>
+                <a:endCxn id="39" idx="0"/>
               </p:cNvCxnSpPr>
               <p:nvPr/>
             </p:nvCxnSpPr>
             <p:spPr>
-              <a:xfrm flipH="1">
-                <a:off x="7219438" y="5244100"/>
-                <a:ext cx="1214587" cy="328838"/>
+              <a:xfrm>
+                <a:off x="9048994" y="2447302"/>
+                <a:ext cx="0" cy="277323"/>
               </a:xfrm>
               <a:prstGeom prst="straightConnector1">
                 <a:avLst/>
               </a:prstGeom>
-              <a:ln w="38100">
+              <a:ln w="25400">
                 <a:solidFill>
                   <a:schemeClr val="accent6">
                     <a:alpha val="60000"/>
@@ -25754,22 +26715,22 @@
           </p:cxnSp>
           <p:cxnSp>
             <p:nvCxnSpPr>
-              <p:cNvPr id="80" name="Straight Arrow Connector 79"/>
+              <p:cNvPr id="45" name="Straight Arrow Connector 44"/>
               <p:cNvCxnSpPr>
-                <a:stCxn id="71" idx="2"/>
-                <a:endCxn id="73" idx="0"/>
+                <a:stCxn id="39" idx="2"/>
+                <a:endCxn id="42" idx="0"/>
               </p:cNvCxnSpPr>
               <p:nvPr/>
             </p:nvCxnSpPr>
             <p:spPr>
-              <a:xfrm>
-                <a:off x="8434025" y="5244100"/>
-                <a:ext cx="0" cy="328838"/>
+              <a:xfrm flipH="1">
+                <a:off x="7179551" y="3315173"/>
+                <a:ext cx="1869443" cy="277323"/>
               </a:xfrm>
               <a:prstGeom prst="straightConnector1">
                 <a:avLst/>
               </a:prstGeom>
-              <a:ln w="38100">
+              <a:ln w="25400">
                 <a:solidFill>
                   <a:schemeClr val="accent6">
                     <a:alpha val="60000"/>
@@ -25795,22 +26756,22 @@
           </p:cxnSp>
           <p:cxnSp>
             <p:nvCxnSpPr>
-              <p:cNvPr id="83" name="Straight Arrow Connector 82"/>
+              <p:cNvPr id="46" name="Straight Arrow Connector 45"/>
               <p:cNvCxnSpPr>
-                <a:stCxn id="71" idx="2"/>
-                <a:endCxn id="76" idx="0"/>
+                <a:stCxn id="39" idx="2"/>
+                <a:endCxn id="40" idx="0"/>
               </p:cNvCxnSpPr>
               <p:nvPr/>
             </p:nvCxnSpPr>
             <p:spPr>
-              <a:xfrm>
-                <a:off x="8434025" y="5244100"/>
-                <a:ext cx="1227461" cy="328838"/>
+              <a:xfrm flipH="1">
+                <a:off x="8434025" y="3315173"/>
+                <a:ext cx="614969" cy="277323"/>
               </a:xfrm>
               <a:prstGeom prst="straightConnector1">
                 <a:avLst/>
               </a:prstGeom>
-              <a:ln w="38100">
+              <a:ln w="25400">
                 <a:solidFill>
                   <a:schemeClr val="accent6">
                     <a:alpha val="60000"/>
@@ -25834,65 +26795,663 @@
               </a:fontRef>
             </p:style>
           </p:cxnSp>
+          <p:cxnSp>
+            <p:nvCxnSpPr>
+              <p:cNvPr id="47" name="Straight Arrow Connector 46"/>
+              <p:cNvCxnSpPr>
+                <a:stCxn id="39" idx="2"/>
+                <a:endCxn id="41" idx="0"/>
+              </p:cNvCxnSpPr>
+              <p:nvPr/>
+            </p:nvCxnSpPr>
+            <p:spPr>
+              <a:xfrm>
+                <a:off x="9048994" y="3315173"/>
+                <a:ext cx="629057" cy="277323"/>
+              </a:xfrm>
+              <a:prstGeom prst="straightConnector1">
+                <a:avLst/>
+              </a:prstGeom>
+              <a:ln w="25400">
+                <a:solidFill>
+                  <a:schemeClr val="accent6">
+                    <a:alpha val="60000"/>
+                  </a:schemeClr>
+                </a:solidFill>
+                <a:tailEnd type="triangle"/>
+              </a:ln>
+            </p:spPr>
+            <p:style>
+              <a:lnRef idx="1">
+                <a:schemeClr val="accent1"/>
+              </a:lnRef>
+              <a:fillRef idx="0">
+                <a:schemeClr val="accent1"/>
+              </a:fillRef>
+              <a:effectRef idx="0">
+                <a:schemeClr val="accent1"/>
+              </a:effectRef>
+              <a:fontRef idx="minor">
+                <a:schemeClr val="tx1"/>
+              </a:fontRef>
+            </p:style>
+          </p:cxnSp>
+          <p:cxnSp>
+            <p:nvCxnSpPr>
+              <p:cNvPr id="48" name="Straight Arrow Connector 47"/>
+              <p:cNvCxnSpPr>
+                <a:stCxn id="39" idx="2"/>
+              </p:cNvCxnSpPr>
+              <p:nvPr/>
+            </p:nvCxnSpPr>
+            <p:spPr>
+              <a:xfrm>
+                <a:off x="9048994" y="3315173"/>
+                <a:ext cx="1679107" cy="276083"/>
+              </a:xfrm>
+              <a:prstGeom prst="straightConnector1">
+                <a:avLst/>
+              </a:prstGeom>
+              <a:ln w="25400">
+                <a:solidFill>
+                  <a:schemeClr val="accent6">
+                    <a:alpha val="60000"/>
+                  </a:schemeClr>
+                </a:solidFill>
+                <a:tailEnd type="triangle"/>
+              </a:ln>
+            </p:spPr>
+            <p:style>
+              <a:lnRef idx="1">
+                <a:schemeClr val="accent1"/>
+              </a:lnRef>
+              <a:fillRef idx="0">
+                <a:schemeClr val="accent1"/>
+              </a:fillRef>
+              <a:effectRef idx="0">
+                <a:schemeClr val="accent1"/>
+              </a:effectRef>
+              <a:fontRef idx="minor">
+                <a:schemeClr val="tx1"/>
+              </a:fontRef>
+            </p:style>
+          </p:cxnSp>
+          <p:grpSp>
+            <p:nvGrpSpPr>
+              <p:cNvPr id="49" name="Group 48"/>
+              <p:cNvGrpSpPr/>
+              <p:nvPr/>
+            </p:nvGrpSpPr>
+            <p:grpSpPr>
+              <a:xfrm>
+                <a:off x="6741813" y="4676513"/>
+                <a:ext cx="3778154" cy="1868392"/>
+                <a:chOff x="6585047" y="4502525"/>
+                <a:chExt cx="3778154" cy="1868392"/>
+              </a:xfrm>
+            </p:grpSpPr>
+            <p:grpSp>
+              <p:nvGrpSpPr>
+                <p:cNvPr id="51" name="Group 50"/>
+                <p:cNvGrpSpPr/>
+                <p:nvPr/>
+              </p:nvGrpSpPr>
+              <p:grpSpPr>
+                <a:xfrm>
+                  <a:off x="6736342" y="4653552"/>
+                  <a:ext cx="3408240" cy="1509934"/>
+                  <a:chOff x="6736342" y="4653552"/>
+                  <a:chExt cx="3408240" cy="1509934"/>
+                </a:xfrm>
+              </p:grpSpPr>
+              <p:sp>
+                <p:nvSpPr>
+                  <p:cNvPr id="53" name="Rectangle 52"/>
+                  <p:cNvSpPr/>
+                  <p:nvPr/>
+                </p:nvSpPr>
+                <p:spPr>
+                  <a:xfrm>
+                    <a:off x="7950929" y="4653552"/>
+                    <a:ext cx="966192" cy="590548"/>
+                  </a:xfrm>
+                  <a:prstGeom prst="rect">
+                    <a:avLst/>
+                  </a:prstGeom>
+                  <a:solidFill>
+                    <a:schemeClr val="accent5">
+                      <a:lumMod val="40000"/>
+                      <a:lumOff val="60000"/>
+                    </a:schemeClr>
+                  </a:solidFill>
+                  <a:ln w="12700">
+                    <a:solidFill>
+                      <a:schemeClr val="bg1"/>
+                    </a:solidFill>
+                    <a:prstDash val="solid"/>
+                  </a:ln>
+                </p:spPr>
+                <p:style>
+                  <a:lnRef idx="2">
+                    <a:schemeClr val="accent1">
+                      <a:shade val="50000"/>
+                    </a:schemeClr>
+                  </a:lnRef>
+                  <a:fillRef idx="1">
+                    <a:schemeClr val="accent1"/>
+                  </a:fillRef>
+                  <a:effectRef idx="0">
+                    <a:schemeClr val="accent1"/>
+                  </a:effectRef>
+                  <a:fontRef idx="minor">
+                    <a:schemeClr val="lt1"/>
+                  </a:fontRef>
+                </p:style>
+                <p:txBody>
+                  <a:bodyPr rtlCol="0" anchor="ctr"/>
+                  <a:lstStyle/>
+                  <a:p>
+                    <a:pPr algn="ctr"/>
+                    <a:r>
+                      <a:rPr lang="en-CA" altLang="zh-TW" sz="700" dirty="0" err="1" smtClean="0">
+                        <a:solidFill>
+                          <a:schemeClr val="bg1"/>
+                        </a:solidFill>
+                      </a:rPr>
+                      <a:t>btree</a:t>
+                    </a:r>
+                    <a:r>
+                      <a:rPr lang="en-CA" altLang="zh-TW" sz="700" dirty="0" smtClean="0">
+                        <a:solidFill>
+                          <a:schemeClr val="bg1"/>
+                        </a:solidFill>
+                      </a:rPr>
+                      <a:t> node</a:t>
+                    </a:r>
+                    <a:endParaRPr lang="zh-TW" altLang="en-US" sz="700" dirty="0">
+                      <a:solidFill>
+                        <a:schemeClr val="bg1"/>
+                      </a:solidFill>
+                    </a:endParaRPr>
+                  </a:p>
+                </p:txBody>
+              </p:sp>
+              <p:sp>
+                <p:nvSpPr>
+                  <p:cNvPr id="54" name="Rectangle 53"/>
+                  <p:cNvSpPr/>
+                  <p:nvPr/>
+                </p:nvSpPr>
+                <p:spPr>
+                  <a:xfrm>
+                    <a:off x="6736342" y="5572938"/>
+                    <a:ext cx="966192" cy="590548"/>
+                  </a:xfrm>
+                  <a:prstGeom prst="rect">
+                    <a:avLst/>
+                  </a:prstGeom>
+                  <a:solidFill>
+                    <a:schemeClr val="accent5">
+                      <a:lumMod val="40000"/>
+                      <a:lumOff val="60000"/>
+                    </a:schemeClr>
+                  </a:solidFill>
+                  <a:ln w="12700">
+                    <a:solidFill>
+                      <a:schemeClr val="bg1"/>
+                    </a:solidFill>
+                    <a:prstDash val="solid"/>
+                  </a:ln>
+                </p:spPr>
+                <p:style>
+                  <a:lnRef idx="2">
+                    <a:schemeClr val="accent1">
+                      <a:shade val="50000"/>
+                    </a:schemeClr>
+                  </a:lnRef>
+                  <a:fillRef idx="1">
+                    <a:schemeClr val="accent1"/>
+                  </a:fillRef>
+                  <a:effectRef idx="0">
+                    <a:schemeClr val="accent1"/>
+                  </a:effectRef>
+                  <a:fontRef idx="minor">
+                    <a:schemeClr val="lt1"/>
+                  </a:fontRef>
+                </p:style>
+                <p:txBody>
+                  <a:bodyPr rtlCol="0" anchor="ctr"/>
+                  <a:lstStyle/>
+                  <a:p>
+                    <a:pPr algn="ctr"/>
+                    <a:r>
+                      <a:rPr lang="en-CA" altLang="zh-TW" sz="700" dirty="0" err="1" smtClean="0">
+                        <a:solidFill>
+                          <a:schemeClr val="bg1"/>
+                        </a:solidFill>
+                      </a:rPr>
+                      <a:t>btree</a:t>
+                    </a:r>
+                    <a:r>
+                      <a:rPr lang="en-CA" altLang="zh-TW" sz="700" dirty="0" smtClean="0">
+                        <a:solidFill>
+                          <a:schemeClr val="bg1"/>
+                        </a:solidFill>
+                      </a:rPr>
+                      <a:t> leaf</a:t>
+                    </a:r>
+                    <a:endParaRPr lang="zh-TW" altLang="en-US" sz="700" dirty="0">
+                      <a:solidFill>
+                        <a:schemeClr val="bg1"/>
+                      </a:solidFill>
+                    </a:endParaRPr>
+                  </a:p>
+                </p:txBody>
+              </p:sp>
+              <p:sp>
+                <p:nvSpPr>
+                  <p:cNvPr id="55" name="Rectangle 54"/>
+                  <p:cNvSpPr/>
+                  <p:nvPr/>
+                </p:nvSpPr>
+                <p:spPr>
+                  <a:xfrm>
+                    <a:off x="7950929" y="5572938"/>
+                    <a:ext cx="966192" cy="590548"/>
+                  </a:xfrm>
+                  <a:prstGeom prst="rect">
+                    <a:avLst/>
+                  </a:prstGeom>
+                  <a:solidFill>
+                    <a:schemeClr val="accent5">
+                      <a:lumMod val="40000"/>
+                      <a:lumOff val="60000"/>
+                    </a:schemeClr>
+                  </a:solidFill>
+                  <a:ln w="12700">
+                    <a:solidFill>
+                      <a:schemeClr val="bg1"/>
+                    </a:solidFill>
+                    <a:prstDash val="solid"/>
+                  </a:ln>
+                </p:spPr>
+                <p:style>
+                  <a:lnRef idx="2">
+                    <a:schemeClr val="accent1">
+                      <a:shade val="50000"/>
+                    </a:schemeClr>
+                  </a:lnRef>
+                  <a:fillRef idx="1">
+                    <a:schemeClr val="accent1"/>
+                  </a:fillRef>
+                  <a:effectRef idx="0">
+                    <a:schemeClr val="accent1"/>
+                  </a:effectRef>
+                  <a:fontRef idx="minor">
+                    <a:schemeClr val="lt1"/>
+                  </a:fontRef>
+                </p:style>
+                <p:txBody>
+                  <a:bodyPr rtlCol="0" anchor="ctr"/>
+                  <a:lstStyle/>
+                  <a:p>
+                    <a:pPr algn="ctr"/>
+                    <a:r>
+                      <a:rPr lang="en-CA" altLang="zh-TW" sz="700" dirty="0" err="1" smtClean="0">
+                        <a:solidFill>
+                          <a:schemeClr val="bg1"/>
+                        </a:solidFill>
+                      </a:rPr>
+                      <a:t>btree</a:t>
+                    </a:r>
+                    <a:r>
+                      <a:rPr lang="en-CA" altLang="zh-TW" sz="700" dirty="0" smtClean="0">
+                        <a:solidFill>
+                          <a:schemeClr val="bg1"/>
+                        </a:solidFill>
+                      </a:rPr>
+                      <a:t> leaf</a:t>
+                    </a:r>
+                    <a:endParaRPr lang="zh-TW" altLang="en-US" sz="700" dirty="0">
+                      <a:solidFill>
+                        <a:schemeClr val="bg1"/>
+                      </a:solidFill>
+                    </a:endParaRPr>
+                  </a:p>
+                </p:txBody>
+              </p:sp>
+              <p:sp>
+                <p:nvSpPr>
+                  <p:cNvPr id="56" name="Rectangle 55"/>
+                  <p:cNvSpPr/>
+                  <p:nvPr/>
+                </p:nvSpPr>
+                <p:spPr>
+                  <a:xfrm>
+                    <a:off x="9178390" y="5572938"/>
+                    <a:ext cx="966192" cy="590548"/>
+                  </a:xfrm>
+                  <a:prstGeom prst="rect">
+                    <a:avLst/>
+                  </a:prstGeom>
+                  <a:solidFill>
+                    <a:schemeClr val="accent5">
+                      <a:lumMod val="40000"/>
+                      <a:lumOff val="60000"/>
+                    </a:schemeClr>
+                  </a:solidFill>
+                  <a:ln w="12700">
+                    <a:solidFill>
+                      <a:schemeClr val="bg1"/>
+                    </a:solidFill>
+                    <a:prstDash val="solid"/>
+                  </a:ln>
+                </p:spPr>
+                <p:style>
+                  <a:lnRef idx="2">
+                    <a:schemeClr val="accent1">
+                      <a:shade val="50000"/>
+                    </a:schemeClr>
+                  </a:lnRef>
+                  <a:fillRef idx="1">
+                    <a:schemeClr val="accent1"/>
+                  </a:fillRef>
+                  <a:effectRef idx="0">
+                    <a:schemeClr val="accent1"/>
+                  </a:effectRef>
+                  <a:fontRef idx="minor">
+                    <a:schemeClr val="lt1"/>
+                  </a:fontRef>
+                </p:style>
+                <p:txBody>
+                  <a:bodyPr rtlCol="0" anchor="ctr"/>
+                  <a:lstStyle/>
+                  <a:p>
+                    <a:pPr algn="ctr"/>
+                    <a:r>
+                      <a:rPr lang="en-CA" altLang="zh-TW" sz="700" dirty="0" err="1" smtClean="0">
+                        <a:solidFill>
+                          <a:schemeClr val="bg1"/>
+                        </a:solidFill>
+                      </a:rPr>
+                      <a:t>btree</a:t>
+                    </a:r>
+                    <a:r>
+                      <a:rPr lang="en-CA" altLang="zh-TW" sz="700" dirty="0" smtClean="0">
+                        <a:solidFill>
+                          <a:schemeClr val="bg1"/>
+                        </a:solidFill>
+                      </a:rPr>
+                      <a:t> leaf</a:t>
+                    </a:r>
+                    <a:endParaRPr lang="zh-TW" altLang="en-US" sz="700" dirty="0">
+                      <a:solidFill>
+                        <a:schemeClr val="bg1"/>
+                      </a:solidFill>
+                    </a:endParaRPr>
+                  </a:p>
+                </p:txBody>
+              </p:sp>
+              <p:cxnSp>
+                <p:nvCxnSpPr>
+                  <p:cNvPr id="57" name="Straight Arrow Connector 56"/>
+                  <p:cNvCxnSpPr>
+                    <a:stCxn id="53" idx="2"/>
+                    <a:endCxn id="54" idx="0"/>
+                  </p:cNvCxnSpPr>
+                  <p:nvPr/>
+                </p:nvCxnSpPr>
+                <p:spPr>
+                  <a:xfrm flipH="1">
+                    <a:off x="7219438" y="5244100"/>
+                    <a:ext cx="1214587" cy="328838"/>
+                  </a:xfrm>
+                  <a:prstGeom prst="straightConnector1">
+                    <a:avLst/>
+                  </a:prstGeom>
+                  <a:ln w="25400">
+                    <a:solidFill>
+                      <a:schemeClr val="accent6">
+                        <a:alpha val="60000"/>
+                      </a:schemeClr>
+                    </a:solidFill>
+                    <a:tailEnd type="triangle"/>
+                  </a:ln>
+                </p:spPr>
+                <p:style>
+                  <a:lnRef idx="1">
+                    <a:schemeClr val="accent1"/>
+                  </a:lnRef>
+                  <a:fillRef idx="0">
+                    <a:schemeClr val="accent1"/>
+                  </a:fillRef>
+                  <a:effectRef idx="0">
+                    <a:schemeClr val="accent1"/>
+                  </a:effectRef>
+                  <a:fontRef idx="minor">
+                    <a:schemeClr val="tx1"/>
+                  </a:fontRef>
+                </p:style>
+              </p:cxnSp>
+              <p:cxnSp>
+                <p:nvCxnSpPr>
+                  <p:cNvPr id="58" name="Straight Arrow Connector 57"/>
+                  <p:cNvCxnSpPr>
+                    <a:stCxn id="53" idx="2"/>
+                    <a:endCxn id="55" idx="0"/>
+                  </p:cNvCxnSpPr>
+                  <p:nvPr/>
+                </p:nvCxnSpPr>
+                <p:spPr>
+                  <a:xfrm>
+                    <a:off x="8434025" y="5244100"/>
+                    <a:ext cx="0" cy="328838"/>
+                  </a:xfrm>
+                  <a:prstGeom prst="straightConnector1">
+                    <a:avLst/>
+                  </a:prstGeom>
+                  <a:ln w="25400">
+                    <a:solidFill>
+                      <a:schemeClr val="accent6">
+                        <a:alpha val="60000"/>
+                      </a:schemeClr>
+                    </a:solidFill>
+                    <a:tailEnd type="triangle"/>
+                  </a:ln>
+                </p:spPr>
+                <p:style>
+                  <a:lnRef idx="1">
+                    <a:schemeClr val="accent1"/>
+                  </a:lnRef>
+                  <a:fillRef idx="0">
+                    <a:schemeClr val="accent1"/>
+                  </a:fillRef>
+                  <a:effectRef idx="0">
+                    <a:schemeClr val="accent1"/>
+                  </a:effectRef>
+                  <a:fontRef idx="minor">
+                    <a:schemeClr val="tx1"/>
+                  </a:fontRef>
+                </p:style>
+              </p:cxnSp>
+              <p:cxnSp>
+                <p:nvCxnSpPr>
+                  <p:cNvPr id="59" name="Straight Arrow Connector 58"/>
+                  <p:cNvCxnSpPr>
+                    <a:stCxn id="53" idx="2"/>
+                    <a:endCxn id="56" idx="0"/>
+                  </p:cNvCxnSpPr>
+                  <p:nvPr/>
+                </p:nvCxnSpPr>
+                <p:spPr>
+                  <a:xfrm>
+                    <a:off x="8434025" y="5244100"/>
+                    <a:ext cx="1227461" cy="328838"/>
+                  </a:xfrm>
+                  <a:prstGeom prst="straightConnector1">
+                    <a:avLst/>
+                  </a:prstGeom>
+                  <a:ln w="25400">
+                    <a:solidFill>
+                      <a:schemeClr val="accent6">
+                        <a:alpha val="60000"/>
+                      </a:schemeClr>
+                    </a:solidFill>
+                    <a:tailEnd type="triangle"/>
+                  </a:ln>
+                </p:spPr>
+                <p:style>
+                  <a:lnRef idx="1">
+                    <a:schemeClr val="accent1"/>
+                  </a:lnRef>
+                  <a:fillRef idx="0">
+                    <a:schemeClr val="accent1"/>
+                  </a:fillRef>
+                  <a:effectRef idx="0">
+                    <a:schemeClr val="accent1"/>
+                  </a:effectRef>
+                  <a:fontRef idx="minor">
+                    <a:schemeClr val="tx1"/>
+                  </a:fontRef>
+                </p:style>
+              </p:cxnSp>
+            </p:grpSp>
+            <p:sp>
+              <p:nvSpPr>
+                <p:cNvPr id="52" name="Rectangle 51"/>
+                <p:cNvSpPr/>
+                <p:nvPr/>
+              </p:nvSpPr>
+              <p:spPr>
+                <a:xfrm>
+                  <a:off x="6585047" y="4502525"/>
+                  <a:ext cx="3778154" cy="1868392"/>
+                </a:xfrm>
+                <a:prstGeom prst="rect">
+                  <a:avLst/>
+                </a:prstGeom>
+                <a:noFill/>
+                <a:ln w="12700">
+                  <a:solidFill>
+                    <a:schemeClr val="bg1"/>
+                  </a:solidFill>
+                  <a:prstDash val="dash"/>
+                </a:ln>
+              </p:spPr>
+              <p:style>
+                <a:lnRef idx="2">
+                  <a:schemeClr val="accent1">
+                    <a:shade val="50000"/>
+                  </a:schemeClr>
+                </a:lnRef>
+                <a:fillRef idx="1">
+                  <a:schemeClr val="accent1"/>
+                </a:fillRef>
+                <a:effectRef idx="0">
+                  <a:schemeClr val="accent1"/>
+                </a:effectRef>
+                <a:fontRef idx="minor">
+                  <a:schemeClr val="lt1"/>
+                </a:fontRef>
+              </p:style>
+              <p:txBody>
+                <a:bodyPr rtlCol="0" anchor="ctr"/>
+                <a:lstStyle/>
+                <a:p>
+                  <a:pPr algn="ctr"/>
+                  <a:endParaRPr lang="en-CA" sz="900"/>
+                </a:p>
+              </p:txBody>
+            </p:sp>
+          </p:grpSp>
         </p:grpSp>
-        <p:sp>
-          <p:nvSpPr>
-            <p:cNvPr id="89" name="Rectangle 88"/>
-            <p:cNvSpPr/>
+        <p:cxnSp>
+          <p:nvCxnSpPr>
+            <p:cNvPr id="60" name="Straight Connector 59"/>
+            <p:cNvCxnSpPr/>
             <p:nvPr/>
-          </p:nvSpPr>
+          </p:nvCxnSpPr>
           <p:spPr>
-            <a:xfrm>
-              <a:off x="6585047" y="4502525"/>
-              <a:ext cx="3778154" cy="1868392"/>
+            <a:xfrm flipH="1">
+              <a:off x="6523977" y="5189794"/>
+              <a:ext cx="605364" cy="247721"/>
             </a:xfrm>
-            <a:prstGeom prst="rect">
+            <a:prstGeom prst="line">
               <a:avLst/>
             </a:prstGeom>
-            <a:noFill/>
             <a:ln w="12700">
               <a:solidFill>
-                <a:schemeClr val="bg1"/>
+                <a:schemeClr val="bg1">
+                  <a:alpha val="60000"/>
+                </a:schemeClr>
               </a:solidFill>
-              <a:prstDash val="dash"/>
+              <a:prstDash val="sysDot"/>
             </a:ln>
           </p:spPr>
           <p:style>
-            <a:lnRef idx="2">
-              <a:schemeClr val="accent1">
-                <a:shade val="50000"/>
-              </a:schemeClr>
+            <a:lnRef idx="1">
+              <a:schemeClr val="accent1"/>
             </a:lnRef>
-            <a:fillRef idx="1">
+            <a:fillRef idx="0">
               <a:schemeClr val="accent1"/>
             </a:fillRef>
             <a:effectRef idx="0">
               <a:schemeClr val="accent1"/>
             </a:effectRef>
             <a:fontRef idx="minor">
-              <a:schemeClr val="lt1"/>
+              <a:schemeClr val="tx1"/>
             </a:fontRef>
           </p:style>
-          <p:txBody>
-            <a:bodyPr rtlCol="0" anchor="ctr"/>
-            <a:lstStyle/>
-            <a:p>
-              <a:pPr algn="ctr"/>
-              <a:endParaRPr lang="en-CA"/>
-            </a:p>
-          </p:txBody>
-        </p:sp>
+        </p:cxnSp>
+        <p:cxnSp>
+          <p:nvCxnSpPr>
+            <p:cNvPr id="61" name="Straight Connector 60"/>
+            <p:cNvCxnSpPr/>
+            <p:nvPr/>
+          </p:nvCxnSpPr>
+          <p:spPr>
+            <a:xfrm>
+              <a:off x="7613081" y="5189793"/>
+              <a:ext cx="802491" cy="247722"/>
+            </a:xfrm>
+            <a:prstGeom prst="line">
+              <a:avLst/>
+            </a:prstGeom>
+            <a:ln w="12700">
+              <a:solidFill>
+                <a:schemeClr val="bg1">
+                  <a:alpha val="60000"/>
+                </a:schemeClr>
+              </a:solidFill>
+              <a:prstDash val="sysDot"/>
+            </a:ln>
+          </p:spPr>
+          <p:style>
+            <a:lnRef idx="1">
+              <a:schemeClr val="accent1"/>
+            </a:lnRef>
+            <a:fillRef idx="0">
+              <a:schemeClr val="accent1"/>
+            </a:fillRef>
+            <a:effectRef idx="0">
+              <a:schemeClr val="accent1"/>
+            </a:effectRef>
+            <a:fontRef idx="minor">
+              <a:schemeClr val="tx1"/>
+            </a:fontRef>
+          </p:style>
+        </p:cxnSp>
       </p:grpSp>
       <p:sp>
         <p:nvSpPr>
-          <p:cNvPr id="92" name="TextBox 91"/>
+          <p:cNvPr id="65" name="TextBox 64"/>
           <p:cNvSpPr txBox="1"/>
           <p:nvPr/>
         </p:nvSpPr>
         <p:spPr>
           <a:xfrm>
-            <a:off x="6645200" y="4302285"/>
-            <a:ext cx="2741472" cy="400110"/>
+            <a:off x="6337121" y="3815721"/>
+            <a:ext cx="2485621" cy="369332"/>
           </a:xfrm>
           <a:prstGeom prst="rect">
             <a:avLst/>
@@ -25906,7 +27465,7 @@
           <a:lstStyle/>
           <a:p>
             <a:r>
-              <a:rPr lang="en-CA" sz="2000" b="1" dirty="0" err="1" smtClean="0">
+              <a:rPr lang="en-CA" b="1" dirty="0" err="1" smtClean="0">
                 <a:solidFill>
                   <a:schemeClr val="bg1"/>
                 </a:solidFill>
@@ -25914,14 +27473,22 @@
               <a:t>Btrfs</a:t>
             </a:r>
             <a:r>
-              <a:rPr lang="en-CA" sz="2000" b="1" dirty="0" smtClean="0">
+              <a:rPr lang="en-CA" b="1" dirty="0" smtClean="0">
                 <a:solidFill>
                   <a:schemeClr val="bg1"/>
                 </a:solidFill>
               </a:rPr>
-              <a:t> B-tree Structure</a:t>
-            </a:r>
-            <a:endParaRPr lang="en-CA" sz="2000" b="1" dirty="0">
+              <a:t> </a:t>
+            </a:r>
+            <a:r>
+              <a:rPr lang="en-CA" b="1" dirty="0" smtClean="0">
+                <a:solidFill>
+                  <a:schemeClr val="bg1"/>
+                </a:solidFill>
+              </a:rPr>
+              <a:t>File System</a:t>
+            </a:r>
+            <a:endParaRPr lang="en-CA" b="1" dirty="0">
               <a:solidFill>
                 <a:schemeClr val="bg1"/>
               </a:solidFill>
@@ -25932,13 +27499,20 @@
     </p:spTree>
     <p:extLst>
       <p:ext uri="{BB962C8B-B14F-4D97-AF65-F5344CB8AC3E}">
-        <p14:creationId xmlns:p14="http://schemas.microsoft.com/office/powerpoint/2010/main" val="994443309"/>
+        <p14:creationId xmlns:p14="http://schemas.microsoft.com/office/powerpoint/2010/main" val="1246006796"/>
       </p:ext>
     </p:extLst>
   </p:cSld>
   <p:clrMapOvr>
     <a:masterClrMapping/>
   </p:clrMapOvr>
+  <p:timing>
+    <p:tnLst>
+      <p:par>
+        <p:cTn id="1" dur="indefinite" restart="never" nodeType="tmRoot"/>
+      </p:par>
+    </p:tnLst>
+  </p:timing>
 </p:sld>
 </file>
 
@@ -26018,13 +27592,12 @@
             <a:pPr lvl="1"/>
             <a:r>
               <a:rPr lang="en-CA" dirty="0" smtClean="0"/>
-              <a:t>E.g., a defragmentation tool moves extents of a fragmented file</a:t>
-            </a:r>
-          </a:p>
-          <a:p>
-            <a:pPr marL="457200" lvl="1" indent="0">
-              <a:buNone/>
-            </a:pPr>
+              <a:t>E.g., a defragmentation tool moves extents of a fragmented </a:t>
+            </a:r>
+            <a:r>
+              <a:rPr lang="en-CA" dirty="0" smtClean="0"/>
+              <a:t>file</a:t>
+            </a:r>
             <a:endParaRPr lang="en-CA" dirty="0"/>
           </a:p>
           <a:p>
@@ -26102,28 +27675,15 @@
             <a:pPr lvl="2"/>
             <a:r>
               <a:rPr lang="en-CA" dirty="0" smtClean="0"/>
-              <a:t>Developed by </a:t>
-            </a:r>
+              <a:t>Developed by experts</a:t>
+            </a:r>
+          </a:p>
+          <a:p>
+            <a:pPr lvl="1"/>
             <a:r>
               <a:rPr lang="en-CA" dirty="0" smtClean="0"/>
-              <a:t>experts</a:t>
-            </a:r>
-          </a:p>
-          <a:p>
-            <a:pPr lvl="1"/>
-            <a:r>
-              <a:rPr lang="en-CA" dirty="0" smtClean="0"/>
-              <a:t>Emerging file </a:t>
-            </a:r>
-            <a:r>
-              <a:rPr lang="en-CA" dirty="0" smtClean="0"/>
-              <a:t>systems frequently </a:t>
-            </a:r>
-            <a:r>
-              <a:rPr lang="en-CA" dirty="0" smtClean="0"/>
-              <a:t>lack these applications</a:t>
-            </a:r>
-            <a:endParaRPr lang="en-CA" dirty="0" smtClean="0"/>
+              <a:t>Emerging file systems frequently lack these applications</a:t>
+            </a:r>
           </a:p>
           <a:p>
             <a:pPr lvl="2"/>
@@ -26131,7 +27691,6 @@
               <a:rPr lang="en-CA" dirty="0" smtClean="0"/>
               <a:t>Impedes adoption</a:t>
             </a:r>
-            <a:endParaRPr lang="en-CA" dirty="0" smtClean="0"/>
           </a:p>
           <a:p>
             <a:pPr marL="0" indent="0">
@@ -26311,7 +27870,6 @@
               <a:rPr lang="en-CA" dirty="0" smtClean="0"/>
               <a:t>API needs to provide such control while being generic across file systems</a:t>
             </a:r>
-            <a:endParaRPr lang="en-CA" dirty="0" smtClean="0"/>
           </a:p>
         </p:txBody>
       </p:sp>
@@ -26423,19 +27981,7 @@
           <a:p>
             <a:r>
               <a:rPr lang="en-CA" dirty="0" smtClean="0"/>
-              <a:t>Applications operate </a:t>
-            </a:r>
-            <a:r>
-              <a:rPr lang="en-CA" dirty="0" smtClean="0"/>
-              <a:t>on </a:t>
-            </a:r>
-            <a:r>
-              <a:rPr lang="en-CA" dirty="0" smtClean="0"/>
-              <a:t>abstract file </a:t>
-            </a:r>
-            <a:r>
-              <a:rPr lang="en-CA" dirty="0" smtClean="0"/>
-              <a:t>system objects</a:t>
+              <a:t>Applications operate on abstract file system objects</a:t>
             </a:r>
           </a:p>
           <a:p>
@@ -26450,11 +27996,7 @@
             </a:r>
             <a:r>
               <a:rPr lang="en-CA" dirty="0" smtClean="0"/>
-              <a:t>, directory </a:t>
-            </a:r>
-            <a:r>
-              <a:rPr lang="en-CA" dirty="0" smtClean="0"/>
-              <a:t>entries</a:t>
+              <a:t>, directory entries</a:t>
             </a:r>
           </a:p>
           <a:p>
@@ -26467,11 +28009,7 @@
             <a:pPr lvl="1"/>
             <a:r>
               <a:rPr lang="en-CA" dirty="0" smtClean="0"/>
-              <a:t>E.g., A</a:t>
-            </a:r>
-            <a:r>
-              <a:rPr lang="en-CA" dirty="0" smtClean="0"/>
-              <a:t>llocate, free</a:t>
+              <a:t>E.g., Allocate, free</a:t>
             </a:r>
             <a:r>
               <a:rPr lang="en-CA" dirty="0"/>
@@ -26485,11 +28023,7 @@
           <a:p>
             <a:r>
               <a:rPr lang="en-CA" dirty="0" smtClean="0"/>
-              <a:t>Example</a:t>
-            </a:r>
-            <a:r>
-              <a:rPr lang="en-CA" dirty="0" smtClean="0"/>
-              <a:t>: defragmentation tool</a:t>
+              <a:t>Example: defragmentation tool</a:t>
             </a:r>
           </a:p>
           <a:p>
@@ -26517,21 +28051,8 @@
             <a:pPr lvl="2"/>
             <a:r>
               <a:rPr lang="en-CA" dirty="0" smtClean="0"/>
-              <a:t>Requires </a:t>
-            </a:r>
-            <a:r>
-              <a:rPr lang="en-CA" dirty="0" smtClean="0"/>
-              <a:t>allocation </a:t>
-            </a:r>
-            <a:r>
-              <a:rPr lang="en-CA" dirty="0" smtClean="0"/>
-              <a:t>of contiguous extent and remapping of the </a:t>
-            </a:r>
-            <a:r>
-              <a:rPr lang="en-CA" dirty="0" smtClean="0"/>
-              <a:t>file</a:t>
-            </a:r>
-            <a:endParaRPr lang="en-CA" dirty="0" smtClean="0"/>
+              <a:t>Requires allocation of contiguous extent and remapping of the file</a:t>
+            </a:r>
           </a:p>
         </p:txBody>
       </p:sp>
@@ -26785,14 +28306,14 @@
             <p:ph idx="1"/>
             <p:extLst>
               <p:ext uri="{D42A27DB-BD31-4B8C-83A1-F6EECF244321}">
-                <p14:modId xmlns:p14="http://schemas.microsoft.com/office/powerpoint/2010/main" val="1514816518"/>
+                <p14:modId xmlns:p14="http://schemas.microsoft.com/office/powerpoint/2010/main" val="4219705990"/>
               </p:ext>
             </p:extLst>
           </p:nvPr>
         </p:nvGraphicFramePr>
         <p:xfrm>
           <a:off x="684213" y="1516063"/>
-          <a:ext cx="10285412" cy="4700998"/>
+          <a:ext cx="9992025" cy="4663440"/>
         </p:xfrm>
         <a:graphic>
           <a:graphicData uri="http://schemas.openxmlformats.org/drawingml/2006/table">
@@ -26804,21 +28325,21 @@
                 <a:gridCol w="1376407">
                   <a:extLst>
                     <a:ext uri="{9D8B030D-6E8A-4147-A177-3AD203B41FA5}">
-                      <a16:colId xmlns:a16="http://schemas.microsoft.com/office/drawing/2014/main" val="20000"/>
+                      <a16:colId xmlns:a16="http://schemas.microsoft.com/office/drawing/2014/main" xmlns="" val="20000"/>
                     </a:ext>
                   </a:extLst>
                 </a:gridCol>
-                <a:gridCol w="3541690">
+                <a:gridCol w="3388710">
                   <a:extLst>
                     <a:ext uri="{9D8B030D-6E8A-4147-A177-3AD203B41FA5}">
-                      <a16:colId xmlns:a16="http://schemas.microsoft.com/office/drawing/2014/main" val="20001"/>
+                      <a16:colId xmlns:a16="http://schemas.microsoft.com/office/drawing/2014/main" xmlns="" val="20001"/>
                     </a:ext>
                   </a:extLst>
                 </a:gridCol>
-                <a:gridCol w="5367315">
+                <a:gridCol w="5226908">
                   <a:extLst>
                     <a:ext uri="{9D8B030D-6E8A-4147-A177-3AD203B41FA5}">
-                      <a16:colId xmlns:a16="http://schemas.microsoft.com/office/drawing/2014/main" val="20002"/>
+                      <a16:colId xmlns:a16="http://schemas.microsoft.com/office/drawing/2014/main" xmlns="" val="20002"/>
                     </a:ext>
                   </a:extLst>
                 </a:gridCol>
@@ -27003,9 +28524,411 @@
                 </a:tc>
                 <a:extLst>
                   <a:ext uri="{0D108BD9-81ED-4DB2-BD59-A6C34878D82A}">
-                    <a16:rowId xmlns:a16="http://schemas.microsoft.com/office/drawing/2014/main" val="10000"/>
+                    <a16:rowId xmlns:a16="http://schemas.microsoft.com/office/drawing/2014/main" xmlns="" val="10000"/>
                   </a:ext>
                 </a:extLst>
+              </a:tr>
+              <a:tr h="380136">
+                <a:tc rowSpan="2">
+                  <a:txBody>
+                    <a:bodyPr/>
+                    <a:lstStyle/>
+                    <a:p>
+                      <a:r>
+                        <a:rPr lang="en-CA" sz="2000" dirty="0" smtClean="0">
+                          <a:solidFill>
+                            <a:sysClr val="windowText" lastClr="000000"/>
+                          </a:solidFill>
+                        </a:rPr>
+                        <a:t>Global</a:t>
+                      </a:r>
+                      <a:endParaRPr lang="en-CA" sz="2000" dirty="0">
+                        <a:solidFill>
+                          <a:sysClr val="windowText" lastClr="000000"/>
+                        </a:solidFill>
+                      </a:endParaRPr>
+                    </a:p>
+                  </a:txBody>
+                  <a:tcPr>
+                    <a:lnL w="12700" cap="flat" cmpd="sng" algn="ctr">
+                      <a:solidFill>
+                        <a:schemeClr val="bg1"/>
+                      </a:solidFill>
+                      <a:prstDash val="solid"/>
+                      <a:round/>
+                      <a:headEnd type="none" w="med" len="med"/>
+                      <a:tailEnd type="none" w="med" len="med"/>
+                    </a:lnL>
+                    <a:lnR w="12700" cap="flat" cmpd="sng" algn="ctr">
+                      <a:solidFill>
+                        <a:schemeClr val="bg1"/>
+                      </a:solidFill>
+                      <a:prstDash val="solid"/>
+                      <a:round/>
+                      <a:headEnd type="none" w="med" len="med"/>
+                      <a:tailEnd type="none" w="med" len="med"/>
+                    </a:lnR>
+                    <a:lnT w="12700" cap="flat" cmpd="sng" algn="ctr">
+                      <a:solidFill>
+                        <a:schemeClr val="bg1"/>
+                      </a:solidFill>
+                      <a:prstDash val="solid"/>
+                      <a:round/>
+                      <a:headEnd type="none" w="med" len="med"/>
+                      <a:tailEnd type="none" w="med" len="med"/>
+                    </a:lnT>
+                    <a:lnB w="12700" cap="flat" cmpd="sng" algn="ctr">
+                      <a:solidFill>
+                        <a:schemeClr val="bg1"/>
+                      </a:solidFill>
+                      <a:prstDash val="solid"/>
+                      <a:round/>
+                      <a:headEnd type="none" w="med" len="med"/>
+                      <a:tailEnd type="none" w="med" len="med"/>
+                    </a:lnB>
+                  </a:tcPr>
+                </a:tc>
+                <a:tc>
+                  <a:txBody>
+                    <a:bodyPr/>
+                    <a:lstStyle/>
+                    <a:p>
+                      <a:r>
+                        <a:rPr lang="en-CA" sz="2000" dirty="0" err="1" smtClean="0">
+                          <a:solidFill>
+                            <a:sysClr val="windowText" lastClr="000000"/>
+                          </a:solidFill>
+                        </a:rPr>
+                        <a:t>super_make</a:t>
+                      </a:r>
+                      <a:endParaRPr lang="en-CA" sz="2000" dirty="0" smtClean="0">
+                        <a:solidFill>
+                          <a:sysClr val="windowText" lastClr="000000"/>
+                        </a:solidFill>
+                      </a:endParaRPr>
+                    </a:p>
+                  </a:txBody>
+                  <a:tcPr>
+                    <a:lnL w="12700" cap="flat" cmpd="sng" algn="ctr">
+                      <a:solidFill>
+                        <a:schemeClr val="bg1"/>
+                      </a:solidFill>
+                      <a:prstDash val="solid"/>
+                      <a:round/>
+                      <a:headEnd type="none" w="med" len="med"/>
+                      <a:tailEnd type="none" w="med" len="med"/>
+                    </a:lnL>
+                    <a:lnR w="12700" cap="flat" cmpd="sng" algn="ctr">
+                      <a:solidFill>
+                        <a:schemeClr val="bg1"/>
+                      </a:solidFill>
+                      <a:prstDash val="solid"/>
+                      <a:round/>
+                      <a:headEnd type="none" w="med" len="med"/>
+                      <a:tailEnd type="none" w="med" len="med"/>
+                    </a:lnR>
+                    <a:lnT w="12700" cap="flat" cmpd="sng" algn="ctr">
+                      <a:solidFill>
+                        <a:schemeClr val="bg1"/>
+                      </a:solidFill>
+                      <a:prstDash val="solid"/>
+                      <a:round/>
+                      <a:headEnd type="none" w="med" len="med"/>
+                      <a:tailEnd type="none" w="med" len="med"/>
+                    </a:lnT>
+                    <a:lnB w="12700" cap="flat" cmpd="sng" algn="ctr">
+                      <a:solidFill>
+                        <a:schemeClr val="bg1"/>
+                      </a:solidFill>
+                      <a:prstDash val="solid"/>
+                      <a:round/>
+                      <a:headEnd type="none" w="med" len="med"/>
+                      <a:tailEnd type="none" w="med" len="med"/>
+                    </a:lnB>
+                  </a:tcPr>
+                </a:tc>
+                <a:tc>
+                  <a:txBody>
+                    <a:bodyPr/>
+                    <a:lstStyle/>
+                    <a:p>
+                      <a:r>
+                        <a:rPr lang="en-CA" sz="2000" dirty="0" smtClean="0">
+                          <a:solidFill>
+                            <a:sysClr val="windowText" lastClr="000000"/>
+                          </a:solidFill>
+                        </a:rPr>
+                        <a:t>Makes a new file system (</a:t>
+                      </a:r>
+                      <a:r>
+                        <a:rPr lang="en-CA" sz="2000" dirty="0" err="1" smtClean="0">
+                          <a:solidFill>
+                            <a:sysClr val="windowText" lastClr="000000"/>
+                          </a:solidFill>
+                        </a:rPr>
+                        <a:t>i.e</a:t>
+                      </a:r>
+                      <a:r>
+                        <a:rPr lang="en-CA" sz="2000" dirty="0" smtClean="0">
+                          <a:solidFill>
+                            <a:sysClr val="windowText" lastClr="000000"/>
+                          </a:solidFill>
+                        </a:rPr>
+                        <a:t>,</a:t>
+                      </a:r>
+                      <a:r>
+                        <a:rPr lang="en-CA" sz="2000" i="1" baseline="0" dirty="0" smtClean="0">
+                          <a:solidFill>
+                            <a:sysClr val="windowText" lastClr="000000"/>
+                          </a:solidFill>
+                        </a:rPr>
+                        <a:t> </a:t>
+                      </a:r>
+                      <a:r>
+                        <a:rPr lang="en-CA" sz="2000" i="1" baseline="0" dirty="0" err="1" smtClean="0">
+                          <a:solidFill>
+                            <a:sysClr val="windowText" lastClr="000000"/>
+                          </a:solidFill>
+                        </a:rPr>
+                        <a:t>mkfs</a:t>
+                      </a:r>
+                      <a:r>
+                        <a:rPr lang="en-CA" sz="2000" i="0" baseline="0" dirty="0" smtClean="0">
+                          <a:solidFill>
+                            <a:sysClr val="windowText" lastClr="000000"/>
+                          </a:solidFill>
+                        </a:rPr>
+                        <a:t>)</a:t>
+                      </a:r>
+                      <a:endParaRPr lang="en-CA" sz="2000" dirty="0">
+                        <a:solidFill>
+                          <a:sysClr val="windowText" lastClr="000000"/>
+                        </a:solidFill>
+                      </a:endParaRPr>
+                    </a:p>
+                  </a:txBody>
+                  <a:tcPr>
+                    <a:lnL w="12700" cap="flat" cmpd="sng" algn="ctr">
+                      <a:solidFill>
+                        <a:schemeClr val="bg1"/>
+                      </a:solidFill>
+                      <a:prstDash val="solid"/>
+                      <a:round/>
+                      <a:headEnd type="none" w="med" len="med"/>
+                      <a:tailEnd type="none" w="med" len="med"/>
+                    </a:lnL>
+                    <a:lnR w="12700" cap="flat" cmpd="sng" algn="ctr">
+                      <a:solidFill>
+                        <a:schemeClr val="bg1"/>
+                      </a:solidFill>
+                      <a:prstDash val="solid"/>
+                      <a:round/>
+                      <a:headEnd type="none" w="med" len="med"/>
+                      <a:tailEnd type="none" w="med" len="med"/>
+                    </a:lnR>
+                    <a:lnT w="12700" cap="flat" cmpd="sng" algn="ctr">
+                      <a:solidFill>
+                        <a:schemeClr val="bg1"/>
+                      </a:solidFill>
+                      <a:prstDash val="solid"/>
+                      <a:round/>
+                      <a:headEnd type="none" w="med" len="med"/>
+                      <a:tailEnd type="none" w="med" len="med"/>
+                    </a:lnT>
+                    <a:lnB w="12700" cap="flat" cmpd="sng" algn="ctr">
+                      <a:solidFill>
+                        <a:schemeClr val="bg1"/>
+                      </a:solidFill>
+                      <a:prstDash val="solid"/>
+                      <a:round/>
+                      <a:headEnd type="none" w="med" len="med"/>
+                      <a:tailEnd type="none" w="med" len="med"/>
+                    </a:lnB>
+                  </a:tcPr>
+                </a:tc>
+              </a:tr>
+              <a:tr h="380136">
+                <a:tc vMerge="1">
+                  <a:txBody>
+                    <a:bodyPr/>
+                    <a:lstStyle/>
+                    <a:p>
+                      <a:endParaRPr lang="en-CA" sz="2000" dirty="0">
+                        <a:solidFill>
+                          <a:sysClr val="windowText" lastClr="000000"/>
+                        </a:solidFill>
+                      </a:endParaRPr>
+                    </a:p>
+                  </a:txBody>
+                  <a:tcPr>
+                    <a:lnL w="12700" cap="flat" cmpd="sng" algn="ctr">
+                      <a:solidFill>
+                        <a:schemeClr val="bg1"/>
+                      </a:solidFill>
+                      <a:prstDash val="solid"/>
+                      <a:round/>
+                      <a:headEnd type="none" w="med" len="med"/>
+                      <a:tailEnd type="none" w="med" len="med"/>
+                    </a:lnL>
+                    <a:lnR w="12700" cap="flat" cmpd="sng" algn="ctr">
+                      <a:solidFill>
+                        <a:schemeClr val="bg1"/>
+                      </a:solidFill>
+                      <a:prstDash val="solid"/>
+                      <a:round/>
+                      <a:headEnd type="none" w="med" len="med"/>
+                      <a:tailEnd type="none" w="med" len="med"/>
+                    </a:lnR>
+                    <a:lnT w="12700" cap="flat" cmpd="sng" algn="ctr">
+                      <a:solidFill>
+                        <a:schemeClr val="bg1"/>
+                      </a:solidFill>
+                      <a:prstDash val="solid"/>
+                      <a:round/>
+                      <a:headEnd type="none" w="med" len="med"/>
+                      <a:tailEnd type="none" w="med" len="med"/>
+                    </a:lnT>
+                    <a:lnB w="12700" cap="flat" cmpd="sng" algn="ctr">
+                      <a:solidFill>
+                        <a:schemeClr val="bg1"/>
+                      </a:solidFill>
+                      <a:prstDash val="solid"/>
+                      <a:round/>
+                      <a:headEnd type="none" w="med" len="med"/>
+                      <a:tailEnd type="none" w="med" len="med"/>
+                    </a:lnB>
+                  </a:tcPr>
+                </a:tc>
+                <a:tc>
+                  <a:txBody>
+                    <a:bodyPr/>
+                    <a:lstStyle/>
+                    <a:p>
+                      <a:r>
+                        <a:rPr lang="en-CA" sz="2000" dirty="0" err="1" smtClean="0">
+                          <a:solidFill>
+                            <a:sysClr val="windowText" lastClr="000000"/>
+                          </a:solidFill>
+                        </a:rPr>
+                        <a:t>super_set</a:t>
+                      </a:r>
+                      <a:endParaRPr lang="en-CA" sz="2000" dirty="0" smtClean="0">
+                        <a:solidFill>
+                          <a:sysClr val="windowText" lastClr="000000"/>
+                        </a:solidFill>
+                      </a:endParaRPr>
+                    </a:p>
+                  </a:txBody>
+                  <a:tcPr>
+                    <a:lnL w="12700" cap="flat" cmpd="sng" algn="ctr">
+                      <a:solidFill>
+                        <a:schemeClr val="bg1"/>
+                      </a:solidFill>
+                      <a:prstDash val="solid"/>
+                      <a:round/>
+                      <a:headEnd type="none" w="med" len="med"/>
+                      <a:tailEnd type="none" w="med" len="med"/>
+                    </a:lnL>
+                    <a:lnR w="12700" cap="flat" cmpd="sng" algn="ctr">
+                      <a:solidFill>
+                        <a:schemeClr val="bg1"/>
+                      </a:solidFill>
+                      <a:prstDash val="solid"/>
+                      <a:round/>
+                      <a:headEnd type="none" w="med" len="med"/>
+                      <a:tailEnd type="none" w="med" len="med"/>
+                    </a:lnR>
+                    <a:lnT w="12700" cap="flat" cmpd="sng" algn="ctr">
+                      <a:solidFill>
+                        <a:schemeClr val="bg1"/>
+                      </a:solidFill>
+                      <a:prstDash val="solid"/>
+                      <a:round/>
+                      <a:headEnd type="none" w="med" len="med"/>
+                      <a:tailEnd type="none" w="med" len="med"/>
+                    </a:lnT>
+                    <a:lnB w="12700" cap="flat" cmpd="sng" algn="ctr">
+                      <a:solidFill>
+                        <a:schemeClr val="bg1"/>
+                      </a:solidFill>
+                      <a:prstDash val="solid"/>
+                      <a:round/>
+                      <a:headEnd type="none" w="med" len="med"/>
+                      <a:tailEnd type="none" w="med" len="med"/>
+                    </a:lnB>
+                  </a:tcPr>
+                </a:tc>
+                <a:tc>
+                  <a:txBody>
+                    <a:bodyPr/>
+                    <a:lstStyle/>
+                    <a:p>
+                      <a:pPr marL="0" marR="0" lvl="0" indent="0" algn="l" defTabSz="457200" rtl="0" eaLnBrk="1" fontAlgn="auto" latinLnBrk="0" hangingPunct="1">
+                        <a:lnSpc>
+                          <a:spcPct val="100000"/>
+                        </a:lnSpc>
+                        <a:spcBef>
+                          <a:spcPts val="0"/>
+                        </a:spcBef>
+                        <a:spcAft>
+                          <a:spcPts val="0"/>
+                        </a:spcAft>
+                        <a:buClrTx/>
+                        <a:buSzTx/>
+                        <a:buFontTx/>
+                        <a:buNone/>
+                        <a:tabLst/>
+                        <a:defRPr/>
+                      </a:pPr>
+                      <a:r>
+                        <a:rPr lang="en-CA" sz="2000" dirty="0" smtClean="0">
+                          <a:solidFill>
+                            <a:schemeClr val="bg1"/>
+                          </a:solidFill>
+                        </a:rPr>
+                        <a:t>Update file system settings</a:t>
+                      </a:r>
+                    </a:p>
+                  </a:txBody>
+                  <a:tcPr>
+                    <a:lnL w="12700" cap="flat" cmpd="sng" algn="ctr">
+                      <a:solidFill>
+                        <a:schemeClr val="bg1"/>
+                      </a:solidFill>
+                      <a:prstDash val="solid"/>
+                      <a:round/>
+                      <a:headEnd type="none" w="med" len="med"/>
+                      <a:tailEnd type="none" w="med" len="med"/>
+                    </a:lnL>
+                    <a:lnR w="12700" cap="flat" cmpd="sng" algn="ctr">
+                      <a:solidFill>
+                        <a:schemeClr val="bg1"/>
+                      </a:solidFill>
+                      <a:prstDash val="solid"/>
+                      <a:round/>
+                      <a:headEnd type="none" w="med" len="med"/>
+                      <a:tailEnd type="none" w="med" len="med"/>
+                    </a:lnR>
+                    <a:lnT w="12700" cap="flat" cmpd="sng" algn="ctr">
+                      <a:solidFill>
+                        <a:schemeClr val="bg1"/>
+                      </a:solidFill>
+                      <a:prstDash val="solid"/>
+                      <a:round/>
+                      <a:headEnd type="none" w="med" len="med"/>
+                      <a:tailEnd type="none" w="med" len="med"/>
+                    </a:lnT>
+                    <a:lnB w="12700" cap="flat" cmpd="sng" algn="ctr">
+                      <a:solidFill>
+                        <a:schemeClr val="bg1"/>
+                      </a:solidFill>
+                      <a:prstDash val="solid"/>
+                      <a:round/>
+                      <a:headEnd type="none" w="med" len="med"/>
+                      <a:tailEnd type="none" w="med" len="med"/>
+                    </a:lnB>
+                  </a:tcPr>
+                </a:tc>
               </a:tr>
               <a:tr h="380136">
                 <a:tc rowSpan="4">
@@ -27211,7 +29134,7 @@
                 </a:tc>
                 <a:extLst>
                   <a:ext uri="{0D108BD9-81ED-4DB2-BD59-A6C34878D82A}">
-                    <a16:rowId xmlns:a16="http://schemas.microsoft.com/office/drawing/2014/main" val="10001"/>
+                    <a16:rowId xmlns:a16="http://schemas.microsoft.com/office/drawing/2014/main" xmlns="" val="10001"/>
                   </a:ext>
                 </a:extLst>
               </a:tr>
@@ -27371,7 +29294,7 @@
                 </a:tc>
                 <a:extLst>
                   <a:ext uri="{0D108BD9-81ED-4DB2-BD59-A6C34878D82A}">
-                    <a16:rowId xmlns:a16="http://schemas.microsoft.com/office/drawing/2014/main" val="10002"/>
+                    <a16:rowId xmlns:a16="http://schemas.microsoft.com/office/drawing/2014/main" xmlns="" val="10002"/>
                   </a:ext>
                 </a:extLst>
               </a:tr>
@@ -27506,7 +29429,7 @@
                 </a:tc>
                 <a:extLst>
                   <a:ext uri="{0D108BD9-81ED-4DB2-BD59-A6C34878D82A}">
-                    <a16:rowId xmlns:a16="http://schemas.microsoft.com/office/drawing/2014/main" val="10003"/>
+                    <a16:rowId xmlns:a16="http://schemas.microsoft.com/office/drawing/2014/main" xmlns="" val="10003"/>
                   </a:ext>
                 </a:extLst>
               </a:tr>
@@ -27706,7 +29629,7 @@
                 </a:tc>
                 <a:extLst>
                   <a:ext uri="{0D108BD9-81ED-4DB2-BD59-A6C34878D82A}">
-                    <a16:rowId xmlns:a16="http://schemas.microsoft.com/office/drawing/2014/main" val="10004"/>
+                    <a16:rowId xmlns:a16="http://schemas.microsoft.com/office/drawing/2014/main" xmlns="" val="10004"/>
                   </a:ext>
                 </a:extLst>
               </a:tr>
@@ -27939,7 +29862,7 @@
                 </a:tc>
                 <a:extLst>
                   <a:ext uri="{0D108BD9-81ED-4DB2-BD59-A6C34878D82A}">
-                    <a16:rowId xmlns:a16="http://schemas.microsoft.com/office/drawing/2014/main" val="10005"/>
+                    <a16:rowId xmlns:a16="http://schemas.microsoft.com/office/drawing/2014/main" xmlns="" val="10005"/>
                   </a:ext>
                 </a:extLst>
               </a:tr>
@@ -28106,7 +30029,7 @@
                 </a:tc>
                 <a:extLst>
                   <a:ext uri="{0D108BD9-81ED-4DB2-BD59-A6C34878D82A}">
-                    <a16:rowId xmlns:a16="http://schemas.microsoft.com/office/drawing/2014/main" val="10006"/>
+                    <a16:rowId xmlns:a16="http://schemas.microsoft.com/office/drawing/2014/main" xmlns="" val="10006"/>
                   </a:ext>
                 </a:extLst>
               </a:tr>
@@ -28249,7 +30172,7 @@
                 </a:tc>
                 <a:extLst>
                   <a:ext uri="{0D108BD9-81ED-4DB2-BD59-A6C34878D82A}">
-                    <a16:rowId xmlns:a16="http://schemas.microsoft.com/office/drawing/2014/main" val="10007"/>
+                    <a16:rowId xmlns:a16="http://schemas.microsoft.com/office/drawing/2014/main" xmlns="" val="10007"/>
                   </a:ext>
                 </a:extLst>
               </a:tr>
@@ -28417,366 +30340,7 @@
                 </a:tc>
                 <a:extLst>
                   <a:ext uri="{0D108BD9-81ED-4DB2-BD59-A6C34878D82A}">
-                    <a16:rowId xmlns:a16="http://schemas.microsoft.com/office/drawing/2014/main" val="10008"/>
-                  </a:ext>
-                </a:extLst>
-              </a:tr>
-              <a:tr h="433798">
-                <a:tc rowSpan="2">
-                  <a:txBody>
-                    <a:bodyPr/>
-                    <a:lstStyle/>
-                    <a:p>
-                      <a:r>
-                        <a:rPr lang="en-CA" sz="2000" dirty="0" smtClean="0">
-                          <a:solidFill>
-                            <a:sysClr val="windowText" lastClr="000000"/>
-                          </a:solidFill>
-                        </a:rPr>
-                        <a:t>Directory Entries</a:t>
-                      </a:r>
-                      <a:endParaRPr lang="en-CA" sz="2000" dirty="0">
-                        <a:solidFill>
-                          <a:sysClr val="windowText" lastClr="000000"/>
-                        </a:solidFill>
-                      </a:endParaRPr>
-                    </a:p>
-                  </a:txBody>
-                  <a:tcPr>
-                    <a:lnL w="12700" cap="flat" cmpd="sng" algn="ctr">
-                      <a:solidFill>
-                        <a:schemeClr val="bg1"/>
-                      </a:solidFill>
-                      <a:prstDash val="solid"/>
-                      <a:round/>
-                      <a:headEnd type="none" w="med" len="med"/>
-                      <a:tailEnd type="none" w="med" len="med"/>
-                    </a:lnL>
-                    <a:lnR w="12700" cap="flat" cmpd="sng" algn="ctr">
-                      <a:solidFill>
-                        <a:schemeClr val="bg1"/>
-                      </a:solidFill>
-                      <a:prstDash val="solid"/>
-                      <a:round/>
-                      <a:headEnd type="none" w="med" len="med"/>
-                      <a:tailEnd type="none" w="med" len="med"/>
-                    </a:lnR>
-                    <a:lnT w="12700" cap="flat" cmpd="sng" algn="ctr">
-                      <a:solidFill>
-                        <a:schemeClr val="bg1"/>
-                      </a:solidFill>
-                      <a:prstDash val="solid"/>
-                      <a:round/>
-                      <a:headEnd type="none" w="med" len="med"/>
-                      <a:tailEnd type="none" w="med" len="med"/>
-                    </a:lnT>
-                    <a:lnB w="12700" cap="flat" cmpd="sng" algn="ctr">
-                      <a:solidFill>
-                        <a:schemeClr val="bg1"/>
-                      </a:solidFill>
-                      <a:prstDash val="solid"/>
-                      <a:round/>
-                      <a:headEnd type="none" w="med" len="med"/>
-                      <a:tailEnd type="none" w="med" len="med"/>
-                    </a:lnB>
-                  </a:tcPr>
-                </a:tc>
-                <a:tc>
-                  <a:txBody>
-                    <a:bodyPr/>
-                    <a:lstStyle/>
-                    <a:p>
-                      <a:r>
-                        <a:rPr lang="en-CA" sz="2000" dirty="0" err="1" smtClean="0">
-                          <a:solidFill>
-                            <a:sysClr val="windowText" lastClr="000000"/>
-                          </a:solidFill>
-                        </a:rPr>
-                        <a:t>dirent_add</a:t>
-                      </a:r>
-                      <a:r>
-                        <a:rPr lang="en-CA" sz="2000" baseline="0" dirty="0" smtClean="0">
-                          <a:solidFill>
-                            <a:sysClr val="windowText" lastClr="000000"/>
-                          </a:solidFill>
-                        </a:rPr>
-                        <a:t> /</a:t>
-                      </a:r>
-                      <a:r>
-                        <a:rPr lang="en-CA" sz="2000" baseline="0" dirty="0" err="1" smtClean="0">
-                          <a:solidFill>
-                            <a:sysClr val="windowText" lastClr="000000"/>
-                          </a:solidFill>
-                        </a:rPr>
-                        <a:t>dirent_remove</a:t>
-                      </a:r>
-                      <a:endParaRPr lang="en-CA" sz="2000" dirty="0">
-                        <a:solidFill>
-                          <a:sysClr val="windowText" lastClr="000000"/>
-                        </a:solidFill>
-                      </a:endParaRPr>
-                    </a:p>
-                  </a:txBody>
-                  <a:tcPr>
-                    <a:lnL w="12700" cap="flat" cmpd="sng" algn="ctr">
-                      <a:solidFill>
-                        <a:schemeClr val="bg1"/>
-                      </a:solidFill>
-                      <a:prstDash val="solid"/>
-                      <a:round/>
-                      <a:headEnd type="none" w="med" len="med"/>
-                      <a:tailEnd type="none" w="med" len="med"/>
-                    </a:lnL>
-                    <a:lnR w="12700" cap="flat" cmpd="sng" algn="ctr">
-                      <a:solidFill>
-                        <a:schemeClr val="bg1"/>
-                      </a:solidFill>
-                      <a:prstDash val="solid"/>
-                      <a:round/>
-                      <a:headEnd type="none" w="med" len="med"/>
-                      <a:tailEnd type="none" w="med" len="med"/>
-                    </a:lnR>
-                    <a:lnT w="12700" cap="flat" cmpd="sng" algn="ctr">
-                      <a:solidFill>
-                        <a:schemeClr val="bg1"/>
-                      </a:solidFill>
-                      <a:prstDash val="solid"/>
-                      <a:round/>
-                      <a:headEnd type="none" w="med" len="med"/>
-                      <a:tailEnd type="none" w="med" len="med"/>
-                    </a:lnT>
-                    <a:lnB w="12700" cap="flat" cmpd="sng" algn="ctr">
-                      <a:solidFill>
-                        <a:schemeClr val="bg1"/>
-                      </a:solidFill>
-                      <a:prstDash val="solid"/>
-                      <a:round/>
-                      <a:headEnd type="none" w="med" len="med"/>
-                      <a:tailEnd type="none" w="med" len="med"/>
-                    </a:lnB>
-                  </a:tcPr>
-                </a:tc>
-                <a:tc>
-                  <a:txBody>
-                    <a:bodyPr/>
-                    <a:lstStyle/>
-                    <a:p>
-                      <a:r>
-                        <a:rPr lang="en-CA" sz="2000" dirty="0" smtClean="0">
-                          <a:solidFill>
-                            <a:sysClr val="windowText" lastClr="000000"/>
-                          </a:solidFill>
-                        </a:rPr>
-                        <a:t>Add or remove entry</a:t>
-                      </a:r>
-                      <a:r>
-                        <a:rPr lang="en-CA" sz="2000" baseline="0" dirty="0" smtClean="0">
-                          <a:solidFill>
-                            <a:sysClr val="windowText" lastClr="000000"/>
-                          </a:solidFill>
-                        </a:rPr>
-                        <a:t> to a directory </a:t>
-                      </a:r>
-                      <a:r>
-                        <a:rPr lang="en-CA" sz="2000" baseline="0" dirty="0" err="1" smtClean="0">
-                          <a:solidFill>
-                            <a:sysClr val="windowText" lastClr="000000"/>
-                          </a:solidFill>
-                        </a:rPr>
-                        <a:t>inode</a:t>
-                      </a:r>
-                      <a:endParaRPr lang="en-CA" sz="2000" dirty="0">
-                        <a:solidFill>
-                          <a:sysClr val="windowText" lastClr="000000"/>
-                        </a:solidFill>
-                      </a:endParaRPr>
-                    </a:p>
-                  </a:txBody>
-                  <a:tcPr>
-                    <a:lnL w="12700" cap="flat" cmpd="sng" algn="ctr">
-                      <a:solidFill>
-                        <a:schemeClr val="bg1"/>
-                      </a:solidFill>
-                      <a:prstDash val="solid"/>
-                      <a:round/>
-                      <a:headEnd type="none" w="med" len="med"/>
-                      <a:tailEnd type="none" w="med" len="med"/>
-                    </a:lnL>
-                    <a:lnR w="12700" cap="flat" cmpd="sng" algn="ctr">
-                      <a:solidFill>
-                        <a:schemeClr val="bg1"/>
-                      </a:solidFill>
-                      <a:prstDash val="solid"/>
-                      <a:round/>
-                      <a:headEnd type="none" w="med" len="med"/>
-                      <a:tailEnd type="none" w="med" len="med"/>
-                    </a:lnR>
-                    <a:lnT w="12700" cap="flat" cmpd="sng" algn="ctr">
-                      <a:solidFill>
-                        <a:schemeClr val="bg1"/>
-                      </a:solidFill>
-                      <a:prstDash val="solid"/>
-                      <a:round/>
-                      <a:headEnd type="none" w="med" len="med"/>
-                      <a:tailEnd type="none" w="med" len="med"/>
-                    </a:lnT>
-                    <a:lnB w="12700" cap="flat" cmpd="sng" algn="ctr">
-                      <a:solidFill>
-                        <a:schemeClr val="bg1"/>
-                      </a:solidFill>
-                      <a:prstDash val="solid"/>
-                      <a:round/>
-                      <a:headEnd type="none" w="med" len="med"/>
-                      <a:tailEnd type="none" w="med" len="med"/>
-                    </a:lnB>
-                  </a:tcPr>
-                </a:tc>
-                <a:extLst>
-                  <a:ext uri="{0D108BD9-81ED-4DB2-BD59-A6C34878D82A}">
-                    <a16:rowId xmlns:a16="http://schemas.microsoft.com/office/drawing/2014/main" val="10009"/>
-                  </a:ext>
-                </a:extLst>
-              </a:tr>
-              <a:tr h="267242">
-                <a:tc vMerge="1">
-                  <a:txBody>
-                    <a:bodyPr/>
-                    <a:lstStyle/>
-                    <a:p>
-                      <a:endParaRPr lang="en-CA"/>
-                    </a:p>
-                  </a:txBody>
-                  <a:tcPr/>
-                </a:tc>
-                <a:tc>
-                  <a:txBody>
-                    <a:bodyPr/>
-                    <a:lstStyle/>
-                    <a:p>
-                      <a:r>
-                        <a:rPr lang="en-CA" sz="2000" dirty="0" err="1" smtClean="0">
-                          <a:solidFill>
-                            <a:sysClr val="windowText" lastClr="000000"/>
-                          </a:solidFill>
-                        </a:rPr>
-                        <a:t>dirent_iterate</a:t>
-                      </a:r>
-                      <a:endParaRPr lang="en-CA" sz="2000" dirty="0">
-                        <a:solidFill>
-                          <a:sysClr val="windowText" lastClr="000000"/>
-                        </a:solidFill>
-                      </a:endParaRPr>
-                    </a:p>
-                  </a:txBody>
-                  <a:tcPr>
-                    <a:lnL w="12700" cap="flat" cmpd="sng" algn="ctr">
-                      <a:solidFill>
-                        <a:schemeClr val="bg1"/>
-                      </a:solidFill>
-                      <a:prstDash val="solid"/>
-                      <a:round/>
-                      <a:headEnd type="none" w="med" len="med"/>
-                      <a:tailEnd type="none" w="med" len="med"/>
-                    </a:lnL>
-                    <a:lnR w="12700" cap="flat" cmpd="sng" algn="ctr">
-                      <a:solidFill>
-                        <a:schemeClr val="bg1"/>
-                      </a:solidFill>
-                      <a:prstDash val="solid"/>
-                      <a:round/>
-                      <a:headEnd type="none" w="med" len="med"/>
-                      <a:tailEnd type="none" w="med" len="med"/>
-                    </a:lnR>
-                    <a:lnT w="12700" cap="flat" cmpd="sng" algn="ctr">
-                      <a:solidFill>
-                        <a:schemeClr val="bg1"/>
-                      </a:solidFill>
-                      <a:prstDash val="solid"/>
-                      <a:round/>
-                      <a:headEnd type="none" w="med" len="med"/>
-                      <a:tailEnd type="none" w="med" len="med"/>
-                    </a:lnT>
-                    <a:lnB w="12700" cap="flat" cmpd="sng" algn="ctr">
-                      <a:solidFill>
-                        <a:schemeClr val="bg1"/>
-                      </a:solidFill>
-                      <a:prstDash val="solid"/>
-                      <a:round/>
-                      <a:headEnd type="none" w="med" len="med"/>
-                      <a:tailEnd type="none" w="med" len="med"/>
-                    </a:lnB>
-                  </a:tcPr>
-                </a:tc>
-                <a:tc>
-                  <a:txBody>
-                    <a:bodyPr/>
-                    <a:lstStyle/>
-                    <a:p>
-                      <a:r>
-                        <a:rPr lang="en-CA" sz="2000" dirty="0" smtClean="0">
-                          <a:solidFill>
-                            <a:sysClr val="windowText" lastClr="000000"/>
-                          </a:solidFill>
-                        </a:rPr>
-                        <a:t>Iterate through all entries</a:t>
-                      </a:r>
-                      <a:r>
-                        <a:rPr lang="en-CA" sz="2000" baseline="0" dirty="0" smtClean="0">
-                          <a:solidFill>
-                            <a:sysClr val="windowText" lastClr="000000"/>
-                          </a:solidFill>
-                        </a:rPr>
-                        <a:t> in directory</a:t>
-                      </a:r>
-                      <a:endParaRPr lang="en-CA" sz="2000" dirty="0">
-                        <a:solidFill>
-                          <a:sysClr val="windowText" lastClr="000000"/>
-                        </a:solidFill>
-                      </a:endParaRPr>
-                    </a:p>
-                  </a:txBody>
-                  <a:tcPr>
-                    <a:lnL w="12700" cap="flat" cmpd="sng" algn="ctr">
-                      <a:solidFill>
-                        <a:schemeClr val="bg1"/>
-                      </a:solidFill>
-                      <a:prstDash val="solid"/>
-                      <a:round/>
-                      <a:headEnd type="none" w="med" len="med"/>
-                      <a:tailEnd type="none" w="med" len="med"/>
-                    </a:lnL>
-                    <a:lnR w="12700" cap="flat" cmpd="sng" algn="ctr">
-                      <a:solidFill>
-                        <a:schemeClr val="bg1"/>
-                      </a:solidFill>
-                      <a:prstDash val="solid"/>
-                      <a:round/>
-                      <a:headEnd type="none" w="med" len="med"/>
-                      <a:tailEnd type="none" w="med" len="med"/>
-                    </a:lnR>
-                    <a:lnT w="12700" cap="flat" cmpd="sng" algn="ctr">
-                      <a:solidFill>
-                        <a:schemeClr val="bg1"/>
-                      </a:solidFill>
-                      <a:prstDash val="solid"/>
-                      <a:round/>
-                      <a:headEnd type="none" w="med" len="med"/>
-                      <a:tailEnd type="none" w="med" len="med"/>
-                    </a:lnT>
-                    <a:lnB w="12700" cap="flat" cmpd="sng" algn="ctr">
-                      <a:solidFill>
-                        <a:schemeClr val="bg1"/>
-                      </a:solidFill>
-                      <a:prstDash val="solid"/>
-                      <a:round/>
-                      <a:headEnd type="none" w="med" len="med"/>
-                      <a:tailEnd type="none" w="med" len="med"/>
-                    </a:lnB>
-                  </a:tcPr>
-                </a:tc>
-                <a:extLst>
-                  <a:ext uri="{0D108BD9-81ED-4DB2-BD59-A6C34878D82A}">
-                    <a16:rowId xmlns:a16="http://schemas.microsoft.com/office/drawing/2014/main" val="10010"/>
+                    <a16:rowId xmlns:a16="http://schemas.microsoft.com/office/drawing/2014/main" xmlns="" val="10008"/>
                   </a:ext>
                 </a:extLst>
               </a:tr>
@@ -28811,7 +30375,7 @@
     </p:spTree>
     <p:extLst>
       <p:ext uri="{BB962C8B-B14F-4D97-AF65-F5344CB8AC3E}">
-        <p14:creationId xmlns:p14="http://schemas.microsoft.com/office/powerpoint/2010/main" val="1673972705"/>
+        <p14:creationId xmlns:p14="http://schemas.microsoft.com/office/powerpoint/2010/main" val="2611763132"/>
       </p:ext>
     </p:extLst>
   </p:cSld>

--- a/slide/evfs_talk.pptx
+++ b/slide/evfs_talk.pptx
@@ -5,7 +5,7 @@
     <p:sldMasterId id="2147483660" r:id="rId1"/>
   </p:sldMasterIdLst>
   <p:notesMasterIdLst>
-    <p:notesMasterId r:id="rId34"/>
+    <p:notesMasterId r:id="rId30"/>
   </p:notesMasterIdLst>
   <p:sldIdLst>
     <p:sldId id="256" r:id="rId2"/>
@@ -36,10 +36,6 @@
     <p:sldId id="370" r:id="rId27"/>
     <p:sldId id="332" r:id="rId28"/>
     <p:sldId id="347" r:id="rId29"/>
-    <p:sldId id="361" r:id="rId30"/>
-    <p:sldId id="362" r:id="rId31"/>
-    <p:sldId id="363" r:id="rId32"/>
-    <p:sldId id="364" r:id="rId33"/>
   </p:sldIdLst>
   <p:sldSz cx="12192000" cy="6858000"/>
   <p:notesSz cx="6858000" cy="9144000"/>
@@ -171,10 +167,6 @@
             <p14:sldId id="370"/>
             <p14:sldId id="332"/>
             <p14:sldId id="347"/>
-            <p14:sldId id="361"/>
-            <p14:sldId id="362"/>
-            <p14:sldId id="363"/>
-            <p14:sldId id="364"/>
           </p14:sldIdLst>
         </p14:section>
       </p14:sectionLst>
@@ -402,11 +394,11 @@
         </c:dLbls>
         <c:marker val="1"/>
         <c:smooth val="0"/>
-        <c:axId val="-542709312"/>
-        <c:axId val="-542708224"/>
+        <c:axId val="-1049889904"/>
+        <c:axId val="-1049882832"/>
       </c:lineChart>
       <c:catAx>
-        <c:axId val="-542709312"/>
+        <c:axId val="-1049889904"/>
         <c:scaling>
           <c:orientation val="minMax"/>
         </c:scaling>
@@ -507,7 +499,7 @@
             <a:endParaRPr lang="en-US"/>
           </a:p>
         </c:txPr>
-        <c:crossAx val="-542708224"/>
+        <c:crossAx val="-1049882832"/>
         <c:crosses val="autoZero"/>
         <c:auto val="0"/>
         <c:lblAlgn val="ctr"/>
@@ -515,7 +507,7 @@
         <c:noMultiLvlLbl val="0"/>
       </c:catAx>
       <c:valAx>
-        <c:axId val="-542708224"/>
+        <c:axId val="-1049882832"/>
         <c:scaling>
           <c:logBase val="4"/>
           <c:orientation val="minMax"/>
@@ -558,6 +550,7 @@
               </a:p>
             </c:rich>
           </c:tx>
+          <c:layout/>
           <c:overlay val="0"/>
           <c:spPr>
             <a:noFill/>
@@ -612,7 +605,7 @@
             <a:endParaRPr lang="en-US"/>
           </a:p>
         </c:txPr>
-        <c:crossAx val="-542709312"/>
+        <c:crossAx val="-1049889904"/>
         <c:crosses val="autoZero"/>
         <c:crossBetween val="between"/>
       </c:valAx>
@@ -1337,7 +1330,7 @@
           <a:p>
             <a:fld id="{F368C5AD-71DD-4EC0-A413-C51DC95DD2ED}" type="datetimeFigureOut">
               <a:rPr lang="en-CA" smtClean="0"/>
-              <a:t>2018-07-04</a:t>
+              <a:t>2018-07-08</a:t>
             </a:fld>
             <a:endParaRPr lang="en-CA"/>
           </a:p>
@@ -1889,51 +1882,11 @@
           <a:p>
             <a:r>
               <a:rPr lang="en-CA" dirty="0" smtClean="0"/>
-              <a:t>Our </a:t>
-            </a:r>
-            <a:r>
-              <a:rPr lang="en-CA" dirty="0" smtClean="0"/>
-              <a:t>journaling implementation is a variable-sized redo log with a</a:t>
+              <a:t>Our journaling implementation is a variable-sized redo log with a</a:t>
             </a:r>
             <a:r>
               <a:rPr lang="en-CA" baseline="0" dirty="0" smtClean="0"/>
-              <a:t> novel approach. We place the journal in the free space that is not used by either the old or the new file system </a:t>
-            </a:r>
-            <a:r>
-              <a:rPr lang="en-CA" baseline="0" dirty="0" smtClean="0"/>
-              <a:t>state. </a:t>
-            </a:r>
-            <a:r>
-              <a:rPr lang="en-CA" baseline="0" dirty="0" smtClean="0"/>
-              <a:t>This enables recovery since the space used by the journal would not be overwritten by the new file </a:t>
-            </a:r>
-            <a:r>
-              <a:rPr lang="en-CA" baseline="0" dirty="0" smtClean="0"/>
-              <a:t>system state. </a:t>
-            </a:r>
-            <a:r>
-              <a:rPr lang="en-CA" baseline="0" dirty="0" smtClean="0"/>
-              <a:t>If at any point </a:t>
-            </a:r>
-            <a:r>
-              <a:rPr lang="en-CA" baseline="0" dirty="0" smtClean="0"/>
-              <a:t>we </a:t>
-            </a:r>
-            <a:r>
-              <a:rPr lang="en-CA" baseline="0" dirty="0" smtClean="0"/>
-              <a:t>run out of free space, then we abort </a:t>
-            </a:r>
-            <a:r>
-              <a:rPr lang="en-CA" baseline="0" dirty="0" smtClean="0"/>
-              <a:t>the transaction and </a:t>
-            </a:r>
-            <a:r>
-              <a:rPr lang="en-CA" baseline="0" dirty="0" smtClean="0"/>
-              <a:t>the old file system is left untouched. </a:t>
-            </a:r>
-            <a:r>
-              <a:rPr lang="en-CA" baseline="0" dirty="0" smtClean="0"/>
-              <a:t>This journaling code is written in 1350 lines of code. Now, we will show you the journaling operations and our novel optimization to reduce the total number of blocks journaled.</a:t>
+              <a:t> novel approach. We place the journal in the free space that is not used by either the old or the new file system state. This enables recovery since the space used by the journal would not be overwritten by the new file system state. If at any point we run out of free space, then we abort the transaction and the old file system is left untouched. This journaling code is written in 1350 lines of code. Now, we will show you the journaling operations and our novel optimization to reduce the total number of blocks journaled.</a:t>
             </a:r>
           </a:p>
         </p:txBody>
@@ -2744,11 +2697,7 @@
             </a:r>
             <a:r>
               <a:rPr lang="en-CA" baseline="0" dirty="0" smtClean="0"/>
-              <a:t>. </a:t>
-            </a:r>
-            <a:r>
-              <a:rPr lang="en-CA" baseline="0" dirty="0" smtClean="0"/>
-              <a:t>Currently, our </a:t>
+              <a:t>. Currently, our </a:t>
             </a:r>
             <a:r>
               <a:rPr lang="en-CA" baseline="0" dirty="0" err="1" smtClean="0"/>
@@ -2801,7 +2750,6 @@
               <a:rPr lang="en-CA" baseline="0" dirty="0" smtClean="0"/>
               <a:t> to ext4 will result in a copy of the snapshot being made. </a:t>
             </a:r>
-            <a:endParaRPr lang="en-CA" baseline="0" dirty="0" smtClean="0"/>
           </a:p>
           <a:p>
             <a:pPr marL="0" marR="0" indent="0" algn="l" defTabSz="914400" rtl="0" eaLnBrk="1" fontAlgn="auto" latinLnBrk="0" hangingPunct="1">
@@ -2952,7 +2900,15 @@
             </a:r>
             <a:r>
               <a:rPr lang="en-CA" baseline="0" dirty="0" smtClean="0"/>
-              <a:t> applications are used by system administrators to maintain and optimize their file systems. For example, a defragmentation tool rearranges physical blocks used by files into contiguous extents to optimize read and write performance. A resizing tool helps with changing the size of a file system. A garbage collector helps reclaim space used by stale file system metadata and data, and is critical to the usability of log-structured and copy-on-write file systems. A file-system aware scrubber reduces the overhead of detecting and correcting data corruption. Similarly, a file system upgrade tool can upgrade a file system without reformatting the disk.</a:t>
+              <a:t> applications are used by system administrators to </a:t>
+            </a:r>
+            <a:r>
+              <a:rPr lang="en-CA" baseline="0" dirty="0" smtClean="0"/>
+              <a:t>maintain, optimize, and administer </a:t>
+            </a:r>
+            <a:r>
+              <a:rPr lang="en-CA" baseline="0" dirty="0" smtClean="0"/>
+              <a:t>their file systems. For example, a defragmentation tool rearranges physical blocks used by files into contiguous extents to optimize read and write performance. A resizing tool helps with changing the size of a file system. A garbage collector helps reclaim space used by stale file system metadata and data, and is critical to the usability of log-structured and copy-on-write file systems. A file-system aware scrubber reduces the overhead of detecting and correcting data corruption. Similarly, a file system upgrade tool can upgrade a file system without reformatting the disk.</a:t>
             </a:r>
             <a:endParaRPr lang="en-CA" dirty="0" smtClean="0"/>
           </a:p>
@@ -3121,23 +3077,7 @@
             </a:r>
             <a:r>
               <a:rPr lang="en-CA" baseline="0" dirty="0" smtClean="0"/>
-              <a:t> open the device for reading and writing. On line 1, we open the existing file system as read only. On the next line, we open the same device, except this time as an unformatted device. Next, we start a transaction on the new file system, which activates journaling, and allows the conversion process to be crash consistent in the event of power failures. </a:t>
-            </a:r>
-            <a:r>
-              <a:rPr lang="en-CA" baseline="0" dirty="0" smtClean="0"/>
-              <a:t>On </a:t>
-            </a:r>
-            <a:r>
-              <a:rPr lang="en-CA" baseline="0" dirty="0" smtClean="0"/>
-              <a:t>line 4, we begin the conversion by creating a new file system on disk. Note that since the transaction is journaled, no overwrite of the existing file </a:t>
-            </a:r>
-            <a:r>
-              <a:rPr lang="en-CA" baseline="0" dirty="0" smtClean="0"/>
-              <a:t>system </a:t>
-            </a:r>
-            <a:r>
-              <a:rPr lang="en-CA" baseline="0" dirty="0" smtClean="0"/>
-              <a:t>will occur until the transaction commits. On line 5, we iterate through all </a:t>
+              <a:t> open the device for reading and writing. On line 1, we open the existing file system as read only. On the next line, we open the same device, except this time as an unformatted device. Next, we start a transaction on the new file system, which activates journaling, and allows the conversion process to be crash consistent in the event of power failures. On line 4, we begin the conversion by creating a new file system on disk. Note that since the transaction is journaled, no overwrite of the existing file system will occur until the transaction commits. On line 5, we iterate through all </a:t>
             </a:r>
             <a:r>
               <a:rPr lang="en-CA" baseline="0" dirty="0" err="1" smtClean="0"/>
@@ -3249,15 +3189,7 @@
           <a:p>
             <a:r>
               <a:rPr lang="en-CA" dirty="0" smtClean="0"/>
-              <a:t>process </a:t>
-            </a:r>
-            <a:r>
-              <a:rPr lang="en-CA" dirty="0" smtClean="0"/>
-              <a:t>regular </a:t>
-            </a:r>
-            <a:r>
-              <a:rPr lang="en-CA" dirty="0" smtClean="0"/>
-              <a:t>file can do one of two things when recreating the associated metadata for</a:t>
+              <a:t>process regular file can do one of two things when recreating the associated metadata for</a:t>
             </a:r>
             <a:r>
               <a:rPr lang="en-CA" baseline="0" dirty="0" smtClean="0"/>
@@ -3291,11 +3223,7 @@
             </a:r>
             <a:r>
               <a:rPr lang="en-CA" baseline="0" dirty="0" smtClean="0"/>
-              <a:t> </a:t>
-            </a:r>
-            <a:r>
-              <a:rPr lang="en-CA" baseline="0" dirty="0" smtClean="0"/>
-              <a:t>through all the extents mapped to the </a:t>
+              <a:t> through all the extents mapped to the </a:t>
             </a:r>
             <a:r>
               <a:rPr lang="en-CA" baseline="0" dirty="0" err="1" smtClean="0"/>
@@ -3303,31 +3231,7 @@
             </a:r>
             <a:r>
               <a:rPr lang="en-CA" baseline="0" dirty="0" smtClean="0"/>
-              <a:t> and recreates it on the </a:t>
-            </a:r>
-            <a:r>
-              <a:rPr lang="en-CA" baseline="0" dirty="0" smtClean="0"/>
-              <a:t>destination </a:t>
-            </a:r>
-            <a:r>
-              <a:rPr lang="en-CA" baseline="0" dirty="0" smtClean="0"/>
-              <a:t>file system. It does so by first allocating the extents on the </a:t>
-            </a:r>
-            <a:r>
-              <a:rPr lang="en-CA" baseline="0" dirty="0" smtClean="0"/>
-              <a:t>destination file system without changing the original content, </a:t>
-            </a:r>
-            <a:r>
-              <a:rPr lang="en-CA" baseline="0" dirty="0" smtClean="0"/>
-              <a:t>as shown on line </a:t>
-            </a:r>
-            <a:r>
-              <a:rPr lang="en-CA" baseline="0" dirty="0" smtClean="0"/>
-              <a:t>4, </a:t>
-            </a:r>
-            <a:r>
-              <a:rPr lang="en-CA" baseline="0" dirty="0" smtClean="0"/>
-              <a:t>and then recreate the mapping of each extent to the new </a:t>
+              <a:t> and recreates it on the destination file system. It does so by first allocating the extents on the destination file system without changing the original content, as shown on line 4, and then recreate the mapping of each extent to the new </a:t>
             </a:r>
             <a:r>
               <a:rPr lang="en-CA" baseline="0" dirty="0" err="1" smtClean="0"/>
@@ -3335,15 +3239,7 @@
             </a:r>
             <a:r>
               <a:rPr lang="en-CA" baseline="0" dirty="0" smtClean="0"/>
-              <a:t>, as shown on line </a:t>
-            </a:r>
-            <a:r>
-              <a:rPr lang="en-CA" baseline="0" dirty="0" smtClean="0"/>
-              <a:t>5. </a:t>
-            </a:r>
-            <a:r>
-              <a:rPr lang="en-CA" baseline="0" dirty="0" smtClean="0"/>
-              <a:t>Similar process occurs for recreating directory entries and symbolic links, using the </a:t>
+              <a:t>, as shown on line 5. Similar process occurs for recreating directory entries and symbolic links, using the </a:t>
             </a:r>
             <a:r>
               <a:rPr lang="en-CA" baseline="0" dirty="0" err="1" smtClean="0"/>
@@ -3359,11 +3255,7 @@
             </a:r>
             <a:r>
               <a:rPr lang="en-CA" baseline="0" dirty="0" smtClean="0"/>
-              <a:t> as described earlier. </a:t>
-            </a:r>
-            <a:r>
-              <a:rPr lang="en-CA" baseline="0" dirty="0" smtClean="0"/>
-              <a:t>Next, we’ll discuss our implementation of the journal.</a:t>
+              <a:t> as described earlier. Next, we’ll discuss our implementation of the journal.</a:t>
             </a:r>
             <a:endParaRPr lang="en-CA" dirty="0"/>
           </a:p>
@@ -3455,87 +3347,7 @@
             </a:r>
             <a:r>
               <a:rPr lang="en-CA" baseline="0" dirty="0" smtClean="0"/>
-              <a:t> consistency to the </a:t>
-            </a:r>
-            <a:r>
-              <a:rPr lang="en-CA" baseline="0" dirty="0" smtClean="0"/>
-              <a:t>conversion. </a:t>
-            </a:r>
-            <a:r>
-              <a:rPr lang="en-CA" baseline="0" dirty="0" smtClean="0"/>
-              <a:t>During our evaluation, we find that our journaling implementation has a small overhead of at most 20%, which is a small price to pay considering the danger of data loss during file system conversion. </a:t>
-            </a:r>
-            <a:r>
-              <a:rPr lang="en-CA" baseline="0" dirty="0" smtClean="0"/>
-              <a:t>Coincidentally, </a:t>
-            </a:r>
-            <a:r>
-              <a:rPr lang="en-CA" baseline="0" dirty="0" smtClean="0"/>
-              <a:t>this also reduces the memory overhead of the conversion tool. When journaling is enabled, we are able to read the </a:t>
-            </a:r>
-            <a:r>
-              <a:rPr lang="en-CA" baseline="0" dirty="0" smtClean="0"/>
-              <a:t>source </a:t>
-            </a:r>
-            <a:r>
-              <a:rPr lang="en-CA" baseline="0" dirty="0" smtClean="0"/>
-              <a:t>file system while writing the </a:t>
-            </a:r>
-            <a:r>
-              <a:rPr lang="en-CA" baseline="0" dirty="0" smtClean="0"/>
-              <a:t>destination </a:t>
-            </a:r>
-            <a:r>
-              <a:rPr lang="en-CA" baseline="0" dirty="0" smtClean="0"/>
-              <a:t>file system since before the transaction is committed, the </a:t>
-            </a:r>
-            <a:r>
-              <a:rPr lang="en-CA" baseline="0" dirty="0" smtClean="0"/>
-              <a:t>source </a:t>
-            </a:r>
-            <a:r>
-              <a:rPr lang="en-CA" baseline="0" dirty="0" smtClean="0"/>
-              <a:t>file system is still intact and not overwritten. However, without journaling, the </a:t>
-            </a:r>
-            <a:r>
-              <a:rPr lang="en-CA" baseline="0" dirty="0" smtClean="0"/>
-              <a:t>source </a:t>
-            </a:r>
-            <a:r>
-              <a:rPr lang="en-CA" baseline="0" dirty="0" smtClean="0"/>
-              <a:t>file </a:t>
-            </a:r>
-            <a:r>
-              <a:rPr lang="en-CA" baseline="0" dirty="0" smtClean="0"/>
-              <a:t>system </a:t>
-            </a:r>
-            <a:r>
-              <a:rPr lang="en-CA" baseline="0" dirty="0" smtClean="0"/>
-              <a:t>may be overwritten by the </a:t>
-            </a:r>
-            <a:r>
-              <a:rPr lang="en-CA" baseline="0" dirty="0" smtClean="0"/>
-              <a:t>destination </a:t>
-            </a:r>
-            <a:r>
-              <a:rPr lang="en-CA" baseline="0" dirty="0" smtClean="0"/>
-              <a:t>file system and therefore our previous version of the conversion tool had to read the entire </a:t>
-            </a:r>
-            <a:r>
-              <a:rPr lang="en-CA" baseline="0" dirty="0" smtClean="0"/>
-              <a:t>source </a:t>
-            </a:r>
-            <a:r>
-              <a:rPr lang="en-CA" baseline="0" dirty="0" smtClean="0"/>
-              <a:t>file system metadata into memory before writing out the </a:t>
-            </a:r>
-            <a:r>
-              <a:rPr lang="en-CA" baseline="0" dirty="0" smtClean="0"/>
-              <a:t>destination </a:t>
-            </a:r>
-            <a:r>
-              <a:rPr lang="en-CA" baseline="0" dirty="0" smtClean="0"/>
-              <a:t>file system, which would require excessive an amount of memory for very large file systems.</a:t>
+              <a:t> consistency to the conversion. During our evaluation, we find that our journaling implementation has a small overhead of at most 20%, which is a small price to pay considering the danger of data loss during file system conversion. Coincidentally, this also reduces the memory overhead of the conversion tool. When journaling is enabled, we are able to read the source file system while writing the destination file system since before the transaction is committed, the source file system is still intact and not overwritten. However, without journaling, the source file system may be overwritten by the destination file system and therefore our previous version of the conversion tool had to read the entire source file system metadata into memory before writing out the destination file system, which would require excessive an amount of memory for very large file systems.</a:t>
             </a:r>
             <a:endParaRPr lang="en-CA" dirty="0"/>
           </a:p>
@@ -3635,11 +3447,7 @@
             </a:r>
             <a:r>
               <a:rPr lang="en-CA" baseline="0" dirty="0" smtClean="0"/>
-              <a:t>, making it still </a:t>
-            </a:r>
-            <a:r>
-              <a:rPr lang="en-CA" baseline="0" dirty="0" smtClean="0"/>
-              <a:t>file system specific. Therefore, we arrived at </a:t>
+              <a:t>, making it still file system specific. Therefore, we arrived at </a:t>
             </a:r>
             <a:r>
               <a:rPr lang="en-CA" baseline="0" dirty="0" err="1" smtClean="0"/>
@@ -3927,23 +3735,7 @@
             </a:r>
             <a:r>
               <a:rPr lang="en-CA" baseline="0" dirty="0" smtClean="0"/>
-              <a:t> is for offline use only, which </a:t>
-            </a:r>
-            <a:r>
-              <a:rPr lang="en-CA" baseline="0" dirty="0" smtClean="0"/>
-              <a:t>has exclusive </a:t>
-            </a:r>
-            <a:r>
-              <a:rPr lang="en-CA" baseline="0" dirty="0" smtClean="0"/>
-              <a:t>access to the file </a:t>
-            </a:r>
-            <a:r>
-              <a:rPr lang="en-CA" baseline="0" dirty="0" smtClean="0"/>
-              <a:t>system and does not have to deal with concurrency. </a:t>
-            </a:r>
-            <a:r>
-              <a:rPr lang="en-CA" baseline="0" dirty="0" smtClean="0"/>
-              <a:t>We wish to implement the API for online use, while the file system is mounted and in use by other existing VFS applications. Our goal is to provide transactional support for </a:t>
+              <a:t> is for offline use only, which has exclusive access to the file system and does not have to deal with concurrency. We wish to implement the API for online use, while the file system is mounted and in use by other existing VFS applications. Our goal is to provide transactional support for </a:t>
             </a:r>
             <a:r>
               <a:rPr lang="en-CA" baseline="0" dirty="0" err="1" smtClean="0"/>
@@ -4279,17 +4071,8 @@
             </a:r>
             <a:r>
               <a:rPr lang="en-CA" baseline="0" dirty="0" smtClean="0"/>
-              <a:t>file </a:t>
-            </a:r>
-            <a:r>
-              <a:rPr lang="en-CA" baseline="0" dirty="0" smtClean="0"/>
-              <a:t>into larger, contiguous extents</a:t>
-            </a:r>
-            <a:r>
-              <a:rPr lang="en-CA" baseline="0" dirty="0" smtClean="0"/>
-              <a:t>.</a:t>
-            </a:r>
-            <a:endParaRPr lang="en-CA" baseline="0" dirty="0" smtClean="0"/>
+              <a:t>file into larger, contiguous extents.</a:t>
+            </a:r>
           </a:p>
           <a:p>
             <a:pPr marL="0" marR="0" indent="0" algn="l" defTabSz="914400" rtl="0" eaLnBrk="1" fontAlgn="auto" latinLnBrk="0" hangingPunct="1">
@@ -4777,11 +4560,7 @@
             </a:pPr>
             <a:r>
               <a:rPr lang="en-CA" baseline="0" dirty="0" smtClean="0"/>
-              <a:t>As </a:t>
-            </a:r>
-            <a:r>
-              <a:rPr lang="en-CA" baseline="0" dirty="0" smtClean="0"/>
-              <a:t>we have seen, it is hard to define a generic API based on individual file system structures. Instead, we design an API based on low-level file system abstractions. Our insight is that file system management applications operate on common file system objects, for example, blocks, </a:t>
+              <a:t>As we have seen, it is hard to define a generic API based on individual file system structures. Instead, we design an API based on low-level file system abstractions. Our insight is that file system management applications operate on common file system objects, for example, blocks, </a:t>
             </a:r>
             <a:r>
               <a:rPr lang="en-CA" baseline="0" dirty="0" err="1" smtClean="0"/>
@@ -4928,11 +4707,7 @@
             </a:r>
             <a:r>
               <a:rPr lang="en-CA" baseline="0" dirty="0" smtClean="0"/>
-              <a:t> as splitting the VFS into fine-grained operations</a:t>
-            </a:r>
-            <a:r>
-              <a:rPr lang="en-CA" baseline="0" dirty="0" smtClean="0"/>
-              <a:t>.</a:t>
+              <a:t> as splitting the VFS into fine-grained operations.</a:t>
             </a:r>
           </a:p>
           <a:p>
@@ -5021,15 +4796,7 @@
             </a:r>
             <a:r>
               <a:rPr lang="en-CA" baseline="0" dirty="0" smtClean="0"/>
-              <a:t> also provide support for </a:t>
-            </a:r>
-            <a:r>
-              <a:rPr lang="en-CA" baseline="0" dirty="0" smtClean="0"/>
-              <a:t>iterating through a list of extents that are currently free in the file system. This function allows applications to make smart decisions such as whether to start garbage collection. Last, we support file systems with copy-on-write semantics by </a:t>
-            </a:r>
-            <a:r>
-              <a:rPr lang="en-CA" baseline="0" dirty="0" smtClean="0"/>
-              <a:t>exposing the reverse mapping of an extent to all the </a:t>
+              <a:t> also provide support for iterating through a list of extents that are currently free in the file system. This function allows applications to make smart decisions such as whether to start garbage collection. Last, we support file systems with copy-on-write semantics by exposing the reverse mapping of an extent to all the </a:t>
             </a:r>
             <a:r>
               <a:rPr lang="en-CA" baseline="0" dirty="0" err="1" smtClean="0"/>
@@ -5073,11 +4840,7 @@
             </a:r>
             <a:r>
               <a:rPr lang="en-CA" baseline="0" dirty="0" smtClean="0"/>
-              <a:t> </a:t>
-            </a:r>
-            <a:r>
-              <a:rPr lang="en-CA" baseline="0" dirty="0" smtClean="0"/>
-              <a:t>structures, such as allocating and freeing an </a:t>
+              <a:t> structures, such as allocating and freeing an </a:t>
             </a:r>
             <a:r>
               <a:rPr lang="en-CA" baseline="0" dirty="0" err="1" smtClean="0"/>
@@ -5109,11 +4872,7 @@
             </a:r>
             <a:r>
               <a:rPr lang="en-CA" baseline="0" dirty="0" smtClean="0"/>
-              <a:t>, compressed, or encrypted </a:t>
-            </a:r>
-            <a:r>
-              <a:rPr lang="en-CA" baseline="0" dirty="0" smtClean="0"/>
-              <a:t>data. </a:t>
+              <a:t>, compressed, or encrypted data. </a:t>
             </a:r>
             <a:r>
               <a:rPr lang="en-CA" baseline="0" dirty="0" err="1" smtClean="0"/>
@@ -5129,11 +4888,7 @@
             </a:r>
             <a:r>
               <a:rPr lang="en-CA" baseline="0" dirty="0" smtClean="0"/>
-              <a:t> also support iterating </a:t>
-            </a:r>
-            <a:r>
-              <a:rPr lang="en-CA" baseline="0" dirty="0" smtClean="0"/>
-              <a:t>through all allocated </a:t>
+              <a:t> also support iterating through all allocated </a:t>
             </a:r>
             <a:r>
               <a:rPr lang="en-CA" baseline="0" dirty="0" err="1" smtClean="0"/>
@@ -5283,11 +5038,7 @@
             </a:r>
             <a:r>
               <a:rPr lang="en-CA" dirty="0" smtClean="0"/>
-              <a:t> </a:t>
-            </a:r>
-            <a:r>
-              <a:rPr lang="en-CA" dirty="0" smtClean="0"/>
-              <a:t>also</a:t>
+              <a:t> also</a:t>
             </a:r>
             <a:r>
               <a:rPr lang="en-CA" baseline="0" dirty="0" smtClean="0"/>
@@ -5544,7 +5295,7 @@
           <a:p>
             <a:fld id="{0145D206-3748-4927-8C33-DF34FC1F64AB}" type="datetime1">
               <a:rPr lang="en-CA" smtClean="0"/>
-              <a:t>2018-07-04</a:t>
+              <a:t>2018-07-08</a:t>
             </a:fld>
             <a:endParaRPr lang="en-CA"/>
           </a:p>
@@ -5995,7 +5746,7 @@
           <a:p>
             <a:fld id="{C89DCB4F-0D89-4D46-BA02-4EEC06F0D222}" type="datetime1">
               <a:rPr lang="en-CA" smtClean="0"/>
-              <a:t>2018-07-04</a:t>
+              <a:t>2018-07-08</a:t>
             </a:fld>
             <a:endParaRPr lang="en-CA"/>
           </a:p>
@@ -6245,7 +5996,7 @@
           <a:p>
             <a:fld id="{FC2696F7-A71E-484D-AC3A-CE094204994B}" type="datetime1">
               <a:rPr lang="en-CA" smtClean="0"/>
-              <a:t>2018-07-04</a:t>
+              <a:t>2018-07-08</a:t>
             </a:fld>
             <a:endParaRPr lang="en-CA"/>
           </a:p>
@@ -6553,7 +6304,7 @@
           <a:p>
             <a:fld id="{FF2026A3-D9E4-42EE-8898-5602D67646A6}" type="datetime1">
               <a:rPr lang="en-CA" smtClean="0"/>
-              <a:t>2018-07-04</a:t>
+              <a:t>2018-07-08</a:t>
             </a:fld>
             <a:endParaRPr lang="en-CA"/>
           </a:p>
@@ -6871,7 +6622,7 @@
           <a:p>
             <a:fld id="{382851CE-B33E-4D8E-B913-47C489FB1326}" type="datetime1">
               <a:rPr lang="en-CA" smtClean="0"/>
-              <a:t>2018-07-04</a:t>
+              <a:t>2018-07-08</a:t>
             </a:fld>
             <a:endParaRPr lang="en-CA"/>
           </a:p>
@@ -7173,7 +6924,7 @@
           <a:p>
             <a:fld id="{D0249205-445A-4022-8550-E0423D1698F6}" type="datetime1">
               <a:rPr lang="en-CA" smtClean="0"/>
-              <a:t>2018-07-04</a:t>
+              <a:t>2018-07-08</a:t>
             </a:fld>
             <a:endParaRPr lang="en-CA"/>
           </a:p>
@@ -7540,7 +7291,7 @@
           <a:p>
             <a:fld id="{4928CFC7-231B-411E-A147-D21C0786264A}" type="datetime1">
               <a:rPr lang="en-CA" smtClean="0"/>
-              <a:t>2018-07-04</a:t>
+              <a:t>2018-07-08</a:t>
             </a:fld>
             <a:endParaRPr lang="en-CA"/>
           </a:p>
@@ -7714,7 +7465,7 @@
           <a:p>
             <a:fld id="{EE4A103E-C7C6-4893-8576-55DC8ED846C7}" type="datetime1">
               <a:rPr lang="en-CA" smtClean="0"/>
-              <a:t>2018-07-04</a:t>
+              <a:t>2018-07-08</a:t>
             </a:fld>
             <a:endParaRPr lang="en-CA"/>
           </a:p>
@@ -7894,7 +7645,7 @@
           <a:p>
             <a:fld id="{E79FAEEE-621B-4F9D-B0C9-9282EED4D31D}" type="datetime1">
               <a:rPr lang="en-CA" smtClean="0"/>
-              <a:t>2018-07-04</a:t>
+              <a:t>2018-07-08</a:t>
             </a:fld>
             <a:endParaRPr lang="en-CA"/>
           </a:p>
@@ -8098,7 +7849,7 @@
           <a:p>
             <a:fld id="{D6AD7D9F-39FD-4B95-A4F0-514D658B152C}" type="datetime1">
               <a:rPr lang="en-CA" smtClean="0"/>
-              <a:t>2018-07-04</a:t>
+              <a:t>2018-07-08</a:t>
             </a:fld>
             <a:endParaRPr lang="en-CA"/>
           </a:p>
@@ -8389,7 +8140,7 @@
             <a:fld id="{7D257ED4-7149-4100-B966-397E56D6DA55}" type="datetime1">
               <a:rPr lang="en-CA" smtClean="0"/>
               <a:pPr/>
-              <a:t>2018-07-04</a:t>
+              <a:t>2018-07-08</a:t>
             </a:fld>
             <a:endParaRPr lang="en-CA"/>
           </a:p>
@@ -8832,7 +8583,7 @@
           <a:p>
             <a:fld id="{9ACE3152-893D-476F-92C8-DC87664CFA37}" type="datetime1">
               <a:rPr lang="en-CA" smtClean="0"/>
-              <a:t>2018-07-04</a:t>
+              <a:t>2018-07-08</a:t>
             </a:fld>
             <a:endParaRPr lang="en-CA"/>
           </a:p>
@@ -9214,7 +8965,7 @@
           <a:p>
             <a:fld id="{CB2930E9-C17A-4D90-BAE8-42423BBE919E}" type="datetime1">
               <a:rPr lang="en-CA" smtClean="0"/>
-              <a:t>2018-07-04</a:t>
+              <a:t>2018-07-08</a:t>
             </a:fld>
             <a:endParaRPr lang="en-CA"/>
           </a:p>
@@ -9332,7 +9083,7 @@
           <a:p>
             <a:fld id="{32659AD7-8F94-4BFD-9315-264212F1BDBC}" type="datetime1">
               <a:rPr lang="en-CA" smtClean="0"/>
-              <a:t>2018-07-04</a:t>
+              <a:t>2018-07-08</a:t>
             </a:fld>
             <a:endParaRPr lang="en-CA"/>
           </a:p>
@@ -9427,7 +9178,7 @@
           <a:p>
             <a:fld id="{DA852F67-5290-4349-8ADA-9B77C8B30CA1}" type="datetime1">
               <a:rPr lang="en-CA" smtClean="0"/>
-              <a:t>2018-07-04</a:t>
+              <a:t>2018-07-08</a:t>
             </a:fld>
             <a:endParaRPr lang="en-CA"/>
           </a:p>
@@ -9682,7 +9433,7 @@
           <a:p>
             <a:fld id="{AAA9F9A6-54E7-4285-928E-6A5CE63E658D}" type="datetime1">
               <a:rPr lang="en-CA" smtClean="0"/>
-              <a:t>2018-07-04</a:t>
+              <a:t>2018-07-08</a:t>
             </a:fld>
             <a:endParaRPr lang="en-CA"/>
           </a:p>
@@ -9965,7 +9716,7 @@
           <a:p>
             <a:fld id="{6A9DADFC-E42D-4E18-8E7A-1F87E4DC64CF}" type="datetime1">
               <a:rPr lang="en-CA" smtClean="0"/>
-              <a:t>2018-07-04</a:t>
+              <a:t>2018-07-08</a:t>
             </a:fld>
             <a:endParaRPr lang="en-CA"/>
           </a:p>
@@ -10372,7 +10123,7 @@
           <a:p>
             <a:fld id="{1046A6BF-9417-477F-B83E-822B9F56EF48}" type="datetime1">
               <a:rPr lang="en-CA" smtClean="0"/>
-              <a:t>2018-07-04</a:t>
+              <a:t>2018-07-08</a:t>
             </a:fld>
             <a:endParaRPr lang="en-CA" dirty="0"/>
           </a:p>
@@ -11125,29 +10876,8 @@
             <a:pPr lvl="1"/>
             <a:r>
               <a:rPr lang="en-CA" dirty="0" smtClean="0"/>
-              <a:t>Robust parsing </a:t>
-            </a:r>
-            <a:r>
-              <a:rPr lang="en-CA" dirty="0" smtClean="0"/>
-              <a:t>and serialization </a:t>
-            </a:r>
-            <a:r>
-              <a:rPr lang="en-CA" dirty="0" smtClean="0"/>
-              <a:t>routines</a:t>
-            </a:r>
-            <a:r>
-              <a:rPr lang="en-CA" dirty="0" smtClean="0"/>
-              <a:t> </a:t>
-            </a:r>
-            <a:r>
-              <a:rPr lang="en-CA" dirty="0" smtClean="0"/>
-              <a:t>for </a:t>
-            </a:r>
-            <a:r>
-              <a:rPr lang="en-CA" dirty="0" smtClean="0"/>
-              <a:t>type-safe access</a:t>
-            </a:r>
-            <a:endParaRPr lang="en-CA" dirty="0" smtClean="0"/>
+              <a:t>Robust parsing and serialization routines for type-safe access</a:t>
+            </a:r>
           </a:p>
         </p:txBody>
       </p:sp>
@@ -11203,21 +10933,21 @@
                 <a:gridCol w="1521004">
                   <a:extLst>
                     <a:ext uri="{9D8B030D-6E8A-4147-A177-3AD203B41FA5}">
-                      <a16:colId xmlns:a16="http://schemas.microsoft.com/office/drawing/2014/main" xmlns="" val="20000"/>
+                      <a16:colId xmlns="" xmlns:a16="http://schemas.microsoft.com/office/drawing/2014/main" val="20000"/>
                     </a:ext>
                   </a:extLst>
                 </a:gridCol>
                 <a:gridCol w="2807594">
                   <a:extLst>
                     <a:ext uri="{9D8B030D-6E8A-4147-A177-3AD203B41FA5}">
-                      <a16:colId xmlns:a16="http://schemas.microsoft.com/office/drawing/2014/main" xmlns="" val="20001"/>
+                      <a16:colId xmlns="" xmlns:a16="http://schemas.microsoft.com/office/drawing/2014/main" val="20001"/>
                     </a:ext>
                   </a:extLst>
                 </a:gridCol>
                 <a:gridCol w="2640169">
                   <a:extLst>
                     <a:ext uri="{9D8B030D-6E8A-4147-A177-3AD203B41FA5}">
-                      <a16:colId xmlns:a16="http://schemas.microsoft.com/office/drawing/2014/main" xmlns="" val="20002"/>
+                      <a16:colId xmlns="" xmlns:a16="http://schemas.microsoft.com/office/drawing/2014/main" val="20002"/>
                     </a:ext>
                   </a:extLst>
                 </a:gridCol>
@@ -11342,7 +11072,7 @@
                 </a:tc>
                 <a:extLst>
                   <a:ext uri="{0D108BD9-81ED-4DB2-BD59-A6C34878D82A}">
-                    <a16:rowId xmlns:a16="http://schemas.microsoft.com/office/drawing/2014/main" xmlns="" val="10000"/>
+                    <a16:rowId xmlns="" xmlns:a16="http://schemas.microsoft.com/office/drawing/2014/main" val="10000"/>
                   </a:ext>
                 </a:extLst>
               </a:tr>
@@ -11537,7 +11267,7 @@
                 </a:tc>
                 <a:extLst>
                   <a:ext uri="{0D108BD9-81ED-4DB2-BD59-A6C34878D82A}">
-                    <a16:rowId xmlns:a16="http://schemas.microsoft.com/office/drawing/2014/main" xmlns="" val="10001"/>
+                    <a16:rowId xmlns="" xmlns:a16="http://schemas.microsoft.com/office/drawing/2014/main" val="10001"/>
                   </a:ext>
                 </a:extLst>
               </a:tr>
@@ -11724,7 +11454,7 @@
                 </a:tc>
                 <a:extLst>
                   <a:ext uri="{0D108BD9-81ED-4DB2-BD59-A6C34878D82A}">
-                    <a16:rowId xmlns:a16="http://schemas.microsoft.com/office/drawing/2014/main" xmlns="" val="10002"/>
+                    <a16:rowId xmlns="" xmlns:a16="http://schemas.microsoft.com/office/drawing/2014/main" val="10002"/>
                   </a:ext>
                 </a:extLst>
               </a:tr>
@@ -11911,7 +11641,7 @@
                 </a:tc>
                 <a:extLst>
                   <a:ext uri="{0D108BD9-81ED-4DB2-BD59-A6C34878D82A}">
-                    <a16:rowId xmlns:a16="http://schemas.microsoft.com/office/drawing/2014/main" xmlns="" val="10003"/>
+                    <a16:rowId xmlns="" xmlns:a16="http://schemas.microsoft.com/office/drawing/2014/main" val="10003"/>
                   </a:ext>
                 </a:extLst>
               </a:tr>
@@ -12098,7 +11828,7 @@
                 </a:tc>
                 <a:extLst>
                   <a:ext uri="{0D108BD9-81ED-4DB2-BD59-A6C34878D82A}">
-                    <a16:rowId xmlns:a16="http://schemas.microsoft.com/office/drawing/2014/main" xmlns="" val="10004"/>
+                    <a16:rowId xmlns="" xmlns:a16="http://schemas.microsoft.com/office/drawing/2014/main" val="10004"/>
                   </a:ext>
                 </a:extLst>
               </a:tr>
@@ -12195,7 +11925,11 @@
             <a:pPr lvl="1"/>
             <a:r>
               <a:rPr lang="en-CA" dirty="0" smtClean="0"/>
-              <a:t>Conversion aborts if journal runs out of free space</a:t>
+              <a:t>Transaction </a:t>
+            </a:r>
+            <a:r>
+              <a:rPr lang="en-CA" dirty="0" smtClean="0"/>
+              <a:t>aborts if journal runs out of free space</a:t>
             </a:r>
           </a:p>
           <a:p>
@@ -19023,15 +18757,11 @@
             </a:r>
             <a:r>
               <a:rPr lang="en-CA" dirty="0" smtClean="0"/>
-              <a:t>maintain </a:t>
+              <a:t>maintain, optimize, and administer </a:t>
             </a:r>
             <a:r>
               <a:rPr lang="en-CA" dirty="0" smtClean="0"/>
-              <a:t>and optimize their file </a:t>
-            </a:r>
-            <a:r>
-              <a:rPr lang="en-CA" dirty="0" smtClean="0"/>
-              <a:t>systems</a:t>
+              <a:t>their file systems</a:t>
             </a:r>
           </a:p>
           <a:p>
@@ -19039,7 +18769,6 @@
               <a:rPr lang="en-CA" dirty="0" smtClean="0"/>
               <a:t>Examples</a:t>
             </a:r>
-            <a:endParaRPr lang="en-CA" dirty="0" smtClean="0"/>
           </a:p>
           <a:p>
             <a:pPr lvl="1"/>
@@ -19096,7 +18825,6 @@
               <a:rPr lang="en-CA" dirty="0" smtClean="0"/>
               <a:t>Tool</a:t>
             </a:r>
-            <a:endParaRPr lang="en-CA" dirty="0" smtClean="0"/>
           </a:p>
           <a:p>
             <a:r>
@@ -23235,184 +22963,6 @@
 </p:sld>
 </file>
 
-<file path=ppt/slides/slide29.xml><?xml version="1.0" encoding="utf-8"?>
-<p:sld xmlns:a="http://schemas.openxmlformats.org/drawingml/2006/main" xmlns:r="http://schemas.openxmlformats.org/officeDocument/2006/relationships" xmlns:p="http://schemas.openxmlformats.org/presentationml/2006/main">
-  <p:cSld>
-    <p:spTree>
-      <p:nvGrpSpPr>
-        <p:cNvPr id="1" name=""/>
-        <p:cNvGrpSpPr/>
-        <p:nvPr/>
-      </p:nvGrpSpPr>
-      <p:grpSpPr>
-        <a:xfrm>
-          <a:off x="0" y="0"/>
-          <a:ext cx="0" cy="0"/>
-          <a:chOff x="0" y="0"/>
-          <a:chExt cx="0" cy="0"/>
-        </a:xfrm>
-      </p:grpSpPr>
-      <p:sp>
-        <p:nvSpPr>
-          <p:cNvPr id="2" name="Title 1"/>
-          <p:cNvSpPr>
-            <a:spLocks noGrp="1"/>
-          </p:cNvSpPr>
-          <p:nvPr>
-            <p:ph type="title"/>
-          </p:nvPr>
-        </p:nvSpPr>
-        <p:spPr/>
-        <p:txBody>
-          <a:bodyPr/>
-          <a:lstStyle/>
-          <a:p>
-            <a:r>
-              <a:rPr lang="en-CA" dirty="0" smtClean="0"/>
-              <a:t>Commit Word</a:t>
-            </a:r>
-            <a:endParaRPr lang="en-CA" dirty="0"/>
-          </a:p>
-        </p:txBody>
-      </p:sp>
-      <p:sp>
-        <p:nvSpPr>
-          <p:cNvPr id="4" name="Slide Number Placeholder 3"/>
-          <p:cNvSpPr>
-            <a:spLocks noGrp="1"/>
-          </p:cNvSpPr>
-          <p:nvPr>
-            <p:ph type="sldNum" sz="quarter" idx="12"/>
-          </p:nvPr>
-        </p:nvSpPr>
-        <p:spPr/>
-        <p:txBody>
-          <a:bodyPr/>
-          <a:lstStyle/>
-          <a:p>
-            <a:fld id="{7B2023C8-B124-43A9-8F92-0EEF5BAA9995}" type="slidenum">
-              <a:rPr lang="en-CA" smtClean="0"/>
-              <a:pPr/>
-              <a:t>29</a:t>
-            </a:fld>
-            <a:endParaRPr lang="en-CA" dirty="0"/>
-          </a:p>
-        </p:txBody>
-      </p:sp>
-      <p:sp>
-        <p:nvSpPr>
-          <p:cNvPr id="3" name="Content Placeholder 2"/>
-          <p:cNvSpPr>
-            <a:spLocks noGrp="1"/>
-          </p:cNvSpPr>
-          <p:nvPr>
-            <p:ph idx="1"/>
-          </p:nvPr>
-        </p:nvSpPr>
-        <p:spPr>
-          <a:xfrm>
-            <a:off x="684212" y="1515358"/>
-            <a:ext cx="7824598" cy="4656842"/>
-          </a:xfrm>
-        </p:spPr>
-        <p:txBody>
-          <a:bodyPr/>
-          <a:lstStyle/>
-          <a:p>
-            <a:r>
-              <a:rPr lang="en-CA" dirty="0" smtClean="0"/>
-              <a:t>Purpose</a:t>
-            </a:r>
-          </a:p>
-          <a:p>
-            <a:pPr lvl="1"/>
-            <a:r>
-              <a:rPr lang="en-CA" dirty="0" smtClean="0"/>
-              <a:t>To locate the journal on recovery</a:t>
-            </a:r>
-          </a:p>
-          <a:p>
-            <a:pPr lvl="1"/>
-            <a:r>
-              <a:rPr lang="en-CA" dirty="0" smtClean="0"/>
-              <a:t>Points to first journal descriptor block</a:t>
-            </a:r>
-          </a:p>
-          <a:p>
-            <a:r>
-              <a:rPr lang="en-CA" dirty="0" smtClean="0"/>
-              <a:t>Must be placed at fixed, known location</a:t>
-            </a:r>
-          </a:p>
-          <a:p>
-            <a:pPr lvl="1"/>
-            <a:r>
-              <a:rPr lang="en-CA" dirty="0" smtClean="0"/>
-              <a:t>Currently placed inside the MBR area</a:t>
-            </a:r>
-          </a:p>
-          <a:p>
-            <a:pPr lvl="2"/>
-            <a:r>
-              <a:rPr lang="en-CA" dirty="0" smtClean="0"/>
-              <a:t>Area unused if not boot partition</a:t>
-            </a:r>
-          </a:p>
-          <a:p>
-            <a:r>
-              <a:rPr lang="en-CA" dirty="0" smtClean="0"/>
-              <a:t>Written atomically to disk when transaction commits</a:t>
-            </a:r>
-          </a:p>
-          <a:p>
-            <a:pPr lvl="2"/>
-            <a:endParaRPr lang="en-CA" dirty="0"/>
-          </a:p>
-        </p:txBody>
-      </p:sp>
-      <p:pic>
-        <p:nvPicPr>
-          <p:cNvPr id="6" name="Content Placeholder 10"/>
-          <p:cNvPicPr>
-            <a:picLocks noChangeAspect="1"/>
-          </p:cNvPicPr>
-          <p:nvPr/>
-        </p:nvPicPr>
-        <p:blipFill>
-          <a:blip r:embed="rId2">
-            <a:extLst>
-              <a:ext uri="{28A0092B-C50C-407E-A947-70E740481C1C}">
-                <a14:useLocalDpi xmlns:a14="http://schemas.microsoft.com/office/drawing/2010/main" val="0"/>
-              </a:ext>
-            </a:extLst>
-          </a:blip>
-          <a:stretch>
-            <a:fillRect/>
-          </a:stretch>
-        </p:blipFill>
-        <p:spPr>
-          <a:xfrm>
-            <a:off x="8508809" y="1447640"/>
-            <a:ext cx="2461199" cy="4602005"/>
-          </a:xfrm>
-          <a:prstGeom prst="rect">
-            <a:avLst/>
-          </a:prstGeom>
-        </p:spPr>
-      </p:pic>
-    </p:spTree>
-    <p:extLst>
-      <p:ext uri="{BB962C8B-B14F-4D97-AF65-F5344CB8AC3E}">
-        <p14:creationId xmlns:p14="http://schemas.microsoft.com/office/powerpoint/2010/main" val="1260835470"/>
-      </p:ext>
-    </p:extLst>
-  </p:cSld>
-  <p:clrMapOvr>
-    <a:masterClrMapping/>
-  </p:clrMapOvr>
-</p:sld>
-</file>
-
 <file path=ppt/slides/slide3.xml><?xml version="1.0" encoding="utf-8"?>
 <p:sld xmlns:a="http://schemas.openxmlformats.org/drawingml/2006/main" xmlns:r="http://schemas.openxmlformats.org/officeDocument/2006/relationships" xmlns:p="http://schemas.openxmlformats.org/presentationml/2006/main">
   <p:cSld>
@@ -23489,11 +23039,7 @@
             <a:pPr lvl="1"/>
             <a:r>
               <a:rPr lang="en-CA" dirty="0" smtClean="0"/>
-              <a:t>E.g., a defragmentation tool moves extents of a fragmented </a:t>
-            </a:r>
-            <a:r>
-              <a:rPr lang="en-CA" dirty="0" smtClean="0"/>
-              <a:t>file</a:t>
+              <a:t>E.g., a defragmentation tool moves extents of a fragmented file</a:t>
             </a:r>
             <a:endParaRPr lang="en-CA" dirty="0"/>
           </a:p>
@@ -23576,493 +23122,6 @@
 </p:sld>
 </file>
 
-<file path=ppt/slides/slide30.xml><?xml version="1.0" encoding="utf-8"?>
-<p:sld xmlns:a="http://schemas.openxmlformats.org/drawingml/2006/main" xmlns:r="http://schemas.openxmlformats.org/officeDocument/2006/relationships" xmlns:p="http://schemas.openxmlformats.org/presentationml/2006/main">
-  <p:cSld>
-    <p:spTree>
-      <p:nvGrpSpPr>
-        <p:cNvPr id="1" name=""/>
-        <p:cNvGrpSpPr/>
-        <p:nvPr/>
-      </p:nvGrpSpPr>
-      <p:grpSpPr>
-        <a:xfrm>
-          <a:off x="0" y="0"/>
-          <a:ext cx="0" cy="0"/>
-          <a:chOff x="0" y="0"/>
-          <a:chExt cx="0" cy="0"/>
-        </a:xfrm>
-      </p:grpSpPr>
-      <p:sp>
-        <p:nvSpPr>
-          <p:cNvPr id="2" name="Title 1"/>
-          <p:cNvSpPr>
-            <a:spLocks noGrp="1"/>
-          </p:cNvSpPr>
-          <p:nvPr>
-            <p:ph type="title"/>
-          </p:nvPr>
-        </p:nvSpPr>
-        <p:spPr/>
-        <p:txBody>
-          <a:bodyPr/>
-          <a:lstStyle/>
-          <a:p>
-            <a:r>
-              <a:rPr lang="en-CA" dirty="0" smtClean="0"/>
-              <a:t>1. Write to Free Space</a:t>
-            </a:r>
-            <a:endParaRPr lang="en-CA" dirty="0"/>
-          </a:p>
-        </p:txBody>
-      </p:sp>
-      <p:sp>
-        <p:nvSpPr>
-          <p:cNvPr id="4" name="Slide Number Placeholder 3"/>
-          <p:cNvSpPr>
-            <a:spLocks noGrp="1"/>
-          </p:cNvSpPr>
-          <p:nvPr>
-            <p:ph type="sldNum" sz="quarter" idx="12"/>
-          </p:nvPr>
-        </p:nvSpPr>
-        <p:spPr/>
-        <p:txBody>
-          <a:bodyPr/>
-          <a:lstStyle/>
-          <a:p>
-            <a:fld id="{7B2023C8-B124-43A9-8F92-0EEF5BAA9995}" type="slidenum">
-              <a:rPr lang="en-CA" smtClean="0"/>
-              <a:pPr/>
-              <a:t>30</a:t>
-            </a:fld>
-            <a:endParaRPr lang="en-CA" dirty="0"/>
-          </a:p>
-        </p:txBody>
-      </p:sp>
-      <p:sp>
-        <p:nvSpPr>
-          <p:cNvPr id="3" name="Content Placeholder 2"/>
-          <p:cNvSpPr>
-            <a:spLocks noGrp="1"/>
-          </p:cNvSpPr>
-          <p:nvPr>
-            <p:ph idx="1"/>
-          </p:nvPr>
-        </p:nvSpPr>
-        <p:spPr>
-          <a:xfrm>
-            <a:off x="684212" y="1515358"/>
-            <a:ext cx="5909771" cy="4656842"/>
-          </a:xfrm>
-        </p:spPr>
-        <p:txBody>
-          <a:bodyPr/>
-          <a:lstStyle/>
-          <a:p>
-            <a:r>
-              <a:rPr lang="en-CA" dirty="0" smtClean="0"/>
-              <a:t>If write to free space, skip journaling</a:t>
-            </a:r>
-          </a:p>
-          <a:p>
-            <a:r>
-              <a:rPr lang="en-CA" dirty="0" smtClean="0"/>
-              <a:t>OK because no overwrite occurs</a:t>
-            </a:r>
-          </a:p>
-          <a:p>
-            <a:r>
-              <a:rPr lang="en-CA" dirty="0" smtClean="0"/>
-              <a:t>Journaling layer must </a:t>
-            </a:r>
-            <a:r>
-              <a:rPr lang="en-CA" dirty="0" err="1" smtClean="0"/>
-              <a:t>upcall</a:t>
-            </a:r>
-            <a:r>
-              <a:rPr lang="en-CA" dirty="0" smtClean="0"/>
-              <a:t> to the file system to know which blocks are free</a:t>
-            </a:r>
-          </a:p>
-          <a:p>
-            <a:r>
-              <a:rPr lang="en-CA" dirty="0" err="1" smtClean="0"/>
-              <a:t>eVFS</a:t>
-            </a:r>
-            <a:r>
-              <a:rPr lang="en-CA" dirty="0" smtClean="0"/>
-              <a:t> provides API for querying allocation status of blocks</a:t>
-            </a:r>
-            <a:endParaRPr lang="en-CA" dirty="0"/>
-          </a:p>
-        </p:txBody>
-      </p:sp>
-      <p:pic>
-        <p:nvPicPr>
-          <p:cNvPr id="6" name="Content Placeholder 4"/>
-          <p:cNvPicPr>
-            <a:picLocks noChangeAspect="1"/>
-          </p:cNvPicPr>
-          <p:nvPr/>
-        </p:nvPicPr>
-        <p:blipFill>
-          <a:blip r:embed="rId2">
-            <a:extLst>
-              <a:ext uri="{28A0092B-C50C-407E-A947-70E740481C1C}">
-                <a14:useLocalDpi xmlns:a14="http://schemas.microsoft.com/office/drawing/2010/main" val="0"/>
-              </a:ext>
-            </a:extLst>
-          </a:blip>
-          <a:stretch>
-            <a:fillRect/>
-          </a:stretch>
-        </p:blipFill>
-        <p:spPr>
-          <a:xfrm>
-            <a:off x="6774288" y="1515358"/>
-            <a:ext cx="4195721" cy="2636127"/>
-          </a:xfrm>
-          <a:prstGeom prst="rect">
-            <a:avLst/>
-          </a:prstGeom>
-        </p:spPr>
-      </p:pic>
-    </p:spTree>
-    <p:extLst>
-      <p:ext uri="{BB962C8B-B14F-4D97-AF65-F5344CB8AC3E}">
-        <p14:creationId xmlns:p14="http://schemas.microsoft.com/office/powerpoint/2010/main" val="2821319683"/>
-      </p:ext>
-    </p:extLst>
-  </p:cSld>
-  <p:clrMapOvr>
-    <a:masterClrMapping/>
-  </p:clrMapOvr>
-</p:sld>
-</file>
-
-<file path=ppt/slides/slide31.xml><?xml version="1.0" encoding="utf-8"?>
-<p:sld xmlns:a="http://schemas.openxmlformats.org/drawingml/2006/main" xmlns:r="http://schemas.openxmlformats.org/officeDocument/2006/relationships" xmlns:p="http://schemas.openxmlformats.org/presentationml/2006/main">
-  <p:cSld>
-    <p:spTree>
-      <p:nvGrpSpPr>
-        <p:cNvPr id="1" name=""/>
-        <p:cNvGrpSpPr/>
-        <p:nvPr/>
-      </p:nvGrpSpPr>
-      <p:grpSpPr>
-        <a:xfrm>
-          <a:off x="0" y="0"/>
-          <a:ext cx="0" cy="0"/>
-          <a:chOff x="0" y="0"/>
-          <a:chExt cx="0" cy="0"/>
-        </a:xfrm>
-      </p:grpSpPr>
-      <p:sp>
-        <p:nvSpPr>
-          <p:cNvPr id="2" name="Title 1"/>
-          <p:cNvSpPr>
-            <a:spLocks noGrp="1"/>
-          </p:cNvSpPr>
-          <p:nvPr>
-            <p:ph type="title"/>
-          </p:nvPr>
-        </p:nvSpPr>
-        <p:spPr/>
-        <p:txBody>
-          <a:bodyPr/>
-          <a:lstStyle/>
-          <a:p>
-            <a:r>
-              <a:rPr lang="en-CA" dirty="0" smtClean="0"/>
-              <a:t>2. Write to Allocated Space</a:t>
-            </a:r>
-            <a:endParaRPr lang="en-CA" dirty="0"/>
-          </a:p>
-        </p:txBody>
-      </p:sp>
-      <p:sp>
-        <p:nvSpPr>
-          <p:cNvPr id="4" name="Slide Number Placeholder 3"/>
-          <p:cNvSpPr>
-            <a:spLocks noGrp="1"/>
-          </p:cNvSpPr>
-          <p:nvPr>
-            <p:ph type="sldNum" sz="quarter" idx="12"/>
-          </p:nvPr>
-        </p:nvSpPr>
-        <p:spPr/>
-        <p:txBody>
-          <a:bodyPr/>
-          <a:lstStyle/>
-          <a:p>
-            <a:fld id="{7B2023C8-B124-43A9-8F92-0EEF5BAA9995}" type="slidenum">
-              <a:rPr lang="en-CA" smtClean="0"/>
-              <a:pPr/>
-              <a:t>31</a:t>
-            </a:fld>
-            <a:endParaRPr lang="en-CA" dirty="0"/>
-          </a:p>
-        </p:txBody>
-      </p:sp>
-      <p:sp>
-        <p:nvSpPr>
-          <p:cNvPr id="3" name="Content Placeholder 2"/>
-          <p:cNvSpPr>
-            <a:spLocks noGrp="1"/>
-          </p:cNvSpPr>
-          <p:nvPr>
-            <p:ph idx="1"/>
-          </p:nvPr>
-        </p:nvSpPr>
-        <p:spPr>
-          <a:xfrm>
-            <a:off x="684212" y="1515358"/>
-            <a:ext cx="5909771" cy="4656842"/>
-          </a:xfrm>
-        </p:spPr>
-        <p:txBody>
-          <a:bodyPr/>
-          <a:lstStyle/>
-          <a:p>
-            <a:r>
-              <a:rPr lang="en-CA" dirty="0" smtClean="0"/>
-              <a:t>If overwrite of source file system will occur, the block must first be journaled</a:t>
-            </a:r>
-          </a:p>
-          <a:p>
-            <a:r>
-              <a:rPr lang="en-CA" dirty="0" smtClean="0"/>
-              <a:t>After commit, journal blocks are </a:t>
-            </a:r>
-            <a:r>
-              <a:rPr lang="en-CA" dirty="0" err="1" smtClean="0"/>
-              <a:t>checkpointed</a:t>
-            </a:r>
-            <a:r>
-              <a:rPr lang="en-CA" dirty="0" smtClean="0"/>
-              <a:t> to their final location</a:t>
-            </a:r>
-          </a:p>
-          <a:p>
-            <a:r>
-              <a:rPr lang="en-CA" dirty="0" err="1" smtClean="0"/>
-              <a:t>Checkpointing</a:t>
-            </a:r>
-            <a:r>
-              <a:rPr lang="en-CA" dirty="0" smtClean="0"/>
-              <a:t> can be restarted upon power failure</a:t>
-            </a:r>
-          </a:p>
-          <a:p>
-            <a:pPr lvl="1"/>
-            <a:r>
-              <a:rPr lang="en-CA" dirty="0" smtClean="0"/>
-              <a:t>Ensures failure atomicity</a:t>
-            </a:r>
-            <a:endParaRPr lang="en-CA" dirty="0"/>
-          </a:p>
-        </p:txBody>
-      </p:sp>
-      <p:pic>
-        <p:nvPicPr>
-          <p:cNvPr id="6" name="Content Placeholder 4"/>
-          <p:cNvPicPr>
-            <a:picLocks noChangeAspect="1"/>
-          </p:cNvPicPr>
-          <p:nvPr/>
-        </p:nvPicPr>
-        <p:blipFill>
-          <a:blip r:embed="rId2">
-            <a:extLst>
-              <a:ext uri="{28A0092B-C50C-407E-A947-70E740481C1C}">
-                <a14:useLocalDpi xmlns:a14="http://schemas.microsoft.com/office/drawing/2010/main" val="0"/>
-              </a:ext>
-            </a:extLst>
-          </a:blip>
-          <a:stretch>
-            <a:fillRect/>
-          </a:stretch>
-        </p:blipFill>
-        <p:spPr>
-          <a:xfrm>
-            <a:off x="6772408" y="1507237"/>
-            <a:ext cx="4197600" cy="2899658"/>
-          </a:xfrm>
-          <a:prstGeom prst="rect">
-            <a:avLst/>
-          </a:prstGeom>
-        </p:spPr>
-      </p:pic>
-    </p:spTree>
-    <p:extLst>
-      <p:ext uri="{BB962C8B-B14F-4D97-AF65-F5344CB8AC3E}">
-        <p14:creationId xmlns:p14="http://schemas.microsoft.com/office/powerpoint/2010/main" val="417192487"/>
-      </p:ext>
-    </p:extLst>
-  </p:cSld>
-  <p:clrMapOvr>
-    <a:masterClrMapping/>
-  </p:clrMapOvr>
-</p:sld>
-</file>
-
-<file path=ppt/slides/slide32.xml><?xml version="1.0" encoding="utf-8"?>
-<p:sld xmlns:a="http://schemas.openxmlformats.org/drawingml/2006/main" xmlns:r="http://schemas.openxmlformats.org/officeDocument/2006/relationships" xmlns:p="http://schemas.openxmlformats.org/presentationml/2006/main">
-  <p:cSld>
-    <p:spTree>
-      <p:nvGrpSpPr>
-        <p:cNvPr id="1" name=""/>
-        <p:cNvGrpSpPr/>
-        <p:nvPr/>
-      </p:nvGrpSpPr>
-      <p:grpSpPr>
-        <a:xfrm>
-          <a:off x="0" y="0"/>
-          <a:ext cx="0" cy="0"/>
-          <a:chOff x="0" y="0"/>
-          <a:chExt cx="0" cy="0"/>
-        </a:xfrm>
-      </p:grpSpPr>
-      <p:sp>
-        <p:nvSpPr>
-          <p:cNvPr id="2" name="Title 1"/>
-          <p:cNvSpPr>
-            <a:spLocks noGrp="1"/>
-          </p:cNvSpPr>
-          <p:nvPr>
-            <p:ph type="title"/>
-          </p:nvPr>
-        </p:nvSpPr>
-        <p:spPr/>
-        <p:txBody>
-          <a:bodyPr/>
-          <a:lstStyle/>
-          <a:p>
-            <a:r>
-              <a:rPr lang="en-CA" dirty="0" smtClean="0"/>
-              <a:t>3. Write to Journal</a:t>
-            </a:r>
-            <a:endParaRPr lang="en-CA" dirty="0"/>
-          </a:p>
-        </p:txBody>
-      </p:sp>
-      <p:sp>
-        <p:nvSpPr>
-          <p:cNvPr id="4" name="Slide Number Placeholder 3"/>
-          <p:cNvSpPr>
-            <a:spLocks noGrp="1"/>
-          </p:cNvSpPr>
-          <p:nvPr>
-            <p:ph type="sldNum" sz="quarter" idx="12"/>
-          </p:nvPr>
-        </p:nvSpPr>
-        <p:spPr/>
-        <p:txBody>
-          <a:bodyPr/>
-          <a:lstStyle/>
-          <a:p>
-            <a:fld id="{7B2023C8-B124-43A9-8F92-0EEF5BAA9995}" type="slidenum">
-              <a:rPr lang="en-CA" smtClean="0"/>
-              <a:pPr/>
-              <a:t>32</a:t>
-            </a:fld>
-            <a:endParaRPr lang="en-CA" dirty="0"/>
-          </a:p>
-        </p:txBody>
-      </p:sp>
-      <p:sp>
-        <p:nvSpPr>
-          <p:cNvPr id="3" name="Content Placeholder 2"/>
-          <p:cNvSpPr>
-            <a:spLocks noGrp="1"/>
-          </p:cNvSpPr>
-          <p:nvPr>
-            <p:ph idx="1"/>
-          </p:nvPr>
-        </p:nvSpPr>
-        <p:spPr>
-          <a:xfrm>
-            <a:off x="684212" y="1515358"/>
-            <a:ext cx="6088196" cy="4656842"/>
-          </a:xfrm>
-        </p:spPr>
-        <p:txBody>
-          <a:bodyPr/>
-          <a:lstStyle/>
-          <a:p>
-            <a:r>
-              <a:rPr lang="en-US" dirty="0" smtClean="0"/>
-              <a:t>Must remap journal blocks to new free space before writing data</a:t>
-            </a:r>
-          </a:p>
-          <a:p>
-            <a:r>
-              <a:rPr lang="en-CA" dirty="0" smtClean="0"/>
-              <a:t>Journaling not necessary because not overwriting allocated space</a:t>
-            </a:r>
-          </a:p>
-          <a:p>
-            <a:pPr lvl="1"/>
-            <a:r>
-              <a:rPr lang="en-CA" dirty="0" smtClean="0"/>
-              <a:t>i.e. journal area </a:t>
-            </a:r>
-            <a:r>
-              <a:rPr lang="en-CA" b="1" dirty="0" smtClean="0"/>
-              <a:t>NOT</a:t>
-            </a:r>
-            <a:r>
-              <a:rPr lang="en-CA" dirty="0" smtClean="0"/>
-              <a:t> considered allocated to the file system</a:t>
-            </a:r>
-            <a:endParaRPr lang="en-CA" dirty="0"/>
-          </a:p>
-        </p:txBody>
-      </p:sp>
-      <p:pic>
-        <p:nvPicPr>
-          <p:cNvPr id="6" name="Content Placeholder 4"/>
-          <p:cNvPicPr>
-            <a:picLocks noChangeAspect="1"/>
-          </p:cNvPicPr>
-          <p:nvPr/>
-        </p:nvPicPr>
-        <p:blipFill>
-          <a:blip r:embed="rId2">
-            <a:extLst>
-              <a:ext uri="{28A0092B-C50C-407E-A947-70E740481C1C}">
-                <a14:useLocalDpi xmlns:a14="http://schemas.microsoft.com/office/drawing/2010/main" val="0"/>
-              </a:ext>
-            </a:extLst>
-          </a:blip>
-          <a:stretch>
-            <a:fillRect/>
-          </a:stretch>
-        </p:blipFill>
-        <p:spPr>
-          <a:xfrm>
-            <a:off x="6772408" y="1515358"/>
-            <a:ext cx="4197600" cy="2913466"/>
-          </a:xfrm>
-          <a:prstGeom prst="rect">
-            <a:avLst/>
-          </a:prstGeom>
-        </p:spPr>
-      </p:pic>
-    </p:spTree>
-    <p:extLst>
-      <p:ext uri="{BB962C8B-B14F-4D97-AF65-F5344CB8AC3E}">
-        <p14:creationId xmlns:p14="http://schemas.microsoft.com/office/powerpoint/2010/main" val="42845020"/>
-      </p:ext>
-    </p:extLst>
-  </p:cSld>
-  <p:clrMapOvr>
-    <a:masterClrMapping/>
-  </p:clrMapOvr>
-</p:sld>
-</file>
-
 <file path=ppt/slides/slide4.xml><?xml version="1.0" encoding="utf-8"?>
 <p:sld xmlns:a="http://schemas.openxmlformats.org/drawingml/2006/main" xmlns:r="http://schemas.openxmlformats.org/officeDocument/2006/relationships" xmlns:p="http://schemas.openxmlformats.org/presentationml/2006/main">
   <p:cSld>
@@ -24144,11 +23203,7 @@
             <a:pPr lvl="1"/>
             <a:r>
               <a:rPr lang="en-CA" dirty="0" smtClean="0"/>
-              <a:t>E.g., a defragmentation tool moves extents of a fragmented </a:t>
-            </a:r>
-            <a:r>
-              <a:rPr lang="en-CA" dirty="0" smtClean="0"/>
-              <a:t>file</a:t>
+              <a:t>E.g., a defragmentation tool moves extents of a fragmented file</a:t>
             </a:r>
             <a:endParaRPr lang="en-CA" dirty="0"/>
           </a:p>
@@ -27037,15 +26092,7 @@
                   <a:schemeClr val="bg1"/>
                 </a:solidFill>
               </a:rPr>
-              <a:t> </a:t>
-            </a:r>
-            <a:r>
-              <a:rPr lang="en-CA" b="1" dirty="0" smtClean="0">
-                <a:solidFill>
-                  <a:schemeClr val="bg1"/>
-                </a:solidFill>
-              </a:rPr>
-              <a:t>File System</a:t>
+              <a:t> File System</a:t>
             </a:r>
             <a:endParaRPr lang="en-CA" b="1" dirty="0">
               <a:solidFill>
@@ -27151,11 +26198,7 @@
             <a:pPr lvl="1"/>
             <a:r>
               <a:rPr lang="en-CA" dirty="0" smtClean="0"/>
-              <a:t>E.g., a defragmentation tool moves extents of a fragmented </a:t>
-            </a:r>
-            <a:r>
-              <a:rPr lang="en-CA" dirty="0" smtClean="0"/>
-              <a:t>file</a:t>
+              <a:t>E.g., a defragmentation tool moves extents of a fragmented file</a:t>
             </a:r>
             <a:endParaRPr lang="en-CA" dirty="0"/>
           </a:p>
@@ -27725,21 +26768,21 @@
                 <a:gridCol w="1376407">
                   <a:extLst>
                     <a:ext uri="{9D8B030D-6E8A-4147-A177-3AD203B41FA5}">
-                      <a16:colId xmlns:a16="http://schemas.microsoft.com/office/drawing/2014/main" xmlns="" val="20000"/>
+                      <a16:colId xmlns="" xmlns:a16="http://schemas.microsoft.com/office/drawing/2014/main" val="20000"/>
                     </a:ext>
                   </a:extLst>
                 </a:gridCol>
                 <a:gridCol w="3388710">
                   <a:extLst>
                     <a:ext uri="{9D8B030D-6E8A-4147-A177-3AD203B41FA5}">
-                      <a16:colId xmlns:a16="http://schemas.microsoft.com/office/drawing/2014/main" xmlns="" val="20001"/>
+                      <a16:colId xmlns="" xmlns:a16="http://schemas.microsoft.com/office/drawing/2014/main" val="20001"/>
                     </a:ext>
                   </a:extLst>
                 </a:gridCol>
                 <a:gridCol w="5226908">
                   <a:extLst>
                     <a:ext uri="{9D8B030D-6E8A-4147-A177-3AD203B41FA5}">
-                      <a16:colId xmlns:a16="http://schemas.microsoft.com/office/drawing/2014/main" xmlns="" val="20002"/>
+                      <a16:colId xmlns="" xmlns:a16="http://schemas.microsoft.com/office/drawing/2014/main" val="20002"/>
                     </a:ext>
                   </a:extLst>
                 </a:gridCol>
@@ -27924,7 +26967,7 @@
                 </a:tc>
                 <a:extLst>
                   <a:ext uri="{0D108BD9-81ED-4DB2-BD59-A6C34878D82A}">
-                    <a16:rowId xmlns:a16="http://schemas.microsoft.com/office/drawing/2014/main" xmlns="" val="10000"/>
+                    <a16:rowId xmlns="" xmlns:a16="http://schemas.microsoft.com/office/drawing/2014/main" val="10000"/>
                   </a:ext>
                 </a:extLst>
               </a:tr>
@@ -28534,7 +27577,7 @@
                 </a:tc>
                 <a:extLst>
                   <a:ext uri="{0D108BD9-81ED-4DB2-BD59-A6C34878D82A}">
-                    <a16:rowId xmlns:a16="http://schemas.microsoft.com/office/drawing/2014/main" xmlns="" val="10001"/>
+                    <a16:rowId xmlns="" xmlns:a16="http://schemas.microsoft.com/office/drawing/2014/main" val="10001"/>
                   </a:ext>
                 </a:extLst>
               </a:tr>
@@ -28694,7 +27737,7 @@
                 </a:tc>
                 <a:extLst>
                   <a:ext uri="{0D108BD9-81ED-4DB2-BD59-A6C34878D82A}">
-                    <a16:rowId xmlns:a16="http://schemas.microsoft.com/office/drawing/2014/main" xmlns="" val="10002"/>
+                    <a16:rowId xmlns="" xmlns:a16="http://schemas.microsoft.com/office/drawing/2014/main" val="10002"/>
                   </a:ext>
                 </a:extLst>
               </a:tr>
@@ -28829,7 +27872,7 @@
                 </a:tc>
                 <a:extLst>
                   <a:ext uri="{0D108BD9-81ED-4DB2-BD59-A6C34878D82A}">
-                    <a16:rowId xmlns:a16="http://schemas.microsoft.com/office/drawing/2014/main" xmlns="" val="10003"/>
+                    <a16:rowId xmlns="" xmlns:a16="http://schemas.microsoft.com/office/drawing/2014/main" val="10003"/>
                   </a:ext>
                 </a:extLst>
               </a:tr>
@@ -29029,7 +28072,7 @@
                 </a:tc>
                 <a:extLst>
                   <a:ext uri="{0D108BD9-81ED-4DB2-BD59-A6C34878D82A}">
-                    <a16:rowId xmlns:a16="http://schemas.microsoft.com/office/drawing/2014/main" xmlns="" val="10004"/>
+                    <a16:rowId xmlns="" xmlns:a16="http://schemas.microsoft.com/office/drawing/2014/main" val="10004"/>
                   </a:ext>
                 </a:extLst>
               </a:tr>
@@ -29262,7 +28305,7 @@
                 </a:tc>
                 <a:extLst>
                   <a:ext uri="{0D108BD9-81ED-4DB2-BD59-A6C34878D82A}">
-                    <a16:rowId xmlns:a16="http://schemas.microsoft.com/office/drawing/2014/main" xmlns="" val="10005"/>
+                    <a16:rowId xmlns="" xmlns:a16="http://schemas.microsoft.com/office/drawing/2014/main" val="10005"/>
                   </a:ext>
                 </a:extLst>
               </a:tr>
@@ -29429,7 +28472,7 @@
                 </a:tc>
                 <a:extLst>
                   <a:ext uri="{0D108BD9-81ED-4DB2-BD59-A6C34878D82A}">
-                    <a16:rowId xmlns:a16="http://schemas.microsoft.com/office/drawing/2014/main" xmlns="" val="10006"/>
+                    <a16:rowId xmlns="" xmlns:a16="http://schemas.microsoft.com/office/drawing/2014/main" val="10006"/>
                   </a:ext>
                 </a:extLst>
               </a:tr>
@@ -29572,7 +28615,7 @@
                 </a:tc>
                 <a:extLst>
                   <a:ext uri="{0D108BD9-81ED-4DB2-BD59-A6C34878D82A}">
-                    <a16:rowId xmlns:a16="http://schemas.microsoft.com/office/drawing/2014/main" xmlns="" val="10007"/>
+                    <a16:rowId xmlns="" xmlns:a16="http://schemas.microsoft.com/office/drawing/2014/main" val="10007"/>
                   </a:ext>
                 </a:extLst>
               </a:tr>
@@ -29740,7 +28783,7 @@
                 </a:tc>
                 <a:extLst>
                   <a:ext uri="{0D108BD9-81ED-4DB2-BD59-A6C34878D82A}">
-                    <a16:rowId xmlns:a16="http://schemas.microsoft.com/office/drawing/2014/main" xmlns="" val="10008"/>
+                    <a16:rowId xmlns="" xmlns:a16="http://schemas.microsoft.com/office/drawing/2014/main" val="10008"/>
                   </a:ext>
                 </a:extLst>
               </a:tr>
@@ -29825,7 +28868,6 @@
               <a:rPr lang="en-CA" dirty="0"/>
               <a:t> Operations</a:t>
             </a:r>
-            <a:endParaRPr lang="en-CA" dirty="0"/>
           </a:p>
         </p:txBody>
       </p:sp>
@@ -29858,11 +28900,7 @@
             <a:pPr lvl="1"/>
             <a:r>
               <a:rPr lang="en-CA" dirty="0" smtClean="0"/>
-              <a:t>Protects </a:t>
-            </a:r>
-            <a:r>
-              <a:rPr lang="en-CA" dirty="0" smtClean="0"/>
-              <a:t>file system from corruption and data loss</a:t>
+              <a:t>Protects file system from corruption and data loss</a:t>
             </a:r>
           </a:p>
           <a:p>
@@ -29875,7 +28913,6 @@
               <a:rPr lang="en-CA" dirty="0" smtClean="0"/>
               <a:t>applications</a:t>
             </a:r>
-            <a:endParaRPr lang="en-CA" dirty="0" smtClean="0"/>
           </a:p>
         </p:txBody>
       </p:sp>
@@ -29931,21 +28968,21 @@
                 <a:gridCol w="1651214">
                   <a:extLst>
                     <a:ext uri="{9D8B030D-6E8A-4147-A177-3AD203B41FA5}">
-                      <a16:colId xmlns:a16="http://schemas.microsoft.com/office/drawing/2014/main" xmlns="" val="20000"/>
+                      <a16:colId xmlns="" xmlns:a16="http://schemas.microsoft.com/office/drawing/2014/main" val="20000"/>
                     </a:ext>
                   </a:extLst>
                 </a:gridCol>
                 <a:gridCol w="2545492">
                   <a:extLst>
                     <a:ext uri="{9D8B030D-6E8A-4147-A177-3AD203B41FA5}">
-                      <a16:colId xmlns:a16="http://schemas.microsoft.com/office/drawing/2014/main" xmlns="" val="20001"/>
+                      <a16:colId xmlns="" xmlns:a16="http://schemas.microsoft.com/office/drawing/2014/main" val="20001"/>
                     </a:ext>
                   </a:extLst>
                 </a:gridCol>
                 <a:gridCol w="5436973">
                   <a:extLst>
                     <a:ext uri="{9D8B030D-6E8A-4147-A177-3AD203B41FA5}">
-                      <a16:colId xmlns:a16="http://schemas.microsoft.com/office/drawing/2014/main" xmlns="" val="20002"/>
+                      <a16:colId xmlns="" xmlns:a16="http://schemas.microsoft.com/office/drawing/2014/main" val="20002"/>
                     </a:ext>
                   </a:extLst>
                 </a:gridCol>
@@ -30130,7 +29167,7 @@
                 </a:tc>
                 <a:extLst>
                   <a:ext uri="{0D108BD9-81ED-4DB2-BD59-A6C34878D82A}">
-                    <a16:rowId xmlns:a16="http://schemas.microsoft.com/office/drawing/2014/main" xmlns="" val="10000"/>
+                    <a16:rowId xmlns="" xmlns:a16="http://schemas.microsoft.com/office/drawing/2014/main" val="10000"/>
                   </a:ext>
                 </a:extLst>
               </a:tr>
@@ -30264,15 +29301,7 @@
                             <a:sysClr val="windowText" lastClr="000000"/>
                           </a:solidFill>
                         </a:rPr>
-                        <a:t>Add </a:t>
-                      </a:r>
-                      <a:r>
-                        <a:rPr lang="en-CA" sz="2000" dirty="0" smtClean="0">
-                          <a:solidFill>
-                            <a:sysClr val="windowText" lastClr="000000"/>
-                          </a:solidFill>
-                        </a:rPr>
-                        <a:t>an</a:t>
+                        <a:t>Add an</a:t>
                       </a:r>
                       <a:r>
                         <a:rPr lang="en-CA" sz="2000" baseline="0" dirty="0" smtClean="0">
@@ -30296,15 +29325,7 @@
                             <a:sysClr val="windowText" lastClr="000000"/>
                           </a:solidFill>
                         </a:rPr>
-                        <a:t> </a:t>
-                      </a:r>
-                      <a:r>
-                        <a:rPr lang="en-CA" sz="2000" baseline="0" dirty="0" smtClean="0">
-                          <a:solidFill>
-                            <a:sysClr val="windowText" lastClr="000000"/>
-                          </a:solidFill>
-                        </a:rPr>
-                        <a:t>to a directory </a:t>
+                        <a:t> to a directory </a:t>
                       </a:r>
                       <a:r>
                         <a:rPr lang="en-CA" sz="2000" baseline="0" dirty="0" err="1" smtClean="0">
@@ -30362,7 +29383,7 @@
                 </a:tc>
                 <a:extLst>
                   <a:ext uri="{0D108BD9-81ED-4DB2-BD59-A6C34878D82A}">
-                    <a16:rowId xmlns:a16="http://schemas.microsoft.com/office/drawing/2014/main" xmlns="" val="10009"/>
+                    <a16:rowId xmlns="" xmlns:a16="http://schemas.microsoft.com/office/drawing/2014/main" val="10009"/>
                   </a:ext>
                 </a:extLst>
               </a:tr>
@@ -30684,7 +29705,7 @@
                 </a:tc>
                 <a:extLst>
                   <a:ext uri="{0D108BD9-81ED-4DB2-BD59-A6C34878D82A}">
-                    <a16:rowId xmlns:a16="http://schemas.microsoft.com/office/drawing/2014/main" xmlns="" val="10010"/>
+                    <a16:rowId xmlns="" xmlns:a16="http://schemas.microsoft.com/office/drawing/2014/main" val="10010"/>
                   </a:ext>
                 </a:extLst>
               </a:tr>

--- a/slide/evfs_talk.pptx
+++ b/slide/evfs_talk.pptx
@@ -394,11 +394,11 @@
         </c:dLbls>
         <c:marker val="1"/>
         <c:smooth val="0"/>
-        <c:axId val="-1049889904"/>
-        <c:axId val="-1049882832"/>
+        <c:axId val="328672328"/>
+        <c:axId val="328669976"/>
       </c:lineChart>
       <c:catAx>
-        <c:axId val="-1049889904"/>
+        <c:axId val="328672328"/>
         <c:scaling>
           <c:orientation val="minMax"/>
         </c:scaling>
@@ -499,7 +499,7 @@
             <a:endParaRPr lang="en-US"/>
           </a:p>
         </c:txPr>
-        <c:crossAx val="-1049882832"/>
+        <c:crossAx val="328669976"/>
         <c:crosses val="autoZero"/>
         <c:auto val="0"/>
         <c:lblAlgn val="ctr"/>
@@ -507,7 +507,7 @@
         <c:noMultiLvlLbl val="0"/>
       </c:catAx>
       <c:valAx>
-        <c:axId val="-1049882832"/>
+        <c:axId val="328669976"/>
         <c:scaling>
           <c:logBase val="4"/>
           <c:orientation val="minMax"/>
@@ -550,7 +550,6 @@
               </a:p>
             </c:rich>
           </c:tx>
-          <c:layout/>
           <c:overlay val="0"/>
           <c:spPr>
             <a:noFill/>
@@ -605,7 +604,7 @@
             <a:endParaRPr lang="en-US"/>
           </a:p>
         </c:txPr>
-        <c:crossAx val="-1049889904"/>
+        <c:crossAx val="328672328"/>
         <c:crosses val="autoZero"/>
         <c:crossBetween val="between"/>
       </c:valAx>
@@ -1330,7 +1329,7 @@
           <a:p>
             <a:fld id="{F368C5AD-71DD-4EC0-A413-C51DC95DD2ED}" type="datetimeFigureOut">
               <a:rPr lang="en-CA" smtClean="0"/>
-              <a:t>2018-07-08</a:t>
+              <a:t>2018-07-09</a:t>
             </a:fld>
             <a:endParaRPr lang="en-CA"/>
           </a:p>
@@ -2900,15 +2899,7 @@
             </a:r>
             <a:r>
               <a:rPr lang="en-CA" baseline="0" dirty="0" smtClean="0"/>
-              <a:t> applications are used by system administrators to </a:t>
-            </a:r>
-            <a:r>
-              <a:rPr lang="en-CA" baseline="0" dirty="0" smtClean="0"/>
-              <a:t>maintain, optimize, and administer </a:t>
-            </a:r>
-            <a:r>
-              <a:rPr lang="en-CA" baseline="0" dirty="0" smtClean="0"/>
-              <a:t>their file systems. For example, a defragmentation tool rearranges physical blocks used by files into contiguous extents to optimize read and write performance. A resizing tool helps with changing the size of a file system. A garbage collector helps reclaim space used by stale file system metadata and data, and is critical to the usability of log-structured and copy-on-write file systems. A file-system aware scrubber reduces the overhead of detecting and correcting data corruption. Similarly, a file system upgrade tool can upgrade a file system without reformatting the disk.</a:t>
+              <a:t> applications are used by system administrators to maintain, optimize, and administer their file systems. For example, a defragmentation tool rearranges physical blocks used by files into contiguous extents to optimize read and write performance. A resizing tool helps with changing the size of a file system. A garbage collector helps reclaim space used by stale file system metadata and data, and is critical to the usability of log-structured and copy-on-write file systems. A file-system aware scrubber reduces the overhead of detecting and correcting data corruption. Similarly, a file system upgrade tool can upgrade a file system without reformatting the disk.</a:t>
             </a:r>
             <a:endParaRPr lang="en-CA" dirty="0" smtClean="0"/>
           </a:p>
@@ -3255,7 +3246,11 @@
             </a:r>
             <a:r>
               <a:rPr lang="en-CA" baseline="0" dirty="0" smtClean="0"/>
-              <a:t> as described earlier. Next, we’ll discuss our implementation of the journal.</a:t>
+              <a:t> as described earlier. Next, we’ll discuss </a:t>
+            </a:r>
+            <a:r>
+              <a:rPr lang="en-CA" baseline="0" dirty="0" smtClean="0"/>
+              <a:t>how journaling reduces the memory overhead of the conversion tool.</a:t>
             </a:r>
             <a:endParaRPr lang="en-CA" dirty="0"/>
           </a:p>
@@ -3342,12 +3337,44 @@
           <a:lstStyle/>
           <a:p>
             <a:r>
-              <a:rPr lang="en-CA" dirty="0" smtClean="0"/>
-              <a:t>Journaling provides crash</a:t>
+              <a:rPr lang="en-CA" sz="1200" b="0" i="0" kern="1200" dirty="0" smtClean="0">
+                <a:solidFill>
+                  <a:schemeClr val="tx1"/>
+                </a:solidFill>
+                <a:effectLst/>
+                <a:latin typeface="+mn-lt"/>
+                <a:ea typeface="+mn-ea"/>
+                <a:cs typeface="+mn-cs"/>
+              </a:rPr>
+              <a:t>Journaling provides crash consistency during the conversion process. </a:t>
             </a:r>
             <a:r>
               <a:rPr lang="en-CA" baseline="0" dirty="0" smtClean="0"/>
-              <a:t> consistency to the conversion. During our evaluation, we find that our journaling implementation has a small overhead of at most 20%, which is a small price to pay considering the danger of data loss during file system conversion. Coincidentally, this also reduces the memory overhead of the conversion tool. When journaling is enabled, we are able to read the source file system while writing the destination file system since before the transaction is committed, the source file system is still intact and not overwritten. However, without journaling, the source file system may be overwritten by the destination file system and therefore our previous version of the conversion tool had to read the entire source file system metadata into memory before writing out the destination file system, which would require excessive an amount of memory for very large file systems.</a:t>
+              <a:t>During </a:t>
+            </a:r>
+            <a:r>
+              <a:rPr lang="en-CA" baseline="0" dirty="0" smtClean="0"/>
+              <a:t>our evaluation, we find that our journaling implementation has a small overhead of at most 20%, which is a small price to pay considering the danger of data loss during file system conversion. </a:t>
+            </a:r>
+            <a:r>
+              <a:rPr lang="en-CA" sz="1200" b="0" i="0" kern="1200" dirty="0" smtClean="0">
+                <a:solidFill>
+                  <a:schemeClr val="tx1"/>
+                </a:solidFill>
+                <a:effectLst/>
+                <a:latin typeface="+mn-lt"/>
+                <a:ea typeface="+mn-ea"/>
+                <a:cs typeface="+mn-cs"/>
+              </a:rPr>
+              <a:t>Coincidentally, the journal-based implementation </a:t>
+            </a:r>
+            <a:r>
+              <a:rPr lang="en-CA" baseline="0" dirty="0" smtClean="0"/>
+              <a:t>also </a:t>
+            </a:r>
+            <a:r>
+              <a:rPr lang="en-CA" baseline="0" dirty="0" smtClean="0"/>
+              <a:t>reduces the memory overhead of the conversion tool. When journaling is enabled, we are able to read the source file system while writing the destination file system since before the transaction is committed, the source file system is still intact and not overwritten. However, without journaling, the source file system may be overwritten by the destination file system and therefore our previous version of the conversion tool had to read the entire source file system metadata into memory before writing out the destination file system, which would require excessive an amount of memory for very large file systems.</a:t>
             </a:r>
             <a:endParaRPr lang="en-CA" dirty="0"/>
           </a:p>
@@ -3439,7 +3466,38 @@
             </a:r>
             <a:r>
               <a:rPr lang="en-CA" baseline="0" dirty="0" smtClean="0"/>
-              <a:t> discuss the main take away of our work in terms of design trade offs. On the leftmost side in this diagram, we have VFS, which provides the most generic API and is able to support all file systems. However, it provides the least control, and thus can only work for applications that operate at the file level. On the other side, manual-written applications are file system specific and provides full control to the programmer at the cost of complexity and lack of generality. In between, we have Spiffy, which provides type-safe access to data structures and simplifies traversal of the file system tree. However, it only knows about the types of data structures but not the semantics, such as the meaning of an </a:t>
+              <a:t> discuss the main take away of our work in terms of design trade offs. On the leftmost side in this diagram, we have VFS, which provides the most generic API and is able to support all file systems. However, it provides the least control, and thus can only work for applications that operate at the file level. </a:t>
+            </a:r>
+            <a:endParaRPr lang="en-CA" baseline="0" dirty="0" smtClean="0"/>
+          </a:p>
+          <a:p>
+            <a:r>
+              <a:rPr lang="en-CA" sz="1200" b="0" i="0" kern="1200" dirty="0" smtClean="0">
+                <a:solidFill>
+                  <a:schemeClr val="tx1"/>
+                </a:solidFill>
+                <a:effectLst/>
+                <a:latin typeface="+mn-lt"/>
+                <a:ea typeface="+mn-ea"/>
+                <a:cs typeface="+mn-cs"/>
+              </a:rPr>
+              <a:t>On the other side, manually-written file-system management applications </a:t>
+            </a:r>
+            <a:r>
+              <a:rPr lang="en-CA" baseline="0" dirty="0" smtClean="0"/>
+              <a:t>are </a:t>
+            </a:r>
+            <a:r>
+              <a:rPr lang="en-CA" baseline="0" dirty="0" smtClean="0"/>
+              <a:t>file system specific and provides full control to the programmer at the cost of complexity and lack of generality. In between, we have Spiffy, which provides type-safe access to data structures </a:t>
+            </a:r>
+            <a:r>
+              <a:rPr lang="en-CA" baseline="0" dirty="0" smtClean="0"/>
+              <a:t>and it </a:t>
+            </a:r>
+            <a:r>
+              <a:rPr lang="en-CA" baseline="0" dirty="0" smtClean="0"/>
+              <a:t>simplifies traversal of the file system tree. However, it only knows about the types of data structures but not the semantics, such as the meaning of an </a:t>
             </a:r>
             <a:r>
               <a:rPr lang="en-CA" baseline="0" dirty="0" err="1" smtClean="0"/>
@@ -3624,11 +3682,7 @@
             </a:r>
             <a:r>
               <a:rPr lang="en-CA" baseline="0" dirty="0" smtClean="0"/>
-              <a:t> also does not support RAID and volume managers, since its interface does not expose </a:t>
-            </a:r>
-            <a:r>
-              <a:rPr lang="en-CA" baseline="0" smtClean="0"/>
-              <a:t>such feature.</a:t>
+              <a:t> also does not support RAID and volume managers, since its interface does not expose such feature.</a:t>
             </a:r>
             <a:endParaRPr lang="en-CA" dirty="0" smtClean="0"/>
           </a:p>
@@ -3847,6 +3901,138 @@
           <a:p>
             <a:r>
               <a:rPr lang="en-CA" dirty="0" smtClean="0"/>
+              <a:t>In conclusion, we have designed</a:t>
+            </a:r>
+            <a:r>
+              <a:rPr lang="en-CA" baseline="0" dirty="0" smtClean="0"/>
+              <a:t> and implemented the </a:t>
+            </a:r>
+            <a:r>
+              <a:rPr lang="en-CA" baseline="0" dirty="0" err="1" smtClean="0"/>
+              <a:t>evfs</a:t>
+            </a:r>
+            <a:r>
+              <a:rPr lang="en-CA" baseline="0" dirty="0" smtClean="0"/>
+              <a:t> </a:t>
+            </a:r>
+            <a:r>
+              <a:rPr lang="en-CA" baseline="0" dirty="0" err="1" smtClean="0"/>
+              <a:t>api</a:t>
+            </a:r>
+            <a:r>
+              <a:rPr lang="en-CA" baseline="0" dirty="0" smtClean="0"/>
+              <a:t>. The </a:t>
+            </a:r>
+            <a:r>
+              <a:rPr lang="en-CA" baseline="0" dirty="0" err="1" smtClean="0"/>
+              <a:t>evfs</a:t>
+            </a:r>
+            <a:r>
+              <a:rPr lang="en-CA" baseline="0" dirty="0" smtClean="0"/>
+              <a:t> API operates on abstract file system objects and supports fine-grained operations on these objects. It enables file system management applications to be written generically, and just once, and be able to work for all file systems that implements the </a:t>
+            </a:r>
+            <a:r>
+              <a:rPr lang="en-CA" baseline="0" dirty="0" err="1" smtClean="0"/>
+              <a:t>evfs</a:t>
+            </a:r>
+            <a:r>
+              <a:rPr lang="en-CA" baseline="0" dirty="0" smtClean="0"/>
+              <a:t> </a:t>
+            </a:r>
+            <a:r>
+              <a:rPr lang="en-CA" baseline="0" dirty="0" err="1" smtClean="0"/>
+              <a:t>api</a:t>
+            </a:r>
+            <a:r>
+              <a:rPr lang="en-CA" baseline="0" smtClean="0"/>
+              <a:t>.</a:t>
+            </a:r>
+            <a:endParaRPr lang="en-CA" dirty="0"/>
+          </a:p>
+        </p:txBody>
+      </p:sp>
+      <p:sp>
+        <p:nvSpPr>
+          <p:cNvPr id="4" name="Slide Number Placeholder 3"/>
+          <p:cNvSpPr>
+            <a:spLocks noGrp="1"/>
+          </p:cNvSpPr>
+          <p:nvPr>
+            <p:ph type="sldNum" sz="quarter" idx="10"/>
+          </p:nvPr>
+        </p:nvSpPr>
+        <p:spPr/>
+        <p:txBody>
+          <a:bodyPr/>
+          <a:lstStyle/>
+          <a:p>
+            <a:fld id="{B5B5BF96-4013-477F-9949-176AD53AFF60}" type="slidenum">
+              <a:rPr lang="en-CA" smtClean="0"/>
+              <a:t>26</a:t>
+            </a:fld>
+            <a:endParaRPr lang="en-CA"/>
+          </a:p>
+        </p:txBody>
+      </p:sp>
+    </p:spTree>
+    <p:extLst>
+      <p:ext uri="{BB962C8B-B14F-4D97-AF65-F5344CB8AC3E}">
+        <p14:creationId xmlns:p14="http://schemas.microsoft.com/office/powerpoint/2010/main" val="4196742748"/>
+      </p:ext>
+    </p:extLst>
+  </p:cSld>
+  <p:clrMapOvr>
+    <a:masterClrMapping/>
+  </p:clrMapOvr>
+</p:notes>
+</file>
+
+<file path=ppt/notesSlides/notesSlide27.xml><?xml version="1.0" encoding="utf-8"?>
+<p:notes xmlns:a="http://schemas.openxmlformats.org/drawingml/2006/main" xmlns:r="http://schemas.openxmlformats.org/officeDocument/2006/relationships" xmlns:p="http://schemas.openxmlformats.org/presentationml/2006/main">
+  <p:cSld>
+    <p:spTree>
+      <p:nvGrpSpPr>
+        <p:cNvPr id="1" name=""/>
+        <p:cNvGrpSpPr/>
+        <p:nvPr/>
+      </p:nvGrpSpPr>
+      <p:grpSpPr>
+        <a:xfrm>
+          <a:off x="0" y="0"/>
+          <a:ext cx="0" cy="0"/>
+          <a:chOff x="0" y="0"/>
+          <a:chExt cx="0" cy="0"/>
+        </a:xfrm>
+      </p:grpSpPr>
+      <p:sp>
+        <p:nvSpPr>
+          <p:cNvPr id="2" name="Slide Image Placeholder 1"/>
+          <p:cNvSpPr>
+            <a:spLocks noGrp="1" noRot="1" noChangeAspect="1"/>
+          </p:cNvSpPr>
+          <p:nvPr>
+            <p:ph type="sldImg"/>
+          </p:nvPr>
+        </p:nvSpPr>
+        <p:spPr/>
+      </p:sp>
+      <p:sp>
+        <p:nvSpPr>
+          <p:cNvPr id="3" name="Notes Placeholder 2"/>
+          <p:cNvSpPr>
+            <a:spLocks noGrp="1"/>
+          </p:cNvSpPr>
+          <p:nvPr>
+            <p:ph type="body" idx="1"/>
+          </p:nvPr>
+        </p:nvSpPr>
+        <p:spPr/>
+        <p:txBody>
+          <a:bodyPr/>
+          <a:lstStyle/>
+          <a:p>
+            <a:r>
+              <a:rPr lang="en-CA" dirty="0" smtClean="0"/>
               <a:t>Thank you, are</a:t>
             </a:r>
             <a:r>
@@ -3893,7 +4079,7 @@
 </p:notes>
 </file>
 
-<file path=ppt/notesSlides/notesSlide27.xml><?xml version="1.0" encoding="utf-8"?>
+<file path=ppt/notesSlides/notesSlide28.xml><?xml version="1.0" encoding="utf-8"?>
 <p:notes xmlns:a="http://schemas.openxmlformats.org/drawingml/2006/main" xmlns:r="http://schemas.openxmlformats.org/officeDocument/2006/relationships" xmlns:p="http://schemas.openxmlformats.org/presentationml/2006/main">
   <p:cSld>
     <p:spTree>
@@ -4711,20 +4897,49 @@
             </a:r>
           </a:p>
           <a:p>
-            <a:endParaRPr lang="en-CA" baseline="0" dirty="0" smtClean="0"/>
-          </a:p>
-          <a:p>
+            <a:r>
+              <a:rPr lang="en-CA" sz="1200" b="0" i="0" kern="1200" dirty="0" smtClean="0">
+                <a:solidFill>
+                  <a:schemeClr val="tx1"/>
+                </a:solidFill>
+                <a:effectLst/>
+                <a:latin typeface="+mn-lt"/>
+                <a:ea typeface="+mn-ea"/>
+                <a:cs typeface="+mn-cs"/>
+              </a:rPr>
+              <a:t>The EVFS API operates on four types of objects, the global file system, extents, </a:t>
+            </a:r>
+            <a:r>
+              <a:rPr lang="en-CA" sz="1200" b="0" i="0" kern="1200" dirty="0" err="1" smtClean="0">
+                <a:solidFill>
+                  <a:schemeClr val="tx1"/>
+                </a:solidFill>
+                <a:effectLst/>
+                <a:latin typeface="+mn-lt"/>
+                <a:ea typeface="+mn-ea"/>
+                <a:cs typeface="+mn-cs"/>
+              </a:rPr>
+              <a:t>inodes</a:t>
+            </a:r>
+            <a:r>
+              <a:rPr lang="en-CA" sz="1200" b="0" i="0" kern="1200" dirty="0" smtClean="0">
+                <a:solidFill>
+                  <a:schemeClr val="tx1"/>
+                </a:solidFill>
+                <a:effectLst/>
+                <a:latin typeface="+mn-lt"/>
+                <a:ea typeface="+mn-ea"/>
+                <a:cs typeface="+mn-cs"/>
+              </a:rPr>
+              <a:t>, and directories. The global file system operations  provide</a:t>
+            </a:r>
             <a:r>
               <a:rPr lang="en-CA" baseline="0" dirty="0" smtClean="0"/>
-              <a:t>As a first step, </a:t>
-            </a:r>
-            <a:r>
-              <a:rPr lang="en-CA" baseline="0" dirty="0" err="1" smtClean="0"/>
-              <a:t>evfs</a:t>
+              <a:t> </a:t>
             </a:r>
             <a:r>
               <a:rPr lang="en-CA" baseline="0" dirty="0" smtClean="0"/>
-              <a:t> provides the ability to make a new file system on a device, or update the settings of an existing file system, such as changing the label or toggling file system features. </a:t>
+              <a:t>the ability to make a new file system on a device, or update the settings of an existing file system, such as changing the label or toggling file system features. </a:t>
             </a:r>
             <a:endParaRPr lang="en-CA" dirty="0" smtClean="0"/>
           </a:p>
@@ -4746,7 +4961,22 @@
               <a:tabLst/>
               <a:defRPr/>
             </a:pPr>
-            <a:endParaRPr lang="en-CA" dirty="0" smtClean="0"/>
+            <a:r>
+              <a:rPr lang="en-CA" dirty="0" smtClean="0"/>
+              <a:t>Many </a:t>
+            </a:r>
+            <a:r>
+              <a:rPr lang="en-CA" dirty="0" smtClean="0"/>
+              <a:t>file system</a:t>
+            </a:r>
+            <a:r>
+              <a:rPr lang="en-CA" baseline="0" dirty="0" smtClean="0"/>
+              <a:t> management tools require the ability to control the physical layout of the data blocks on disk, for example, defragmentation tools and garbage collectors need to move data blocks from one physical location to another</a:t>
+            </a:r>
+            <a:r>
+              <a:rPr lang="en-CA" baseline="0" dirty="0" smtClean="0"/>
+              <a:t>.</a:t>
+            </a:r>
           </a:p>
           <a:p>
             <a:pPr marL="0" marR="0" lvl="0" indent="0" algn="l" defTabSz="914400" rtl="0" eaLnBrk="1" fontAlgn="auto" latinLnBrk="0" hangingPunct="1">
@@ -4767,20 +4997,48 @@
               <a:defRPr/>
             </a:pPr>
             <a:r>
-              <a:rPr lang="en-CA" dirty="0" smtClean="0"/>
-              <a:t>Many file system</a:t>
-            </a:r>
-            <a:r>
               <a:rPr lang="en-CA" baseline="0" dirty="0" smtClean="0"/>
-              <a:t> management tools require the ability to control the physical layout of the data blocks on disk, for example, defragmentation tools and garbage collectors need to move data blocks from one physical location to another. As such, </a:t>
-            </a:r>
-            <a:r>
-              <a:rPr lang="en-CA" baseline="0" dirty="0" err="1" smtClean="0"/>
-              <a:t>evfs</a:t>
+              <a:t>As such, </a:t>
+            </a:r>
+            <a:r>
+              <a:rPr lang="en-CA" sz="1200" b="0" i="0" kern="1200" dirty="0" smtClean="0">
+                <a:solidFill>
+                  <a:schemeClr val="tx1"/>
+                </a:solidFill>
+                <a:effectLst/>
+                <a:latin typeface="+mn-lt"/>
+                <a:ea typeface="+mn-ea"/>
+                <a:cs typeface="+mn-cs"/>
+              </a:rPr>
+              <a:t>The EVFS API provides several fine-grained operations for managing extents such as allocating and freeing extents. </a:t>
+            </a:r>
+            <a:r>
+              <a:rPr lang="en-CA" sz="1200" b="0" i="0" kern="1200" dirty="0" err="1" smtClean="0">
+                <a:solidFill>
+                  <a:schemeClr val="tx1"/>
+                </a:solidFill>
+                <a:effectLst/>
+                <a:latin typeface="+mn-lt"/>
+                <a:ea typeface="+mn-ea"/>
+                <a:cs typeface="+mn-cs"/>
+              </a:rPr>
+              <a:t>Evfs</a:t>
+            </a:r>
+            <a:r>
+              <a:rPr lang="en-CA" sz="1200" b="0" i="0" kern="1200" dirty="0" smtClean="0">
+                <a:solidFill>
+                  <a:schemeClr val="tx1"/>
+                </a:solidFill>
+                <a:effectLst/>
+                <a:latin typeface="+mn-lt"/>
+                <a:ea typeface="+mn-ea"/>
+                <a:cs typeface="+mn-cs"/>
+              </a:rPr>
+              <a:t> also provides support for iterating </a:t>
             </a:r>
             <a:r>
               <a:rPr lang="en-CA" baseline="0" dirty="0" smtClean="0"/>
-              <a:t> provides fine-grained API for managing extents. First, we support the basic operation of allocating and freeing extents. Next, we support iterating through a list of extents mapped to an </a:t>
+              <a:t>through a list of extents mapped to an </a:t>
             </a:r>
             <a:r>
               <a:rPr lang="en-CA" baseline="0" dirty="0" err="1" smtClean="0"/>
@@ -4796,17 +5054,68 @@
             </a:r>
             <a:r>
               <a:rPr lang="en-CA" baseline="0" dirty="0" smtClean="0"/>
-              <a:t> also provide support for iterating through a list of extents that are currently free in the file system. This function allows applications to make smart decisions such as whether to start garbage collection. Last, we support file systems with copy-on-write semantics by exposing the reverse mapping of an extent to all the </a:t>
-            </a:r>
-            <a:r>
-              <a:rPr lang="en-CA" baseline="0" dirty="0" err="1" smtClean="0"/>
+              <a:t> also provide support for iterating through a list of extents that are currently free in the file system. This function allows applications to make smart decisions such as whether to start garbage collection. </a:t>
+            </a:r>
+            <a:r>
+              <a:rPr lang="en-CA" sz="1200" b="0" i="0" kern="1200" dirty="0" smtClean="0">
+                <a:solidFill>
+                  <a:schemeClr val="tx1"/>
+                </a:solidFill>
+                <a:effectLst/>
+                <a:latin typeface="+mn-lt"/>
+                <a:ea typeface="+mn-ea"/>
+                <a:cs typeface="+mn-cs"/>
+              </a:rPr>
+              <a:t>Last, we support file systems with copy-on-write semantics by providing the </a:t>
+            </a:r>
+            <a:r>
+              <a:rPr lang="en-CA" sz="1200" b="0" i="0" kern="1200" dirty="0" err="1" smtClean="0">
+                <a:solidFill>
+                  <a:schemeClr val="tx1"/>
+                </a:solidFill>
+                <a:effectLst/>
+                <a:latin typeface="+mn-lt"/>
+                <a:ea typeface="+mn-ea"/>
+                <a:cs typeface="+mn-cs"/>
+              </a:rPr>
+              <a:t>extent_reverse</a:t>
+            </a:r>
+            <a:r>
+              <a:rPr lang="en-CA" sz="1200" b="0" i="0" kern="1200" dirty="0" smtClean="0">
+                <a:solidFill>
+                  <a:schemeClr val="tx1"/>
+                </a:solidFill>
+                <a:effectLst/>
+                <a:latin typeface="+mn-lt"/>
+                <a:ea typeface="+mn-ea"/>
+                <a:cs typeface="+mn-cs"/>
+              </a:rPr>
+              <a:t> API function that returns all </a:t>
+            </a:r>
+            <a:r>
+              <a:rPr lang="en-CA" sz="1200" b="0" i="0" kern="1200" dirty="0" err="1" smtClean="0">
+                <a:solidFill>
+                  <a:schemeClr val="tx1"/>
+                </a:solidFill>
+                <a:effectLst/>
+                <a:latin typeface="+mn-lt"/>
+                <a:ea typeface="+mn-ea"/>
+                <a:cs typeface="+mn-cs"/>
+              </a:rPr>
               <a:t>inodes</a:t>
             </a:r>
             <a:r>
-              <a:rPr lang="en-CA" baseline="0" dirty="0" smtClean="0"/>
-              <a:t> that references it.</a:t>
-            </a:r>
-            <a:endParaRPr lang="en-CA" dirty="0" smtClean="0"/>
+              <a:rPr lang="en-CA" sz="1200" b="0" i="0" kern="1200" dirty="0" smtClean="0">
+                <a:solidFill>
+                  <a:schemeClr val="tx1"/>
+                </a:solidFill>
+                <a:effectLst/>
+                <a:latin typeface="+mn-lt"/>
+                <a:ea typeface="+mn-ea"/>
+                <a:cs typeface="+mn-cs"/>
+              </a:rPr>
+              <a:t> that map to an extent.</a:t>
+            </a:r>
           </a:p>
           <a:p>
             <a:pPr marL="0" marR="0" lvl="0" indent="0" algn="l" defTabSz="914400" rtl="0" eaLnBrk="1" fontAlgn="auto" latinLnBrk="0" hangingPunct="1">
@@ -4828,11 +5137,23 @@
             </a:pPr>
             <a:r>
               <a:rPr lang="en-CA" dirty="0" smtClean="0"/>
-              <a:t>Similarly, there are operations which</a:t>
+              <a:t>Similarly</a:t>
+            </a:r>
+            <a:r>
+              <a:rPr lang="en-CA" dirty="0" smtClean="0"/>
+              <a:t>, there are operations which</a:t>
             </a:r>
             <a:r>
               <a:rPr lang="en-CA" baseline="0" dirty="0" smtClean="0"/>
-              <a:t> works with </a:t>
+              <a:t> </a:t>
+            </a:r>
+            <a:r>
+              <a:rPr lang="en-CA" baseline="0" dirty="0" smtClean="0"/>
+              <a:t>work </a:t>
+            </a:r>
+            <a:r>
+              <a:rPr lang="en-CA" baseline="0" dirty="0" smtClean="0"/>
+              <a:t>with </a:t>
             </a:r>
             <a:r>
               <a:rPr lang="en-CA" baseline="0" dirty="0" err="1" smtClean="0"/>
@@ -4864,7 +5185,15 @@
             </a:r>
             <a:r>
               <a:rPr lang="en-CA" baseline="0" dirty="0" smtClean="0"/>
-              <a:t> write provides the same functionality as VFS read and write, and are necessary for reading from or writing to </a:t>
+              <a:t> write </a:t>
+            </a:r>
+            <a:r>
+              <a:rPr lang="en-CA" baseline="0" dirty="0" smtClean="0"/>
+              <a:t>provide </a:t>
+            </a:r>
+            <a:r>
+              <a:rPr lang="en-CA" baseline="0" dirty="0" smtClean="0"/>
+              <a:t>the same functionality as VFS read and write, and are necessary for reading from or writing to </a:t>
             </a:r>
             <a:r>
               <a:rPr lang="en-CA" baseline="0" dirty="0" err="1" smtClean="0"/>
@@ -5295,7 +5624,7 @@
           <a:p>
             <a:fld id="{0145D206-3748-4927-8C33-DF34FC1F64AB}" type="datetime1">
               <a:rPr lang="en-CA" smtClean="0"/>
-              <a:t>2018-07-08</a:t>
+              <a:t>2018-07-09</a:t>
             </a:fld>
             <a:endParaRPr lang="en-CA"/>
           </a:p>
@@ -5746,7 +6075,7 @@
           <a:p>
             <a:fld id="{C89DCB4F-0D89-4D46-BA02-4EEC06F0D222}" type="datetime1">
               <a:rPr lang="en-CA" smtClean="0"/>
-              <a:t>2018-07-08</a:t>
+              <a:t>2018-07-09</a:t>
             </a:fld>
             <a:endParaRPr lang="en-CA"/>
           </a:p>
@@ -5996,7 +6325,7 @@
           <a:p>
             <a:fld id="{FC2696F7-A71E-484D-AC3A-CE094204994B}" type="datetime1">
               <a:rPr lang="en-CA" smtClean="0"/>
-              <a:t>2018-07-08</a:t>
+              <a:t>2018-07-09</a:t>
             </a:fld>
             <a:endParaRPr lang="en-CA"/>
           </a:p>
@@ -6304,7 +6633,7 @@
           <a:p>
             <a:fld id="{FF2026A3-D9E4-42EE-8898-5602D67646A6}" type="datetime1">
               <a:rPr lang="en-CA" smtClean="0"/>
-              <a:t>2018-07-08</a:t>
+              <a:t>2018-07-09</a:t>
             </a:fld>
             <a:endParaRPr lang="en-CA"/>
           </a:p>
@@ -6622,7 +6951,7 @@
           <a:p>
             <a:fld id="{382851CE-B33E-4D8E-B913-47C489FB1326}" type="datetime1">
               <a:rPr lang="en-CA" smtClean="0"/>
-              <a:t>2018-07-08</a:t>
+              <a:t>2018-07-09</a:t>
             </a:fld>
             <a:endParaRPr lang="en-CA"/>
           </a:p>
@@ -6924,7 +7253,7 @@
           <a:p>
             <a:fld id="{D0249205-445A-4022-8550-E0423D1698F6}" type="datetime1">
               <a:rPr lang="en-CA" smtClean="0"/>
-              <a:t>2018-07-08</a:t>
+              <a:t>2018-07-09</a:t>
             </a:fld>
             <a:endParaRPr lang="en-CA"/>
           </a:p>
@@ -7291,7 +7620,7 @@
           <a:p>
             <a:fld id="{4928CFC7-231B-411E-A147-D21C0786264A}" type="datetime1">
               <a:rPr lang="en-CA" smtClean="0"/>
-              <a:t>2018-07-08</a:t>
+              <a:t>2018-07-09</a:t>
             </a:fld>
             <a:endParaRPr lang="en-CA"/>
           </a:p>
@@ -7465,7 +7794,7 @@
           <a:p>
             <a:fld id="{EE4A103E-C7C6-4893-8576-55DC8ED846C7}" type="datetime1">
               <a:rPr lang="en-CA" smtClean="0"/>
-              <a:t>2018-07-08</a:t>
+              <a:t>2018-07-09</a:t>
             </a:fld>
             <a:endParaRPr lang="en-CA"/>
           </a:p>
@@ -7645,7 +7974,7 @@
           <a:p>
             <a:fld id="{E79FAEEE-621B-4F9D-B0C9-9282EED4D31D}" type="datetime1">
               <a:rPr lang="en-CA" smtClean="0"/>
-              <a:t>2018-07-08</a:t>
+              <a:t>2018-07-09</a:t>
             </a:fld>
             <a:endParaRPr lang="en-CA"/>
           </a:p>
@@ -7849,7 +8178,7 @@
           <a:p>
             <a:fld id="{D6AD7D9F-39FD-4B95-A4F0-514D658B152C}" type="datetime1">
               <a:rPr lang="en-CA" smtClean="0"/>
-              <a:t>2018-07-08</a:t>
+              <a:t>2018-07-09</a:t>
             </a:fld>
             <a:endParaRPr lang="en-CA"/>
           </a:p>
@@ -8140,7 +8469,7 @@
             <a:fld id="{7D257ED4-7149-4100-B966-397E56D6DA55}" type="datetime1">
               <a:rPr lang="en-CA" smtClean="0"/>
               <a:pPr/>
-              <a:t>2018-07-08</a:t>
+              <a:t>2018-07-09</a:t>
             </a:fld>
             <a:endParaRPr lang="en-CA"/>
           </a:p>
@@ -8583,7 +8912,7 @@
           <a:p>
             <a:fld id="{9ACE3152-893D-476F-92C8-DC87664CFA37}" type="datetime1">
               <a:rPr lang="en-CA" smtClean="0"/>
-              <a:t>2018-07-08</a:t>
+              <a:t>2018-07-09</a:t>
             </a:fld>
             <a:endParaRPr lang="en-CA"/>
           </a:p>
@@ -8965,7 +9294,7 @@
           <a:p>
             <a:fld id="{CB2930E9-C17A-4D90-BAE8-42423BBE919E}" type="datetime1">
               <a:rPr lang="en-CA" smtClean="0"/>
-              <a:t>2018-07-08</a:t>
+              <a:t>2018-07-09</a:t>
             </a:fld>
             <a:endParaRPr lang="en-CA"/>
           </a:p>
@@ -9083,7 +9412,7 @@
           <a:p>
             <a:fld id="{32659AD7-8F94-4BFD-9315-264212F1BDBC}" type="datetime1">
               <a:rPr lang="en-CA" smtClean="0"/>
-              <a:t>2018-07-08</a:t>
+              <a:t>2018-07-09</a:t>
             </a:fld>
             <a:endParaRPr lang="en-CA"/>
           </a:p>
@@ -9178,7 +9507,7 @@
           <a:p>
             <a:fld id="{DA852F67-5290-4349-8ADA-9B77C8B30CA1}" type="datetime1">
               <a:rPr lang="en-CA" smtClean="0"/>
-              <a:t>2018-07-08</a:t>
+              <a:t>2018-07-09</a:t>
             </a:fld>
             <a:endParaRPr lang="en-CA"/>
           </a:p>
@@ -9433,7 +9762,7 @@
           <a:p>
             <a:fld id="{AAA9F9A6-54E7-4285-928E-6A5CE63E658D}" type="datetime1">
               <a:rPr lang="en-CA" smtClean="0"/>
-              <a:t>2018-07-08</a:t>
+              <a:t>2018-07-09</a:t>
             </a:fld>
             <a:endParaRPr lang="en-CA"/>
           </a:p>
@@ -9716,7 +10045,7 @@
           <a:p>
             <a:fld id="{6A9DADFC-E42D-4E18-8E7A-1F87E4DC64CF}" type="datetime1">
               <a:rPr lang="en-CA" smtClean="0"/>
-              <a:t>2018-07-08</a:t>
+              <a:t>2018-07-09</a:t>
             </a:fld>
             <a:endParaRPr lang="en-CA"/>
           </a:p>
@@ -10123,7 +10452,7 @@
           <a:p>
             <a:fld id="{1046A6BF-9417-477F-B83E-822B9F56EF48}" type="datetime1">
               <a:rPr lang="en-CA" smtClean="0"/>
-              <a:t>2018-07-08</a:t>
+              <a:t>2018-07-09</a:t>
             </a:fld>
             <a:endParaRPr lang="en-CA" dirty="0"/>
           </a:p>
@@ -10933,21 +11262,21 @@
                 <a:gridCol w="1521004">
                   <a:extLst>
                     <a:ext uri="{9D8B030D-6E8A-4147-A177-3AD203B41FA5}">
-                      <a16:colId xmlns="" xmlns:a16="http://schemas.microsoft.com/office/drawing/2014/main" val="20000"/>
+                      <a16:colId xmlns:a16="http://schemas.microsoft.com/office/drawing/2014/main" xmlns="" val="20000"/>
                     </a:ext>
                   </a:extLst>
                 </a:gridCol>
                 <a:gridCol w="2807594">
                   <a:extLst>
                     <a:ext uri="{9D8B030D-6E8A-4147-A177-3AD203B41FA5}">
-                      <a16:colId xmlns="" xmlns:a16="http://schemas.microsoft.com/office/drawing/2014/main" val="20001"/>
+                      <a16:colId xmlns:a16="http://schemas.microsoft.com/office/drawing/2014/main" xmlns="" val="20001"/>
                     </a:ext>
                   </a:extLst>
                 </a:gridCol>
                 <a:gridCol w="2640169">
                   <a:extLst>
                     <a:ext uri="{9D8B030D-6E8A-4147-A177-3AD203B41FA5}">
-                      <a16:colId xmlns="" xmlns:a16="http://schemas.microsoft.com/office/drawing/2014/main" val="20002"/>
+                      <a16:colId xmlns:a16="http://schemas.microsoft.com/office/drawing/2014/main" xmlns="" val="20002"/>
                     </a:ext>
                   </a:extLst>
                 </a:gridCol>
@@ -11072,7 +11401,7 @@
                 </a:tc>
                 <a:extLst>
                   <a:ext uri="{0D108BD9-81ED-4DB2-BD59-A6C34878D82A}">
-                    <a16:rowId xmlns="" xmlns:a16="http://schemas.microsoft.com/office/drawing/2014/main" val="10000"/>
+                    <a16:rowId xmlns:a16="http://schemas.microsoft.com/office/drawing/2014/main" xmlns="" val="10000"/>
                   </a:ext>
                 </a:extLst>
               </a:tr>
@@ -11267,7 +11596,7 @@
                 </a:tc>
                 <a:extLst>
                   <a:ext uri="{0D108BD9-81ED-4DB2-BD59-A6C34878D82A}">
-                    <a16:rowId xmlns="" xmlns:a16="http://schemas.microsoft.com/office/drawing/2014/main" val="10001"/>
+                    <a16:rowId xmlns:a16="http://schemas.microsoft.com/office/drawing/2014/main" xmlns="" val="10001"/>
                   </a:ext>
                 </a:extLst>
               </a:tr>
@@ -11454,7 +11783,7 @@
                 </a:tc>
                 <a:extLst>
                   <a:ext uri="{0D108BD9-81ED-4DB2-BD59-A6C34878D82A}">
-                    <a16:rowId xmlns="" xmlns:a16="http://schemas.microsoft.com/office/drawing/2014/main" val="10002"/>
+                    <a16:rowId xmlns:a16="http://schemas.microsoft.com/office/drawing/2014/main" xmlns="" val="10002"/>
                   </a:ext>
                 </a:extLst>
               </a:tr>
@@ -11641,7 +11970,7 @@
                 </a:tc>
                 <a:extLst>
                   <a:ext uri="{0D108BD9-81ED-4DB2-BD59-A6C34878D82A}">
-                    <a16:rowId xmlns="" xmlns:a16="http://schemas.microsoft.com/office/drawing/2014/main" val="10003"/>
+                    <a16:rowId xmlns:a16="http://schemas.microsoft.com/office/drawing/2014/main" xmlns="" val="10003"/>
                   </a:ext>
                 </a:extLst>
               </a:tr>
@@ -11828,7 +12157,7 @@
                 </a:tc>
                 <a:extLst>
                   <a:ext uri="{0D108BD9-81ED-4DB2-BD59-A6C34878D82A}">
-                    <a16:rowId xmlns="" xmlns:a16="http://schemas.microsoft.com/office/drawing/2014/main" val="10004"/>
+                    <a16:rowId xmlns:a16="http://schemas.microsoft.com/office/drawing/2014/main" xmlns="" val="10004"/>
                   </a:ext>
                 </a:extLst>
               </a:tr>
@@ -11925,11 +12254,7 @@
             <a:pPr lvl="1"/>
             <a:r>
               <a:rPr lang="en-CA" dirty="0" smtClean="0"/>
-              <a:t>Transaction </a:t>
-            </a:r>
-            <a:r>
-              <a:rPr lang="en-CA" dirty="0" smtClean="0"/>
-              <a:t>aborts if journal runs out of free space</a:t>
+              <a:t>Transaction aborts if journal runs out of free space</a:t>
             </a:r>
           </a:p>
           <a:p>
@@ -18753,15 +19078,7 @@
             <a:pPr lvl="1"/>
             <a:r>
               <a:rPr lang="en-CA" dirty="0" smtClean="0"/>
-              <a:t>To </a:t>
-            </a:r>
-            <a:r>
-              <a:rPr lang="en-CA" dirty="0" smtClean="0"/>
-              <a:t>maintain, optimize, and administer </a:t>
-            </a:r>
-            <a:r>
-              <a:rPr lang="en-CA" dirty="0" smtClean="0"/>
-              <a:t>their file systems</a:t>
+              <a:t>To maintain, optimize, and administer their file systems</a:t>
             </a:r>
           </a:p>
           <a:p>
@@ -21446,7 +21763,7 @@
           <a:p>
             <a:r>
               <a:rPr lang="en-CA" dirty="0" smtClean="0"/>
-              <a:t>Limitation</a:t>
+              <a:t>Limitations</a:t>
             </a:r>
             <a:endParaRPr lang="en-CA" dirty="0"/>
           </a:p>
@@ -22391,51 +22708,9 @@
           <a:p>
             <a:r>
               <a:rPr lang="en-CA" dirty="0" smtClean="0"/>
-              <a:t>Goal</a:t>
-            </a:r>
-          </a:p>
-          <a:p>
-            <a:pPr lvl="1"/>
-            <a:r>
-              <a:rPr lang="en-CA" dirty="0" smtClean="0"/>
-              <a:t>Provide online transactional support for </a:t>
-            </a:r>
-            <a:r>
-              <a:rPr lang="en-CA" dirty="0" err="1" smtClean="0"/>
-              <a:t>eVFS</a:t>
-            </a:r>
-            <a:r>
-              <a:rPr lang="en-CA" dirty="0" smtClean="0"/>
-              <a:t> operations</a:t>
-            </a:r>
-          </a:p>
-          <a:p>
-            <a:pPr lvl="2"/>
-            <a:r>
-              <a:rPr lang="en-CA" dirty="0" smtClean="0"/>
-              <a:t>Ensure existing applications remain unaffected by </a:t>
-            </a:r>
-            <a:r>
-              <a:rPr lang="en-CA" dirty="0" err="1" smtClean="0"/>
-              <a:t>eVFS</a:t>
-            </a:r>
-            <a:r>
-              <a:rPr lang="en-CA" dirty="0" smtClean="0"/>
-              <a:t> applications</a:t>
-            </a:r>
-          </a:p>
-          <a:p>
-            <a:pPr lvl="2"/>
-            <a:r>
-              <a:rPr lang="en-CA" dirty="0" smtClean="0"/>
-              <a:t>Minimize changes to existing file system implementation</a:t>
-            </a:r>
-          </a:p>
-          <a:p>
-            <a:r>
-              <a:rPr lang="en-CA" dirty="0" smtClean="0"/>
               <a:t>Idea</a:t>
             </a:r>
+            <a:endParaRPr lang="en-CA" dirty="0" smtClean="0"/>
           </a:p>
           <a:p>
             <a:pPr lvl="1"/>
@@ -22582,14 +22857,13 @@
           <a:p>
             <a:pPr lvl="1"/>
             <a:r>
+              <a:rPr lang="en-CA" smtClean="0"/>
+              <a:t>Application works </a:t>
+            </a:r>
+            <a:r>
               <a:rPr lang="en-CA" dirty="0" smtClean="0"/>
-              <a:t>Works across </a:t>
-            </a:r>
-            <a:r>
-              <a:rPr lang="en-CA" smtClean="0"/>
-              <a:t>file systems</a:t>
-            </a:r>
-            <a:endParaRPr lang="en-CA" dirty="0" smtClean="0"/>
+              <a:t>across file systems</a:t>
+            </a:r>
           </a:p>
           <a:p>
             <a:pPr lvl="1"/>
@@ -26768,21 +27042,21 @@
                 <a:gridCol w="1376407">
                   <a:extLst>
                     <a:ext uri="{9D8B030D-6E8A-4147-A177-3AD203B41FA5}">
-                      <a16:colId xmlns="" xmlns:a16="http://schemas.microsoft.com/office/drawing/2014/main" val="20000"/>
+                      <a16:colId xmlns:a16="http://schemas.microsoft.com/office/drawing/2014/main" xmlns="" val="20000"/>
                     </a:ext>
                   </a:extLst>
                 </a:gridCol>
                 <a:gridCol w="3388710">
                   <a:extLst>
                     <a:ext uri="{9D8B030D-6E8A-4147-A177-3AD203B41FA5}">
-                      <a16:colId xmlns="" xmlns:a16="http://schemas.microsoft.com/office/drawing/2014/main" val="20001"/>
+                      <a16:colId xmlns:a16="http://schemas.microsoft.com/office/drawing/2014/main" xmlns="" val="20001"/>
                     </a:ext>
                   </a:extLst>
                 </a:gridCol>
                 <a:gridCol w="5226908">
                   <a:extLst>
                     <a:ext uri="{9D8B030D-6E8A-4147-A177-3AD203B41FA5}">
-                      <a16:colId xmlns="" xmlns:a16="http://schemas.microsoft.com/office/drawing/2014/main" val="20002"/>
+                      <a16:colId xmlns:a16="http://schemas.microsoft.com/office/drawing/2014/main" xmlns="" val="20002"/>
                     </a:ext>
                   </a:extLst>
                 </a:gridCol>
@@ -26967,7 +27241,7 @@
                 </a:tc>
                 <a:extLst>
                   <a:ext uri="{0D108BD9-81ED-4DB2-BD59-A6C34878D82A}">
-                    <a16:rowId xmlns="" xmlns:a16="http://schemas.microsoft.com/office/drawing/2014/main" val="10000"/>
+                    <a16:rowId xmlns:a16="http://schemas.microsoft.com/office/drawing/2014/main" xmlns="" val="10000"/>
                   </a:ext>
                 </a:extLst>
               </a:tr>
@@ -27577,7 +27851,7 @@
                 </a:tc>
                 <a:extLst>
                   <a:ext uri="{0D108BD9-81ED-4DB2-BD59-A6C34878D82A}">
-                    <a16:rowId xmlns="" xmlns:a16="http://schemas.microsoft.com/office/drawing/2014/main" val="10001"/>
+                    <a16:rowId xmlns:a16="http://schemas.microsoft.com/office/drawing/2014/main" xmlns="" val="10001"/>
                   </a:ext>
                 </a:extLst>
               </a:tr>
@@ -27737,7 +28011,7 @@
                 </a:tc>
                 <a:extLst>
                   <a:ext uri="{0D108BD9-81ED-4DB2-BD59-A6C34878D82A}">
-                    <a16:rowId xmlns="" xmlns:a16="http://schemas.microsoft.com/office/drawing/2014/main" val="10002"/>
+                    <a16:rowId xmlns:a16="http://schemas.microsoft.com/office/drawing/2014/main" xmlns="" val="10002"/>
                   </a:ext>
                 </a:extLst>
               </a:tr>
@@ -27872,7 +28146,7 @@
                 </a:tc>
                 <a:extLst>
                   <a:ext uri="{0D108BD9-81ED-4DB2-BD59-A6C34878D82A}">
-                    <a16:rowId xmlns="" xmlns:a16="http://schemas.microsoft.com/office/drawing/2014/main" val="10003"/>
+                    <a16:rowId xmlns:a16="http://schemas.microsoft.com/office/drawing/2014/main" xmlns="" val="10003"/>
                   </a:ext>
                 </a:extLst>
               </a:tr>
@@ -28072,7 +28346,7 @@
                 </a:tc>
                 <a:extLst>
                   <a:ext uri="{0D108BD9-81ED-4DB2-BD59-A6C34878D82A}">
-                    <a16:rowId xmlns="" xmlns:a16="http://schemas.microsoft.com/office/drawing/2014/main" val="10004"/>
+                    <a16:rowId xmlns:a16="http://schemas.microsoft.com/office/drawing/2014/main" xmlns="" val="10004"/>
                   </a:ext>
                 </a:extLst>
               </a:tr>
@@ -28305,7 +28579,7 @@
                 </a:tc>
                 <a:extLst>
                   <a:ext uri="{0D108BD9-81ED-4DB2-BD59-A6C34878D82A}">
-                    <a16:rowId xmlns="" xmlns:a16="http://schemas.microsoft.com/office/drawing/2014/main" val="10005"/>
+                    <a16:rowId xmlns:a16="http://schemas.microsoft.com/office/drawing/2014/main" xmlns="" val="10005"/>
                   </a:ext>
                 </a:extLst>
               </a:tr>
@@ -28472,7 +28746,7 @@
                 </a:tc>
                 <a:extLst>
                   <a:ext uri="{0D108BD9-81ED-4DB2-BD59-A6C34878D82A}">
-                    <a16:rowId xmlns="" xmlns:a16="http://schemas.microsoft.com/office/drawing/2014/main" val="10006"/>
+                    <a16:rowId xmlns:a16="http://schemas.microsoft.com/office/drawing/2014/main" xmlns="" val="10006"/>
                   </a:ext>
                 </a:extLst>
               </a:tr>
@@ -28615,7 +28889,7 @@
                 </a:tc>
                 <a:extLst>
                   <a:ext uri="{0D108BD9-81ED-4DB2-BD59-A6C34878D82A}">
-                    <a16:rowId xmlns="" xmlns:a16="http://schemas.microsoft.com/office/drawing/2014/main" val="10007"/>
+                    <a16:rowId xmlns:a16="http://schemas.microsoft.com/office/drawing/2014/main" xmlns="" val="10007"/>
                   </a:ext>
                 </a:extLst>
               </a:tr>
@@ -28783,7 +29057,7 @@
                 </a:tc>
                 <a:extLst>
                   <a:ext uri="{0D108BD9-81ED-4DB2-BD59-A6C34878D82A}">
-                    <a16:rowId xmlns="" xmlns:a16="http://schemas.microsoft.com/office/drawing/2014/main" val="10008"/>
+                    <a16:rowId xmlns:a16="http://schemas.microsoft.com/office/drawing/2014/main" xmlns="" val="10008"/>
                   </a:ext>
                 </a:extLst>
               </a:tr>
@@ -28968,21 +29242,21 @@
                 <a:gridCol w="1651214">
                   <a:extLst>
                     <a:ext uri="{9D8B030D-6E8A-4147-A177-3AD203B41FA5}">
-                      <a16:colId xmlns="" xmlns:a16="http://schemas.microsoft.com/office/drawing/2014/main" val="20000"/>
+                      <a16:colId xmlns:a16="http://schemas.microsoft.com/office/drawing/2014/main" xmlns="" val="20000"/>
                     </a:ext>
                   </a:extLst>
                 </a:gridCol>
                 <a:gridCol w="2545492">
                   <a:extLst>
                     <a:ext uri="{9D8B030D-6E8A-4147-A177-3AD203B41FA5}">
-                      <a16:colId xmlns="" xmlns:a16="http://schemas.microsoft.com/office/drawing/2014/main" val="20001"/>
+                      <a16:colId xmlns:a16="http://schemas.microsoft.com/office/drawing/2014/main" xmlns="" val="20001"/>
                     </a:ext>
                   </a:extLst>
                 </a:gridCol>
                 <a:gridCol w="5436973">
                   <a:extLst>
                     <a:ext uri="{9D8B030D-6E8A-4147-A177-3AD203B41FA5}">
-                      <a16:colId xmlns="" xmlns:a16="http://schemas.microsoft.com/office/drawing/2014/main" val="20002"/>
+                      <a16:colId xmlns:a16="http://schemas.microsoft.com/office/drawing/2014/main" xmlns="" val="20002"/>
                     </a:ext>
                   </a:extLst>
                 </a:gridCol>
@@ -29167,7 +29441,7 @@
                 </a:tc>
                 <a:extLst>
                   <a:ext uri="{0D108BD9-81ED-4DB2-BD59-A6C34878D82A}">
-                    <a16:rowId xmlns="" xmlns:a16="http://schemas.microsoft.com/office/drawing/2014/main" val="10000"/>
+                    <a16:rowId xmlns:a16="http://schemas.microsoft.com/office/drawing/2014/main" xmlns="" val="10000"/>
                   </a:ext>
                 </a:extLst>
               </a:tr>
@@ -29383,7 +29657,7 @@
                 </a:tc>
                 <a:extLst>
                   <a:ext uri="{0D108BD9-81ED-4DB2-BD59-A6C34878D82A}">
-                    <a16:rowId xmlns="" xmlns:a16="http://schemas.microsoft.com/office/drawing/2014/main" val="10009"/>
+                    <a16:rowId xmlns:a16="http://schemas.microsoft.com/office/drawing/2014/main" xmlns="" val="10009"/>
                   </a:ext>
                 </a:extLst>
               </a:tr>
@@ -29705,7 +29979,7 @@
                 </a:tc>
                 <a:extLst>
                   <a:ext uri="{0D108BD9-81ED-4DB2-BD59-A6C34878D82A}">
-                    <a16:rowId xmlns="" xmlns:a16="http://schemas.microsoft.com/office/drawing/2014/main" val="10010"/>
+                    <a16:rowId xmlns:a16="http://schemas.microsoft.com/office/drawing/2014/main" xmlns="" val="10010"/>
                   </a:ext>
                 </a:extLst>
               </a:tr>

--- a/slide/evfs_talk.pptx
+++ b/slide/evfs_talk.pptx
@@ -394,11 +394,11 @@
         </c:dLbls>
         <c:marker val="1"/>
         <c:smooth val="0"/>
-        <c:axId val="328672328"/>
-        <c:axId val="328669976"/>
+        <c:axId val="306746176"/>
+        <c:axId val="306746960"/>
       </c:lineChart>
       <c:catAx>
-        <c:axId val="328672328"/>
+        <c:axId val="306746176"/>
         <c:scaling>
           <c:orientation val="minMax"/>
         </c:scaling>
@@ -499,7 +499,7 @@
             <a:endParaRPr lang="en-US"/>
           </a:p>
         </c:txPr>
-        <c:crossAx val="328669976"/>
+        <c:crossAx val="306746960"/>
         <c:crosses val="autoZero"/>
         <c:auto val="0"/>
         <c:lblAlgn val="ctr"/>
@@ -507,7 +507,7 @@
         <c:noMultiLvlLbl val="0"/>
       </c:catAx>
       <c:valAx>
-        <c:axId val="328669976"/>
+        <c:axId val="306746960"/>
         <c:scaling>
           <c:logBase val="4"/>
           <c:orientation val="minMax"/>
@@ -550,6 +550,7 @@
               </a:p>
             </c:rich>
           </c:tx>
+          <c:layout/>
           <c:overlay val="0"/>
           <c:spPr>
             <a:noFill/>
@@ -604,7 +605,7 @@
             <a:endParaRPr lang="en-US"/>
           </a:p>
         </c:txPr>
-        <c:crossAx val="328672328"/>
+        <c:crossAx val="306746176"/>
         <c:crosses val="autoZero"/>
         <c:crossBetween val="between"/>
       </c:valAx>
@@ -3222,7 +3223,35 @@
             </a:r>
             <a:r>
               <a:rPr lang="en-CA" baseline="0" dirty="0" smtClean="0"/>
-              <a:t> and recreates it on the destination file system. It does so by first allocating the extents on the destination file system without changing the original content, as shown on line 4, and then recreate the mapping of each extent to the new </a:t>
+              <a:t> and recreates </a:t>
+            </a:r>
+            <a:r>
+              <a:rPr lang="en-CA" baseline="0" dirty="0" smtClean="0"/>
+              <a:t>just the metadata </a:t>
+            </a:r>
+            <a:r>
+              <a:rPr lang="en-CA" baseline="0" dirty="0" smtClean="0"/>
+              <a:t>on the destination file system. It does so by first allocating the extents on the destination file </a:t>
+            </a:r>
+            <a:r>
+              <a:rPr lang="en-CA" baseline="0" dirty="0" smtClean="0"/>
+              <a:t>system, </a:t>
+            </a:r>
+            <a:r>
+              <a:rPr lang="en-CA" baseline="0" dirty="0" smtClean="0"/>
+              <a:t>as shown on line </a:t>
+            </a:r>
+            <a:r>
+              <a:rPr lang="en-CA" baseline="0" dirty="0" smtClean="0"/>
+              <a:t>4. Note that the function does not wipe or otherwise change the content of the extent. Next, the </a:t>
+            </a:r>
+            <a:r>
+              <a:rPr lang="en-CA" baseline="0" smtClean="0"/>
+              <a:t>conversion tool recreate </a:t>
+            </a:r>
+            <a:r>
+              <a:rPr lang="en-CA" baseline="0" dirty="0" smtClean="0"/>
+              <a:t>the mapping of each extent to the new </a:t>
             </a:r>
             <a:r>
               <a:rPr lang="en-CA" baseline="0" dirty="0" err="1" smtClean="0"/>
@@ -3246,11 +3275,7 @@
             </a:r>
             <a:r>
               <a:rPr lang="en-CA" baseline="0" dirty="0" smtClean="0"/>
-              <a:t> as described earlier. Next, we’ll discuss </a:t>
-            </a:r>
-            <a:r>
-              <a:rPr lang="en-CA" baseline="0" dirty="0" smtClean="0"/>
-              <a:t>how journaling reduces the memory overhead of the conversion tool.</a:t>
+              <a:t> as described earlier. Next, we’ll discuss how journaling reduces the memory overhead of the conversion tool.</a:t>
             </a:r>
             <a:endParaRPr lang="en-CA" dirty="0"/>
           </a:p>
@@ -3350,11 +3375,7 @@
             </a:r>
             <a:r>
               <a:rPr lang="en-CA" baseline="0" dirty="0" smtClean="0"/>
-              <a:t>During </a:t>
-            </a:r>
-            <a:r>
-              <a:rPr lang="en-CA" baseline="0" dirty="0" smtClean="0"/>
-              <a:t>our evaluation, we find that our journaling implementation has a small overhead of at most 20%, which is a small price to pay considering the danger of data loss during file system conversion. </a:t>
+              <a:t>During our evaluation, we find that our journaling implementation has a small overhead of at most 20%, which is a small price to pay considering the danger of data loss during file system conversion. </a:t>
             </a:r>
             <a:r>
               <a:rPr lang="en-CA" sz="1200" b="0" i="0" kern="1200" dirty="0" smtClean="0">
@@ -3370,11 +3391,15 @@
             </a:r>
             <a:r>
               <a:rPr lang="en-CA" baseline="0" dirty="0" smtClean="0"/>
-              <a:t>also </a:t>
+              <a:t>also reduces the memory overhead of the conversion tool. When journaling is enabled, we are able to read the source file system while writing the destination file system since before the transaction is committed, the source file system is still intact and not overwritten. However, without journaling, the source file system may be overwritten by the destination file system and therefore our previous version of the conversion tool had to read the entire source file system metadata into memory before writing out the destination file system, which would require </a:t>
             </a:r>
             <a:r>
               <a:rPr lang="en-CA" baseline="0" dirty="0" smtClean="0"/>
-              <a:t>reduces the memory overhead of the conversion tool. When journaling is enabled, we are able to read the source file system while writing the destination file system since before the transaction is committed, the source file system is still intact and not overwritten. However, without journaling, the source file system may be overwritten by the destination file system and therefore our previous version of the conversion tool had to read the entire source file system metadata into memory before writing out the destination file system, which would require excessive an amount of memory for very large file systems.</a:t>
+              <a:t>excessive </a:t>
+            </a:r>
+            <a:r>
+              <a:rPr lang="en-CA" baseline="0" dirty="0" smtClean="0"/>
+              <a:t>amount of memory for very large file systems.</a:t>
             </a:r>
             <a:endParaRPr lang="en-CA" dirty="0"/>
           </a:p>
@@ -3468,7 +3493,6 @@
               <a:rPr lang="en-CA" baseline="0" dirty="0" smtClean="0"/>
               <a:t> discuss the main take away of our work in terms of design trade offs. On the leftmost side in this diagram, we have VFS, which provides the most generic API and is able to support all file systems. However, it provides the least control, and thus can only work for applications that operate at the file level. </a:t>
             </a:r>
-            <a:endParaRPr lang="en-CA" baseline="0" dirty="0" smtClean="0"/>
           </a:p>
           <a:p>
             <a:r>
@@ -3485,19 +3509,7 @@
             </a:r>
             <a:r>
               <a:rPr lang="en-CA" baseline="0" dirty="0" smtClean="0"/>
-              <a:t>are </a:t>
-            </a:r>
-            <a:r>
-              <a:rPr lang="en-CA" baseline="0" dirty="0" smtClean="0"/>
-              <a:t>file system specific and provides full control to the programmer at the cost of complexity and lack of generality. In between, we have Spiffy, which provides type-safe access to data structures </a:t>
-            </a:r>
-            <a:r>
-              <a:rPr lang="en-CA" baseline="0" dirty="0" smtClean="0"/>
-              <a:t>and it </a:t>
-            </a:r>
-            <a:r>
-              <a:rPr lang="en-CA" baseline="0" dirty="0" smtClean="0"/>
-              <a:t>simplifies traversal of the file system tree. However, it only knows about the types of data structures but not the semantics, such as the meaning of an </a:t>
+              <a:t>are file system specific and provides full control to the programmer at the cost of complexity and lack of generality. In between, we have Spiffy, which provides type-safe access to data structures and it simplifies traversal of the file system tree. However, it only knows about the types of data structures but not the semantics, such as the meaning of an </a:t>
             </a:r>
             <a:r>
               <a:rPr lang="en-CA" baseline="0" dirty="0" err="1" smtClean="0"/>
@@ -3505,7 +3517,15 @@
             </a:r>
             <a:r>
               <a:rPr lang="en-CA" baseline="0" dirty="0" smtClean="0"/>
-              <a:t>, making it still file system specific. Therefore, we arrived at </a:t>
+              <a:t>, making it still file system specific. Therefore, we </a:t>
+            </a:r>
+            <a:r>
+              <a:rPr lang="en-CA" baseline="0" dirty="0" smtClean="0"/>
+              <a:t>arrive </a:t>
+            </a:r>
+            <a:r>
+              <a:rPr lang="en-CA" baseline="0" dirty="0" smtClean="0"/>
+              <a:t>at </a:t>
             </a:r>
             <a:r>
               <a:rPr lang="en-CA" baseline="0" dirty="0" err="1" smtClean="0"/>
@@ -4935,11 +4955,7 @@
             </a:r>
             <a:r>
               <a:rPr lang="en-CA" baseline="0" dirty="0" smtClean="0"/>
-              <a:t> </a:t>
-            </a:r>
-            <a:r>
-              <a:rPr lang="en-CA" baseline="0" dirty="0" smtClean="0"/>
-              <a:t>the ability to make a new file system on a device, or update the settings of an existing file system, such as changing the label or toggling file system features. </a:t>
+              <a:t> the ability to make a new file system on a device, or update the settings of an existing file system, such as changing the label or toggling file system features. </a:t>
             </a:r>
             <a:endParaRPr lang="en-CA" dirty="0" smtClean="0"/>
           </a:p>
@@ -4963,19 +4979,11 @@
             </a:pPr>
             <a:r>
               <a:rPr lang="en-CA" dirty="0" smtClean="0"/>
-              <a:t>Many </a:t>
-            </a:r>
-            <a:r>
-              <a:rPr lang="en-CA" dirty="0" smtClean="0"/>
-              <a:t>file system</a:t>
+              <a:t>Many file system</a:t>
             </a:r>
             <a:r>
               <a:rPr lang="en-CA" baseline="0" dirty="0" smtClean="0"/>
-              <a:t> management tools require the ability to control the physical layout of the data blocks on disk, for example, defragmentation tools and garbage collectors need to move data blocks from one physical location to another</a:t>
-            </a:r>
-            <a:r>
-              <a:rPr lang="en-CA" baseline="0" dirty="0" smtClean="0"/>
-              <a:t>.</a:t>
+              <a:t> management tools require the ability to control the physical layout of the data blocks on disk, for example, defragmentation tools and garbage collectors need to move data blocks from one physical location to another.</a:t>
             </a:r>
           </a:p>
           <a:p>
@@ -5137,23 +5145,11 @@
             </a:pPr>
             <a:r>
               <a:rPr lang="en-CA" dirty="0" smtClean="0"/>
-              <a:t>Similarly</a:t>
-            </a:r>
-            <a:r>
-              <a:rPr lang="en-CA" dirty="0" smtClean="0"/>
-              <a:t>, there are operations which</a:t>
+              <a:t>Similarly, there are operations which</a:t>
             </a:r>
             <a:r>
               <a:rPr lang="en-CA" baseline="0" dirty="0" smtClean="0"/>
-              <a:t> </a:t>
-            </a:r>
-            <a:r>
-              <a:rPr lang="en-CA" baseline="0" dirty="0" smtClean="0"/>
-              <a:t>work </a:t>
-            </a:r>
-            <a:r>
-              <a:rPr lang="en-CA" baseline="0" dirty="0" smtClean="0"/>
-              <a:t>with </a:t>
+              <a:t> work with </a:t>
             </a:r>
             <a:r>
               <a:rPr lang="en-CA" baseline="0" dirty="0" err="1" smtClean="0"/>
@@ -5185,15 +5181,7 @@
             </a:r>
             <a:r>
               <a:rPr lang="en-CA" baseline="0" dirty="0" smtClean="0"/>
-              <a:t> write </a:t>
-            </a:r>
-            <a:r>
-              <a:rPr lang="en-CA" baseline="0" dirty="0" smtClean="0"/>
-              <a:t>provide </a:t>
-            </a:r>
-            <a:r>
-              <a:rPr lang="en-CA" baseline="0" dirty="0" smtClean="0"/>
-              <a:t>the same functionality as VFS read and write, and are necessary for reading from or writing to </a:t>
+              <a:t> write provide the same functionality as VFS read and write, and are necessary for reading from or writing to </a:t>
             </a:r>
             <a:r>
               <a:rPr lang="en-CA" baseline="0" dirty="0" err="1" smtClean="0"/>
@@ -11262,21 +11250,21 @@
                 <a:gridCol w="1521004">
                   <a:extLst>
                     <a:ext uri="{9D8B030D-6E8A-4147-A177-3AD203B41FA5}">
-                      <a16:colId xmlns:a16="http://schemas.microsoft.com/office/drawing/2014/main" xmlns="" val="20000"/>
+                      <a16:colId xmlns="" xmlns:a16="http://schemas.microsoft.com/office/drawing/2014/main" val="20000"/>
                     </a:ext>
                   </a:extLst>
                 </a:gridCol>
                 <a:gridCol w="2807594">
                   <a:extLst>
                     <a:ext uri="{9D8B030D-6E8A-4147-A177-3AD203B41FA5}">
-                      <a16:colId xmlns:a16="http://schemas.microsoft.com/office/drawing/2014/main" xmlns="" val="20001"/>
+                      <a16:colId xmlns="" xmlns:a16="http://schemas.microsoft.com/office/drawing/2014/main" val="20001"/>
                     </a:ext>
                   </a:extLst>
                 </a:gridCol>
                 <a:gridCol w="2640169">
                   <a:extLst>
                     <a:ext uri="{9D8B030D-6E8A-4147-A177-3AD203B41FA5}">
-                      <a16:colId xmlns:a16="http://schemas.microsoft.com/office/drawing/2014/main" xmlns="" val="20002"/>
+                      <a16:colId xmlns="" xmlns:a16="http://schemas.microsoft.com/office/drawing/2014/main" val="20002"/>
                     </a:ext>
                   </a:extLst>
                 </a:gridCol>
@@ -11401,7 +11389,7 @@
                 </a:tc>
                 <a:extLst>
                   <a:ext uri="{0D108BD9-81ED-4DB2-BD59-A6C34878D82A}">
-                    <a16:rowId xmlns:a16="http://schemas.microsoft.com/office/drawing/2014/main" xmlns="" val="10000"/>
+                    <a16:rowId xmlns="" xmlns:a16="http://schemas.microsoft.com/office/drawing/2014/main" val="10000"/>
                   </a:ext>
                 </a:extLst>
               </a:tr>
@@ -11596,7 +11584,7 @@
                 </a:tc>
                 <a:extLst>
                   <a:ext uri="{0D108BD9-81ED-4DB2-BD59-A6C34878D82A}">
-                    <a16:rowId xmlns:a16="http://schemas.microsoft.com/office/drawing/2014/main" xmlns="" val="10001"/>
+                    <a16:rowId xmlns="" xmlns:a16="http://schemas.microsoft.com/office/drawing/2014/main" val="10001"/>
                   </a:ext>
                 </a:extLst>
               </a:tr>
@@ -11783,7 +11771,7 @@
                 </a:tc>
                 <a:extLst>
                   <a:ext uri="{0D108BD9-81ED-4DB2-BD59-A6C34878D82A}">
-                    <a16:rowId xmlns:a16="http://schemas.microsoft.com/office/drawing/2014/main" xmlns="" val="10002"/>
+                    <a16:rowId xmlns="" xmlns:a16="http://schemas.microsoft.com/office/drawing/2014/main" val="10002"/>
                   </a:ext>
                 </a:extLst>
               </a:tr>
@@ -11970,7 +11958,7 @@
                 </a:tc>
                 <a:extLst>
                   <a:ext uri="{0D108BD9-81ED-4DB2-BD59-A6C34878D82A}">
-                    <a16:rowId xmlns:a16="http://schemas.microsoft.com/office/drawing/2014/main" xmlns="" val="10003"/>
+                    <a16:rowId xmlns="" xmlns:a16="http://schemas.microsoft.com/office/drawing/2014/main" val="10003"/>
                   </a:ext>
                 </a:extLst>
               </a:tr>
@@ -12157,7 +12145,7 @@
                 </a:tc>
                 <a:extLst>
                   <a:ext uri="{0D108BD9-81ED-4DB2-BD59-A6C34878D82A}">
-                    <a16:rowId xmlns:a16="http://schemas.microsoft.com/office/drawing/2014/main" xmlns="" val="10004"/>
+                    <a16:rowId xmlns="" xmlns:a16="http://schemas.microsoft.com/office/drawing/2014/main" val="10004"/>
                   </a:ext>
                 </a:extLst>
               </a:tr>
@@ -12175,6 +12163,13 @@
   <p:clrMapOvr>
     <a:masterClrMapping/>
   </p:clrMapOvr>
+  <p:timing>
+    <p:tnLst>
+      <p:par>
+        <p:cTn id="1" dur="indefinite" restart="never" nodeType="tmRoot"/>
+      </p:par>
+    </p:tnLst>
+  </p:timing>
 </p:sld>
 </file>
 
@@ -12803,6 +12798,13 @@
   <p:clrMapOvr>
     <a:masterClrMapping/>
   </p:clrMapOvr>
+  <p:timing>
+    <p:tnLst>
+      <p:par>
+        <p:cTn id="1" dur="indefinite" restart="never" nodeType="tmRoot"/>
+      </p:par>
+    </p:tnLst>
+  </p:timing>
 </p:sld>
 </file>
 
@@ -13535,6 +13537,13 @@
   <p:clrMapOvr>
     <a:masterClrMapping/>
   </p:clrMapOvr>
+  <p:timing>
+    <p:tnLst>
+      <p:par>
+        <p:cTn id="1" dur="indefinite" restart="never" nodeType="tmRoot"/>
+      </p:par>
+    </p:tnLst>
+  </p:timing>
 </p:sld>
 </file>
 
@@ -14256,6 +14265,13 @@
   <p:clrMapOvr>
     <a:masterClrMapping/>
   </p:clrMapOvr>
+  <p:timing>
+    <p:tnLst>
+      <p:par>
+        <p:cTn id="1" dur="indefinite" restart="never" nodeType="tmRoot"/>
+      </p:par>
+    </p:tnLst>
+  </p:timing>
 </p:sld>
 </file>
 
@@ -15057,6 +15073,13 @@
   <p:clrMapOvr>
     <a:masterClrMapping/>
   </p:clrMapOvr>
+  <p:timing>
+    <p:tnLst>
+      <p:par>
+        <p:cTn id="1" dur="indefinite" restart="never" nodeType="tmRoot"/>
+      </p:par>
+    </p:tnLst>
+  </p:timing>
 </p:sld>
 </file>
 
@@ -15817,6 +15840,13 @@
   <p:clrMapOvr>
     <a:masterClrMapping/>
   </p:clrMapOvr>
+  <p:timing>
+    <p:tnLst>
+      <p:par>
+        <p:cTn id="1" dur="indefinite" restart="never" nodeType="tmRoot"/>
+      </p:par>
+    </p:tnLst>
+  </p:timing>
 </p:sld>
 </file>
 
@@ -16736,6 +16766,13 @@
   <p:clrMapOvr>
     <a:masterClrMapping/>
   </p:clrMapOvr>
+  <p:timing>
+    <p:tnLst>
+      <p:par>
+        <p:cTn id="1" dur="indefinite" restart="never" nodeType="tmRoot"/>
+      </p:par>
+    </p:tnLst>
+  </p:timing>
 </p:sld>
 </file>
 
@@ -17789,6 +17826,13 @@
   <p:clrMapOvr>
     <a:masterClrMapping/>
   </p:clrMapOvr>
+  <p:timing>
+    <p:tnLst>
+      <p:par>
+        <p:cTn id="1" dur="indefinite" restart="never" nodeType="tmRoot"/>
+      </p:par>
+    </p:tnLst>
+  </p:timing>
 </p:sld>
 </file>
 
@@ -18762,6 +18806,13 @@
   <p:clrMapOvr>
     <a:masterClrMapping/>
   </p:clrMapOvr>
+  <p:timing>
+    <p:tnLst>
+      <p:par>
+        <p:cTn id="1" dur="indefinite" restart="never" nodeType="tmRoot"/>
+      </p:par>
+    </p:tnLst>
+  </p:timing>
 </p:sld>
 </file>
 
@@ -20065,6 +20116,13 @@
   <p:clrMapOvr>
     <a:masterClrMapping/>
   </p:clrMapOvr>
+  <p:timing>
+    <p:tnLst>
+      <p:par>
+        <p:cTn id="1" dur="indefinite" restart="never" nodeType="tmRoot"/>
+      </p:par>
+    </p:tnLst>
+  </p:timing>
 </p:sld>
 </file>
 
@@ -20730,6 +20788,13 @@
   <p:clrMapOvr>
     <a:masterClrMapping/>
   </p:clrMapOvr>
+  <p:timing>
+    <p:tnLst>
+      <p:par>
+        <p:cTn id="1" dur="indefinite" restart="never" nodeType="tmRoot"/>
+      </p:par>
+    </p:tnLst>
+  </p:timing>
 </p:sld>
 </file>
 
@@ -20863,6 +20928,13 @@
   <p:clrMapOvr>
     <a:masterClrMapping/>
   </p:clrMapOvr>
+  <p:timing>
+    <p:tnLst>
+      <p:par>
+        <p:cTn id="1" dur="indefinite" restart="never" nodeType="tmRoot"/>
+      </p:par>
+    </p:tnLst>
+  </p:timing>
 </p:sld>
 </file>
 
@@ -21726,6 +21798,13 @@
   <p:clrMapOvr>
     <a:masterClrMapping/>
   </p:clrMapOvr>
+  <p:timing>
+    <p:tnLst>
+      <p:par>
+        <p:cTn id="1" dur="indefinite" restart="never" nodeType="tmRoot"/>
+      </p:par>
+    </p:tnLst>
+  </p:timing>
 </p:sld>
 </file>
 
@@ -22623,6 +22702,13 @@
   <p:clrMapOvr>
     <a:masterClrMapping/>
   </p:clrMapOvr>
+  <p:timing>
+    <p:tnLst>
+      <p:par>
+        <p:cTn id="1" dur="indefinite" restart="never" nodeType="tmRoot"/>
+      </p:par>
+    </p:tnLst>
+  </p:timing>
 </p:sld>
 </file>
 
@@ -22710,7 +22796,6 @@
               <a:rPr lang="en-CA" dirty="0" smtClean="0"/>
               <a:t>Idea</a:t>
             </a:r>
-            <a:endParaRPr lang="en-CA" dirty="0" smtClean="0"/>
           </a:p>
           <a:p>
             <a:pPr lvl="1"/>
@@ -22762,6 +22847,13 @@
   <p:clrMapOvr>
     <a:masterClrMapping/>
   </p:clrMapOvr>
+  <p:timing>
+    <p:tnLst>
+      <p:par>
+        <p:cTn id="1" dur="indefinite" restart="never" nodeType="tmRoot"/>
+      </p:par>
+    </p:tnLst>
+  </p:timing>
 </p:sld>
 </file>
 
@@ -22905,6 +22997,13 @@
   <p:clrMapOvr>
     <a:masterClrMapping/>
   </p:clrMapOvr>
+  <p:timing>
+    <p:tnLst>
+      <p:par>
+        <p:cTn id="1" dur="indefinite" restart="never" nodeType="tmRoot"/>
+      </p:par>
+    </p:tnLst>
+  </p:timing>
 </p:sld>
 </file>
 
@@ -26783,6 +26882,13 @@
   <p:clrMapOvr>
     <a:masterClrMapping/>
   </p:clrMapOvr>
+  <p:timing>
+    <p:tnLst>
+      <p:par>
+        <p:cTn id="1" dur="indefinite" restart="never" nodeType="tmRoot"/>
+      </p:par>
+    </p:tnLst>
+  </p:timing>
 </p:sld>
 </file>
 
@@ -26966,6 +27072,13 @@
   <p:clrMapOvr>
     <a:masterClrMapping/>
   </p:clrMapOvr>
+  <p:timing>
+    <p:tnLst>
+      <p:par>
+        <p:cTn id="1" dur="indefinite" restart="never" nodeType="tmRoot"/>
+      </p:par>
+    </p:tnLst>
+  </p:timing>
 </p:sld>
 </file>
 
@@ -27042,21 +27155,21 @@
                 <a:gridCol w="1376407">
                   <a:extLst>
                     <a:ext uri="{9D8B030D-6E8A-4147-A177-3AD203B41FA5}">
-                      <a16:colId xmlns:a16="http://schemas.microsoft.com/office/drawing/2014/main" xmlns="" val="20000"/>
+                      <a16:colId xmlns="" xmlns:a16="http://schemas.microsoft.com/office/drawing/2014/main" val="20000"/>
                     </a:ext>
                   </a:extLst>
                 </a:gridCol>
                 <a:gridCol w="3388710">
                   <a:extLst>
                     <a:ext uri="{9D8B030D-6E8A-4147-A177-3AD203B41FA5}">
-                      <a16:colId xmlns:a16="http://schemas.microsoft.com/office/drawing/2014/main" xmlns="" val="20001"/>
+                      <a16:colId xmlns="" xmlns:a16="http://schemas.microsoft.com/office/drawing/2014/main" val="20001"/>
                     </a:ext>
                   </a:extLst>
                 </a:gridCol>
                 <a:gridCol w="5226908">
                   <a:extLst>
                     <a:ext uri="{9D8B030D-6E8A-4147-A177-3AD203B41FA5}">
-                      <a16:colId xmlns:a16="http://schemas.microsoft.com/office/drawing/2014/main" xmlns="" val="20002"/>
+                      <a16:colId xmlns="" xmlns:a16="http://schemas.microsoft.com/office/drawing/2014/main" val="20002"/>
                     </a:ext>
                   </a:extLst>
                 </a:gridCol>
@@ -27241,7 +27354,7 @@
                 </a:tc>
                 <a:extLst>
                   <a:ext uri="{0D108BD9-81ED-4DB2-BD59-A6C34878D82A}">
-                    <a16:rowId xmlns:a16="http://schemas.microsoft.com/office/drawing/2014/main" xmlns="" val="10000"/>
+                    <a16:rowId xmlns="" xmlns:a16="http://schemas.microsoft.com/office/drawing/2014/main" val="10000"/>
                   </a:ext>
                 </a:extLst>
               </a:tr>
@@ -27851,7 +27964,7 @@
                 </a:tc>
                 <a:extLst>
                   <a:ext uri="{0D108BD9-81ED-4DB2-BD59-A6C34878D82A}">
-                    <a16:rowId xmlns:a16="http://schemas.microsoft.com/office/drawing/2014/main" xmlns="" val="10001"/>
+                    <a16:rowId xmlns="" xmlns:a16="http://schemas.microsoft.com/office/drawing/2014/main" val="10001"/>
                   </a:ext>
                 </a:extLst>
               </a:tr>
@@ -28011,7 +28124,7 @@
                 </a:tc>
                 <a:extLst>
                   <a:ext uri="{0D108BD9-81ED-4DB2-BD59-A6C34878D82A}">
-                    <a16:rowId xmlns:a16="http://schemas.microsoft.com/office/drawing/2014/main" xmlns="" val="10002"/>
+                    <a16:rowId xmlns="" xmlns:a16="http://schemas.microsoft.com/office/drawing/2014/main" val="10002"/>
                   </a:ext>
                 </a:extLst>
               </a:tr>
@@ -28146,7 +28259,7 @@
                 </a:tc>
                 <a:extLst>
                   <a:ext uri="{0D108BD9-81ED-4DB2-BD59-A6C34878D82A}">
-                    <a16:rowId xmlns:a16="http://schemas.microsoft.com/office/drawing/2014/main" xmlns="" val="10003"/>
+                    <a16:rowId xmlns="" xmlns:a16="http://schemas.microsoft.com/office/drawing/2014/main" val="10003"/>
                   </a:ext>
                 </a:extLst>
               </a:tr>
@@ -28346,7 +28459,7 @@
                 </a:tc>
                 <a:extLst>
                   <a:ext uri="{0D108BD9-81ED-4DB2-BD59-A6C34878D82A}">
-                    <a16:rowId xmlns:a16="http://schemas.microsoft.com/office/drawing/2014/main" xmlns="" val="10004"/>
+                    <a16:rowId xmlns="" xmlns:a16="http://schemas.microsoft.com/office/drawing/2014/main" val="10004"/>
                   </a:ext>
                 </a:extLst>
               </a:tr>
@@ -28579,7 +28692,7 @@
                 </a:tc>
                 <a:extLst>
                   <a:ext uri="{0D108BD9-81ED-4DB2-BD59-A6C34878D82A}">
-                    <a16:rowId xmlns:a16="http://schemas.microsoft.com/office/drawing/2014/main" xmlns="" val="10005"/>
+                    <a16:rowId xmlns="" xmlns:a16="http://schemas.microsoft.com/office/drawing/2014/main" val="10005"/>
                   </a:ext>
                 </a:extLst>
               </a:tr>
@@ -28746,7 +28859,7 @@
                 </a:tc>
                 <a:extLst>
                   <a:ext uri="{0D108BD9-81ED-4DB2-BD59-A6C34878D82A}">
-                    <a16:rowId xmlns:a16="http://schemas.microsoft.com/office/drawing/2014/main" xmlns="" val="10006"/>
+                    <a16:rowId xmlns="" xmlns:a16="http://schemas.microsoft.com/office/drawing/2014/main" val="10006"/>
                   </a:ext>
                 </a:extLst>
               </a:tr>
@@ -28889,7 +29002,7 @@
                 </a:tc>
                 <a:extLst>
                   <a:ext uri="{0D108BD9-81ED-4DB2-BD59-A6C34878D82A}">
-                    <a16:rowId xmlns:a16="http://schemas.microsoft.com/office/drawing/2014/main" xmlns="" val="10007"/>
+                    <a16:rowId xmlns="" xmlns:a16="http://schemas.microsoft.com/office/drawing/2014/main" val="10007"/>
                   </a:ext>
                 </a:extLst>
               </a:tr>
@@ -29057,7 +29170,7 @@
                 </a:tc>
                 <a:extLst>
                   <a:ext uri="{0D108BD9-81ED-4DB2-BD59-A6C34878D82A}">
-                    <a16:rowId xmlns:a16="http://schemas.microsoft.com/office/drawing/2014/main" xmlns="" val="10008"/>
+                    <a16:rowId xmlns="" xmlns:a16="http://schemas.microsoft.com/office/drawing/2014/main" val="10008"/>
                   </a:ext>
                 </a:extLst>
               </a:tr>
@@ -29099,6 +29212,13 @@
   <p:clrMapOvr>
     <a:masterClrMapping/>
   </p:clrMapOvr>
+  <p:timing>
+    <p:tnLst>
+      <p:par>
+        <p:cTn id="1" dur="indefinite" restart="never" nodeType="tmRoot"/>
+      </p:par>
+    </p:tnLst>
+  </p:timing>
 </p:sld>
 </file>
 
@@ -29242,21 +29362,21 @@
                 <a:gridCol w="1651214">
                   <a:extLst>
                     <a:ext uri="{9D8B030D-6E8A-4147-A177-3AD203B41FA5}">
-                      <a16:colId xmlns:a16="http://schemas.microsoft.com/office/drawing/2014/main" xmlns="" val="20000"/>
+                      <a16:colId xmlns="" xmlns:a16="http://schemas.microsoft.com/office/drawing/2014/main" val="20000"/>
                     </a:ext>
                   </a:extLst>
                 </a:gridCol>
                 <a:gridCol w="2545492">
                   <a:extLst>
                     <a:ext uri="{9D8B030D-6E8A-4147-A177-3AD203B41FA5}">
-                      <a16:colId xmlns:a16="http://schemas.microsoft.com/office/drawing/2014/main" xmlns="" val="20001"/>
+                      <a16:colId xmlns="" xmlns:a16="http://schemas.microsoft.com/office/drawing/2014/main" val="20001"/>
                     </a:ext>
                   </a:extLst>
                 </a:gridCol>
                 <a:gridCol w="5436973">
                   <a:extLst>
                     <a:ext uri="{9D8B030D-6E8A-4147-A177-3AD203B41FA5}">
-                      <a16:colId xmlns:a16="http://schemas.microsoft.com/office/drawing/2014/main" xmlns="" val="20002"/>
+                      <a16:colId xmlns="" xmlns:a16="http://schemas.microsoft.com/office/drawing/2014/main" val="20002"/>
                     </a:ext>
                   </a:extLst>
                 </a:gridCol>
@@ -29441,7 +29561,7 @@
                 </a:tc>
                 <a:extLst>
                   <a:ext uri="{0D108BD9-81ED-4DB2-BD59-A6C34878D82A}">
-                    <a16:rowId xmlns:a16="http://schemas.microsoft.com/office/drawing/2014/main" xmlns="" val="10000"/>
+                    <a16:rowId xmlns="" xmlns:a16="http://schemas.microsoft.com/office/drawing/2014/main" val="10000"/>
                   </a:ext>
                 </a:extLst>
               </a:tr>
@@ -29657,7 +29777,7 @@
                 </a:tc>
                 <a:extLst>
                   <a:ext uri="{0D108BD9-81ED-4DB2-BD59-A6C34878D82A}">
-                    <a16:rowId xmlns:a16="http://schemas.microsoft.com/office/drawing/2014/main" xmlns="" val="10009"/>
+                    <a16:rowId xmlns="" xmlns:a16="http://schemas.microsoft.com/office/drawing/2014/main" val="10009"/>
                   </a:ext>
                 </a:extLst>
               </a:tr>
@@ -29979,7 +30099,7 @@
                 </a:tc>
                 <a:extLst>
                   <a:ext uri="{0D108BD9-81ED-4DB2-BD59-A6C34878D82A}">
-                    <a16:rowId xmlns:a16="http://schemas.microsoft.com/office/drawing/2014/main" xmlns="" val="10010"/>
+                    <a16:rowId xmlns="" xmlns:a16="http://schemas.microsoft.com/office/drawing/2014/main" val="10010"/>
                   </a:ext>
                 </a:extLst>
               </a:tr>
@@ -30502,6 +30622,13 @@
   <p:clrMapOvr>
     <a:masterClrMapping/>
   </p:clrMapOvr>
+  <p:timing>
+    <p:tnLst>
+      <p:par>
+        <p:cTn id="1" dur="indefinite" restart="never" nodeType="tmRoot"/>
+      </p:par>
+    </p:tnLst>
+  </p:timing>
 </p:sld>
 </file>
 
